--- a/food-security-slides.pptx
+++ b/food-security-slides.pptx
@@ -13,9 +13,9 @@
     <p:sldId id="258" r:id="rId4"/>
     <p:sldId id="261" r:id="rId5"/>
     <p:sldId id="259" r:id="rId6"/>
-    <p:sldId id="260" r:id="rId7"/>
-    <p:sldId id="262" r:id="rId8"/>
-    <p:sldId id="263" r:id="rId9"/>
+    <p:sldId id="262" r:id="rId7"/>
+    <p:sldId id="263" r:id="rId8"/>
+    <p:sldId id="260" r:id="rId9"/>
     <p:sldId id="264" r:id="rId10"/>
     <p:sldId id="265" r:id="rId11"/>
     <p:sldId id="266" r:id="rId12"/>
@@ -128,15 +128,15 @@
 </file>
 
 <file path=ppt/diagrams/colors1.xml><?xml version="1.0" encoding="utf-8"?>
-<dgm:colorsDef xmlns:dgm="http://schemas.openxmlformats.org/drawingml/2006/diagram" xmlns:a="http://schemas.openxmlformats.org/drawingml/2006/main" uniqueId="urn:microsoft.com/office/officeart/2005/8/colors/colorful5">
+<dgm:colorsDef xmlns:dgm="http://schemas.openxmlformats.org/drawingml/2006/diagram" xmlns:a="http://schemas.openxmlformats.org/drawingml/2006/main" uniqueId="urn:microsoft.com/office/officeart/2005/8/colors/colorful2">
   <dgm:title val=""/>
   <dgm:desc val=""/>
   <dgm:catLst>
-    <dgm:cat type="colorful" pri="10500"/>
+    <dgm:cat type="colorful" pri="10200"/>
   </dgm:catLst>
   <dgm:styleLbl name="node0">
     <dgm:fillClrLst meth="repeat">
-      <a:schemeClr val="accent4"/>
+      <a:schemeClr val="accent1"/>
     </dgm:fillClrLst>
     <dgm:linClrLst meth="repeat">
       <a:schemeClr val="lt1"/>
@@ -148,8 +148,8 @@
   </dgm:styleLbl>
   <dgm:styleLbl name="node1">
     <dgm:fillClrLst>
-      <a:schemeClr val="accent5"/>
-      <a:schemeClr val="accent6"/>
+      <a:schemeClr val="accent2"/>
+      <a:schemeClr val="accent3"/>
     </dgm:fillClrLst>
     <dgm:linClrLst meth="repeat">
       <a:schemeClr val="lt1"/>
@@ -161,12 +161,12 @@
   </dgm:styleLbl>
   <dgm:styleLbl name="alignNode1">
     <dgm:fillClrLst>
-      <a:schemeClr val="accent5"/>
-      <a:schemeClr val="accent6"/>
+      <a:schemeClr val="accent2"/>
+      <a:schemeClr val="accent3"/>
     </dgm:fillClrLst>
     <dgm:linClrLst>
-      <a:schemeClr val="accent5"/>
-      <a:schemeClr val="accent6"/>
+      <a:schemeClr val="accent2"/>
+      <a:schemeClr val="accent3"/>
     </dgm:linClrLst>
     <dgm:effectClrLst/>
     <dgm:txLinClrLst/>
@@ -175,8 +175,8 @@
   </dgm:styleLbl>
   <dgm:styleLbl name="lnNode1">
     <dgm:fillClrLst>
-      <a:schemeClr val="accent5"/>
-      <a:schemeClr val="accent6"/>
+      <a:schemeClr val="accent2"/>
+      <a:schemeClr val="accent3"/>
     </dgm:fillClrLst>
     <dgm:linClrLst meth="repeat">
       <a:schemeClr val="lt1"/>
@@ -188,10 +188,10 @@
   </dgm:styleLbl>
   <dgm:styleLbl name="vennNode1">
     <dgm:fillClrLst>
-      <a:schemeClr val="accent5">
+      <a:schemeClr val="accent2">
         <a:alpha val="50000"/>
       </a:schemeClr>
-      <a:schemeClr val="accent6">
+      <a:schemeClr val="accent3">
         <a:alpha val="50000"/>
       </a:schemeClr>
     </dgm:fillClrLst>
@@ -205,7 +205,7 @@
   </dgm:styleLbl>
   <dgm:styleLbl name="node2">
     <dgm:fillClrLst>
-      <a:schemeClr val="accent6"/>
+      <a:schemeClr val="accent3"/>
     </dgm:fillClrLst>
     <dgm:linClrLst meth="repeat">
       <a:schemeClr val="lt1"/>
@@ -217,7 +217,7 @@
   </dgm:styleLbl>
   <dgm:styleLbl name="node3">
     <dgm:fillClrLst>
-      <a:schemeClr val="accent1"/>
+      <a:schemeClr val="accent4"/>
     </dgm:fillClrLst>
     <dgm:linClrLst meth="repeat">
       <a:schemeClr val="lt1"/>
@@ -229,7 +229,7 @@
   </dgm:styleLbl>
   <dgm:styleLbl name="node4">
     <dgm:fillClrLst>
-      <a:schemeClr val="accent2"/>
+      <a:schemeClr val="accent5"/>
     </dgm:fillClrLst>
     <dgm:linClrLst meth="repeat">
       <a:schemeClr val="lt1"/>
@@ -241,10 +241,10 @@
   </dgm:styleLbl>
   <dgm:styleLbl name="fgImgPlace1">
     <dgm:fillClrLst>
-      <a:schemeClr val="accent5">
+      <a:schemeClr val="accent2">
         <a:tint val="50000"/>
       </a:schemeClr>
-      <a:schemeClr val="accent6">
+      <a:schemeClr val="accent3">
         <a:tint val="50000"/>
       </a:schemeClr>
     </dgm:fillClrLst>
@@ -260,10 +260,10 @@
   </dgm:styleLbl>
   <dgm:styleLbl name="alignImgPlace1">
     <dgm:fillClrLst>
-      <a:schemeClr val="accent5">
+      <a:schemeClr val="accent2">
         <a:tint val="50000"/>
       </a:schemeClr>
-      <a:schemeClr val="accent6">
+      <a:schemeClr val="accent3">
         <a:tint val="20000"/>
       </a:schemeClr>
     </dgm:fillClrLst>
@@ -279,10 +279,10 @@
   </dgm:styleLbl>
   <dgm:styleLbl name="bgImgPlace1">
     <dgm:fillClrLst>
-      <a:schemeClr val="accent5">
+      <a:schemeClr val="accent2">
         <a:tint val="50000"/>
       </a:schemeClr>
-      <a:schemeClr val="accent6">
+      <a:schemeClr val="accent3">
         <a:tint val="20000"/>
       </a:schemeClr>
     </dgm:fillClrLst>
@@ -298,8 +298,8 @@
   </dgm:styleLbl>
   <dgm:styleLbl name="sibTrans2D1">
     <dgm:fillClrLst>
-      <a:schemeClr val="accent5"/>
-      <a:schemeClr val="accent6"/>
+      <a:schemeClr val="accent2"/>
+      <a:schemeClr val="accent3"/>
     </dgm:fillClrLst>
     <dgm:linClrLst meth="repeat">
       <a:schemeClr val="lt1"/>
@@ -311,8 +311,8 @@
   </dgm:styleLbl>
   <dgm:styleLbl name="fgSibTrans2D1">
     <dgm:fillClrLst>
-      <a:schemeClr val="accent5"/>
-      <a:schemeClr val="accent6"/>
+      <a:schemeClr val="accent2"/>
+      <a:schemeClr val="accent3"/>
     </dgm:fillClrLst>
     <dgm:linClrLst meth="repeat">
       <a:schemeClr val="lt1"/>
@@ -326,8 +326,8 @@
   </dgm:styleLbl>
   <dgm:styleLbl name="bgSibTrans2D1">
     <dgm:fillClrLst>
-      <a:schemeClr val="accent5"/>
-      <a:schemeClr val="accent6"/>
+      <a:schemeClr val="accent2"/>
+      <a:schemeClr val="accent3"/>
     </dgm:fillClrLst>
     <dgm:linClrLst meth="repeat">
       <a:schemeClr val="lt1"/>
@@ -342,8 +342,8 @@
   <dgm:styleLbl name="sibTrans1D1">
     <dgm:fillClrLst/>
     <dgm:linClrLst>
-      <a:schemeClr val="accent5"/>
-      <a:schemeClr val="accent6"/>
+      <a:schemeClr val="accent2"/>
+      <a:schemeClr val="accent3"/>
     </dgm:linClrLst>
     <dgm:effectClrLst/>
     <dgm:txLinClrLst/>
@@ -354,10 +354,10 @@
   </dgm:styleLbl>
   <dgm:styleLbl name="callout">
     <dgm:fillClrLst meth="repeat">
-      <a:schemeClr val="accent5"/>
+      <a:schemeClr val="accent2"/>
     </dgm:fillClrLst>
     <dgm:linClrLst meth="repeat">
-      <a:schemeClr val="accent5">
+      <a:schemeClr val="accent2">
         <a:tint val="50000"/>
       </a:schemeClr>
     </dgm:linClrLst>
@@ -370,7 +370,7 @@
   </dgm:styleLbl>
   <dgm:styleLbl name="asst0">
     <dgm:fillClrLst meth="repeat">
-      <a:schemeClr val="accent5"/>
+      <a:schemeClr val="accent2"/>
     </dgm:fillClrLst>
     <dgm:linClrLst meth="repeat">
       <a:schemeClr val="lt1">
@@ -384,7 +384,7 @@
   </dgm:styleLbl>
   <dgm:styleLbl name="asst1">
     <dgm:fillClrLst meth="repeat">
-      <a:schemeClr val="accent6"/>
+      <a:schemeClr val="accent3"/>
     </dgm:fillClrLst>
     <dgm:linClrLst meth="repeat">
       <a:schemeClr val="lt1">
@@ -398,7 +398,7 @@
   </dgm:styleLbl>
   <dgm:styleLbl name="asst2">
     <dgm:fillClrLst>
-      <a:schemeClr val="accent1"/>
+      <a:schemeClr val="accent4"/>
     </dgm:fillClrLst>
     <dgm:linClrLst meth="repeat">
       <a:schemeClr val="lt1"/>
@@ -410,7 +410,7 @@
   </dgm:styleLbl>
   <dgm:styleLbl name="asst3">
     <dgm:fillClrLst>
-      <a:schemeClr val="accent2"/>
+      <a:schemeClr val="accent5"/>
     </dgm:fillClrLst>
     <dgm:linClrLst meth="repeat">
       <a:schemeClr val="lt1"/>
@@ -422,6 +422,32 @@
   </dgm:styleLbl>
   <dgm:styleLbl name="asst4">
     <dgm:fillClrLst>
+      <a:schemeClr val="accent6"/>
+    </dgm:fillClrLst>
+    <dgm:linClrLst meth="repeat">
+      <a:schemeClr val="lt1"/>
+    </dgm:linClrLst>
+    <dgm:effectClrLst/>
+    <dgm:txLinClrLst/>
+    <dgm:txFillClrLst/>
+    <dgm:txEffectClrLst/>
+  </dgm:styleLbl>
+  <dgm:styleLbl name="parChTrans2D1">
+    <dgm:fillClrLst meth="repeat">
+      <a:schemeClr val="accent2"/>
+    </dgm:fillClrLst>
+    <dgm:linClrLst meth="repeat">
+      <a:schemeClr val="lt1"/>
+    </dgm:linClrLst>
+    <dgm:effectClrLst/>
+    <dgm:txLinClrLst/>
+    <dgm:txFillClrLst meth="repeat">
+      <a:schemeClr val="lt1"/>
+    </dgm:txFillClrLst>
+    <dgm:txEffectClrLst/>
+  </dgm:styleLbl>
+  <dgm:styleLbl name="parChTrans2D2">
+    <dgm:fillClrLst meth="repeat">
       <a:schemeClr val="accent3"/>
     </dgm:fillClrLst>
     <dgm:linClrLst meth="repeat">
@@ -432,7 +458,19 @@
     <dgm:txFillClrLst/>
     <dgm:txEffectClrLst/>
   </dgm:styleLbl>
-  <dgm:styleLbl name="parChTrans2D1">
+  <dgm:styleLbl name="parChTrans2D3">
+    <dgm:fillClrLst meth="repeat">
+      <a:schemeClr val="accent4"/>
+    </dgm:fillClrLst>
+    <dgm:linClrLst meth="repeat">
+      <a:schemeClr val="lt1"/>
+    </dgm:linClrLst>
+    <dgm:effectClrLst/>
+    <dgm:txLinClrLst/>
+    <dgm:txFillClrLst/>
+    <dgm:txEffectClrLst/>
+  </dgm:styleLbl>
+  <dgm:styleLbl name="parChTrans2D4">
     <dgm:fillClrLst meth="repeat">
       <a:schemeClr val="accent5"/>
     </dgm:fillClrLst>
@@ -446,47 +484,57 @@
     </dgm:txFillClrLst>
     <dgm:txEffectClrLst/>
   </dgm:styleLbl>
-  <dgm:styleLbl name="parChTrans2D2">
+  <dgm:styleLbl name="parChTrans1D1">
     <dgm:fillClrLst meth="repeat">
-      <a:schemeClr val="accent6"/>
+      <a:schemeClr val="accent2"/>
     </dgm:fillClrLst>
     <dgm:linClrLst meth="repeat">
-      <a:schemeClr val="lt1"/>
-    </dgm:linClrLst>
-    <dgm:effectClrLst/>
-    <dgm:txLinClrLst/>
-    <dgm:txFillClrLst/>
-    <dgm:txEffectClrLst/>
-  </dgm:styleLbl>
-  <dgm:styleLbl name="parChTrans2D3">
-    <dgm:fillClrLst meth="repeat">
-      <a:schemeClr val="accent6"/>
-    </dgm:fillClrLst>
-    <dgm:linClrLst meth="repeat">
-      <a:schemeClr val="lt1"/>
-    </dgm:linClrLst>
-    <dgm:effectClrLst/>
-    <dgm:txLinClrLst/>
-    <dgm:txFillClrLst/>
-    <dgm:txEffectClrLst/>
-  </dgm:styleLbl>
-  <dgm:styleLbl name="parChTrans2D4">
-    <dgm:fillClrLst meth="repeat">
-      <a:schemeClr val="accent1"/>
-    </dgm:fillClrLst>
-    <dgm:linClrLst meth="repeat">
-      <a:schemeClr val="lt1"/>
+      <a:schemeClr val="accent2"/>
     </dgm:linClrLst>
     <dgm:effectClrLst/>
     <dgm:txLinClrLst/>
     <dgm:txFillClrLst meth="repeat">
-      <a:schemeClr val="lt1"/>
+      <a:schemeClr val="tx1"/>
     </dgm:txFillClrLst>
     <dgm:txEffectClrLst/>
   </dgm:styleLbl>
-  <dgm:styleLbl name="parChTrans1D1">
+  <dgm:styleLbl name="parChTrans1D2">
     <dgm:fillClrLst meth="repeat">
-      <a:schemeClr val="accent5"/>
+      <a:schemeClr val="accent2">
+        <a:tint val="90000"/>
+      </a:schemeClr>
+    </dgm:fillClrLst>
+    <dgm:linClrLst meth="repeat">
+      <a:schemeClr val="accent3"/>
+    </dgm:linClrLst>
+    <dgm:effectClrLst/>
+    <dgm:txLinClrLst/>
+    <dgm:txFillClrLst meth="repeat">
+      <a:schemeClr val="tx1"/>
+    </dgm:txFillClrLst>
+    <dgm:txEffectClrLst/>
+  </dgm:styleLbl>
+  <dgm:styleLbl name="parChTrans1D3">
+    <dgm:fillClrLst meth="repeat">
+      <a:schemeClr val="accent2">
+        <a:tint val="70000"/>
+      </a:schemeClr>
+    </dgm:fillClrLst>
+    <dgm:linClrLst meth="repeat">
+      <a:schemeClr val="accent4"/>
+    </dgm:linClrLst>
+    <dgm:effectClrLst/>
+    <dgm:txLinClrLst/>
+    <dgm:txFillClrLst meth="repeat">
+      <a:schemeClr val="tx1"/>
+    </dgm:txFillClrLst>
+    <dgm:txEffectClrLst/>
+  </dgm:styleLbl>
+  <dgm:styleLbl name="parChTrans1D4">
+    <dgm:fillClrLst meth="repeat">
+      <a:schemeClr val="accent2">
+        <a:tint val="50000"/>
+      </a:schemeClr>
     </dgm:fillClrLst>
     <dgm:linClrLst meth="repeat">
       <a:schemeClr val="accent5"/>
@@ -498,42 +546,61 @@
     </dgm:txFillClrLst>
     <dgm:txEffectClrLst/>
   </dgm:styleLbl>
-  <dgm:styleLbl name="parChTrans1D2">
+  <dgm:styleLbl name="fgAcc1">
     <dgm:fillClrLst meth="repeat">
-      <a:schemeClr val="accent6">
-        <a:tint val="90000"/>
+      <a:schemeClr val="lt1">
+        <a:alpha val="90000"/>
       </a:schemeClr>
     </dgm:fillClrLst>
-    <dgm:linClrLst meth="repeat">
-      <a:schemeClr val="accent6"/>
+    <dgm:linClrLst>
+      <a:schemeClr val="accent2"/>
+      <a:schemeClr val="accent3"/>
     </dgm:linClrLst>
     <dgm:effectClrLst/>
     <dgm:txLinClrLst/>
     <dgm:txFillClrLst meth="repeat">
-      <a:schemeClr val="tx1"/>
+      <a:schemeClr val="dk1"/>
     </dgm:txFillClrLst>
     <dgm:txEffectClrLst/>
   </dgm:styleLbl>
-  <dgm:styleLbl name="parChTrans1D3">
+  <dgm:styleLbl name="conFgAcc1">
     <dgm:fillClrLst meth="repeat">
-      <a:schemeClr val="accent6">
-        <a:tint val="70000"/>
+      <a:schemeClr val="lt1">
+        <a:alpha val="90000"/>
       </a:schemeClr>
     </dgm:fillClrLst>
-    <dgm:linClrLst meth="repeat">
-      <a:schemeClr val="accent1"/>
+    <dgm:linClrLst>
+      <a:schemeClr val="accent2"/>
+      <a:schemeClr val="accent3"/>
     </dgm:linClrLst>
     <dgm:effectClrLst/>
     <dgm:txLinClrLst/>
     <dgm:txFillClrLst meth="repeat">
-      <a:schemeClr val="tx1"/>
+      <a:schemeClr val="dk1"/>
     </dgm:txFillClrLst>
     <dgm:txEffectClrLst/>
   </dgm:styleLbl>
-  <dgm:styleLbl name="parChTrans1D4">
+  <dgm:styleLbl name="alignAcc1">
     <dgm:fillClrLst meth="repeat">
-      <a:schemeClr val="accent6">
-        <a:tint val="50000"/>
+      <a:schemeClr val="lt1">
+        <a:alpha val="90000"/>
+      </a:schemeClr>
+    </dgm:fillClrLst>
+    <dgm:linClrLst>
+      <a:schemeClr val="accent2"/>
+      <a:schemeClr val="accent3"/>
+    </dgm:linClrLst>
+    <dgm:effectClrLst/>
+    <dgm:txLinClrLst/>
+    <dgm:txFillClrLst meth="repeat">
+      <a:schemeClr val="dk1"/>
+    </dgm:txFillClrLst>
+    <dgm:txEffectClrLst/>
+  </dgm:styleLbl>
+  <dgm:styleLbl name="trAlignAcc1">
+    <dgm:fillClrLst meth="repeat">
+      <a:schemeClr val="lt1">
+        <a:alpha val="40000"/>
       </a:schemeClr>
     </dgm:fillClrLst>
     <dgm:linClrLst meth="repeat">
@@ -542,19 +609,19 @@
     <dgm:effectClrLst/>
     <dgm:txLinClrLst/>
     <dgm:txFillClrLst meth="repeat">
-      <a:schemeClr val="tx1"/>
+      <a:schemeClr val="dk1"/>
     </dgm:txFillClrLst>
     <dgm:txEffectClrLst/>
   </dgm:styleLbl>
-  <dgm:styleLbl name="fgAcc1">
+  <dgm:styleLbl name="bgAcc1">
     <dgm:fillClrLst meth="repeat">
       <a:schemeClr val="lt1">
         <a:alpha val="90000"/>
       </a:schemeClr>
     </dgm:fillClrLst>
     <dgm:linClrLst>
-      <a:schemeClr val="accent5"/>
-      <a:schemeClr val="accent6"/>
+      <a:schemeClr val="accent2"/>
+      <a:schemeClr val="accent3"/>
     </dgm:linClrLst>
     <dgm:effectClrLst/>
     <dgm:txLinClrLst/>
@@ -563,15 +630,13 @@
     </dgm:txFillClrLst>
     <dgm:txEffectClrLst/>
   </dgm:styleLbl>
-  <dgm:styleLbl name="conFgAcc1">
+  <dgm:styleLbl name="solidFgAcc1">
     <dgm:fillClrLst meth="repeat">
-      <a:schemeClr val="lt1">
-        <a:alpha val="90000"/>
-      </a:schemeClr>
+      <a:schemeClr val="lt1"/>
     </dgm:fillClrLst>
     <dgm:linClrLst>
-      <a:schemeClr val="accent5"/>
-      <a:schemeClr val="accent6"/>
+      <a:schemeClr val="accent2"/>
+      <a:schemeClr val="accent3"/>
     </dgm:linClrLst>
     <dgm:effectClrLst/>
     <dgm:txLinClrLst/>
@@ -580,15 +645,13 @@
     </dgm:txFillClrLst>
     <dgm:txEffectClrLst/>
   </dgm:styleLbl>
-  <dgm:styleLbl name="alignAcc1">
+  <dgm:styleLbl name="solidAlignAcc1">
     <dgm:fillClrLst meth="repeat">
-      <a:schemeClr val="lt1">
-        <a:alpha val="90000"/>
-      </a:schemeClr>
+      <a:schemeClr val="lt1"/>
     </dgm:fillClrLst>
     <dgm:linClrLst>
-      <a:schemeClr val="accent5"/>
-      <a:schemeClr val="accent6"/>
+      <a:schemeClr val="accent2"/>
+      <a:schemeClr val="accent3"/>
     </dgm:linClrLst>
     <dgm:effectClrLst/>
     <dgm:txLinClrLst/>
@@ -597,14 +660,13 @@
     </dgm:txFillClrLst>
     <dgm:txEffectClrLst/>
   </dgm:styleLbl>
-  <dgm:styleLbl name="trAlignAcc1">
+  <dgm:styleLbl name="solidBgAcc1">
     <dgm:fillClrLst meth="repeat">
-      <a:schemeClr val="lt1">
-        <a:alpha val="40000"/>
-      </a:schemeClr>
+      <a:schemeClr val="lt1"/>
     </dgm:fillClrLst>
-    <dgm:linClrLst meth="repeat">
-      <a:schemeClr val="accent5"/>
+    <dgm:linClrLst>
+      <a:schemeClr val="accent2"/>
+      <a:schemeClr val="accent3"/>
     </dgm:linClrLst>
     <dgm:effectClrLst/>
     <dgm:txLinClrLst/>
@@ -613,85 +675,23 @@
     </dgm:txFillClrLst>
     <dgm:txEffectClrLst/>
   </dgm:styleLbl>
-  <dgm:styleLbl name="bgAcc1">
-    <dgm:fillClrLst meth="repeat">
-      <a:schemeClr val="lt1">
-        <a:alpha val="90000"/>
-      </a:schemeClr>
-    </dgm:fillClrLst>
-    <dgm:linClrLst>
-      <a:schemeClr val="accent5"/>
-      <a:schemeClr val="accent6"/>
-    </dgm:linClrLst>
-    <dgm:effectClrLst/>
-    <dgm:txLinClrLst/>
-    <dgm:txFillClrLst meth="repeat">
-      <a:schemeClr val="dk1"/>
-    </dgm:txFillClrLst>
-    <dgm:txEffectClrLst/>
-  </dgm:styleLbl>
-  <dgm:styleLbl name="solidFgAcc1">
-    <dgm:fillClrLst meth="repeat">
-      <a:schemeClr val="lt1"/>
-    </dgm:fillClrLst>
-    <dgm:linClrLst>
-      <a:schemeClr val="accent5"/>
-      <a:schemeClr val="accent6"/>
-    </dgm:linClrLst>
-    <dgm:effectClrLst/>
-    <dgm:txLinClrLst/>
-    <dgm:txFillClrLst meth="repeat">
-      <a:schemeClr val="dk1"/>
-    </dgm:txFillClrLst>
-    <dgm:txEffectClrLst/>
-  </dgm:styleLbl>
-  <dgm:styleLbl name="solidAlignAcc1">
-    <dgm:fillClrLst meth="repeat">
-      <a:schemeClr val="lt1"/>
-    </dgm:fillClrLst>
-    <dgm:linClrLst>
-      <a:schemeClr val="accent5"/>
-      <a:schemeClr val="accent6"/>
-    </dgm:linClrLst>
-    <dgm:effectClrLst/>
-    <dgm:txLinClrLst/>
-    <dgm:txFillClrLst meth="repeat">
-      <a:schemeClr val="dk1"/>
-    </dgm:txFillClrLst>
-    <dgm:txEffectClrLst/>
-  </dgm:styleLbl>
-  <dgm:styleLbl name="solidBgAcc1">
-    <dgm:fillClrLst meth="repeat">
-      <a:schemeClr val="lt1"/>
-    </dgm:fillClrLst>
-    <dgm:linClrLst>
-      <a:schemeClr val="accent5"/>
-      <a:schemeClr val="accent6"/>
-    </dgm:linClrLst>
-    <dgm:effectClrLst/>
-    <dgm:txLinClrLst/>
-    <dgm:txFillClrLst meth="repeat">
-      <a:schemeClr val="dk1"/>
-    </dgm:txFillClrLst>
-    <dgm:txEffectClrLst/>
-  </dgm:styleLbl>
   <dgm:styleLbl name="fgAccFollowNode1">
     <dgm:fillClrLst>
-      <a:schemeClr val="accent5">
+      <a:schemeClr val="accent2">
         <a:tint val="40000"/>
         <a:alpha val="90000"/>
       </a:schemeClr>
-      <a:schemeClr val="accent6">
+      <a:schemeClr val="accent3">
         <a:tint val="40000"/>
         <a:alpha val="90000"/>
       </a:schemeClr>
     </dgm:fillClrLst>
     <dgm:linClrLst>
-      <a:schemeClr val="accent5">
+      <a:schemeClr val="accent2">
         <a:tint val="40000"/>
         <a:alpha val="90000"/>
       </a:schemeClr>
-      <a:schemeClr val="accent5">
+      <a:schemeClr val="accent3">
         <a:tint val="40000"/>
         <a:alpha val="90000"/>
       </a:schemeClr>
@@ -705,21 +705,21 @@
   </dgm:styleLbl>
   <dgm:styleLbl name="alignAccFollowNode1">
     <dgm:fillClrLst>
-      <a:schemeClr val="accent5">
+      <a:schemeClr val="accent2">
         <a:tint val="40000"/>
         <a:alpha val="90000"/>
       </a:schemeClr>
-      <a:schemeClr val="accent6">
+      <a:schemeClr val="accent3">
         <a:tint val="40000"/>
         <a:alpha val="90000"/>
       </a:schemeClr>
     </dgm:fillClrLst>
     <dgm:linClrLst>
-      <a:schemeClr val="accent5">
+      <a:schemeClr val="accent2">
         <a:tint val="40000"/>
         <a:alpha val="90000"/>
       </a:schemeClr>
-      <a:schemeClr val="accent6">
+      <a:schemeClr val="accent3">
         <a:tint val="40000"/>
         <a:alpha val="90000"/>
       </a:schemeClr>
@@ -733,21 +733,21 @@
   </dgm:styleLbl>
   <dgm:styleLbl name="bgAccFollowNode1">
     <dgm:fillClrLst>
-      <a:schemeClr val="accent5">
+      <a:schemeClr val="accent2">
         <a:tint val="40000"/>
         <a:alpha val="90000"/>
       </a:schemeClr>
-      <a:schemeClr val="accent6">
+      <a:schemeClr val="accent3">
         <a:tint val="40000"/>
         <a:alpha val="90000"/>
       </a:schemeClr>
     </dgm:fillClrLst>
     <dgm:linClrLst>
-      <a:schemeClr val="accent5">
+      <a:schemeClr val="accent2">
         <a:tint val="40000"/>
         <a:alpha val="90000"/>
       </a:schemeClr>
-      <a:schemeClr val="accent6">
+      <a:schemeClr val="accent3">
         <a:tint val="40000"/>
         <a:alpha val="90000"/>
       </a:schemeClr>
@@ -760,6 +760,38 @@
     <dgm:txEffectClrLst/>
   </dgm:styleLbl>
   <dgm:styleLbl name="fgAcc0">
+    <dgm:fillClrLst meth="repeat">
+      <a:schemeClr val="lt1">
+        <a:alpha val="90000"/>
+      </a:schemeClr>
+    </dgm:fillClrLst>
+    <dgm:linClrLst>
+      <a:schemeClr val="accent1"/>
+    </dgm:linClrLst>
+    <dgm:effectClrLst/>
+    <dgm:txLinClrLst/>
+    <dgm:txFillClrLst meth="repeat">
+      <a:schemeClr val="dk1"/>
+    </dgm:txFillClrLst>
+    <dgm:txEffectClrLst/>
+  </dgm:styleLbl>
+  <dgm:styleLbl name="fgAcc2">
+    <dgm:fillClrLst meth="repeat">
+      <a:schemeClr val="lt1">
+        <a:alpha val="90000"/>
+      </a:schemeClr>
+    </dgm:fillClrLst>
+    <dgm:linClrLst>
+      <a:schemeClr val="accent3"/>
+    </dgm:linClrLst>
+    <dgm:effectClrLst/>
+    <dgm:txLinClrLst/>
+    <dgm:txFillClrLst meth="repeat">
+      <a:schemeClr val="dk1"/>
+    </dgm:txFillClrLst>
+    <dgm:txEffectClrLst/>
+  </dgm:styleLbl>
+  <dgm:styleLbl name="fgAcc3">
     <dgm:fillClrLst meth="repeat">
       <a:schemeClr val="lt1">
         <a:alpha val="90000"/>
@@ -775,14 +807,14 @@
     </dgm:txFillClrLst>
     <dgm:txEffectClrLst/>
   </dgm:styleLbl>
-  <dgm:styleLbl name="fgAcc2">
+  <dgm:styleLbl name="fgAcc4">
     <dgm:fillClrLst meth="repeat">
       <a:schemeClr val="lt1">
         <a:alpha val="90000"/>
       </a:schemeClr>
     </dgm:fillClrLst>
     <dgm:linClrLst>
-      <a:schemeClr val="accent6"/>
+      <a:schemeClr val="accent5"/>
     </dgm:linClrLst>
     <dgm:effectClrLst/>
     <dgm:txLinClrLst/>
@@ -791,41 +823,9 @@
     </dgm:txFillClrLst>
     <dgm:txEffectClrLst/>
   </dgm:styleLbl>
-  <dgm:styleLbl name="fgAcc3">
-    <dgm:fillClrLst meth="repeat">
-      <a:schemeClr val="lt1">
-        <a:alpha val="90000"/>
-      </a:schemeClr>
-    </dgm:fillClrLst>
-    <dgm:linClrLst>
-      <a:schemeClr val="accent1"/>
-    </dgm:linClrLst>
-    <dgm:effectClrLst/>
-    <dgm:txLinClrLst/>
-    <dgm:txFillClrLst meth="repeat">
-      <a:schemeClr val="dk1"/>
-    </dgm:txFillClrLst>
-    <dgm:txEffectClrLst/>
-  </dgm:styleLbl>
-  <dgm:styleLbl name="fgAcc4">
-    <dgm:fillClrLst meth="repeat">
-      <a:schemeClr val="lt1">
-        <a:alpha val="90000"/>
-      </a:schemeClr>
-    </dgm:fillClrLst>
-    <dgm:linClrLst>
-      <a:schemeClr val="accent2"/>
-    </dgm:linClrLst>
-    <dgm:effectClrLst/>
-    <dgm:txLinClrLst/>
-    <dgm:txFillClrLst meth="repeat">
-      <a:schemeClr val="dk1"/>
-    </dgm:txFillClrLst>
-    <dgm:txEffectClrLst/>
-  </dgm:styleLbl>
   <dgm:styleLbl name="bgShp">
     <dgm:fillClrLst meth="repeat">
-      <a:schemeClr val="accent5">
+      <a:schemeClr val="accent2">
         <a:tint val="40000"/>
       </a:schemeClr>
     </dgm:fillClrLst>
@@ -841,7 +841,7 @@
   </dgm:styleLbl>
   <dgm:styleLbl name="dkBgShp">
     <dgm:fillClrLst meth="repeat">
-      <a:schemeClr val="accent5">
+      <a:schemeClr val="accent2">
         <a:shade val="90000"/>
       </a:schemeClr>
     </dgm:fillClrLst>
@@ -857,13 +857,13 @@
   </dgm:styleLbl>
   <dgm:styleLbl name="trBgShp">
     <dgm:fillClrLst meth="repeat">
-      <a:schemeClr val="accent5">
+      <a:schemeClr val="accent2">
         <a:tint val="50000"/>
         <a:alpha val="40000"/>
       </a:schemeClr>
     </dgm:fillClrLst>
     <dgm:linClrLst meth="repeat">
-      <a:schemeClr val="accent5"/>
+      <a:schemeClr val="accent2"/>
     </dgm:linClrLst>
     <dgm:effectClrLst/>
     <dgm:txLinClrLst/>
@@ -874,7 +874,7 @@
   </dgm:styleLbl>
   <dgm:styleLbl name="fgShp">
     <dgm:fillClrLst meth="repeat">
-      <a:schemeClr val="accent5">
+      <a:schemeClr val="accent2">
         <a:tint val="40000"/>
       </a:schemeClr>
     </dgm:fillClrLst>
@@ -910,15 +910,15 @@
 </file>
 
 <file path=ppt/diagrams/colors2.xml><?xml version="1.0" encoding="utf-8"?>
-<dgm:colorsDef xmlns:dgm="http://schemas.openxmlformats.org/drawingml/2006/diagram" xmlns:a="http://schemas.openxmlformats.org/drawingml/2006/main" uniqueId="urn:microsoft.com/office/officeart/2005/8/colors/colorful5">
+<dgm:colorsDef xmlns:dgm="http://schemas.openxmlformats.org/drawingml/2006/diagram" xmlns:a="http://schemas.openxmlformats.org/drawingml/2006/main" uniqueId="urn:microsoft.com/office/officeart/2005/8/colors/colorful2">
   <dgm:title val=""/>
   <dgm:desc val=""/>
   <dgm:catLst>
-    <dgm:cat type="colorful" pri="10500"/>
+    <dgm:cat type="colorful" pri="10200"/>
   </dgm:catLst>
   <dgm:styleLbl name="node0">
     <dgm:fillClrLst meth="repeat">
-      <a:schemeClr val="accent4"/>
+      <a:schemeClr val="accent1"/>
     </dgm:fillClrLst>
     <dgm:linClrLst meth="repeat">
       <a:schemeClr val="lt1"/>
@@ -930,8 +930,8 @@
   </dgm:styleLbl>
   <dgm:styleLbl name="node1">
     <dgm:fillClrLst>
-      <a:schemeClr val="accent5"/>
-      <a:schemeClr val="accent6"/>
+      <a:schemeClr val="accent2"/>
+      <a:schemeClr val="accent3"/>
     </dgm:fillClrLst>
     <dgm:linClrLst meth="repeat">
       <a:schemeClr val="lt1"/>
@@ -943,12 +943,12 @@
   </dgm:styleLbl>
   <dgm:styleLbl name="alignNode1">
     <dgm:fillClrLst>
-      <a:schemeClr val="accent5"/>
-      <a:schemeClr val="accent6"/>
+      <a:schemeClr val="accent2"/>
+      <a:schemeClr val="accent3"/>
     </dgm:fillClrLst>
     <dgm:linClrLst>
-      <a:schemeClr val="accent5"/>
-      <a:schemeClr val="accent6"/>
+      <a:schemeClr val="accent2"/>
+      <a:schemeClr val="accent3"/>
     </dgm:linClrLst>
     <dgm:effectClrLst/>
     <dgm:txLinClrLst/>
@@ -957,8 +957,8 @@
   </dgm:styleLbl>
   <dgm:styleLbl name="lnNode1">
     <dgm:fillClrLst>
-      <a:schemeClr val="accent5"/>
-      <a:schemeClr val="accent6"/>
+      <a:schemeClr val="accent2"/>
+      <a:schemeClr val="accent3"/>
     </dgm:fillClrLst>
     <dgm:linClrLst meth="repeat">
       <a:schemeClr val="lt1"/>
@@ -970,10 +970,10 @@
   </dgm:styleLbl>
   <dgm:styleLbl name="vennNode1">
     <dgm:fillClrLst>
-      <a:schemeClr val="accent5">
+      <a:schemeClr val="accent2">
         <a:alpha val="50000"/>
       </a:schemeClr>
-      <a:schemeClr val="accent6">
+      <a:schemeClr val="accent3">
         <a:alpha val="50000"/>
       </a:schemeClr>
     </dgm:fillClrLst>
@@ -987,7 +987,7 @@
   </dgm:styleLbl>
   <dgm:styleLbl name="node2">
     <dgm:fillClrLst>
-      <a:schemeClr val="accent6"/>
+      <a:schemeClr val="accent3"/>
     </dgm:fillClrLst>
     <dgm:linClrLst meth="repeat">
       <a:schemeClr val="lt1"/>
@@ -999,7 +999,7 @@
   </dgm:styleLbl>
   <dgm:styleLbl name="node3">
     <dgm:fillClrLst>
-      <a:schemeClr val="accent1"/>
+      <a:schemeClr val="accent4"/>
     </dgm:fillClrLst>
     <dgm:linClrLst meth="repeat">
       <a:schemeClr val="lt1"/>
@@ -1011,7 +1011,7 @@
   </dgm:styleLbl>
   <dgm:styleLbl name="node4">
     <dgm:fillClrLst>
-      <a:schemeClr val="accent2"/>
+      <a:schemeClr val="accent5"/>
     </dgm:fillClrLst>
     <dgm:linClrLst meth="repeat">
       <a:schemeClr val="lt1"/>
@@ -1023,10 +1023,10 @@
   </dgm:styleLbl>
   <dgm:styleLbl name="fgImgPlace1">
     <dgm:fillClrLst>
-      <a:schemeClr val="accent5">
+      <a:schemeClr val="accent2">
         <a:tint val="50000"/>
       </a:schemeClr>
-      <a:schemeClr val="accent6">
+      <a:schemeClr val="accent3">
         <a:tint val="50000"/>
       </a:schemeClr>
     </dgm:fillClrLst>
@@ -1042,10 +1042,10 @@
   </dgm:styleLbl>
   <dgm:styleLbl name="alignImgPlace1">
     <dgm:fillClrLst>
-      <a:schemeClr val="accent5">
+      <a:schemeClr val="accent2">
         <a:tint val="50000"/>
       </a:schemeClr>
-      <a:schemeClr val="accent6">
+      <a:schemeClr val="accent3">
         <a:tint val="20000"/>
       </a:schemeClr>
     </dgm:fillClrLst>
@@ -1061,10 +1061,10 @@
   </dgm:styleLbl>
   <dgm:styleLbl name="bgImgPlace1">
     <dgm:fillClrLst>
-      <a:schemeClr val="accent5">
+      <a:schemeClr val="accent2">
         <a:tint val="50000"/>
       </a:schemeClr>
-      <a:schemeClr val="accent6">
+      <a:schemeClr val="accent3">
         <a:tint val="20000"/>
       </a:schemeClr>
     </dgm:fillClrLst>
@@ -1080,8 +1080,8 @@
   </dgm:styleLbl>
   <dgm:styleLbl name="sibTrans2D1">
     <dgm:fillClrLst>
-      <a:schemeClr val="accent5"/>
-      <a:schemeClr val="accent6"/>
+      <a:schemeClr val="accent2"/>
+      <a:schemeClr val="accent3"/>
     </dgm:fillClrLst>
     <dgm:linClrLst meth="repeat">
       <a:schemeClr val="lt1"/>
@@ -1093,8 +1093,8 @@
   </dgm:styleLbl>
   <dgm:styleLbl name="fgSibTrans2D1">
     <dgm:fillClrLst>
-      <a:schemeClr val="accent5"/>
-      <a:schemeClr val="accent6"/>
+      <a:schemeClr val="accent2"/>
+      <a:schemeClr val="accent3"/>
     </dgm:fillClrLst>
     <dgm:linClrLst meth="repeat">
       <a:schemeClr val="lt1"/>
@@ -1108,8 +1108,8 @@
   </dgm:styleLbl>
   <dgm:styleLbl name="bgSibTrans2D1">
     <dgm:fillClrLst>
-      <a:schemeClr val="accent5"/>
-      <a:schemeClr val="accent6"/>
+      <a:schemeClr val="accent2"/>
+      <a:schemeClr val="accent3"/>
     </dgm:fillClrLst>
     <dgm:linClrLst meth="repeat">
       <a:schemeClr val="lt1"/>
@@ -1124,8 +1124,8 @@
   <dgm:styleLbl name="sibTrans1D1">
     <dgm:fillClrLst/>
     <dgm:linClrLst>
-      <a:schemeClr val="accent5"/>
-      <a:schemeClr val="accent6"/>
+      <a:schemeClr val="accent2"/>
+      <a:schemeClr val="accent3"/>
     </dgm:linClrLst>
     <dgm:effectClrLst/>
     <dgm:txLinClrLst/>
@@ -1136,10 +1136,10 @@
   </dgm:styleLbl>
   <dgm:styleLbl name="callout">
     <dgm:fillClrLst meth="repeat">
-      <a:schemeClr val="accent5"/>
+      <a:schemeClr val="accent2"/>
     </dgm:fillClrLst>
     <dgm:linClrLst meth="repeat">
-      <a:schemeClr val="accent5">
+      <a:schemeClr val="accent2">
         <a:tint val="50000"/>
       </a:schemeClr>
     </dgm:linClrLst>
@@ -1152,7 +1152,7 @@
   </dgm:styleLbl>
   <dgm:styleLbl name="asst0">
     <dgm:fillClrLst meth="repeat">
-      <a:schemeClr val="accent5"/>
+      <a:schemeClr val="accent2"/>
     </dgm:fillClrLst>
     <dgm:linClrLst meth="repeat">
       <a:schemeClr val="lt1">
@@ -1166,7 +1166,7 @@
   </dgm:styleLbl>
   <dgm:styleLbl name="asst1">
     <dgm:fillClrLst meth="repeat">
-      <a:schemeClr val="accent6"/>
+      <a:schemeClr val="accent3"/>
     </dgm:fillClrLst>
     <dgm:linClrLst meth="repeat">
       <a:schemeClr val="lt1">
@@ -1180,7 +1180,7 @@
   </dgm:styleLbl>
   <dgm:styleLbl name="asst2">
     <dgm:fillClrLst>
-      <a:schemeClr val="accent1"/>
+      <a:schemeClr val="accent4"/>
     </dgm:fillClrLst>
     <dgm:linClrLst meth="repeat">
       <a:schemeClr val="lt1"/>
@@ -1192,7 +1192,7 @@
   </dgm:styleLbl>
   <dgm:styleLbl name="asst3">
     <dgm:fillClrLst>
-      <a:schemeClr val="accent2"/>
+      <a:schemeClr val="accent5"/>
     </dgm:fillClrLst>
     <dgm:linClrLst meth="repeat">
       <a:schemeClr val="lt1"/>
@@ -1204,6 +1204,32 @@
   </dgm:styleLbl>
   <dgm:styleLbl name="asst4">
     <dgm:fillClrLst>
+      <a:schemeClr val="accent6"/>
+    </dgm:fillClrLst>
+    <dgm:linClrLst meth="repeat">
+      <a:schemeClr val="lt1"/>
+    </dgm:linClrLst>
+    <dgm:effectClrLst/>
+    <dgm:txLinClrLst/>
+    <dgm:txFillClrLst/>
+    <dgm:txEffectClrLst/>
+  </dgm:styleLbl>
+  <dgm:styleLbl name="parChTrans2D1">
+    <dgm:fillClrLst meth="repeat">
+      <a:schemeClr val="accent2"/>
+    </dgm:fillClrLst>
+    <dgm:linClrLst meth="repeat">
+      <a:schemeClr val="lt1"/>
+    </dgm:linClrLst>
+    <dgm:effectClrLst/>
+    <dgm:txLinClrLst/>
+    <dgm:txFillClrLst meth="repeat">
+      <a:schemeClr val="lt1"/>
+    </dgm:txFillClrLst>
+    <dgm:txEffectClrLst/>
+  </dgm:styleLbl>
+  <dgm:styleLbl name="parChTrans2D2">
+    <dgm:fillClrLst meth="repeat">
       <a:schemeClr val="accent3"/>
     </dgm:fillClrLst>
     <dgm:linClrLst meth="repeat">
@@ -1214,7 +1240,19 @@
     <dgm:txFillClrLst/>
     <dgm:txEffectClrLst/>
   </dgm:styleLbl>
-  <dgm:styleLbl name="parChTrans2D1">
+  <dgm:styleLbl name="parChTrans2D3">
+    <dgm:fillClrLst meth="repeat">
+      <a:schemeClr val="accent4"/>
+    </dgm:fillClrLst>
+    <dgm:linClrLst meth="repeat">
+      <a:schemeClr val="lt1"/>
+    </dgm:linClrLst>
+    <dgm:effectClrLst/>
+    <dgm:txLinClrLst/>
+    <dgm:txFillClrLst/>
+    <dgm:txEffectClrLst/>
+  </dgm:styleLbl>
+  <dgm:styleLbl name="parChTrans2D4">
     <dgm:fillClrLst meth="repeat">
       <a:schemeClr val="accent5"/>
     </dgm:fillClrLst>
@@ -1228,47 +1266,57 @@
     </dgm:txFillClrLst>
     <dgm:txEffectClrLst/>
   </dgm:styleLbl>
-  <dgm:styleLbl name="parChTrans2D2">
+  <dgm:styleLbl name="parChTrans1D1">
     <dgm:fillClrLst meth="repeat">
-      <a:schemeClr val="accent6"/>
+      <a:schemeClr val="accent2"/>
     </dgm:fillClrLst>
     <dgm:linClrLst meth="repeat">
-      <a:schemeClr val="lt1"/>
-    </dgm:linClrLst>
-    <dgm:effectClrLst/>
-    <dgm:txLinClrLst/>
-    <dgm:txFillClrLst/>
-    <dgm:txEffectClrLst/>
-  </dgm:styleLbl>
-  <dgm:styleLbl name="parChTrans2D3">
-    <dgm:fillClrLst meth="repeat">
-      <a:schemeClr val="accent6"/>
-    </dgm:fillClrLst>
-    <dgm:linClrLst meth="repeat">
-      <a:schemeClr val="lt1"/>
-    </dgm:linClrLst>
-    <dgm:effectClrLst/>
-    <dgm:txLinClrLst/>
-    <dgm:txFillClrLst/>
-    <dgm:txEffectClrLst/>
-  </dgm:styleLbl>
-  <dgm:styleLbl name="parChTrans2D4">
-    <dgm:fillClrLst meth="repeat">
-      <a:schemeClr val="accent1"/>
-    </dgm:fillClrLst>
-    <dgm:linClrLst meth="repeat">
-      <a:schemeClr val="lt1"/>
+      <a:schemeClr val="accent2"/>
     </dgm:linClrLst>
     <dgm:effectClrLst/>
     <dgm:txLinClrLst/>
     <dgm:txFillClrLst meth="repeat">
-      <a:schemeClr val="lt1"/>
+      <a:schemeClr val="tx1"/>
     </dgm:txFillClrLst>
     <dgm:txEffectClrLst/>
   </dgm:styleLbl>
-  <dgm:styleLbl name="parChTrans1D1">
+  <dgm:styleLbl name="parChTrans1D2">
     <dgm:fillClrLst meth="repeat">
-      <a:schemeClr val="accent5"/>
+      <a:schemeClr val="accent2">
+        <a:tint val="90000"/>
+      </a:schemeClr>
+    </dgm:fillClrLst>
+    <dgm:linClrLst meth="repeat">
+      <a:schemeClr val="accent3"/>
+    </dgm:linClrLst>
+    <dgm:effectClrLst/>
+    <dgm:txLinClrLst/>
+    <dgm:txFillClrLst meth="repeat">
+      <a:schemeClr val="tx1"/>
+    </dgm:txFillClrLst>
+    <dgm:txEffectClrLst/>
+  </dgm:styleLbl>
+  <dgm:styleLbl name="parChTrans1D3">
+    <dgm:fillClrLst meth="repeat">
+      <a:schemeClr val="accent2">
+        <a:tint val="70000"/>
+      </a:schemeClr>
+    </dgm:fillClrLst>
+    <dgm:linClrLst meth="repeat">
+      <a:schemeClr val="accent4"/>
+    </dgm:linClrLst>
+    <dgm:effectClrLst/>
+    <dgm:txLinClrLst/>
+    <dgm:txFillClrLst meth="repeat">
+      <a:schemeClr val="tx1"/>
+    </dgm:txFillClrLst>
+    <dgm:txEffectClrLst/>
+  </dgm:styleLbl>
+  <dgm:styleLbl name="parChTrans1D4">
+    <dgm:fillClrLst meth="repeat">
+      <a:schemeClr val="accent2">
+        <a:tint val="50000"/>
+      </a:schemeClr>
     </dgm:fillClrLst>
     <dgm:linClrLst meth="repeat">
       <a:schemeClr val="accent5"/>
@@ -1280,42 +1328,61 @@
     </dgm:txFillClrLst>
     <dgm:txEffectClrLst/>
   </dgm:styleLbl>
-  <dgm:styleLbl name="parChTrans1D2">
+  <dgm:styleLbl name="fgAcc1">
     <dgm:fillClrLst meth="repeat">
-      <a:schemeClr val="accent6">
-        <a:tint val="90000"/>
+      <a:schemeClr val="lt1">
+        <a:alpha val="90000"/>
       </a:schemeClr>
     </dgm:fillClrLst>
-    <dgm:linClrLst meth="repeat">
-      <a:schemeClr val="accent6"/>
+    <dgm:linClrLst>
+      <a:schemeClr val="accent2"/>
+      <a:schemeClr val="accent3"/>
     </dgm:linClrLst>
     <dgm:effectClrLst/>
     <dgm:txLinClrLst/>
     <dgm:txFillClrLst meth="repeat">
-      <a:schemeClr val="tx1"/>
+      <a:schemeClr val="dk1"/>
     </dgm:txFillClrLst>
     <dgm:txEffectClrLst/>
   </dgm:styleLbl>
-  <dgm:styleLbl name="parChTrans1D3">
+  <dgm:styleLbl name="conFgAcc1">
     <dgm:fillClrLst meth="repeat">
-      <a:schemeClr val="accent6">
-        <a:tint val="70000"/>
+      <a:schemeClr val="lt1">
+        <a:alpha val="90000"/>
       </a:schemeClr>
     </dgm:fillClrLst>
-    <dgm:linClrLst meth="repeat">
-      <a:schemeClr val="accent1"/>
+    <dgm:linClrLst>
+      <a:schemeClr val="accent2"/>
+      <a:schemeClr val="accent3"/>
     </dgm:linClrLst>
     <dgm:effectClrLst/>
     <dgm:txLinClrLst/>
     <dgm:txFillClrLst meth="repeat">
-      <a:schemeClr val="tx1"/>
+      <a:schemeClr val="dk1"/>
     </dgm:txFillClrLst>
     <dgm:txEffectClrLst/>
   </dgm:styleLbl>
-  <dgm:styleLbl name="parChTrans1D4">
+  <dgm:styleLbl name="alignAcc1">
     <dgm:fillClrLst meth="repeat">
-      <a:schemeClr val="accent6">
-        <a:tint val="50000"/>
+      <a:schemeClr val="lt1">
+        <a:alpha val="90000"/>
+      </a:schemeClr>
+    </dgm:fillClrLst>
+    <dgm:linClrLst>
+      <a:schemeClr val="accent2"/>
+      <a:schemeClr val="accent3"/>
+    </dgm:linClrLst>
+    <dgm:effectClrLst/>
+    <dgm:txLinClrLst/>
+    <dgm:txFillClrLst meth="repeat">
+      <a:schemeClr val="dk1"/>
+    </dgm:txFillClrLst>
+    <dgm:txEffectClrLst/>
+  </dgm:styleLbl>
+  <dgm:styleLbl name="trAlignAcc1">
+    <dgm:fillClrLst meth="repeat">
+      <a:schemeClr val="lt1">
+        <a:alpha val="40000"/>
       </a:schemeClr>
     </dgm:fillClrLst>
     <dgm:linClrLst meth="repeat">
@@ -1324,19 +1391,19 @@
     <dgm:effectClrLst/>
     <dgm:txLinClrLst/>
     <dgm:txFillClrLst meth="repeat">
-      <a:schemeClr val="tx1"/>
+      <a:schemeClr val="dk1"/>
     </dgm:txFillClrLst>
     <dgm:txEffectClrLst/>
   </dgm:styleLbl>
-  <dgm:styleLbl name="fgAcc1">
+  <dgm:styleLbl name="bgAcc1">
     <dgm:fillClrLst meth="repeat">
       <a:schemeClr val="lt1">
         <a:alpha val="90000"/>
       </a:schemeClr>
     </dgm:fillClrLst>
     <dgm:linClrLst>
-      <a:schemeClr val="accent5"/>
-      <a:schemeClr val="accent6"/>
+      <a:schemeClr val="accent2"/>
+      <a:schemeClr val="accent3"/>
     </dgm:linClrLst>
     <dgm:effectClrLst/>
     <dgm:txLinClrLst/>
@@ -1345,15 +1412,13 @@
     </dgm:txFillClrLst>
     <dgm:txEffectClrLst/>
   </dgm:styleLbl>
-  <dgm:styleLbl name="conFgAcc1">
+  <dgm:styleLbl name="solidFgAcc1">
     <dgm:fillClrLst meth="repeat">
-      <a:schemeClr val="lt1">
-        <a:alpha val="90000"/>
-      </a:schemeClr>
+      <a:schemeClr val="lt1"/>
     </dgm:fillClrLst>
     <dgm:linClrLst>
-      <a:schemeClr val="accent5"/>
-      <a:schemeClr val="accent6"/>
+      <a:schemeClr val="accent2"/>
+      <a:schemeClr val="accent3"/>
     </dgm:linClrLst>
     <dgm:effectClrLst/>
     <dgm:txLinClrLst/>
@@ -1362,15 +1427,13 @@
     </dgm:txFillClrLst>
     <dgm:txEffectClrLst/>
   </dgm:styleLbl>
-  <dgm:styleLbl name="alignAcc1">
+  <dgm:styleLbl name="solidAlignAcc1">
     <dgm:fillClrLst meth="repeat">
-      <a:schemeClr val="lt1">
-        <a:alpha val="90000"/>
-      </a:schemeClr>
+      <a:schemeClr val="lt1"/>
     </dgm:fillClrLst>
     <dgm:linClrLst>
-      <a:schemeClr val="accent5"/>
-      <a:schemeClr val="accent6"/>
+      <a:schemeClr val="accent2"/>
+      <a:schemeClr val="accent3"/>
     </dgm:linClrLst>
     <dgm:effectClrLst/>
     <dgm:txLinClrLst/>
@@ -1379,14 +1442,13 @@
     </dgm:txFillClrLst>
     <dgm:txEffectClrLst/>
   </dgm:styleLbl>
-  <dgm:styleLbl name="trAlignAcc1">
+  <dgm:styleLbl name="solidBgAcc1">
     <dgm:fillClrLst meth="repeat">
-      <a:schemeClr val="lt1">
-        <a:alpha val="40000"/>
-      </a:schemeClr>
+      <a:schemeClr val="lt1"/>
     </dgm:fillClrLst>
-    <dgm:linClrLst meth="repeat">
-      <a:schemeClr val="accent5"/>
+    <dgm:linClrLst>
+      <a:schemeClr val="accent2"/>
+      <a:schemeClr val="accent3"/>
     </dgm:linClrLst>
     <dgm:effectClrLst/>
     <dgm:txLinClrLst/>
@@ -1395,85 +1457,23 @@
     </dgm:txFillClrLst>
     <dgm:txEffectClrLst/>
   </dgm:styleLbl>
-  <dgm:styleLbl name="bgAcc1">
-    <dgm:fillClrLst meth="repeat">
-      <a:schemeClr val="lt1">
-        <a:alpha val="90000"/>
-      </a:schemeClr>
-    </dgm:fillClrLst>
-    <dgm:linClrLst>
-      <a:schemeClr val="accent5"/>
-      <a:schemeClr val="accent6"/>
-    </dgm:linClrLst>
-    <dgm:effectClrLst/>
-    <dgm:txLinClrLst/>
-    <dgm:txFillClrLst meth="repeat">
-      <a:schemeClr val="dk1"/>
-    </dgm:txFillClrLst>
-    <dgm:txEffectClrLst/>
-  </dgm:styleLbl>
-  <dgm:styleLbl name="solidFgAcc1">
-    <dgm:fillClrLst meth="repeat">
-      <a:schemeClr val="lt1"/>
-    </dgm:fillClrLst>
-    <dgm:linClrLst>
-      <a:schemeClr val="accent5"/>
-      <a:schemeClr val="accent6"/>
-    </dgm:linClrLst>
-    <dgm:effectClrLst/>
-    <dgm:txLinClrLst/>
-    <dgm:txFillClrLst meth="repeat">
-      <a:schemeClr val="dk1"/>
-    </dgm:txFillClrLst>
-    <dgm:txEffectClrLst/>
-  </dgm:styleLbl>
-  <dgm:styleLbl name="solidAlignAcc1">
-    <dgm:fillClrLst meth="repeat">
-      <a:schemeClr val="lt1"/>
-    </dgm:fillClrLst>
-    <dgm:linClrLst>
-      <a:schemeClr val="accent5"/>
-      <a:schemeClr val="accent6"/>
-    </dgm:linClrLst>
-    <dgm:effectClrLst/>
-    <dgm:txLinClrLst/>
-    <dgm:txFillClrLst meth="repeat">
-      <a:schemeClr val="dk1"/>
-    </dgm:txFillClrLst>
-    <dgm:txEffectClrLst/>
-  </dgm:styleLbl>
-  <dgm:styleLbl name="solidBgAcc1">
-    <dgm:fillClrLst meth="repeat">
-      <a:schemeClr val="lt1"/>
-    </dgm:fillClrLst>
-    <dgm:linClrLst>
-      <a:schemeClr val="accent5"/>
-      <a:schemeClr val="accent6"/>
-    </dgm:linClrLst>
-    <dgm:effectClrLst/>
-    <dgm:txLinClrLst/>
-    <dgm:txFillClrLst meth="repeat">
-      <a:schemeClr val="dk1"/>
-    </dgm:txFillClrLst>
-    <dgm:txEffectClrLst/>
-  </dgm:styleLbl>
   <dgm:styleLbl name="fgAccFollowNode1">
     <dgm:fillClrLst>
-      <a:schemeClr val="accent5">
+      <a:schemeClr val="accent2">
         <a:tint val="40000"/>
         <a:alpha val="90000"/>
       </a:schemeClr>
-      <a:schemeClr val="accent6">
+      <a:schemeClr val="accent3">
         <a:tint val="40000"/>
         <a:alpha val="90000"/>
       </a:schemeClr>
     </dgm:fillClrLst>
     <dgm:linClrLst>
-      <a:schemeClr val="accent5">
+      <a:schemeClr val="accent2">
         <a:tint val="40000"/>
         <a:alpha val="90000"/>
       </a:schemeClr>
-      <a:schemeClr val="accent5">
+      <a:schemeClr val="accent3">
         <a:tint val="40000"/>
         <a:alpha val="90000"/>
       </a:schemeClr>
@@ -1487,21 +1487,21 @@
   </dgm:styleLbl>
   <dgm:styleLbl name="alignAccFollowNode1">
     <dgm:fillClrLst>
-      <a:schemeClr val="accent5">
+      <a:schemeClr val="accent2">
         <a:tint val="40000"/>
         <a:alpha val="90000"/>
       </a:schemeClr>
-      <a:schemeClr val="accent6">
+      <a:schemeClr val="accent3">
         <a:tint val="40000"/>
         <a:alpha val="90000"/>
       </a:schemeClr>
     </dgm:fillClrLst>
     <dgm:linClrLst>
-      <a:schemeClr val="accent5">
+      <a:schemeClr val="accent2">
         <a:tint val="40000"/>
         <a:alpha val="90000"/>
       </a:schemeClr>
-      <a:schemeClr val="accent6">
+      <a:schemeClr val="accent3">
         <a:tint val="40000"/>
         <a:alpha val="90000"/>
       </a:schemeClr>
@@ -1515,21 +1515,21 @@
   </dgm:styleLbl>
   <dgm:styleLbl name="bgAccFollowNode1">
     <dgm:fillClrLst>
-      <a:schemeClr val="accent5">
+      <a:schemeClr val="accent2">
         <a:tint val="40000"/>
         <a:alpha val="90000"/>
       </a:schemeClr>
-      <a:schemeClr val="accent6">
+      <a:schemeClr val="accent3">
         <a:tint val="40000"/>
         <a:alpha val="90000"/>
       </a:schemeClr>
     </dgm:fillClrLst>
     <dgm:linClrLst>
-      <a:schemeClr val="accent5">
+      <a:schemeClr val="accent2">
         <a:tint val="40000"/>
         <a:alpha val="90000"/>
       </a:schemeClr>
-      <a:schemeClr val="accent6">
+      <a:schemeClr val="accent3">
         <a:tint val="40000"/>
         <a:alpha val="90000"/>
       </a:schemeClr>
@@ -1542,6 +1542,38 @@
     <dgm:txEffectClrLst/>
   </dgm:styleLbl>
   <dgm:styleLbl name="fgAcc0">
+    <dgm:fillClrLst meth="repeat">
+      <a:schemeClr val="lt1">
+        <a:alpha val="90000"/>
+      </a:schemeClr>
+    </dgm:fillClrLst>
+    <dgm:linClrLst>
+      <a:schemeClr val="accent1"/>
+    </dgm:linClrLst>
+    <dgm:effectClrLst/>
+    <dgm:txLinClrLst/>
+    <dgm:txFillClrLst meth="repeat">
+      <a:schemeClr val="dk1"/>
+    </dgm:txFillClrLst>
+    <dgm:txEffectClrLst/>
+  </dgm:styleLbl>
+  <dgm:styleLbl name="fgAcc2">
+    <dgm:fillClrLst meth="repeat">
+      <a:schemeClr val="lt1">
+        <a:alpha val="90000"/>
+      </a:schemeClr>
+    </dgm:fillClrLst>
+    <dgm:linClrLst>
+      <a:schemeClr val="accent3"/>
+    </dgm:linClrLst>
+    <dgm:effectClrLst/>
+    <dgm:txLinClrLst/>
+    <dgm:txFillClrLst meth="repeat">
+      <a:schemeClr val="dk1"/>
+    </dgm:txFillClrLst>
+    <dgm:txEffectClrLst/>
+  </dgm:styleLbl>
+  <dgm:styleLbl name="fgAcc3">
     <dgm:fillClrLst meth="repeat">
       <a:schemeClr val="lt1">
         <a:alpha val="90000"/>
@@ -1557,14 +1589,14 @@
     </dgm:txFillClrLst>
     <dgm:txEffectClrLst/>
   </dgm:styleLbl>
-  <dgm:styleLbl name="fgAcc2">
+  <dgm:styleLbl name="fgAcc4">
     <dgm:fillClrLst meth="repeat">
       <a:schemeClr val="lt1">
         <a:alpha val="90000"/>
       </a:schemeClr>
     </dgm:fillClrLst>
     <dgm:linClrLst>
-      <a:schemeClr val="accent6"/>
+      <a:schemeClr val="accent5"/>
     </dgm:linClrLst>
     <dgm:effectClrLst/>
     <dgm:txLinClrLst/>
@@ -1573,41 +1605,9 @@
     </dgm:txFillClrLst>
     <dgm:txEffectClrLst/>
   </dgm:styleLbl>
-  <dgm:styleLbl name="fgAcc3">
-    <dgm:fillClrLst meth="repeat">
-      <a:schemeClr val="lt1">
-        <a:alpha val="90000"/>
-      </a:schemeClr>
-    </dgm:fillClrLst>
-    <dgm:linClrLst>
-      <a:schemeClr val="accent1"/>
-    </dgm:linClrLst>
-    <dgm:effectClrLst/>
-    <dgm:txLinClrLst/>
-    <dgm:txFillClrLst meth="repeat">
-      <a:schemeClr val="dk1"/>
-    </dgm:txFillClrLst>
-    <dgm:txEffectClrLst/>
-  </dgm:styleLbl>
-  <dgm:styleLbl name="fgAcc4">
-    <dgm:fillClrLst meth="repeat">
-      <a:schemeClr val="lt1">
-        <a:alpha val="90000"/>
-      </a:schemeClr>
-    </dgm:fillClrLst>
-    <dgm:linClrLst>
-      <a:schemeClr val="accent2"/>
-    </dgm:linClrLst>
-    <dgm:effectClrLst/>
-    <dgm:txLinClrLst/>
-    <dgm:txFillClrLst meth="repeat">
-      <a:schemeClr val="dk1"/>
-    </dgm:txFillClrLst>
-    <dgm:txEffectClrLst/>
-  </dgm:styleLbl>
   <dgm:styleLbl name="bgShp">
     <dgm:fillClrLst meth="repeat">
-      <a:schemeClr val="accent5">
+      <a:schemeClr val="accent2">
         <a:tint val="40000"/>
       </a:schemeClr>
     </dgm:fillClrLst>
@@ -1623,7 +1623,7 @@
   </dgm:styleLbl>
   <dgm:styleLbl name="dkBgShp">
     <dgm:fillClrLst meth="repeat">
-      <a:schemeClr val="accent5">
+      <a:schemeClr val="accent2">
         <a:shade val="90000"/>
       </a:schemeClr>
     </dgm:fillClrLst>
@@ -1639,13 +1639,13 @@
   </dgm:styleLbl>
   <dgm:styleLbl name="trBgShp">
     <dgm:fillClrLst meth="repeat">
-      <a:schemeClr val="accent5">
+      <a:schemeClr val="accent2">
         <a:tint val="50000"/>
         <a:alpha val="40000"/>
       </a:schemeClr>
     </dgm:fillClrLst>
     <dgm:linClrLst meth="repeat">
-      <a:schemeClr val="accent5"/>
+      <a:schemeClr val="accent2"/>
     </dgm:linClrLst>
     <dgm:effectClrLst/>
     <dgm:txLinClrLst/>
@@ -1656,7 +1656,7 @@
   </dgm:styleLbl>
   <dgm:styleLbl name="fgShp">
     <dgm:fillClrLst meth="repeat">
-      <a:schemeClr val="accent5">
+      <a:schemeClr val="accent2">
         <a:tint val="40000"/>
       </a:schemeClr>
     </dgm:fillClrLst>
@@ -1692,15 +1692,15 @@
 </file>
 
 <file path=ppt/diagrams/colors3.xml><?xml version="1.0" encoding="utf-8"?>
-<dgm:colorsDef xmlns:dgm="http://schemas.openxmlformats.org/drawingml/2006/diagram" xmlns:a="http://schemas.openxmlformats.org/drawingml/2006/main" uniqueId="urn:microsoft.com/office/officeart/2005/8/colors/colorful5">
+<dgm:colorsDef xmlns:dgm="http://schemas.openxmlformats.org/drawingml/2006/diagram" xmlns:a="http://schemas.openxmlformats.org/drawingml/2006/main" uniqueId="urn:microsoft.com/office/officeart/2005/8/colors/colorful2">
   <dgm:title val=""/>
   <dgm:desc val=""/>
   <dgm:catLst>
-    <dgm:cat type="colorful" pri="10500"/>
+    <dgm:cat type="colorful" pri="10200"/>
   </dgm:catLst>
   <dgm:styleLbl name="node0">
     <dgm:fillClrLst meth="repeat">
-      <a:schemeClr val="accent4"/>
+      <a:schemeClr val="accent1"/>
     </dgm:fillClrLst>
     <dgm:linClrLst meth="repeat">
       <a:schemeClr val="lt1"/>
@@ -1712,8 +1712,8 @@
   </dgm:styleLbl>
   <dgm:styleLbl name="node1">
     <dgm:fillClrLst>
-      <a:schemeClr val="accent5"/>
-      <a:schemeClr val="accent6"/>
+      <a:schemeClr val="accent2"/>
+      <a:schemeClr val="accent3"/>
     </dgm:fillClrLst>
     <dgm:linClrLst meth="repeat">
       <a:schemeClr val="lt1"/>
@@ -1725,12 +1725,12 @@
   </dgm:styleLbl>
   <dgm:styleLbl name="alignNode1">
     <dgm:fillClrLst>
-      <a:schemeClr val="accent5"/>
-      <a:schemeClr val="accent6"/>
+      <a:schemeClr val="accent2"/>
+      <a:schemeClr val="accent3"/>
     </dgm:fillClrLst>
     <dgm:linClrLst>
-      <a:schemeClr val="accent5"/>
-      <a:schemeClr val="accent6"/>
+      <a:schemeClr val="accent2"/>
+      <a:schemeClr val="accent3"/>
     </dgm:linClrLst>
     <dgm:effectClrLst/>
     <dgm:txLinClrLst/>
@@ -1739,8 +1739,8 @@
   </dgm:styleLbl>
   <dgm:styleLbl name="lnNode1">
     <dgm:fillClrLst>
-      <a:schemeClr val="accent5"/>
-      <a:schemeClr val="accent6"/>
+      <a:schemeClr val="accent2"/>
+      <a:schemeClr val="accent3"/>
     </dgm:fillClrLst>
     <dgm:linClrLst meth="repeat">
       <a:schemeClr val="lt1"/>
@@ -1752,10 +1752,10 @@
   </dgm:styleLbl>
   <dgm:styleLbl name="vennNode1">
     <dgm:fillClrLst>
-      <a:schemeClr val="accent5">
+      <a:schemeClr val="accent2">
         <a:alpha val="50000"/>
       </a:schemeClr>
-      <a:schemeClr val="accent6">
+      <a:schemeClr val="accent3">
         <a:alpha val="50000"/>
       </a:schemeClr>
     </dgm:fillClrLst>
@@ -1769,7 +1769,7 @@
   </dgm:styleLbl>
   <dgm:styleLbl name="node2">
     <dgm:fillClrLst>
-      <a:schemeClr val="accent6"/>
+      <a:schemeClr val="accent3"/>
     </dgm:fillClrLst>
     <dgm:linClrLst meth="repeat">
       <a:schemeClr val="lt1"/>
@@ -1781,7 +1781,7 @@
   </dgm:styleLbl>
   <dgm:styleLbl name="node3">
     <dgm:fillClrLst>
-      <a:schemeClr val="accent1"/>
+      <a:schemeClr val="accent4"/>
     </dgm:fillClrLst>
     <dgm:linClrLst meth="repeat">
       <a:schemeClr val="lt1"/>
@@ -1793,7 +1793,7 @@
   </dgm:styleLbl>
   <dgm:styleLbl name="node4">
     <dgm:fillClrLst>
-      <a:schemeClr val="accent2"/>
+      <a:schemeClr val="accent5"/>
     </dgm:fillClrLst>
     <dgm:linClrLst meth="repeat">
       <a:schemeClr val="lt1"/>
@@ -1805,10 +1805,10 @@
   </dgm:styleLbl>
   <dgm:styleLbl name="fgImgPlace1">
     <dgm:fillClrLst>
-      <a:schemeClr val="accent5">
+      <a:schemeClr val="accent2">
         <a:tint val="50000"/>
       </a:schemeClr>
-      <a:schemeClr val="accent6">
+      <a:schemeClr val="accent3">
         <a:tint val="50000"/>
       </a:schemeClr>
     </dgm:fillClrLst>
@@ -1824,10 +1824,10 @@
   </dgm:styleLbl>
   <dgm:styleLbl name="alignImgPlace1">
     <dgm:fillClrLst>
-      <a:schemeClr val="accent5">
+      <a:schemeClr val="accent2">
         <a:tint val="50000"/>
       </a:schemeClr>
-      <a:schemeClr val="accent6">
+      <a:schemeClr val="accent3">
         <a:tint val="20000"/>
       </a:schemeClr>
     </dgm:fillClrLst>
@@ -1843,10 +1843,10 @@
   </dgm:styleLbl>
   <dgm:styleLbl name="bgImgPlace1">
     <dgm:fillClrLst>
-      <a:schemeClr val="accent5">
+      <a:schemeClr val="accent2">
         <a:tint val="50000"/>
       </a:schemeClr>
-      <a:schemeClr val="accent6">
+      <a:schemeClr val="accent3">
         <a:tint val="20000"/>
       </a:schemeClr>
     </dgm:fillClrLst>
@@ -1862,8 +1862,8 @@
   </dgm:styleLbl>
   <dgm:styleLbl name="sibTrans2D1">
     <dgm:fillClrLst>
-      <a:schemeClr val="accent5"/>
-      <a:schemeClr val="accent6"/>
+      <a:schemeClr val="accent2"/>
+      <a:schemeClr val="accent3"/>
     </dgm:fillClrLst>
     <dgm:linClrLst meth="repeat">
       <a:schemeClr val="lt1"/>
@@ -1875,8 +1875,8 @@
   </dgm:styleLbl>
   <dgm:styleLbl name="fgSibTrans2D1">
     <dgm:fillClrLst>
-      <a:schemeClr val="accent5"/>
-      <a:schemeClr val="accent6"/>
+      <a:schemeClr val="accent2"/>
+      <a:schemeClr val="accent3"/>
     </dgm:fillClrLst>
     <dgm:linClrLst meth="repeat">
       <a:schemeClr val="lt1"/>
@@ -1890,8 +1890,8 @@
   </dgm:styleLbl>
   <dgm:styleLbl name="bgSibTrans2D1">
     <dgm:fillClrLst>
-      <a:schemeClr val="accent5"/>
-      <a:schemeClr val="accent6"/>
+      <a:schemeClr val="accent2"/>
+      <a:schemeClr val="accent3"/>
     </dgm:fillClrLst>
     <dgm:linClrLst meth="repeat">
       <a:schemeClr val="lt1"/>
@@ -1906,8 +1906,8 @@
   <dgm:styleLbl name="sibTrans1D1">
     <dgm:fillClrLst/>
     <dgm:linClrLst>
-      <a:schemeClr val="accent5"/>
-      <a:schemeClr val="accent6"/>
+      <a:schemeClr val="accent2"/>
+      <a:schemeClr val="accent3"/>
     </dgm:linClrLst>
     <dgm:effectClrLst/>
     <dgm:txLinClrLst/>
@@ -1918,10 +1918,10 @@
   </dgm:styleLbl>
   <dgm:styleLbl name="callout">
     <dgm:fillClrLst meth="repeat">
-      <a:schemeClr val="accent5"/>
+      <a:schemeClr val="accent2"/>
     </dgm:fillClrLst>
     <dgm:linClrLst meth="repeat">
-      <a:schemeClr val="accent5">
+      <a:schemeClr val="accent2">
         <a:tint val="50000"/>
       </a:schemeClr>
     </dgm:linClrLst>
@@ -1934,7 +1934,7 @@
   </dgm:styleLbl>
   <dgm:styleLbl name="asst0">
     <dgm:fillClrLst meth="repeat">
-      <a:schemeClr val="accent5"/>
+      <a:schemeClr val="accent2"/>
     </dgm:fillClrLst>
     <dgm:linClrLst meth="repeat">
       <a:schemeClr val="lt1">
@@ -1948,7 +1948,7 @@
   </dgm:styleLbl>
   <dgm:styleLbl name="asst1">
     <dgm:fillClrLst meth="repeat">
-      <a:schemeClr val="accent6"/>
+      <a:schemeClr val="accent3"/>
     </dgm:fillClrLst>
     <dgm:linClrLst meth="repeat">
       <a:schemeClr val="lt1">
@@ -1962,7 +1962,7 @@
   </dgm:styleLbl>
   <dgm:styleLbl name="asst2">
     <dgm:fillClrLst>
-      <a:schemeClr val="accent1"/>
+      <a:schemeClr val="accent4"/>
     </dgm:fillClrLst>
     <dgm:linClrLst meth="repeat">
       <a:schemeClr val="lt1"/>
@@ -1974,7 +1974,7 @@
   </dgm:styleLbl>
   <dgm:styleLbl name="asst3">
     <dgm:fillClrLst>
-      <a:schemeClr val="accent2"/>
+      <a:schemeClr val="accent5"/>
     </dgm:fillClrLst>
     <dgm:linClrLst meth="repeat">
       <a:schemeClr val="lt1"/>
@@ -1986,6 +1986,32 @@
   </dgm:styleLbl>
   <dgm:styleLbl name="asst4">
     <dgm:fillClrLst>
+      <a:schemeClr val="accent6"/>
+    </dgm:fillClrLst>
+    <dgm:linClrLst meth="repeat">
+      <a:schemeClr val="lt1"/>
+    </dgm:linClrLst>
+    <dgm:effectClrLst/>
+    <dgm:txLinClrLst/>
+    <dgm:txFillClrLst/>
+    <dgm:txEffectClrLst/>
+  </dgm:styleLbl>
+  <dgm:styleLbl name="parChTrans2D1">
+    <dgm:fillClrLst meth="repeat">
+      <a:schemeClr val="accent2"/>
+    </dgm:fillClrLst>
+    <dgm:linClrLst meth="repeat">
+      <a:schemeClr val="lt1"/>
+    </dgm:linClrLst>
+    <dgm:effectClrLst/>
+    <dgm:txLinClrLst/>
+    <dgm:txFillClrLst meth="repeat">
+      <a:schemeClr val="lt1"/>
+    </dgm:txFillClrLst>
+    <dgm:txEffectClrLst/>
+  </dgm:styleLbl>
+  <dgm:styleLbl name="parChTrans2D2">
+    <dgm:fillClrLst meth="repeat">
       <a:schemeClr val="accent3"/>
     </dgm:fillClrLst>
     <dgm:linClrLst meth="repeat">
@@ -1996,7 +2022,19 @@
     <dgm:txFillClrLst/>
     <dgm:txEffectClrLst/>
   </dgm:styleLbl>
-  <dgm:styleLbl name="parChTrans2D1">
+  <dgm:styleLbl name="parChTrans2D3">
+    <dgm:fillClrLst meth="repeat">
+      <a:schemeClr val="accent4"/>
+    </dgm:fillClrLst>
+    <dgm:linClrLst meth="repeat">
+      <a:schemeClr val="lt1"/>
+    </dgm:linClrLst>
+    <dgm:effectClrLst/>
+    <dgm:txLinClrLst/>
+    <dgm:txFillClrLst/>
+    <dgm:txEffectClrLst/>
+  </dgm:styleLbl>
+  <dgm:styleLbl name="parChTrans2D4">
     <dgm:fillClrLst meth="repeat">
       <a:schemeClr val="accent5"/>
     </dgm:fillClrLst>
@@ -2010,47 +2048,57 @@
     </dgm:txFillClrLst>
     <dgm:txEffectClrLst/>
   </dgm:styleLbl>
-  <dgm:styleLbl name="parChTrans2D2">
+  <dgm:styleLbl name="parChTrans1D1">
     <dgm:fillClrLst meth="repeat">
-      <a:schemeClr val="accent6"/>
+      <a:schemeClr val="accent2"/>
     </dgm:fillClrLst>
     <dgm:linClrLst meth="repeat">
-      <a:schemeClr val="lt1"/>
-    </dgm:linClrLst>
-    <dgm:effectClrLst/>
-    <dgm:txLinClrLst/>
-    <dgm:txFillClrLst/>
-    <dgm:txEffectClrLst/>
-  </dgm:styleLbl>
-  <dgm:styleLbl name="parChTrans2D3">
-    <dgm:fillClrLst meth="repeat">
-      <a:schemeClr val="accent6"/>
-    </dgm:fillClrLst>
-    <dgm:linClrLst meth="repeat">
-      <a:schemeClr val="lt1"/>
-    </dgm:linClrLst>
-    <dgm:effectClrLst/>
-    <dgm:txLinClrLst/>
-    <dgm:txFillClrLst/>
-    <dgm:txEffectClrLst/>
-  </dgm:styleLbl>
-  <dgm:styleLbl name="parChTrans2D4">
-    <dgm:fillClrLst meth="repeat">
-      <a:schemeClr val="accent1"/>
-    </dgm:fillClrLst>
-    <dgm:linClrLst meth="repeat">
-      <a:schemeClr val="lt1"/>
+      <a:schemeClr val="accent2"/>
     </dgm:linClrLst>
     <dgm:effectClrLst/>
     <dgm:txLinClrLst/>
     <dgm:txFillClrLst meth="repeat">
-      <a:schemeClr val="lt1"/>
+      <a:schemeClr val="tx1"/>
     </dgm:txFillClrLst>
     <dgm:txEffectClrLst/>
   </dgm:styleLbl>
-  <dgm:styleLbl name="parChTrans1D1">
+  <dgm:styleLbl name="parChTrans1D2">
     <dgm:fillClrLst meth="repeat">
-      <a:schemeClr val="accent5"/>
+      <a:schemeClr val="accent2">
+        <a:tint val="90000"/>
+      </a:schemeClr>
+    </dgm:fillClrLst>
+    <dgm:linClrLst meth="repeat">
+      <a:schemeClr val="accent3"/>
+    </dgm:linClrLst>
+    <dgm:effectClrLst/>
+    <dgm:txLinClrLst/>
+    <dgm:txFillClrLst meth="repeat">
+      <a:schemeClr val="tx1"/>
+    </dgm:txFillClrLst>
+    <dgm:txEffectClrLst/>
+  </dgm:styleLbl>
+  <dgm:styleLbl name="parChTrans1D3">
+    <dgm:fillClrLst meth="repeat">
+      <a:schemeClr val="accent2">
+        <a:tint val="70000"/>
+      </a:schemeClr>
+    </dgm:fillClrLst>
+    <dgm:linClrLst meth="repeat">
+      <a:schemeClr val="accent4"/>
+    </dgm:linClrLst>
+    <dgm:effectClrLst/>
+    <dgm:txLinClrLst/>
+    <dgm:txFillClrLst meth="repeat">
+      <a:schemeClr val="tx1"/>
+    </dgm:txFillClrLst>
+    <dgm:txEffectClrLst/>
+  </dgm:styleLbl>
+  <dgm:styleLbl name="parChTrans1D4">
+    <dgm:fillClrLst meth="repeat">
+      <a:schemeClr val="accent2">
+        <a:tint val="50000"/>
+      </a:schemeClr>
     </dgm:fillClrLst>
     <dgm:linClrLst meth="repeat">
       <a:schemeClr val="accent5"/>
@@ -2062,42 +2110,61 @@
     </dgm:txFillClrLst>
     <dgm:txEffectClrLst/>
   </dgm:styleLbl>
-  <dgm:styleLbl name="parChTrans1D2">
+  <dgm:styleLbl name="fgAcc1">
     <dgm:fillClrLst meth="repeat">
-      <a:schemeClr val="accent6">
-        <a:tint val="90000"/>
+      <a:schemeClr val="lt1">
+        <a:alpha val="90000"/>
       </a:schemeClr>
     </dgm:fillClrLst>
-    <dgm:linClrLst meth="repeat">
-      <a:schemeClr val="accent6"/>
+    <dgm:linClrLst>
+      <a:schemeClr val="accent2"/>
+      <a:schemeClr val="accent3"/>
     </dgm:linClrLst>
     <dgm:effectClrLst/>
     <dgm:txLinClrLst/>
     <dgm:txFillClrLst meth="repeat">
-      <a:schemeClr val="tx1"/>
+      <a:schemeClr val="dk1"/>
     </dgm:txFillClrLst>
     <dgm:txEffectClrLst/>
   </dgm:styleLbl>
-  <dgm:styleLbl name="parChTrans1D3">
+  <dgm:styleLbl name="conFgAcc1">
     <dgm:fillClrLst meth="repeat">
-      <a:schemeClr val="accent6">
-        <a:tint val="70000"/>
+      <a:schemeClr val="lt1">
+        <a:alpha val="90000"/>
       </a:schemeClr>
     </dgm:fillClrLst>
-    <dgm:linClrLst meth="repeat">
-      <a:schemeClr val="accent1"/>
+    <dgm:linClrLst>
+      <a:schemeClr val="accent2"/>
+      <a:schemeClr val="accent3"/>
     </dgm:linClrLst>
     <dgm:effectClrLst/>
     <dgm:txLinClrLst/>
     <dgm:txFillClrLst meth="repeat">
-      <a:schemeClr val="tx1"/>
+      <a:schemeClr val="dk1"/>
     </dgm:txFillClrLst>
     <dgm:txEffectClrLst/>
   </dgm:styleLbl>
-  <dgm:styleLbl name="parChTrans1D4">
+  <dgm:styleLbl name="alignAcc1">
     <dgm:fillClrLst meth="repeat">
-      <a:schemeClr val="accent6">
-        <a:tint val="50000"/>
+      <a:schemeClr val="lt1">
+        <a:alpha val="90000"/>
+      </a:schemeClr>
+    </dgm:fillClrLst>
+    <dgm:linClrLst>
+      <a:schemeClr val="accent2"/>
+      <a:schemeClr val="accent3"/>
+    </dgm:linClrLst>
+    <dgm:effectClrLst/>
+    <dgm:txLinClrLst/>
+    <dgm:txFillClrLst meth="repeat">
+      <a:schemeClr val="dk1"/>
+    </dgm:txFillClrLst>
+    <dgm:txEffectClrLst/>
+  </dgm:styleLbl>
+  <dgm:styleLbl name="trAlignAcc1">
+    <dgm:fillClrLst meth="repeat">
+      <a:schemeClr val="lt1">
+        <a:alpha val="40000"/>
       </a:schemeClr>
     </dgm:fillClrLst>
     <dgm:linClrLst meth="repeat">
@@ -2106,19 +2173,19 @@
     <dgm:effectClrLst/>
     <dgm:txLinClrLst/>
     <dgm:txFillClrLst meth="repeat">
-      <a:schemeClr val="tx1"/>
+      <a:schemeClr val="dk1"/>
     </dgm:txFillClrLst>
     <dgm:txEffectClrLst/>
   </dgm:styleLbl>
-  <dgm:styleLbl name="fgAcc1">
+  <dgm:styleLbl name="bgAcc1">
     <dgm:fillClrLst meth="repeat">
       <a:schemeClr val="lt1">
         <a:alpha val="90000"/>
       </a:schemeClr>
     </dgm:fillClrLst>
     <dgm:linClrLst>
-      <a:schemeClr val="accent5"/>
-      <a:schemeClr val="accent6"/>
+      <a:schemeClr val="accent2"/>
+      <a:schemeClr val="accent3"/>
     </dgm:linClrLst>
     <dgm:effectClrLst/>
     <dgm:txLinClrLst/>
@@ -2127,15 +2194,13 @@
     </dgm:txFillClrLst>
     <dgm:txEffectClrLst/>
   </dgm:styleLbl>
-  <dgm:styleLbl name="conFgAcc1">
+  <dgm:styleLbl name="solidFgAcc1">
     <dgm:fillClrLst meth="repeat">
-      <a:schemeClr val="lt1">
-        <a:alpha val="90000"/>
-      </a:schemeClr>
+      <a:schemeClr val="lt1"/>
     </dgm:fillClrLst>
     <dgm:linClrLst>
-      <a:schemeClr val="accent5"/>
-      <a:schemeClr val="accent6"/>
+      <a:schemeClr val="accent2"/>
+      <a:schemeClr val="accent3"/>
     </dgm:linClrLst>
     <dgm:effectClrLst/>
     <dgm:txLinClrLst/>
@@ -2144,15 +2209,13 @@
     </dgm:txFillClrLst>
     <dgm:txEffectClrLst/>
   </dgm:styleLbl>
-  <dgm:styleLbl name="alignAcc1">
+  <dgm:styleLbl name="solidAlignAcc1">
     <dgm:fillClrLst meth="repeat">
-      <a:schemeClr val="lt1">
-        <a:alpha val="90000"/>
-      </a:schemeClr>
+      <a:schemeClr val="lt1"/>
     </dgm:fillClrLst>
     <dgm:linClrLst>
-      <a:schemeClr val="accent5"/>
-      <a:schemeClr val="accent6"/>
+      <a:schemeClr val="accent2"/>
+      <a:schemeClr val="accent3"/>
     </dgm:linClrLst>
     <dgm:effectClrLst/>
     <dgm:txLinClrLst/>
@@ -2161,14 +2224,13 @@
     </dgm:txFillClrLst>
     <dgm:txEffectClrLst/>
   </dgm:styleLbl>
-  <dgm:styleLbl name="trAlignAcc1">
+  <dgm:styleLbl name="solidBgAcc1">
     <dgm:fillClrLst meth="repeat">
-      <a:schemeClr val="lt1">
-        <a:alpha val="40000"/>
-      </a:schemeClr>
+      <a:schemeClr val="lt1"/>
     </dgm:fillClrLst>
-    <dgm:linClrLst meth="repeat">
-      <a:schemeClr val="accent5"/>
+    <dgm:linClrLst>
+      <a:schemeClr val="accent2"/>
+      <a:schemeClr val="accent3"/>
     </dgm:linClrLst>
     <dgm:effectClrLst/>
     <dgm:txLinClrLst/>
@@ -2177,85 +2239,23 @@
     </dgm:txFillClrLst>
     <dgm:txEffectClrLst/>
   </dgm:styleLbl>
-  <dgm:styleLbl name="bgAcc1">
-    <dgm:fillClrLst meth="repeat">
-      <a:schemeClr val="lt1">
-        <a:alpha val="90000"/>
-      </a:schemeClr>
-    </dgm:fillClrLst>
-    <dgm:linClrLst>
-      <a:schemeClr val="accent5"/>
-      <a:schemeClr val="accent6"/>
-    </dgm:linClrLst>
-    <dgm:effectClrLst/>
-    <dgm:txLinClrLst/>
-    <dgm:txFillClrLst meth="repeat">
-      <a:schemeClr val="dk1"/>
-    </dgm:txFillClrLst>
-    <dgm:txEffectClrLst/>
-  </dgm:styleLbl>
-  <dgm:styleLbl name="solidFgAcc1">
-    <dgm:fillClrLst meth="repeat">
-      <a:schemeClr val="lt1"/>
-    </dgm:fillClrLst>
-    <dgm:linClrLst>
-      <a:schemeClr val="accent5"/>
-      <a:schemeClr val="accent6"/>
-    </dgm:linClrLst>
-    <dgm:effectClrLst/>
-    <dgm:txLinClrLst/>
-    <dgm:txFillClrLst meth="repeat">
-      <a:schemeClr val="dk1"/>
-    </dgm:txFillClrLst>
-    <dgm:txEffectClrLst/>
-  </dgm:styleLbl>
-  <dgm:styleLbl name="solidAlignAcc1">
-    <dgm:fillClrLst meth="repeat">
-      <a:schemeClr val="lt1"/>
-    </dgm:fillClrLst>
-    <dgm:linClrLst>
-      <a:schemeClr val="accent5"/>
-      <a:schemeClr val="accent6"/>
-    </dgm:linClrLst>
-    <dgm:effectClrLst/>
-    <dgm:txLinClrLst/>
-    <dgm:txFillClrLst meth="repeat">
-      <a:schemeClr val="dk1"/>
-    </dgm:txFillClrLst>
-    <dgm:txEffectClrLst/>
-  </dgm:styleLbl>
-  <dgm:styleLbl name="solidBgAcc1">
-    <dgm:fillClrLst meth="repeat">
-      <a:schemeClr val="lt1"/>
-    </dgm:fillClrLst>
-    <dgm:linClrLst>
-      <a:schemeClr val="accent5"/>
-      <a:schemeClr val="accent6"/>
-    </dgm:linClrLst>
-    <dgm:effectClrLst/>
-    <dgm:txLinClrLst/>
-    <dgm:txFillClrLst meth="repeat">
-      <a:schemeClr val="dk1"/>
-    </dgm:txFillClrLst>
-    <dgm:txEffectClrLst/>
-  </dgm:styleLbl>
   <dgm:styleLbl name="fgAccFollowNode1">
     <dgm:fillClrLst>
-      <a:schemeClr val="accent5">
+      <a:schemeClr val="accent2">
         <a:tint val="40000"/>
         <a:alpha val="90000"/>
       </a:schemeClr>
-      <a:schemeClr val="accent6">
+      <a:schemeClr val="accent3">
         <a:tint val="40000"/>
         <a:alpha val="90000"/>
       </a:schemeClr>
     </dgm:fillClrLst>
     <dgm:linClrLst>
-      <a:schemeClr val="accent5">
+      <a:schemeClr val="accent2">
         <a:tint val="40000"/>
         <a:alpha val="90000"/>
       </a:schemeClr>
-      <a:schemeClr val="accent5">
+      <a:schemeClr val="accent3">
         <a:tint val="40000"/>
         <a:alpha val="90000"/>
       </a:schemeClr>
@@ -2269,21 +2269,21 @@
   </dgm:styleLbl>
   <dgm:styleLbl name="alignAccFollowNode1">
     <dgm:fillClrLst>
-      <a:schemeClr val="accent5">
+      <a:schemeClr val="accent2">
         <a:tint val="40000"/>
         <a:alpha val="90000"/>
       </a:schemeClr>
-      <a:schemeClr val="accent6">
+      <a:schemeClr val="accent3">
         <a:tint val="40000"/>
         <a:alpha val="90000"/>
       </a:schemeClr>
     </dgm:fillClrLst>
     <dgm:linClrLst>
-      <a:schemeClr val="accent5">
+      <a:schemeClr val="accent2">
         <a:tint val="40000"/>
         <a:alpha val="90000"/>
       </a:schemeClr>
-      <a:schemeClr val="accent6">
+      <a:schemeClr val="accent3">
         <a:tint val="40000"/>
         <a:alpha val="90000"/>
       </a:schemeClr>
@@ -2297,21 +2297,21 @@
   </dgm:styleLbl>
   <dgm:styleLbl name="bgAccFollowNode1">
     <dgm:fillClrLst>
-      <a:schemeClr val="accent5">
+      <a:schemeClr val="accent2">
         <a:tint val="40000"/>
         <a:alpha val="90000"/>
       </a:schemeClr>
-      <a:schemeClr val="accent6">
+      <a:schemeClr val="accent3">
         <a:tint val="40000"/>
         <a:alpha val="90000"/>
       </a:schemeClr>
     </dgm:fillClrLst>
     <dgm:linClrLst>
-      <a:schemeClr val="accent5">
+      <a:schemeClr val="accent2">
         <a:tint val="40000"/>
         <a:alpha val="90000"/>
       </a:schemeClr>
-      <a:schemeClr val="accent6">
+      <a:schemeClr val="accent3">
         <a:tint val="40000"/>
         <a:alpha val="90000"/>
       </a:schemeClr>
@@ -2324,6 +2324,38 @@
     <dgm:txEffectClrLst/>
   </dgm:styleLbl>
   <dgm:styleLbl name="fgAcc0">
+    <dgm:fillClrLst meth="repeat">
+      <a:schemeClr val="lt1">
+        <a:alpha val="90000"/>
+      </a:schemeClr>
+    </dgm:fillClrLst>
+    <dgm:linClrLst>
+      <a:schemeClr val="accent1"/>
+    </dgm:linClrLst>
+    <dgm:effectClrLst/>
+    <dgm:txLinClrLst/>
+    <dgm:txFillClrLst meth="repeat">
+      <a:schemeClr val="dk1"/>
+    </dgm:txFillClrLst>
+    <dgm:txEffectClrLst/>
+  </dgm:styleLbl>
+  <dgm:styleLbl name="fgAcc2">
+    <dgm:fillClrLst meth="repeat">
+      <a:schemeClr val="lt1">
+        <a:alpha val="90000"/>
+      </a:schemeClr>
+    </dgm:fillClrLst>
+    <dgm:linClrLst>
+      <a:schemeClr val="accent3"/>
+    </dgm:linClrLst>
+    <dgm:effectClrLst/>
+    <dgm:txLinClrLst/>
+    <dgm:txFillClrLst meth="repeat">
+      <a:schemeClr val="dk1"/>
+    </dgm:txFillClrLst>
+    <dgm:txEffectClrLst/>
+  </dgm:styleLbl>
+  <dgm:styleLbl name="fgAcc3">
     <dgm:fillClrLst meth="repeat">
       <a:schemeClr val="lt1">
         <a:alpha val="90000"/>
@@ -2339,14 +2371,14 @@
     </dgm:txFillClrLst>
     <dgm:txEffectClrLst/>
   </dgm:styleLbl>
-  <dgm:styleLbl name="fgAcc2">
+  <dgm:styleLbl name="fgAcc4">
     <dgm:fillClrLst meth="repeat">
       <a:schemeClr val="lt1">
         <a:alpha val="90000"/>
       </a:schemeClr>
     </dgm:fillClrLst>
     <dgm:linClrLst>
-      <a:schemeClr val="accent6"/>
+      <a:schemeClr val="accent5"/>
     </dgm:linClrLst>
     <dgm:effectClrLst/>
     <dgm:txLinClrLst/>
@@ -2355,41 +2387,9 @@
     </dgm:txFillClrLst>
     <dgm:txEffectClrLst/>
   </dgm:styleLbl>
-  <dgm:styleLbl name="fgAcc3">
-    <dgm:fillClrLst meth="repeat">
-      <a:schemeClr val="lt1">
-        <a:alpha val="90000"/>
-      </a:schemeClr>
-    </dgm:fillClrLst>
-    <dgm:linClrLst>
-      <a:schemeClr val="accent1"/>
-    </dgm:linClrLst>
-    <dgm:effectClrLst/>
-    <dgm:txLinClrLst/>
-    <dgm:txFillClrLst meth="repeat">
-      <a:schemeClr val="dk1"/>
-    </dgm:txFillClrLst>
-    <dgm:txEffectClrLst/>
-  </dgm:styleLbl>
-  <dgm:styleLbl name="fgAcc4">
-    <dgm:fillClrLst meth="repeat">
-      <a:schemeClr val="lt1">
-        <a:alpha val="90000"/>
-      </a:schemeClr>
-    </dgm:fillClrLst>
-    <dgm:linClrLst>
-      <a:schemeClr val="accent2"/>
-    </dgm:linClrLst>
-    <dgm:effectClrLst/>
-    <dgm:txLinClrLst/>
-    <dgm:txFillClrLst meth="repeat">
-      <a:schemeClr val="dk1"/>
-    </dgm:txFillClrLst>
-    <dgm:txEffectClrLst/>
-  </dgm:styleLbl>
   <dgm:styleLbl name="bgShp">
     <dgm:fillClrLst meth="repeat">
-      <a:schemeClr val="accent5">
+      <a:schemeClr val="accent2">
         <a:tint val="40000"/>
       </a:schemeClr>
     </dgm:fillClrLst>
@@ -2405,7 +2405,7 @@
   </dgm:styleLbl>
   <dgm:styleLbl name="dkBgShp">
     <dgm:fillClrLst meth="repeat">
-      <a:schemeClr val="accent5">
+      <a:schemeClr val="accent2">
         <a:shade val="90000"/>
       </a:schemeClr>
     </dgm:fillClrLst>
@@ -2421,13 +2421,13 @@
   </dgm:styleLbl>
   <dgm:styleLbl name="trBgShp">
     <dgm:fillClrLst meth="repeat">
-      <a:schemeClr val="accent5">
+      <a:schemeClr val="accent2">
         <a:tint val="50000"/>
         <a:alpha val="40000"/>
       </a:schemeClr>
     </dgm:fillClrLst>
     <dgm:linClrLst meth="repeat">
-      <a:schemeClr val="accent5"/>
+      <a:schemeClr val="accent2"/>
     </dgm:linClrLst>
     <dgm:effectClrLst/>
     <dgm:txLinClrLst/>
@@ -2438,7 +2438,7 @@
   </dgm:styleLbl>
   <dgm:styleLbl name="fgShp">
     <dgm:fillClrLst meth="repeat">
-      <a:schemeClr val="accent5">
+      <a:schemeClr val="accent2">
         <a:tint val="40000"/>
       </a:schemeClr>
     </dgm:fillClrLst>
@@ -2474,15 +2474,15 @@
 </file>
 
 <file path=ppt/diagrams/colors4.xml><?xml version="1.0" encoding="utf-8"?>
-<dgm:colorsDef xmlns:dgm="http://schemas.openxmlformats.org/drawingml/2006/diagram" xmlns:a="http://schemas.openxmlformats.org/drawingml/2006/main" uniqueId="urn:microsoft.com/office/officeart/2005/8/colors/colorful5">
+<dgm:colorsDef xmlns:dgm="http://schemas.openxmlformats.org/drawingml/2006/diagram" xmlns:a="http://schemas.openxmlformats.org/drawingml/2006/main" uniqueId="urn:microsoft.com/office/officeart/2005/8/colors/colorful2">
   <dgm:title val=""/>
   <dgm:desc val=""/>
   <dgm:catLst>
-    <dgm:cat type="colorful" pri="10500"/>
+    <dgm:cat type="colorful" pri="10200"/>
   </dgm:catLst>
   <dgm:styleLbl name="node0">
     <dgm:fillClrLst meth="repeat">
-      <a:schemeClr val="accent4"/>
+      <a:schemeClr val="accent1"/>
     </dgm:fillClrLst>
     <dgm:linClrLst meth="repeat">
       <a:schemeClr val="lt1"/>
@@ -2494,8 +2494,8 @@
   </dgm:styleLbl>
   <dgm:styleLbl name="node1">
     <dgm:fillClrLst>
-      <a:schemeClr val="accent5"/>
-      <a:schemeClr val="accent6"/>
+      <a:schemeClr val="accent2"/>
+      <a:schemeClr val="accent3"/>
     </dgm:fillClrLst>
     <dgm:linClrLst meth="repeat">
       <a:schemeClr val="lt1"/>
@@ -2507,12 +2507,12 @@
   </dgm:styleLbl>
   <dgm:styleLbl name="alignNode1">
     <dgm:fillClrLst>
-      <a:schemeClr val="accent5"/>
-      <a:schemeClr val="accent6"/>
+      <a:schemeClr val="accent2"/>
+      <a:schemeClr val="accent3"/>
     </dgm:fillClrLst>
     <dgm:linClrLst>
-      <a:schemeClr val="accent5"/>
-      <a:schemeClr val="accent6"/>
+      <a:schemeClr val="accent2"/>
+      <a:schemeClr val="accent3"/>
     </dgm:linClrLst>
     <dgm:effectClrLst/>
     <dgm:txLinClrLst/>
@@ -2521,8 +2521,8 @@
   </dgm:styleLbl>
   <dgm:styleLbl name="lnNode1">
     <dgm:fillClrLst>
-      <a:schemeClr val="accent5"/>
-      <a:schemeClr val="accent6"/>
+      <a:schemeClr val="accent2"/>
+      <a:schemeClr val="accent3"/>
     </dgm:fillClrLst>
     <dgm:linClrLst meth="repeat">
       <a:schemeClr val="lt1"/>
@@ -2534,10 +2534,10 @@
   </dgm:styleLbl>
   <dgm:styleLbl name="vennNode1">
     <dgm:fillClrLst>
-      <a:schemeClr val="accent5">
+      <a:schemeClr val="accent2">
         <a:alpha val="50000"/>
       </a:schemeClr>
-      <a:schemeClr val="accent6">
+      <a:schemeClr val="accent3">
         <a:alpha val="50000"/>
       </a:schemeClr>
     </dgm:fillClrLst>
@@ -2551,7 +2551,7 @@
   </dgm:styleLbl>
   <dgm:styleLbl name="node2">
     <dgm:fillClrLst>
-      <a:schemeClr val="accent6"/>
+      <a:schemeClr val="accent3"/>
     </dgm:fillClrLst>
     <dgm:linClrLst meth="repeat">
       <a:schemeClr val="lt1"/>
@@ -2563,7 +2563,7 @@
   </dgm:styleLbl>
   <dgm:styleLbl name="node3">
     <dgm:fillClrLst>
-      <a:schemeClr val="accent1"/>
+      <a:schemeClr val="accent4"/>
     </dgm:fillClrLst>
     <dgm:linClrLst meth="repeat">
       <a:schemeClr val="lt1"/>
@@ -2575,7 +2575,7 @@
   </dgm:styleLbl>
   <dgm:styleLbl name="node4">
     <dgm:fillClrLst>
-      <a:schemeClr val="accent2"/>
+      <a:schemeClr val="accent5"/>
     </dgm:fillClrLst>
     <dgm:linClrLst meth="repeat">
       <a:schemeClr val="lt1"/>
@@ -2587,10 +2587,10 @@
   </dgm:styleLbl>
   <dgm:styleLbl name="fgImgPlace1">
     <dgm:fillClrLst>
-      <a:schemeClr val="accent5">
+      <a:schemeClr val="accent2">
         <a:tint val="50000"/>
       </a:schemeClr>
-      <a:schemeClr val="accent6">
+      <a:schemeClr val="accent3">
         <a:tint val="50000"/>
       </a:schemeClr>
     </dgm:fillClrLst>
@@ -2606,10 +2606,10 @@
   </dgm:styleLbl>
   <dgm:styleLbl name="alignImgPlace1">
     <dgm:fillClrLst>
-      <a:schemeClr val="accent5">
+      <a:schemeClr val="accent2">
         <a:tint val="50000"/>
       </a:schemeClr>
-      <a:schemeClr val="accent6">
+      <a:schemeClr val="accent3">
         <a:tint val="20000"/>
       </a:schemeClr>
     </dgm:fillClrLst>
@@ -2625,10 +2625,10 @@
   </dgm:styleLbl>
   <dgm:styleLbl name="bgImgPlace1">
     <dgm:fillClrLst>
-      <a:schemeClr val="accent5">
+      <a:schemeClr val="accent2">
         <a:tint val="50000"/>
       </a:schemeClr>
-      <a:schemeClr val="accent6">
+      <a:schemeClr val="accent3">
         <a:tint val="20000"/>
       </a:schemeClr>
     </dgm:fillClrLst>
@@ -2644,8 +2644,8 @@
   </dgm:styleLbl>
   <dgm:styleLbl name="sibTrans2D1">
     <dgm:fillClrLst>
-      <a:schemeClr val="accent5"/>
-      <a:schemeClr val="accent6"/>
+      <a:schemeClr val="accent2"/>
+      <a:schemeClr val="accent3"/>
     </dgm:fillClrLst>
     <dgm:linClrLst meth="repeat">
       <a:schemeClr val="lt1"/>
@@ -2657,8 +2657,8 @@
   </dgm:styleLbl>
   <dgm:styleLbl name="fgSibTrans2D1">
     <dgm:fillClrLst>
-      <a:schemeClr val="accent5"/>
-      <a:schemeClr val="accent6"/>
+      <a:schemeClr val="accent2"/>
+      <a:schemeClr val="accent3"/>
     </dgm:fillClrLst>
     <dgm:linClrLst meth="repeat">
       <a:schemeClr val="lt1"/>
@@ -2672,8 +2672,8 @@
   </dgm:styleLbl>
   <dgm:styleLbl name="bgSibTrans2D1">
     <dgm:fillClrLst>
-      <a:schemeClr val="accent5"/>
-      <a:schemeClr val="accent6"/>
+      <a:schemeClr val="accent2"/>
+      <a:schemeClr val="accent3"/>
     </dgm:fillClrLst>
     <dgm:linClrLst meth="repeat">
       <a:schemeClr val="lt1"/>
@@ -2688,8 +2688,8 @@
   <dgm:styleLbl name="sibTrans1D1">
     <dgm:fillClrLst/>
     <dgm:linClrLst>
-      <a:schemeClr val="accent5"/>
-      <a:schemeClr val="accent6"/>
+      <a:schemeClr val="accent2"/>
+      <a:schemeClr val="accent3"/>
     </dgm:linClrLst>
     <dgm:effectClrLst/>
     <dgm:txLinClrLst/>
@@ -2700,10 +2700,10 @@
   </dgm:styleLbl>
   <dgm:styleLbl name="callout">
     <dgm:fillClrLst meth="repeat">
-      <a:schemeClr val="accent5"/>
+      <a:schemeClr val="accent2"/>
     </dgm:fillClrLst>
     <dgm:linClrLst meth="repeat">
-      <a:schemeClr val="accent5">
+      <a:schemeClr val="accent2">
         <a:tint val="50000"/>
       </a:schemeClr>
     </dgm:linClrLst>
@@ -2716,7 +2716,7 @@
   </dgm:styleLbl>
   <dgm:styleLbl name="asst0">
     <dgm:fillClrLst meth="repeat">
-      <a:schemeClr val="accent5"/>
+      <a:schemeClr val="accent2"/>
     </dgm:fillClrLst>
     <dgm:linClrLst meth="repeat">
       <a:schemeClr val="lt1">
@@ -2730,7 +2730,7 @@
   </dgm:styleLbl>
   <dgm:styleLbl name="asst1">
     <dgm:fillClrLst meth="repeat">
-      <a:schemeClr val="accent6"/>
+      <a:schemeClr val="accent3"/>
     </dgm:fillClrLst>
     <dgm:linClrLst meth="repeat">
       <a:schemeClr val="lt1">
@@ -2744,7 +2744,7 @@
   </dgm:styleLbl>
   <dgm:styleLbl name="asst2">
     <dgm:fillClrLst>
-      <a:schemeClr val="accent1"/>
+      <a:schemeClr val="accent4"/>
     </dgm:fillClrLst>
     <dgm:linClrLst meth="repeat">
       <a:schemeClr val="lt1"/>
@@ -2756,7 +2756,7 @@
   </dgm:styleLbl>
   <dgm:styleLbl name="asst3">
     <dgm:fillClrLst>
-      <a:schemeClr val="accent2"/>
+      <a:schemeClr val="accent5"/>
     </dgm:fillClrLst>
     <dgm:linClrLst meth="repeat">
       <a:schemeClr val="lt1"/>
@@ -2768,6 +2768,32 @@
   </dgm:styleLbl>
   <dgm:styleLbl name="asst4">
     <dgm:fillClrLst>
+      <a:schemeClr val="accent6"/>
+    </dgm:fillClrLst>
+    <dgm:linClrLst meth="repeat">
+      <a:schemeClr val="lt1"/>
+    </dgm:linClrLst>
+    <dgm:effectClrLst/>
+    <dgm:txLinClrLst/>
+    <dgm:txFillClrLst/>
+    <dgm:txEffectClrLst/>
+  </dgm:styleLbl>
+  <dgm:styleLbl name="parChTrans2D1">
+    <dgm:fillClrLst meth="repeat">
+      <a:schemeClr val="accent2"/>
+    </dgm:fillClrLst>
+    <dgm:linClrLst meth="repeat">
+      <a:schemeClr val="lt1"/>
+    </dgm:linClrLst>
+    <dgm:effectClrLst/>
+    <dgm:txLinClrLst/>
+    <dgm:txFillClrLst meth="repeat">
+      <a:schemeClr val="lt1"/>
+    </dgm:txFillClrLst>
+    <dgm:txEffectClrLst/>
+  </dgm:styleLbl>
+  <dgm:styleLbl name="parChTrans2D2">
+    <dgm:fillClrLst meth="repeat">
       <a:schemeClr val="accent3"/>
     </dgm:fillClrLst>
     <dgm:linClrLst meth="repeat">
@@ -2778,7 +2804,19 @@
     <dgm:txFillClrLst/>
     <dgm:txEffectClrLst/>
   </dgm:styleLbl>
-  <dgm:styleLbl name="parChTrans2D1">
+  <dgm:styleLbl name="parChTrans2D3">
+    <dgm:fillClrLst meth="repeat">
+      <a:schemeClr val="accent4"/>
+    </dgm:fillClrLst>
+    <dgm:linClrLst meth="repeat">
+      <a:schemeClr val="lt1"/>
+    </dgm:linClrLst>
+    <dgm:effectClrLst/>
+    <dgm:txLinClrLst/>
+    <dgm:txFillClrLst/>
+    <dgm:txEffectClrLst/>
+  </dgm:styleLbl>
+  <dgm:styleLbl name="parChTrans2D4">
     <dgm:fillClrLst meth="repeat">
       <a:schemeClr val="accent5"/>
     </dgm:fillClrLst>
@@ -2792,47 +2830,57 @@
     </dgm:txFillClrLst>
     <dgm:txEffectClrLst/>
   </dgm:styleLbl>
-  <dgm:styleLbl name="parChTrans2D2">
+  <dgm:styleLbl name="parChTrans1D1">
     <dgm:fillClrLst meth="repeat">
-      <a:schemeClr val="accent6"/>
+      <a:schemeClr val="accent2"/>
     </dgm:fillClrLst>
     <dgm:linClrLst meth="repeat">
-      <a:schemeClr val="lt1"/>
-    </dgm:linClrLst>
-    <dgm:effectClrLst/>
-    <dgm:txLinClrLst/>
-    <dgm:txFillClrLst/>
-    <dgm:txEffectClrLst/>
-  </dgm:styleLbl>
-  <dgm:styleLbl name="parChTrans2D3">
-    <dgm:fillClrLst meth="repeat">
-      <a:schemeClr val="accent6"/>
-    </dgm:fillClrLst>
-    <dgm:linClrLst meth="repeat">
-      <a:schemeClr val="lt1"/>
-    </dgm:linClrLst>
-    <dgm:effectClrLst/>
-    <dgm:txLinClrLst/>
-    <dgm:txFillClrLst/>
-    <dgm:txEffectClrLst/>
-  </dgm:styleLbl>
-  <dgm:styleLbl name="parChTrans2D4">
-    <dgm:fillClrLst meth="repeat">
-      <a:schemeClr val="accent1"/>
-    </dgm:fillClrLst>
-    <dgm:linClrLst meth="repeat">
-      <a:schemeClr val="lt1"/>
+      <a:schemeClr val="accent2"/>
     </dgm:linClrLst>
     <dgm:effectClrLst/>
     <dgm:txLinClrLst/>
     <dgm:txFillClrLst meth="repeat">
-      <a:schemeClr val="lt1"/>
+      <a:schemeClr val="tx1"/>
     </dgm:txFillClrLst>
     <dgm:txEffectClrLst/>
   </dgm:styleLbl>
-  <dgm:styleLbl name="parChTrans1D1">
+  <dgm:styleLbl name="parChTrans1D2">
     <dgm:fillClrLst meth="repeat">
-      <a:schemeClr val="accent5"/>
+      <a:schemeClr val="accent2">
+        <a:tint val="90000"/>
+      </a:schemeClr>
+    </dgm:fillClrLst>
+    <dgm:linClrLst meth="repeat">
+      <a:schemeClr val="accent3"/>
+    </dgm:linClrLst>
+    <dgm:effectClrLst/>
+    <dgm:txLinClrLst/>
+    <dgm:txFillClrLst meth="repeat">
+      <a:schemeClr val="tx1"/>
+    </dgm:txFillClrLst>
+    <dgm:txEffectClrLst/>
+  </dgm:styleLbl>
+  <dgm:styleLbl name="parChTrans1D3">
+    <dgm:fillClrLst meth="repeat">
+      <a:schemeClr val="accent2">
+        <a:tint val="70000"/>
+      </a:schemeClr>
+    </dgm:fillClrLst>
+    <dgm:linClrLst meth="repeat">
+      <a:schemeClr val="accent4"/>
+    </dgm:linClrLst>
+    <dgm:effectClrLst/>
+    <dgm:txLinClrLst/>
+    <dgm:txFillClrLst meth="repeat">
+      <a:schemeClr val="tx1"/>
+    </dgm:txFillClrLst>
+    <dgm:txEffectClrLst/>
+  </dgm:styleLbl>
+  <dgm:styleLbl name="parChTrans1D4">
+    <dgm:fillClrLst meth="repeat">
+      <a:schemeClr val="accent2">
+        <a:tint val="50000"/>
+      </a:schemeClr>
     </dgm:fillClrLst>
     <dgm:linClrLst meth="repeat">
       <a:schemeClr val="accent5"/>
@@ -2844,42 +2892,61 @@
     </dgm:txFillClrLst>
     <dgm:txEffectClrLst/>
   </dgm:styleLbl>
-  <dgm:styleLbl name="parChTrans1D2">
+  <dgm:styleLbl name="fgAcc1">
     <dgm:fillClrLst meth="repeat">
-      <a:schemeClr val="accent6">
-        <a:tint val="90000"/>
+      <a:schemeClr val="lt1">
+        <a:alpha val="90000"/>
       </a:schemeClr>
     </dgm:fillClrLst>
-    <dgm:linClrLst meth="repeat">
-      <a:schemeClr val="accent6"/>
+    <dgm:linClrLst>
+      <a:schemeClr val="accent2"/>
+      <a:schemeClr val="accent3"/>
     </dgm:linClrLst>
     <dgm:effectClrLst/>
     <dgm:txLinClrLst/>
     <dgm:txFillClrLst meth="repeat">
-      <a:schemeClr val="tx1"/>
+      <a:schemeClr val="dk1"/>
     </dgm:txFillClrLst>
     <dgm:txEffectClrLst/>
   </dgm:styleLbl>
-  <dgm:styleLbl name="parChTrans1D3">
+  <dgm:styleLbl name="conFgAcc1">
     <dgm:fillClrLst meth="repeat">
-      <a:schemeClr val="accent6">
-        <a:tint val="70000"/>
+      <a:schemeClr val="lt1">
+        <a:alpha val="90000"/>
       </a:schemeClr>
     </dgm:fillClrLst>
-    <dgm:linClrLst meth="repeat">
-      <a:schemeClr val="accent1"/>
+    <dgm:linClrLst>
+      <a:schemeClr val="accent2"/>
+      <a:schemeClr val="accent3"/>
     </dgm:linClrLst>
     <dgm:effectClrLst/>
     <dgm:txLinClrLst/>
     <dgm:txFillClrLst meth="repeat">
-      <a:schemeClr val="tx1"/>
+      <a:schemeClr val="dk1"/>
     </dgm:txFillClrLst>
     <dgm:txEffectClrLst/>
   </dgm:styleLbl>
-  <dgm:styleLbl name="parChTrans1D4">
+  <dgm:styleLbl name="alignAcc1">
     <dgm:fillClrLst meth="repeat">
-      <a:schemeClr val="accent6">
-        <a:tint val="50000"/>
+      <a:schemeClr val="lt1">
+        <a:alpha val="90000"/>
+      </a:schemeClr>
+    </dgm:fillClrLst>
+    <dgm:linClrLst>
+      <a:schemeClr val="accent2"/>
+      <a:schemeClr val="accent3"/>
+    </dgm:linClrLst>
+    <dgm:effectClrLst/>
+    <dgm:txLinClrLst/>
+    <dgm:txFillClrLst meth="repeat">
+      <a:schemeClr val="dk1"/>
+    </dgm:txFillClrLst>
+    <dgm:txEffectClrLst/>
+  </dgm:styleLbl>
+  <dgm:styleLbl name="trAlignAcc1">
+    <dgm:fillClrLst meth="repeat">
+      <a:schemeClr val="lt1">
+        <a:alpha val="40000"/>
       </a:schemeClr>
     </dgm:fillClrLst>
     <dgm:linClrLst meth="repeat">
@@ -2888,19 +2955,19 @@
     <dgm:effectClrLst/>
     <dgm:txLinClrLst/>
     <dgm:txFillClrLst meth="repeat">
-      <a:schemeClr val="tx1"/>
+      <a:schemeClr val="dk1"/>
     </dgm:txFillClrLst>
     <dgm:txEffectClrLst/>
   </dgm:styleLbl>
-  <dgm:styleLbl name="fgAcc1">
+  <dgm:styleLbl name="bgAcc1">
     <dgm:fillClrLst meth="repeat">
       <a:schemeClr val="lt1">
         <a:alpha val="90000"/>
       </a:schemeClr>
     </dgm:fillClrLst>
     <dgm:linClrLst>
-      <a:schemeClr val="accent5"/>
-      <a:schemeClr val="accent6"/>
+      <a:schemeClr val="accent2"/>
+      <a:schemeClr val="accent3"/>
     </dgm:linClrLst>
     <dgm:effectClrLst/>
     <dgm:txLinClrLst/>
@@ -2909,15 +2976,13 @@
     </dgm:txFillClrLst>
     <dgm:txEffectClrLst/>
   </dgm:styleLbl>
-  <dgm:styleLbl name="conFgAcc1">
+  <dgm:styleLbl name="solidFgAcc1">
     <dgm:fillClrLst meth="repeat">
-      <a:schemeClr val="lt1">
-        <a:alpha val="90000"/>
-      </a:schemeClr>
+      <a:schemeClr val="lt1"/>
     </dgm:fillClrLst>
     <dgm:linClrLst>
-      <a:schemeClr val="accent5"/>
-      <a:schemeClr val="accent6"/>
+      <a:schemeClr val="accent2"/>
+      <a:schemeClr val="accent3"/>
     </dgm:linClrLst>
     <dgm:effectClrLst/>
     <dgm:txLinClrLst/>
@@ -2926,15 +2991,13 @@
     </dgm:txFillClrLst>
     <dgm:txEffectClrLst/>
   </dgm:styleLbl>
-  <dgm:styleLbl name="alignAcc1">
+  <dgm:styleLbl name="solidAlignAcc1">
     <dgm:fillClrLst meth="repeat">
-      <a:schemeClr val="lt1">
-        <a:alpha val="90000"/>
-      </a:schemeClr>
+      <a:schemeClr val="lt1"/>
     </dgm:fillClrLst>
     <dgm:linClrLst>
-      <a:schemeClr val="accent5"/>
-      <a:schemeClr val="accent6"/>
+      <a:schemeClr val="accent2"/>
+      <a:schemeClr val="accent3"/>
     </dgm:linClrLst>
     <dgm:effectClrLst/>
     <dgm:txLinClrLst/>
@@ -2943,14 +3006,13 @@
     </dgm:txFillClrLst>
     <dgm:txEffectClrLst/>
   </dgm:styleLbl>
-  <dgm:styleLbl name="trAlignAcc1">
+  <dgm:styleLbl name="solidBgAcc1">
     <dgm:fillClrLst meth="repeat">
-      <a:schemeClr val="lt1">
-        <a:alpha val="40000"/>
-      </a:schemeClr>
+      <a:schemeClr val="lt1"/>
     </dgm:fillClrLst>
-    <dgm:linClrLst meth="repeat">
-      <a:schemeClr val="accent5"/>
+    <dgm:linClrLst>
+      <a:schemeClr val="accent2"/>
+      <a:schemeClr val="accent3"/>
     </dgm:linClrLst>
     <dgm:effectClrLst/>
     <dgm:txLinClrLst/>
@@ -2959,85 +3021,23 @@
     </dgm:txFillClrLst>
     <dgm:txEffectClrLst/>
   </dgm:styleLbl>
-  <dgm:styleLbl name="bgAcc1">
-    <dgm:fillClrLst meth="repeat">
-      <a:schemeClr val="lt1">
-        <a:alpha val="90000"/>
-      </a:schemeClr>
-    </dgm:fillClrLst>
-    <dgm:linClrLst>
-      <a:schemeClr val="accent5"/>
-      <a:schemeClr val="accent6"/>
-    </dgm:linClrLst>
-    <dgm:effectClrLst/>
-    <dgm:txLinClrLst/>
-    <dgm:txFillClrLst meth="repeat">
-      <a:schemeClr val="dk1"/>
-    </dgm:txFillClrLst>
-    <dgm:txEffectClrLst/>
-  </dgm:styleLbl>
-  <dgm:styleLbl name="solidFgAcc1">
-    <dgm:fillClrLst meth="repeat">
-      <a:schemeClr val="lt1"/>
-    </dgm:fillClrLst>
-    <dgm:linClrLst>
-      <a:schemeClr val="accent5"/>
-      <a:schemeClr val="accent6"/>
-    </dgm:linClrLst>
-    <dgm:effectClrLst/>
-    <dgm:txLinClrLst/>
-    <dgm:txFillClrLst meth="repeat">
-      <a:schemeClr val="dk1"/>
-    </dgm:txFillClrLst>
-    <dgm:txEffectClrLst/>
-  </dgm:styleLbl>
-  <dgm:styleLbl name="solidAlignAcc1">
-    <dgm:fillClrLst meth="repeat">
-      <a:schemeClr val="lt1"/>
-    </dgm:fillClrLst>
-    <dgm:linClrLst>
-      <a:schemeClr val="accent5"/>
-      <a:schemeClr val="accent6"/>
-    </dgm:linClrLst>
-    <dgm:effectClrLst/>
-    <dgm:txLinClrLst/>
-    <dgm:txFillClrLst meth="repeat">
-      <a:schemeClr val="dk1"/>
-    </dgm:txFillClrLst>
-    <dgm:txEffectClrLst/>
-  </dgm:styleLbl>
-  <dgm:styleLbl name="solidBgAcc1">
-    <dgm:fillClrLst meth="repeat">
-      <a:schemeClr val="lt1"/>
-    </dgm:fillClrLst>
-    <dgm:linClrLst>
-      <a:schemeClr val="accent5"/>
-      <a:schemeClr val="accent6"/>
-    </dgm:linClrLst>
-    <dgm:effectClrLst/>
-    <dgm:txLinClrLst/>
-    <dgm:txFillClrLst meth="repeat">
-      <a:schemeClr val="dk1"/>
-    </dgm:txFillClrLst>
-    <dgm:txEffectClrLst/>
-  </dgm:styleLbl>
   <dgm:styleLbl name="fgAccFollowNode1">
     <dgm:fillClrLst>
-      <a:schemeClr val="accent5">
+      <a:schemeClr val="accent2">
         <a:tint val="40000"/>
         <a:alpha val="90000"/>
       </a:schemeClr>
-      <a:schemeClr val="accent6">
+      <a:schemeClr val="accent3">
         <a:tint val="40000"/>
         <a:alpha val="90000"/>
       </a:schemeClr>
     </dgm:fillClrLst>
     <dgm:linClrLst>
-      <a:schemeClr val="accent5">
+      <a:schemeClr val="accent2">
         <a:tint val="40000"/>
         <a:alpha val="90000"/>
       </a:schemeClr>
-      <a:schemeClr val="accent5">
+      <a:schemeClr val="accent3">
         <a:tint val="40000"/>
         <a:alpha val="90000"/>
       </a:schemeClr>
@@ -3051,21 +3051,21 @@
   </dgm:styleLbl>
   <dgm:styleLbl name="alignAccFollowNode1">
     <dgm:fillClrLst>
-      <a:schemeClr val="accent5">
+      <a:schemeClr val="accent2">
         <a:tint val="40000"/>
         <a:alpha val="90000"/>
       </a:schemeClr>
-      <a:schemeClr val="accent6">
+      <a:schemeClr val="accent3">
         <a:tint val="40000"/>
         <a:alpha val="90000"/>
       </a:schemeClr>
     </dgm:fillClrLst>
     <dgm:linClrLst>
-      <a:schemeClr val="accent5">
+      <a:schemeClr val="accent2">
         <a:tint val="40000"/>
         <a:alpha val="90000"/>
       </a:schemeClr>
-      <a:schemeClr val="accent6">
+      <a:schemeClr val="accent3">
         <a:tint val="40000"/>
         <a:alpha val="90000"/>
       </a:schemeClr>
@@ -3079,21 +3079,21 @@
   </dgm:styleLbl>
   <dgm:styleLbl name="bgAccFollowNode1">
     <dgm:fillClrLst>
-      <a:schemeClr val="accent5">
+      <a:schemeClr val="accent2">
         <a:tint val="40000"/>
         <a:alpha val="90000"/>
       </a:schemeClr>
-      <a:schemeClr val="accent6">
+      <a:schemeClr val="accent3">
         <a:tint val="40000"/>
         <a:alpha val="90000"/>
       </a:schemeClr>
     </dgm:fillClrLst>
     <dgm:linClrLst>
-      <a:schemeClr val="accent5">
+      <a:schemeClr val="accent2">
         <a:tint val="40000"/>
         <a:alpha val="90000"/>
       </a:schemeClr>
-      <a:schemeClr val="accent6">
+      <a:schemeClr val="accent3">
         <a:tint val="40000"/>
         <a:alpha val="90000"/>
       </a:schemeClr>
@@ -3106,6 +3106,38 @@
     <dgm:txEffectClrLst/>
   </dgm:styleLbl>
   <dgm:styleLbl name="fgAcc0">
+    <dgm:fillClrLst meth="repeat">
+      <a:schemeClr val="lt1">
+        <a:alpha val="90000"/>
+      </a:schemeClr>
+    </dgm:fillClrLst>
+    <dgm:linClrLst>
+      <a:schemeClr val="accent1"/>
+    </dgm:linClrLst>
+    <dgm:effectClrLst/>
+    <dgm:txLinClrLst/>
+    <dgm:txFillClrLst meth="repeat">
+      <a:schemeClr val="dk1"/>
+    </dgm:txFillClrLst>
+    <dgm:txEffectClrLst/>
+  </dgm:styleLbl>
+  <dgm:styleLbl name="fgAcc2">
+    <dgm:fillClrLst meth="repeat">
+      <a:schemeClr val="lt1">
+        <a:alpha val="90000"/>
+      </a:schemeClr>
+    </dgm:fillClrLst>
+    <dgm:linClrLst>
+      <a:schemeClr val="accent3"/>
+    </dgm:linClrLst>
+    <dgm:effectClrLst/>
+    <dgm:txLinClrLst/>
+    <dgm:txFillClrLst meth="repeat">
+      <a:schemeClr val="dk1"/>
+    </dgm:txFillClrLst>
+    <dgm:txEffectClrLst/>
+  </dgm:styleLbl>
+  <dgm:styleLbl name="fgAcc3">
     <dgm:fillClrLst meth="repeat">
       <a:schemeClr val="lt1">
         <a:alpha val="90000"/>
@@ -3121,14 +3153,14 @@
     </dgm:txFillClrLst>
     <dgm:txEffectClrLst/>
   </dgm:styleLbl>
-  <dgm:styleLbl name="fgAcc2">
+  <dgm:styleLbl name="fgAcc4">
     <dgm:fillClrLst meth="repeat">
       <a:schemeClr val="lt1">
         <a:alpha val="90000"/>
       </a:schemeClr>
     </dgm:fillClrLst>
     <dgm:linClrLst>
-      <a:schemeClr val="accent6"/>
+      <a:schemeClr val="accent5"/>
     </dgm:linClrLst>
     <dgm:effectClrLst/>
     <dgm:txLinClrLst/>
@@ -3137,41 +3169,9 @@
     </dgm:txFillClrLst>
     <dgm:txEffectClrLst/>
   </dgm:styleLbl>
-  <dgm:styleLbl name="fgAcc3">
-    <dgm:fillClrLst meth="repeat">
-      <a:schemeClr val="lt1">
-        <a:alpha val="90000"/>
-      </a:schemeClr>
-    </dgm:fillClrLst>
-    <dgm:linClrLst>
-      <a:schemeClr val="accent1"/>
-    </dgm:linClrLst>
-    <dgm:effectClrLst/>
-    <dgm:txLinClrLst/>
-    <dgm:txFillClrLst meth="repeat">
-      <a:schemeClr val="dk1"/>
-    </dgm:txFillClrLst>
-    <dgm:txEffectClrLst/>
-  </dgm:styleLbl>
-  <dgm:styleLbl name="fgAcc4">
-    <dgm:fillClrLst meth="repeat">
-      <a:schemeClr val="lt1">
-        <a:alpha val="90000"/>
-      </a:schemeClr>
-    </dgm:fillClrLst>
-    <dgm:linClrLst>
-      <a:schemeClr val="accent2"/>
-    </dgm:linClrLst>
-    <dgm:effectClrLst/>
-    <dgm:txLinClrLst/>
-    <dgm:txFillClrLst meth="repeat">
-      <a:schemeClr val="dk1"/>
-    </dgm:txFillClrLst>
-    <dgm:txEffectClrLst/>
-  </dgm:styleLbl>
   <dgm:styleLbl name="bgShp">
     <dgm:fillClrLst meth="repeat">
-      <a:schemeClr val="accent5">
+      <a:schemeClr val="accent2">
         <a:tint val="40000"/>
       </a:schemeClr>
     </dgm:fillClrLst>
@@ -3187,7 +3187,7 @@
   </dgm:styleLbl>
   <dgm:styleLbl name="dkBgShp">
     <dgm:fillClrLst meth="repeat">
-      <a:schemeClr val="accent5">
+      <a:schemeClr val="accent2">
         <a:shade val="90000"/>
       </a:schemeClr>
     </dgm:fillClrLst>
@@ -3203,13 +3203,13 @@
   </dgm:styleLbl>
   <dgm:styleLbl name="trBgShp">
     <dgm:fillClrLst meth="repeat">
-      <a:schemeClr val="accent5">
+      <a:schemeClr val="accent2">
         <a:tint val="50000"/>
         <a:alpha val="40000"/>
       </a:schemeClr>
     </dgm:fillClrLst>
     <dgm:linClrLst meth="repeat">
-      <a:schemeClr val="accent5"/>
+      <a:schemeClr val="accent2"/>
     </dgm:linClrLst>
     <dgm:effectClrLst/>
     <dgm:txLinClrLst/>
@@ -3220,7 +3220,7 @@
   </dgm:styleLbl>
   <dgm:styleLbl name="fgShp">
     <dgm:fillClrLst meth="repeat">
-      <a:schemeClr val="accent5">
+      <a:schemeClr val="accent2">
         <a:tint val="40000"/>
       </a:schemeClr>
     </dgm:fillClrLst>
@@ -3256,15 +3256,15 @@
 </file>
 
 <file path=ppt/diagrams/colors5.xml><?xml version="1.0" encoding="utf-8"?>
-<dgm:colorsDef xmlns:dgm="http://schemas.openxmlformats.org/drawingml/2006/diagram" xmlns:a="http://schemas.openxmlformats.org/drawingml/2006/main" uniqueId="urn:microsoft.com/office/officeart/2005/8/colors/colorful5">
+<dgm:colorsDef xmlns:dgm="http://schemas.openxmlformats.org/drawingml/2006/diagram" xmlns:a="http://schemas.openxmlformats.org/drawingml/2006/main" uniqueId="urn:microsoft.com/office/officeart/2005/8/colors/colorful2">
   <dgm:title val=""/>
   <dgm:desc val=""/>
   <dgm:catLst>
-    <dgm:cat type="colorful" pri="10500"/>
+    <dgm:cat type="colorful" pri="10200"/>
   </dgm:catLst>
   <dgm:styleLbl name="node0">
     <dgm:fillClrLst meth="repeat">
-      <a:schemeClr val="accent4"/>
+      <a:schemeClr val="accent1"/>
     </dgm:fillClrLst>
     <dgm:linClrLst meth="repeat">
       <a:schemeClr val="lt1"/>
@@ -3276,8 +3276,8 @@
   </dgm:styleLbl>
   <dgm:styleLbl name="node1">
     <dgm:fillClrLst>
-      <a:schemeClr val="accent5"/>
-      <a:schemeClr val="accent6"/>
+      <a:schemeClr val="accent2"/>
+      <a:schemeClr val="accent3"/>
     </dgm:fillClrLst>
     <dgm:linClrLst meth="repeat">
       <a:schemeClr val="lt1"/>
@@ -3289,12 +3289,12 @@
   </dgm:styleLbl>
   <dgm:styleLbl name="alignNode1">
     <dgm:fillClrLst>
-      <a:schemeClr val="accent5"/>
-      <a:schemeClr val="accent6"/>
+      <a:schemeClr val="accent2"/>
+      <a:schemeClr val="accent3"/>
     </dgm:fillClrLst>
     <dgm:linClrLst>
-      <a:schemeClr val="accent5"/>
-      <a:schemeClr val="accent6"/>
+      <a:schemeClr val="accent2"/>
+      <a:schemeClr val="accent3"/>
     </dgm:linClrLst>
     <dgm:effectClrLst/>
     <dgm:txLinClrLst/>
@@ -3303,8 +3303,8 @@
   </dgm:styleLbl>
   <dgm:styleLbl name="lnNode1">
     <dgm:fillClrLst>
-      <a:schemeClr val="accent5"/>
-      <a:schemeClr val="accent6"/>
+      <a:schemeClr val="accent2"/>
+      <a:schemeClr val="accent3"/>
     </dgm:fillClrLst>
     <dgm:linClrLst meth="repeat">
       <a:schemeClr val="lt1"/>
@@ -3316,10 +3316,10 @@
   </dgm:styleLbl>
   <dgm:styleLbl name="vennNode1">
     <dgm:fillClrLst>
-      <a:schemeClr val="accent5">
+      <a:schemeClr val="accent2">
         <a:alpha val="50000"/>
       </a:schemeClr>
-      <a:schemeClr val="accent6">
+      <a:schemeClr val="accent3">
         <a:alpha val="50000"/>
       </a:schemeClr>
     </dgm:fillClrLst>
@@ -3333,7 +3333,7 @@
   </dgm:styleLbl>
   <dgm:styleLbl name="node2">
     <dgm:fillClrLst>
-      <a:schemeClr val="accent6"/>
+      <a:schemeClr val="accent3"/>
     </dgm:fillClrLst>
     <dgm:linClrLst meth="repeat">
       <a:schemeClr val="lt1"/>
@@ -3345,7 +3345,7 @@
   </dgm:styleLbl>
   <dgm:styleLbl name="node3">
     <dgm:fillClrLst>
-      <a:schemeClr val="accent1"/>
+      <a:schemeClr val="accent4"/>
     </dgm:fillClrLst>
     <dgm:linClrLst meth="repeat">
       <a:schemeClr val="lt1"/>
@@ -3357,7 +3357,7 @@
   </dgm:styleLbl>
   <dgm:styleLbl name="node4">
     <dgm:fillClrLst>
-      <a:schemeClr val="accent2"/>
+      <a:schemeClr val="accent5"/>
     </dgm:fillClrLst>
     <dgm:linClrLst meth="repeat">
       <a:schemeClr val="lt1"/>
@@ -3369,10 +3369,10 @@
   </dgm:styleLbl>
   <dgm:styleLbl name="fgImgPlace1">
     <dgm:fillClrLst>
-      <a:schemeClr val="accent5">
+      <a:schemeClr val="accent2">
         <a:tint val="50000"/>
       </a:schemeClr>
-      <a:schemeClr val="accent6">
+      <a:schemeClr val="accent3">
         <a:tint val="50000"/>
       </a:schemeClr>
     </dgm:fillClrLst>
@@ -3388,10 +3388,10 @@
   </dgm:styleLbl>
   <dgm:styleLbl name="alignImgPlace1">
     <dgm:fillClrLst>
-      <a:schemeClr val="accent5">
+      <a:schemeClr val="accent2">
         <a:tint val="50000"/>
       </a:schemeClr>
-      <a:schemeClr val="accent6">
+      <a:schemeClr val="accent3">
         <a:tint val="20000"/>
       </a:schemeClr>
     </dgm:fillClrLst>
@@ -3407,10 +3407,10 @@
   </dgm:styleLbl>
   <dgm:styleLbl name="bgImgPlace1">
     <dgm:fillClrLst>
-      <a:schemeClr val="accent5">
+      <a:schemeClr val="accent2">
         <a:tint val="50000"/>
       </a:schemeClr>
-      <a:schemeClr val="accent6">
+      <a:schemeClr val="accent3">
         <a:tint val="20000"/>
       </a:schemeClr>
     </dgm:fillClrLst>
@@ -3426,8 +3426,8 @@
   </dgm:styleLbl>
   <dgm:styleLbl name="sibTrans2D1">
     <dgm:fillClrLst>
-      <a:schemeClr val="accent5"/>
-      <a:schemeClr val="accent6"/>
+      <a:schemeClr val="accent2"/>
+      <a:schemeClr val="accent3"/>
     </dgm:fillClrLst>
     <dgm:linClrLst meth="repeat">
       <a:schemeClr val="lt1"/>
@@ -3439,8 +3439,8 @@
   </dgm:styleLbl>
   <dgm:styleLbl name="fgSibTrans2D1">
     <dgm:fillClrLst>
-      <a:schemeClr val="accent5"/>
-      <a:schemeClr val="accent6"/>
+      <a:schemeClr val="accent2"/>
+      <a:schemeClr val="accent3"/>
     </dgm:fillClrLst>
     <dgm:linClrLst meth="repeat">
       <a:schemeClr val="lt1"/>
@@ -3454,8 +3454,8 @@
   </dgm:styleLbl>
   <dgm:styleLbl name="bgSibTrans2D1">
     <dgm:fillClrLst>
-      <a:schemeClr val="accent5"/>
-      <a:schemeClr val="accent6"/>
+      <a:schemeClr val="accent2"/>
+      <a:schemeClr val="accent3"/>
     </dgm:fillClrLst>
     <dgm:linClrLst meth="repeat">
       <a:schemeClr val="lt1"/>
@@ -3470,8 +3470,8 @@
   <dgm:styleLbl name="sibTrans1D1">
     <dgm:fillClrLst/>
     <dgm:linClrLst>
-      <a:schemeClr val="accent5"/>
-      <a:schemeClr val="accent6"/>
+      <a:schemeClr val="accent2"/>
+      <a:schemeClr val="accent3"/>
     </dgm:linClrLst>
     <dgm:effectClrLst/>
     <dgm:txLinClrLst/>
@@ -3482,10 +3482,10 @@
   </dgm:styleLbl>
   <dgm:styleLbl name="callout">
     <dgm:fillClrLst meth="repeat">
-      <a:schemeClr val="accent5"/>
+      <a:schemeClr val="accent2"/>
     </dgm:fillClrLst>
     <dgm:linClrLst meth="repeat">
-      <a:schemeClr val="accent5">
+      <a:schemeClr val="accent2">
         <a:tint val="50000"/>
       </a:schemeClr>
     </dgm:linClrLst>
@@ -3498,7 +3498,7 @@
   </dgm:styleLbl>
   <dgm:styleLbl name="asst0">
     <dgm:fillClrLst meth="repeat">
-      <a:schemeClr val="accent5"/>
+      <a:schemeClr val="accent2"/>
     </dgm:fillClrLst>
     <dgm:linClrLst meth="repeat">
       <a:schemeClr val="lt1">
@@ -3512,7 +3512,7 @@
   </dgm:styleLbl>
   <dgm:styleLbl name="asst1">
     <dgm:fillClrLst meth="repeat">
-      <a:schemeClr val="accent6"/>
+      <a:schemeClr val="accent3"/>
     </dgm:fillClrLst>
     <dgm:linClrLst meth="repeat">
       <a:schemeClr val="lt1">
@@ -3526,7 +3526,7 @@
   </dgm:styleLbl>
   <dgm:styleLbl name="asst2">
     <dgm:fillClrLst>
-      <a:schemeClr val="accent1"/>
+      <a:schemeClr val="accent4"/>
     </dgm:fillClrLst>
     <dgm:linClrLst meth="repeat">
       <a:schemeClr val="lt1"/>
@@ -3538,7 +3538,7 @@
   </dgm:styleLbl>
   <dgm:styleLbl name="asst3">
     <dgm:fillClrLst>
-      <a:schemeClr val="accent2"/>
+      <a:schemeClr val="accent5"/>
     </dgm:fillClrLst>
     <dgm:linClrLst meth="repeat">
       <a:schemeClr val="lt1"/>
@@ -3550,6 +3550,32 @@
   </dgm:styleLbl>
   <dgm:styleLbl name="asst4">
     <dgm:fillClrLst>
+      <a:schemeClr val="accent6"/>
+    </dgm:fillClrLst>
+    <dgm:linClrLst meth="repeat">
+      <a:schemeClr val="lt1"/>
+    </dgm:linClrLst>
+    <dgm:effectClrLst/>
+    <dgm:txLinClrLst/>
+    <dgm:txFillClrLst/>
+    <dgm:txEffectClrLst/>
+  </dgm:styleLbl>
+  <dgm:styleLbl name="parChTrans2D1">
+    <dgm:fillClrLst meth="repeat">
+      <a:schemeClr val="accent2"/>
+    </dgm:fillClrLst>
+    <dgm:linClrLst meth="repeat">
+      <a:schemeClr val="lt1"/>
+    </dgm:linClrLst>
+    <dgm:effectClrLst/>
+    <dgm:txLinClrLst/>
+    <dgm:txFillClrLst meth="repeat">
+      <a:schemeClr val="lt1"/>
+    </dgm:txFillClrLst>
+    <dgm:txEffectClrLst/>
+  </dgm:styleLbl>
+  <dgm:styleLbl name="parChTrans2D2">
+    <dgm:fillClrLst meth="repeat">
       <a:schemeClr val="accent3"/>
     </dgm:fillClrLst>
     <dgm:linClrLst meth="repeat">
@@ -3560,7 +3586,19 @@
     <dgm:txFillClrLst/>
     <dgm:txEffectClrLst/>
   </dgm:styleLbl>
-  <dgm:styleLbl name="parChTrans2D1">
+  <dgm:styleLbl name="parChTrans2D3">
+    <dgm:fillClrLst meth="repeat">
+      <a:schemeClr val="accent4"/>
+    </dgm:fillClrLst>
+    <dgm:linClrLst meth="repeat">
+      <a:schemeClr val="lt1"/>
+    </dgm:linClrLst>
+    <dgm:effectClrLst/>
+    <dgm:txLinClrLst/>
+    <dgm:txFillClrLst/>
+    <dgm:txEffectClrLst/>
+  </dgm:styleLbl>
+  <dgm:styleLbl name="parChTrans2D4">
     <dgm:fillClrLst meth="repeat">
       <a:schemeClr val="accent5"/>
     </dgm:fillClrLst>
@@ -3574,47 +3612,57 @@
     </dgm:txFillClrLst>
     <dgm:txEffectClrLst/>
   </dgm:styleLbl>
-  <dgm:styleLbl name="parChTrans2D2">
+  <dgm:styleLbl name="parChTrans1D1">
     <dgm:fillClrLst meth="repeat">
-      <a:schemeClr val="accent6"/>
+      <a:schemeClr val="accent2"/>
     </dgm:fillClrLst>
     <dgm:linClrLst meth="repeat">
-      <a:schemeClr val="lt1"/>
-    </dgm:linClrLst>
-    <dgm:effectClrLst/>
-    <dgm:txLinClrLst/>
-    <dgm:txFillClrLst/>
-    <dgm:txEffectClrLst/>
-  </dgm:styleLbl>
-  <dgm:styleLbl name="parChTrans2D3">
-    <dgm:fillClrLst meth="repeat">
-      <a:schemeClr val="accent6"/>
-    </dgm:fillClrLst>
-    <dgm:linClrLst meth="repeat">
-      <a:schemeClr val="lt1"/>
-    </dgm:linClrLst>
-    <dgm:effectClrLst/>
-    <dgm:txLinClrLst/>
-    <dgm:txFillClrLst/>
-    <dgm:txEffectClrLst/>
-  </dgm:styleLbl>
-  <dgm:styleLbl name="parChTrans2D4">
-    <dgm:fillClrLst meth="repeat">
-      <a:schemeClr val="accent1"/>
-    </dgm:fillClrLst>
-    <dgm:linClrLst meth="repeat">
-      <a:schemeClr val="lt1"/>
+      <a:schemeClr val="accent2"/>
     </dgm:linClrLst>
     <dgm:effectClrLst/>
     <dgm:txLinClrLst/>
     <dgm:txFillClrLst meth="repeat">
-      <a:schemeClr val="lt1"/>
+      <a:schemeClr val="tx1"/>
     </dgm:txFillClrLst>
     <dgm:txEffectClrLst/>
   </dgm:styleLbl>
-  <dgm:styleLbl name="parChTrans1D1">
+  <dgm:styleLbl name="parChTrans1D2">
     <dgm:fillClrLst meth="repeat">
-      <a:schemeClr val="accent5"/>
+      <a:schemeClr val="accent2">
+        <a:tint val="90000"/>
+      </a:schemeClr>
+    </dgm:fillClrLst>
+    <dgm:linClrLst meth="repeat">
+      <a:schemeClr val="accent3"/>
+    </dgm:linClrLst>
+    <dgm:effectClrLst/>
+    <dgm:txLinClrLst/>
+    <dgm:txFillClrLst meth="repeat">
+      <a:schemeClr val="tx1"/>
+    </dgm:txFillClrLst>
+    <dgm:txEffectClrLst/>
+  </dgm:styleLbl>
+  <dgm:styleLbl name="parChTrans1D3">
+    <dgm:fillClrLst meth="repeat">
+      <a:schemeClr val="accent2">
+        <a:tint val="70000"/>
+      </a:schemeClr>
+    </dgm:fillClrLst>
+    <dgm:linClrLst meth="repeat">
+      <a:schemeClr val="accent4"/>
+    </dgm:linClrLst>
+    <dgm:effectClrLst/>
+    <dgm:txLinClrLst/>
+    <dgm:txFillClrLst meth="repeat">
+      <a:schemeClr val="tx1"/>
+    </dgm:txFillClrLst>
+    <dgm:txEffectClrLst/>
+  </dgm:styleLbl>
+  <dgm:styleLbl name="parChTrans1D4">
+    <dgm:fillClrLst meth="repeat">
+      <a:schemeClr val="accent2">
+        <a:tint val="50000"/>
+      </a:schemeClr>
     </dgm:fillClrLst>
     <dgm:linClrLst meth="repeat">
       <a:schemeClr val="accent5"/>
@@ -3626,42 +3674,61 @@
     </dgm:txFillClrLst>
     <dgm:txEffectClrLst/>
   </dgm:styleLbl>
-  <dgm:styleLbl name="parChTrans1D2">
+  <dgm:styleLbl name="fgAcc1">
     <dgm:fillClrLst meth="repeat">
-      <a:schemeClr val="accent6">
-        <a:tint val="90000"/>
+      <a:schemeClr val="lt1">
+        <a:alpha val="90000"/>
       </a:schemeClr>
     </dgm:fillClrLst>
-    <dgm:linClrLst meth="repeat">
-      <a:schemeClr val="accent6"/>
+    <dgm:linClrLst>
+      <a:schemeClr val="accent2"/>
+      <a:schemeClr val="accent3"/>
     </dgm:linClrLst>
     <dgm:effectClrLst/>
     <dgm:txLinClrLst/>
     <dgm:txFillClrLst meth="repeat">
-      <a:schemeClr val="tx1"/>
+      <a:schemeClr val="dk1"/>
     </dgm:txFillClrLst>
     <dgm:txEffectClrLst/>
   </dgm:styleLbl>
-  <dgm:styleLbl name="parChTrans1D3">
+  <dgm:styleLbl name="conFgAcc1">
     <dgm:fillClrLst meth="repeat">
-      <a:schemeClr val="accent6">
-        <a:tint val="70000"/>
+      <a:schemeClr val="lt1">
+        <a:alpha val="90000"/>
       </a:schemeClr>
     </dgm:fillClrLst>
-    <dgm:linClrLst meth="repeat">
-      <a:schemeClr val="accent1"/>
+    <dgm:linClrLst>
+      <a:schemeClr val="accent2"/>
+      <a:schemeClr val="accent3"/>
     </dgm:linClrLst>
     <dgm:effectClrLst/>
     <dgm:txLinClrLst/>
     <dgm:txFillClrLst meth="repeat">
-      <a:schemeClr val="tx1"/>
+      <a:schemeClr val="dk1"/>
     </dgm:txFillClrLst>
     <dgm:txEffectClrLst/>
   </dgm:styleLbl>
-  <dgm:styleLbl name="parChTrans1D4">
+  <dgm:styleLbl name="alignAcc1">
     <dgm:fillClrLst meth="repeat">
-      <a:schemeClr val="accent6">
-        <a:tint val="50000"/>
+      <a:schemeClr val="lt1">
+        <a:alpha val="90000"/>
+      </a:schemeClr>
+    </dgm:fillClrLst>
+    <dgm:linClrLst>
+      <a:schemeClr val="accent2"/>
+      <a:schemeClr val="accent3"/>
+    </dgm:linClrLst>
+    <dgm:effectClrLst/>
+    <dgm:txLinClrLst/>
+    <dgm:txFillClrLst meth="repeat">
+      <a:schemeClr val="dk1"/>
+    </dgm:txFillClrLst>
+    <dgm:txEffectClrLst/>
+  </dgm:styleLbl>
+  <dgm:styleLbl name="trAlignAcc1">
+    <dgm:fillClrLst meth="repeat">
+      <a:schemeClr val="lt1">
+        <a:alpha val="40000"/>
       </a:schemeClr>
     </dgm:fillClrLst>
     <dgm:linClrLst meth="repeat">
@@ -3670,19 +3737,19 @@
     <dgm:effectClrLst/>
     <dgm:txLinClrLst/>
     <dgm:txFillClrLst meth="repeat">
-      <a:schemeClr val="tx1"/>
+      <a:schemeClr val="dk1"/>
     </dgm:txFillClrLst>
     <dgm:txEffectClrLst/>
   </dgm:styleLbl>
-  <dgm:styleLbl name="fgAcc1">
+  <dgm:styleLbl name="bgAcc1">
     <dgm:fillClrLst meth="repeat">
       <a:schemeClr val="lt1">
         <a:alpha val="90000"/>
       </a:schemeClr>
     </dgm:fillClrLst>
     <dgm:linClrLst>
-      <a:schemeClr val="accent5"/>
-      <a:schemeClr val="accent6"/>
+      <a:schemeClr val="accent2"/>
+      <a:schemeClr val="accent3"/>
     </dgm:linClrLst>
     <dgm:effectClrLst/>
     <dgm:txLinClrLst/>
@@ -3691,15 +3758,13 @@
     </dgm:txFillClrLst>
     <dgm:txEffectClrLst/>
   </dgm:styleLbl>
-  <dgm:styleLbl name="conFgAcc1">
+  <dgm:styleLbl name="solidFgAcc1">
     <dgm:fillClrLst meth="repeat">
-      <a:schemeClr val="lt1">
-        <a:alpha val="90000"/>
-      </a:schemeClr>
+      <a:schemeClr val="lt1"/>
     </dgm:fillClrLst>
     <dgm:linClrLst>
-      <a:schemeClr val="accent5"/>
-      <a:schemeClr val="accent6"/>
+      <a:schemeClr val="accent2"/>
+      <a:schemeClr val="accent3"/>
     </dgm:linClrLst>
     <dgm:effectClrLst/>
     <dgm:txLinClrLst/>
@@ -3708,15 +3773,13 @@
     </dgm:txFillClrLst>
     <dgm:txEffectClrLst/>
   </dgm:styleLbl>
-  <dgm:styleLbl name="alignAcc1">
+  <dgm:styleLbl name="solidAlignAcc1">
     <dgm:fillClrLst meth="repeat">
-      <a:schemeClr val="lt1">
-        <a:alpha val="90000"/>
-      </a:schemeClr>
+      <a:schemeClr val="lt1"/>
     </dgm:fillClrLst>
     <dgm:linClrLst>
-      <a:schemeClr val="accent5"/>
-      <a:schemeClr val="accent6"/>
+      <a:schemeClr val="accent2"/>
+      <a:schemeClr val="accent3"/>
     </dgm:linClrLst>
     <dgm:effectClrLst/>
     <dgm:txLinClrLst/>
@@ -3725,14 +3788,13 @@
     </dgm:txFillClrLst>
     <dgm:txEffectClrLst/>
   </dgm:styleLbl>
-  <dgm:styleLbl name="trAlignAcc1">
+  <dgm:styleLbl name="solidBgAcc1">
     <dgm:fillClrLst meth="repeat">
-      <a:schemeClr val="lt1">
-        <a:alpha val="40000"/>
-      </a:schemeClr>
+      <a:schemeClr val="lt1"/>
     </dgm:fillClrLst>
-    <dgm:linClrLst meth="repeat">
-      <a:schemeClr val="accent5"/>
+    <dgm:linClrLst>
+      <a:schemeClr val="accent2"/>
+      <a:schemeClr val="accent3"/>
     </dgm:linClrLst>
     <dgm:effectClrLst/>
     <dgm:txLinClrLst/>
@@ -3741,85 +3803,23 @@
     </dgm:txFillClrLst>
     <dgm:txEffectClrLst/>
   </dgm:styleLbl>
-  <dgm:styleLbl name="bgAcc1">
-    <dgm:fillClrLst meth="repeat">
-      <a:schemeClr val="lt1">
-        <a:alpha val="90000"/>
-      </a:schemeClr>
-    </dgm:fillClrLst>
-    <dgm:linClrLst>
-      <a:schemeClr val="accent5"/>
-      <a:schemeClr val="accent6"/>
-    </dgm:linClrLst>
-    <dgm:effectClrLst/>
-    <dgm:txLinClrLst/>
-    <dgm:txFillClrLst meth="repeat">
-      <a:schemeClr val="dk1"/>
-    </dgm:txFillClrLst>
-    <dgm:txEffectClrLst/>
-  </dgm:styleLbl>
-  <dgm:styleLbl name="solidFgAcc1">
-    <dgm:fillClrLst meth="repeat">
-      <a:schemeClr val="lt1"/>
-    </dgm:fillClrLst>
-    <dgm:linClrLst>
-      <a:schemeClr val="accent5"/>
-      <a:schemeClr val="accent6"/>
-    </dgm:linClrLst>
-    <dgm:effectClrLst/>
-    <dgm:txLinClrLst/>
-    <dgm:txFillClrLst meth="repeat">
-      <a:schemeClr val="dk1"/>
-    </dgm:txFillClrLst>
-    <dgm:txEffectClrLst/>
-  </dgm:styleLbl>
-  <dgm:styleLbl name="solidAlignAcc1">
-    <dgm:fillClrLst meth="repeat">
-      <a:schemeClr val="lt1"/>
-    </dgm:fillClrLst>
-    <dgm:linClrLst>
-      <a:schemeClr val="accent5"/>
-      <a:schemeClr val="accent6"/>
-    </dgm:linClrLst>
-    <dgm:effectClrLst/>
-    <dgm:txLinClrLst/>
-    <dgm:txFillClrLst meth="repeat">
-      <a:schemeClr val="dk1"/>
-    </dgm:txFillClrLst>
-    <dgm:txEffectClrLst/>
-  </dgm:styleLbl>
-  <dgm:styleLbl name="solidBgAcc1">
-    <dgm:fillClrLst meth="repeat">
-      <a:schemeClr val="lt1"/>
-    </dgm:fillClrLst>
-    <dgm:linClrLst>
-      <a:schemeClr val="accent5"/>
-      <a:schemeClr val="accent6"/>
-    </dgm:linClrLst>
-    <dgm:effectClrLst/>
-    <dgm:txLinClrLst/>
-    <dgm:txFillClrLst meth="repeat">
-      <a:schemeClr val="dk1"/>
-    </dgm:txFillClrLst>
-    <dgm:txEffectClrLst/>
-  </dgm:styleLbl>
   <dgm:styleLbl name="fgAccFollowNode1">
     <dgm:fillClrLst>
-      <a:schemeClr val="accent5">
+      <a:schemeClr val="accent2">
         <a:tint val="40000"/>
         <a:alpha val="90000"/>
       </a:schemeClr>
-      <a:schemeClr val="accent6">
+      <a:schemeClr val="accent3">
         <a:tint val="40000"/>
         <a:alpha val="90000"/>
       </a:schemeClr>
     </dgm:fillClrLst>
     <dgm:linClrLst>
-      <a:schemeClr val="accent5">
+      <a:schemeClr val="accent2">
         <a:tint val="40000"/>
         <a:alpha val="90000"/>
       </a:schemeClr>
-      <a:schemeClr val="accent5">
+      <a:schemeClr val="accent3">
         <a:tint val="40000"/>
         <a:alpha val="90000"/>
       </a:schemeClr>
@@ -3833,21 +3833,21 @@
   </dgm:styleLbl>
   <dgm:styleLbl name="alignAccFollowNode1">
     <dgm:fillClrLst>
-      <a:schemeClr val="accent5">
+      <a:schemeClr val="accent2">
         <a:tint val="40000"/>
         <a:alpha val="90000"/>
       </a:schemeClr>
-      <a:schemeClr val="accent6">
+      <a:schemeClr val="accent3">
         <a:tint val="40000"/>
         <a:alpha val="90000"/>
       </a:schemeClr>
     </dgm:fillClrLst>
     <dgm:linClrLst>
-      <a:schemeClr val="accent5">
+      <a:schemeClr val="accent2">
         <a:tint val="40000"/>
         <a:alpha val="90000"/>
       </a:schemeClr>
-      <a:schemeClr val="accent6">
+      <a:schemeClr val="accent3">
         <a:tint val="40000"/>
         <a:alpha val="90000"/>
       </a:schemeClr>
@@ -3861,21 +3861,21 @@
   </dgm:styleLbl>
   <dgm:styleLbl name="bgAccFollowNode1">
     <dgm:fillClrLst>
-      <a:schemeClr val="accent5">
+      <a:schemeClr val="accent2">
         <a:tint val="40000"/>
         <a:alpha val="90000"/>
       </a:schemeClr>
-      <a:schemeClr val="accent6">
+      <a:schemeClr val="accent3">
         <a:tint val="40000"/>
         <a:alpha val="90000"/>
       </a:schemeClr>
     </dgm:fillClrLst>
     <dgm:linClrLst>
-      <a:schemeClr val="accent5">
+      <a:schemeClr val="accent2">
         <a:tint val="40000"/>
         <a:alpha val="90000"/>
       </a:schemeClr>
-      <a:schemeClr val="accent6">
+      <a:schemeClr val="accent3">
         <a:tint val="40000"/>
         <a:alpha val="90000"/>
       </a:schemeClr>
@@ -3888,6 +3888,38 @@
     <dgm:txEffectClrLst/>
   </dgm:styleLbl>
   <dgm:styleLbl name="fgAcc0">
+    <dgm:fillClrLst meth="repeat">
+      <a:schemeClr val="lt1">
+        <a:alpha val="90000"/>
+      </a:schemeClr>
+    </dgm:fillClrLst>
+    <dgm:linClrLst>
+      <a:schemeClr val="accent1"/>
+    </dgm:linClrLst>
+    <dgm:effectClrLst/>
+    <dgm:txLinClrLst/>
+    <dgm:txFillClrLst meth="repeat">
+      <a:schemeClr val="dk1"/>
+    </dgm:txFillClrLst>
+    <dgm:txEffectClrLst/>
+  </dgm:styleLbl>
+  <dgm:styleLbl name="fgAcc2">
+    <dgm:fillClrLst meth="repeat">
+      <a:schemeClr val="lt1">
+        <a:alpha val="90000"/>
+      </a:schemeClr>
+    </dgm:fillClrLst>
+    <dgm:linClrLst>
+      <a:schemeClr val="accent3"/>
+    </dgm:linClrLst>
+    <dgm:effectClrLst/>
+    <dgm:txLinClrLst/>
+    <dgm:txFillClrLst meth="repeat">
+      <a:schemeClr val="dk1"/>
+    </dgm:txFillClrLst>
+    <dgm:txEffectClrLst/>
+  </dgm:styleLbl>
+  <dgm:styleLbl name="fgAcc3">
     <dgm:fillClrLst meth="repeat">
       <a:schemeClr val="lt1">
         <a:alpha val="90000"/>
@@ -3903,14 +3935,14 @@
     </dgm:txFillClrLst>
     <dgm:txEffectClrLst/>
   </dgm:styleLbl>
-  <dgm:styleLbl name="fgAcc2">
+  <dgm:styleLbl name="fgAcc4">
     <dgm:fillClrLst meth="repeat">
       <a:schemeClr val="lt1">
         <a:alpha val="90000"/>
       </a:schemeClr>
     </dgm:fillClrLst>
     <dgm:linClrLst>
-      <a:schemeClr val="accent6"/>
+      <a:schemeClr val="accent5"/>
     </dgm:linClrLst>
     <dgm:effectClrLst/>
     <dgm:txLinClrLst/>
@@ -3919,41 +3951,9 @@
     </dgm:txFillClrLst>
     <dgm:txEffectClrLst/>
   </dgm:styleLbl>
-  <dgm:styleLbl name="fgAcc3">
-    <dgm:fillClrLst meth="repeat">
-      <a:schemeClr val="lt1">
-        <a:alpha val="90000"/>
-      </a:schemeClr>
-    </dgm:fillClrLst>
-    <dgm:linClrLst>
-      <a:schemeClr val="accent1"/>
-    </dgm:linClrLst>
-    <dgm:effectClrLst/>
-    <dgm:txLinClrLst/>
-    <dgm:txFillClrLst meth="repeat">
-      <a:schemeClr val="dk1"/>
-    </dgm:txFillClrLst>
-    <dgm:txEffectClrLst/>
-  </dgm:styleLbl>
-  <dgm:styleLbl name="fgAcc4">
-    <dgm:fillClrLst meth="repeat">
-      <a:schemeClr val="lt1">
-        <a:alpha val="90000"/>
-      </a:schemeClr>
-    </dgm:fillClrLst>
-    <dgm:linClrLst>
-      <a:schemeClr val="accent2"/>
-    </dgm:linClrLst>
-    <dgm:effectClrLst/>
-    <dgm:txLinClrLst/>
-    <dgm:txFillClrLst meth="repeat">
-      <a:schemeClr val="dk1"/>
-    </dgm:txFillClrLst>
-    <dgm:txEffectClrLst/>
-  </dgm:styleLbl>
   <dgm:styleLbl name="bgShp">
     <dgm:fillClrLst meth="repeat">
-      <a:schemeClr val="accent5">
+      <a:schemeClr val="accent2">
         <a:tint val="40000"/>
       </a:schemeClr>
     </dgm:fillClrLst>
@@ -3969,7 +3969,7 @@
   </dgm:styleLbl>
   <dgm:styleLbl name="dkBgShp">
     <dgm:fillClrLst meth="repeat">
-      <a:schemeClr val="accent5">
+      <a:schemeClr val="accent2">
         <a:shade val="90000"/>
       </a:schemeClr>
     </dgm:fillClrLst>
@@ -3985,13 +3985,13 @@
   </dgm:styleLbl>
   <dgm:styleLbl name="trBgShp">
     <dgm:fillClrLst meth="repeat">
-      <a:schemeClr val="accent5">
+      <a:schemeClr val="accent2">
         <a:tint val="50000"/>
         <a:alpha val="40000"/>
       </a:schemeClr>
     </dgm:fillClrLst>
     <dgm:linClrLst meth="repeat">
-      <a:schemeClr val="accent5"/>
+      <a:schemeClr val="accent2"/>
     </dgm:linClrLst>
     <dgm:effectClrLst/>
     <dgm:txLinClrLst/>
@@ -4002,7 +4002,7 @@
   </dgm:styleLbl>
   <dgm:styleLbl name="fgShp">
     <dgm:fillClrLst meth="repeat">
-      <a:schemeClr val="accent5">
+      <a:schemeClr val="accent2">
         <a:tint val="40000"/>
       </a:schemeClr>
     </dgm:fillClrLst>
@@ -4041,7 +4041,7 @@
 <dgm:dataModel xmlns:dgm="http://schemas.openxmlformats.org/drawingml/2006/diagram" xmlns:a="http://schemas.openxmlformats.org/drawingml/2006/main">
   <dgm:ptLst>
     <dgm:pt modelId="{6FEE338A-9FC0-D74C-9AD5-3232B94B53A8}" type="doc">
-      <dgm:prSet loTypeId="urn:microsoft.com/office/officeart/2005/8/layout/hList1" loCatId="list" qsTypeId="urn:microsoft.com/office/officeart/2005/8/quickstyle/simple1" qsCatId="simple" csTypeId="urn:microsoft.com/office/officeart/2005/8/colors/colorful5" csCatId="colorful" phldr="1"/>
+      <dgm:prSet loTypeId="urn:microsoft.com/office/officeart/2005/8/layout/hList1" loCatId="list" qsTypeId="urn:microsoft.com/office/officeart/2005/8/quickstyle/simple1" qsCatId="simple" csTypeId="urn:microsoft.com/office/officeart/2005/8/colors/colorful2" csCatId="colorful" phldr="1"/>
       <dgm:spPr/>
       <dgm:t>
         <a:bodyPr/>
@@ -4468,7 +4468,7 @@
 <dgm:dataModel xmlns:dgm="http://schemas.openxmlformats.org/drawingml/2006/diagram" xmlns:a="http://schemas.openxmlformats.org/drawingml/2006/main">
   <dgm:ptLst>
     <dgm:pt modelId="{AFBC4F1C-8D5C-9A4A-BBFB-6969433F559B}" type="doc">
-      <dgm:prSet loTypeId="urn:microsoft.com/office/officeart/2005/8/layout/chevron1" loCatId="list" qsTypeId="urn:microsoft.com/office/officeart/2005/8/quickstyle/simple3" qsCatId="simple" csTypeId="urn:microsoft.com/office/officeart/2005/8/colors/colorful5" csCatId="colorful" phldr="1"/>
+      <dgm:prSet loTypeId="urn:microsoft.com/office/officeart/2005/8/layout/chevron1" loCatId="list" qsTypeId="urn:microsoft.com/office/officeart/2005/8/quickstyle/simple3" qsCatId="simple" csTypeId="urn:microsoft.com/office/officeart/2005/8/colors/colorful2" csCatId="colorful" phldr="1"/>
       <dgm:spPr/>
       <dgm:t>
         <a:bodyPr/>
@@ -4673,7 +4673,7 @@
 <dgm:dataModel xmlns:dgm="http://schemas.openxmlformats.org/drawingml/2006/diagram" xmlns:a="http://schemas.openxmlformats.org/drawingml/2006/main">
   <dgm:ptLst>
     <dgm:pt modelId="{50889AF7-746E-E042-9CFF-E2CA792E4759}" type="doc">
-      <dgm:prSet loTypeId="urn:microsoft.com/office/officeart/2005/8/layout/vProcess5" loCatId="relationship" qsTypeId="urn:microsoft.com/office/officeart/2005/8/quickstyle/simple3" qsCatId="simple" csTypeId="urn:microsoft.com/office/officeart/2005/8/colors/colorful5" csCatId="colorful" phldr="1"/>
+      <dgm:prSet loTypeId="urn:microsoft.com/office/officeart/2005/8/layout/vProcess5" loCatId="relationship" qsTypeId="urn:microsoft.com/office/officeart/2005/8/quickstyle/simple3" qsCatId="simple" csTypeId="urn:microsoft.com/office/officeart/2005/8/colors/colorful2" csCatId="colorful" phldr="1"/>
       <dgm:spPr/>
       <dgm:t>
         <a:bodyPr/>
@@ -5043,7 +5043,7 @@
   <dgm:whole/>
   <dgm:extLst>
     <a:ext uri="http://schemas.microsoft.com/office/drawing/2008/diagram">
-      <dsp:dataModelExt xmlns:dsp="http://schemas.microsoft.com/office/drawing/2008/diagram" relId="rId6" minVer="http://schemas.openxmlformats.org/drawingml/2006/diagram"/>
+      <dsp:dataModelExt xmlns:dsp="http://schemas.microsoft.com/office/drawing/2008/diagram" relId="rId7" minVer="http://schemas.openxmlformats.org/drawingml/2006/diagram"/>
     </a:ext>
   </dgm:extLst>
 </dgm:dataModel>
@@ -5053,7 +5053,7 @@
 <dgm:dataModel xmlns:dgm="http://schemas.openxmlformats.org/drawingml/2006/diagram" xmlns:a="http://schemas.openxmlformats.org/drawingml/2006/main">
   <dgm:ptLst>
     <dgm:pt modelId="{58323DD6-41F1-3549-B9B4-FD44A28C48AD}" type="doc">
-      <dgm:prSet loTypeId="urn:microsoft.com/office/officeart/2005/8/layout/lProcess3" loCatId="relationship" qsTypeId="urn:microsoft.com/office/officeart/2005/8/quickstyle/simple3" qsCatId="simple" csTypeId="urn:microsoft.com/office/officeart/2005/8/colors/colorful5" csCatId="colorful" phldr="1"/>
+      <dgm:prSet loTypeId="urn:microsoft.com/office/officeart/2005/8/layout/lProcess3" loCatId="relationship" qsTypeId="urn:microsoft.com/office/officeart/2005/8/quickstyle/simple3" qsCatId="simple" csTypeId="urn:microsoft.com/office/officeart/2005/8/colors/colorful2" csCatId="colorful" phldr="1"/>
       <dgm:spPr/>
       <dgm:t>
         <a:bodyPr/>
@@ -5143,8 +5143,8 @@
         <a:lstStyle/>
         <a:p>
           <a:r>
-            <a:rPr lang="en-US"/>
-            <a:t>Ultimately went with random forest as best model</a:t>
+            <a:rPr lang="en-US" dirty="0"/>
+            <a:t>Random Forest</a:t>
           </a:r>
         </a:p>
       </dgm:t>
@@ -5179,8 +5179,8 @@
         <a:lstStyle/>
         <a:p>
           <a:r>
-            <a:rPr lang="en-US"/>
-            <a:t>Difference of 14 misclassified false negatives</a:t>
+            <a:rPr lang="en-US" dirty="0"/>
+            <a:t>Difference of 14 misclassified food secure</a:t>
           </a:r>
         </a:p>
       </dgm:t>
@@ -5541,7 +5541,7 @@
   <dgm:whole/>
   <dgm:extLst>
     <a:ext uri="http://schemas.microsoft.com/office/drawing/2008/diagram">
-      <dsp:dataModelExt xmlns:dsp="http://schemas.microsoft.com/office/drawing/2008/diagram" relId="rId6" minVer="http://schemas.openxmlformats.org/drawingml/2006/diagram"/>
+      <dsp:dataModelExt xmlns:dsp="http://schemas.microsoft.com/office/drawing/2008/diagram" relId="rId7" minVer="http://schemas.openxmlformats.org/drawingml/2006/diagram"/>
     </a:ext>
   </dgm:extLst>
 </dgm:dataModel>
@@ -5551,7 +5551,7 @@
 <dgm:dataModel xmlns:dgm="http://schemas.openxmlformats.org/drawingml/2006/diagram" xmlns:a="http://schemas.openxmlformats.org/drawingml/2006/main">
   <dgm:ptLst>
     <dgm:pt modelId="{3BA36822-F962-43F6-A14B-FBEEBA895AA5}" type="doc">
-      <dgm:prSet loTypeId="urn:microsoft.com/office/officeart/2016/7/layout/LinearArrowProcessNumbered" loCatId="process" qsTypeId="urn:microsoft.com/office/officeart/2005/8/quickstyle/simple1" qsCatId="simple" csTypeId="urn:microsoft.com/office/officeart/2005/8/colors/colorful5" csCatId="colorful"/>
+      <dgm:prSet loTypeId="urn:microsoft.com/office/officeart/2016/7/layout/LinearArrowProcessNumbered" loCatId="process" qsTypeId="urn:microsoft.com/office/officeart/2005/8/quickstyle/simple1" qsCatId="simple" csTypeId="urn:microsoft.com/office/officeart/2005/8/colors/colorful2" csCatId="colorful" phldr="1"/>
       <dgm:spPr/>
       <dgm:t>
         <a:bodyPr/>
@@ -5569,8 +5569,8 @@
         <a:lstStyle/>
         <a:p>
           <a:r>
-            <a:rPr lang="en-US" sz="1600" dirty="0"/>
-            <a:t>Gather the 2020 Current Population Survey Food Security data once it is published in December</a:t>
+            <a:rPr lang="en-US" sz="2400" dirty="0"/>
+            <a:t>2020 CPS Food Security data</a:t>
           </a:r>
         </a:p>
       </dgm:t>
@@ -5608,7 +5608,7 @@
         <a:lstStyle/>
         <a:p>
           <a:r>
-            <a:rPr lang="en-US" sz="1600" dirty="0"/>
+            <a:rPr lang="en-US" sz="2400" dirty="0"/>
             <a:t>Gather non-census data for more diverse data</a:t>
           </a:r>
         </a:p>
@@ -5647,8 +5647,8 @@
         <a:lstStyle/>
         <a:p>
           <a:r>
-            <a:rPr lang="en-US" sz="1600" dirty="0"/>
-            <a:t>Tune the newly larger, combined data frame so the data can be used to deploy the model</a:t>
+            <a:rPr lang="en-US" sz="2400" dirty="0"/>
+            <a:t>Ready new data and model for deployment</a:t>
           </a:r>
         </a:p>
       </dgm:t>
@@ -5686,8 +5686,8 @@
         <a:lstStyle/>
         <a:p>
           <a:r>
-            <a:rPr lang="en-US" sz="1400" dirty="0"/>
-            <a:t>Send the model out in place of the census questionnaire to encourage everyone to answer so that the data is more accurately representative of food insecurity in America</a:t>
+            <a:rPr lang="en-US" sz="2400" dirty="0"/>
+            <a:t>Send out alternative questionnaire </a:t>
           </a:r>
         </a:p>
       </dgm:t>
@@ -5990,7 +5990,7 @@
   <dgm:whole/>
   <dgm:extLst>
     <a:ext uri="http://schemas.microsoft.com/office/drawing/2008/diagram">
-      <dsp:dataModelExt xmlns:dsp="http://schemas.microsoft.com/office/drawing/2008/diagram" relId="rId6" minVer="http://schemas.openxmlformats.org/drawingml/2006/diagram"/>
+      <dsp:dataModelExt xmlns:dsp="http://schemas.microsoft.com/office/drawing/2008/diagram" relId="rId7" minVer="http://schemas.openxmlformats.org/drawingml/2006/diagram"/>
     </a:ext>
   </dgm:extLst>
 </dgm:dataModel>
@@ -6018,7 +6018,7 @@
           <a:avLst/>
         </a:prstGeom>
         <a:solidFill>
-          <a:schemeClr val="accent5">
+          <a:schemeClr val="accent2">
             <a:hueOff val="0"/>
             <a:satOff val="0"/>
             <a:lumOff val="0"/>
@@ -6027,7 +6027,7 @@
         </a:solidFill>
         <a:ln w="12700" cap="flat" cmpd="sng" algn="ctr">
           <a:solidFill>
-            <a:schemeClr val="accent5">
+            <a:schemeClr val="accent2">
               <a:hueOff val="0"/>
               <a:satOff val="0"/>
               <a:lumOff val="0"/>
@@ -6096,7 +6096,7 @@
           <a:avLst/>
         </a:prstGeom>
         <a:solidFill>
-          <a:schemeClr val="accent5">
+          <a:schemeClr val="accent2">
             <a:tint val="40000"/>
             <a:alpha val="90000"/>
             <a:hueOff val="0"/>
@@ -6107,7 +6107,7 @@
         </a:solidFill>
         <a:ln w="12700" cap="flat" cmpd="sng" algn="ctr">
           <a:solidFill>
-            <a:schemeClr val="accent5">
+            <a:schemeClr val="accent2">
               <a:tint val="40000"/>
               <a:alpha val="90000"/>
               <a:hueOff val="0"/>
@@ -6212,19 +6212,19 @@
           <a:avLst/>
         </a:prstGeom>
         <a:solidFill>
-          <a:schemeClr val="accent5">
-            <a:hueOff val="-3379271"/>
-            <a:satOff val="-8710"/>
-            <a:lumOff val="-5883"/>
+          <a:schemeClr val="accent2">
+            <a:hueOff val="-727682"/>
+            <a:satOff val="-41964"/>
+            <a:lumOff val="4314"/>
             <a:alphaOff val="0"/>
           </a:schemeClr>
         </a:solidFill>
         <a:ln w="12700" cap="flat" cmpd="sng" algn="ctr">
           <a:solidFill>
-            <a:schemeClr val="accent5">
-              <a:hueOff val="-3379271"/>
-              <a:satOff val="-8710"/>
-              <a:lumOff val="-5883"/>
+            <a:schemeClr val="accent2">
+              <a:hueOff val="-727682"/>
+              <a:satOff val="-41964"/>
+              <a:lumOff val="4314"/>
               <a:alphaOff val="0"/>
             </a:schemeClr>
           </a:solidFill>
@@ -6290,23 +6290,23 @@
           <a:avLst/>
         </a:prstGeom>
         <a:solidFill>
-          <a:schemeClr val="accent5">
+          <a:schemeClr val="accent2">
             <a:tint val="40000"/>
             <a:alpha val="90000"/>
-            <a:hueOff val="-3369881"/>
-            <a:satOff val="-11416"/>
-            <a:lumOff val="-1464"/>
+            <a:hueOff val="-424613"/>
+            <a:satOff val="-37673"/>
+            <a:lumOff val="-385"/>
             <a:alphaOff val="0"/>
           </a:schemeClr>
         </a:solidFill>
         <a:ln w="12700" cap="flat" cmpd="sng" algn="ctr">
           <a:solidFill>
-            <a:schemeClr val="accent5">
+            <a:schemeClr val="accent2">
               <a:tint val="40000"/>
               <a:alpha val="90000"/>
-              <a:hueOff val="-3369881"/>
-              <a:satOff val="-11416"/>
-              <a:lumOff val="-1464"/>
+              <a:hueOff val="-424613"/>
+              <a:satOff val="-37673"/>
+              <a:lumOff val="-385"/>
               <a:alphaOff val="0"/>
             </a:schemeClr>
           </a:solidFill>
@@ -6370,19 +6370,19 @@
           <a:avLst/>
         </a:prstGeom>
         <a:solidFill>
-          <a:schemeClr val="accent5">
-            <a:hueOff val="-6758543"/>
-            <a:satOff val="-17419"/>
-            <a:lumOff val="-11765"/>
+          <a:schemeClr val="accent2">
+            <a:hueOff val="-1455363"/>
+            <a:satOff val="-83928"/>
+            <a:lumOff val="8628"/>
             <a:alphaOff val="0"/>
           </a:schemeClr>
         </a:solidFill>
         <a:ln w="12700" cap="flat" cmpd="sng" algn="ctr">
           <a:solidFill>
-            <a:schemeClr val="accent5">
-              <a:hueOff val="-6758543"/>
-              <a:satOff val="-17419"/>
-              <a:lumOff val="-11765"/>
+            <a:schemeClr val="accent2">
+              <a:hueOff val="-1455363"/>
+              <a:satOff val="-83928"/>
+              <a:lumOff val="8628"/>
               <a:alphaOff val="0"/>
             </a:schemeClr>
           </a:solidFill>
@@ -6448,23 +6448,23 @@
           <a:avLst/>
         </a:prstGeom>
         <a:solidFill>
-          <a:schemeClr val="accent5">
+          <a:schemeClr val="accent2">
             <a:tint val="40000"/>
             <a:alpha val="90000"/>
-            <a:hueOff val="-6739762"/>
-            <a:satOff val="-22832"/>
-            <a:lumOff val="-2928"/>
+            <a:hueOff val="-849226"/>
+            <a:satOff val="-75346"/>
+            <a:lumOff val="-769"/>
             <a:alphaOff val="0"/>
           </a:schemeClr>
         </a:solidFill>
         <a:ln w="12700" cap="flat" cmpd="sng" algn="ctr">
           <a:solidFill>
-            <a:schemeClr val="accent5">
+            <a:schemeClr val="accent2">
               <a:tint val="40000"/>
               <a:alpha val="90000"/>
-              <a:hueOff val="-6739762"/>
-              <a:satOff val="-22832"/>
-              <a:lumOff val="-2928"/>
+              <a:hueOff val="-849226"/>
+              <a:satOff val="-75346"/>
+              <a:lumOff val="-769"/>
               <a:alphaOff val="0"/>
             </a:schemeClr>
           </a:solidFill>
@@ -6542,7 +6542,7 @@
         <a:gradFill rotWithShape="0">
           <a:gsLst>
             <a:gs pos="0">
-              <a:schemeClr val="accent5">
+              <a:schemeClr val="accent2">
                 <a:hueOff val="0"/>
                 <a:satOff val="0"/>
                 <a:lumOff val="0"/>
@@ -6553,7 +6553,7 @@
               </a:schemeClr>
             </a:gs>
             <a:gs pos="50000">
-              <a:schemeClr val="accent5">
+              <a:schemeClr val="accent2">
                 <a:hueOff val="0"/>
                 <a:satOff val="0"/>
                 <a:lumOff val="0"/>
@@ -6564,7 +6564,7 @@
               </a:schemeClr>
             </a:gs>
             <a:gs pos="100000">
-              <a:schemeClr val="accent5">
+              <a:schemeClr val="accent2">
                 <a:hueOff val="0"/>
                 <a:satOff val="0"/>
                 <a:lumOff val="0"/>
@@ -6653,10 +6653,10 @@
         <a:gradFill rotWithShape="0">
           <a:gsLst>
             <a:gs pos="0">
-              <a:schemeClr val="accent5">
-                <a:hueOff val="-3379271"/>
-                <a:satOff val="-8710"/>
-                <a:lumOff val="-5883"/>
+              <a:schemeClr val="accent2">
+                <a:hueOff val="-727682"/>
+                <a:satOff val="-41964"/>
+                <a:lumOff val="4314"/>
                 <a:alphaOff val="0"/>
                 <a:lumMod val="110000"/>
                 <a:satMod val="105000"/>
@@ -6664,10 +6664,10 @@
               </a:schemeClr>
             </a:gs>
             <a:gs pos="50000">
-              <a:schemeClr val="accent5">
-                <a:hueOff val="-3379271"/>
-                <a:satOff val="-8710"/>
-                <a:lumOff val="-5883"/>
+              <a:schemeClr val="accent2">
+                <a:hueOff val="-727682"/>
+                <a:satOff val="-41964"/>
+                <a:lumOff val="4314"/>
                 <a:alphaOff val="0"/>
                 <a:lumMod val="105000"/>
                 <a:satMod val="103000"/>
@@ -6675,10 +6675,10 @@
               </a:schemeClr>
             </a:gs>
             <a:gs pos="100000">
-              <a:schemeClr val="accent5">
-                <a:hueOff val="-3379271"/>
-                <a:satOff val="-8710"/>
-                <a:lumOff val="-5883"/>
+              <a:schemeClr val="accent2">
+                <a:hueOff val="-727682"/>
+                <a:satOff val="-41964"/>
+                <a:lumOff val="4314"/>
                 <a:alphaOff val="0"/>
                 <a:lumMod val="105000"/>
                 <a:satMod val="109000"/>
@@ -6759,10 +6759,10 @@
         <a:gradFill rotWithShape="0">
           <a:gsLst>
             <a:gs pos="0">
-              <a:schemeClr val="accent5">
-                <a:hueOff val="-6758543"/>
-                <a:satOff val="-17419"/>
-                <a:lumOff val="-11765"/>
+              <a:schemeClr val="accent2">
+                <a:hueOff val="-1455363"/>
+                <a:satOff val="-83928"/>
+                <a:lumOff val="8628"/>
                 <a:alphaOff val="0"/>
                 <a:lumMod val="110000"/>
                 <a:satMod val="105000"/>
@@ -6770,10 +6770,10 @@
               </a:schemeClr>
             </a:gs>
             <a:gs pos="50000">
-              <a:schemeClr val="accent5">
-                <a:hueOff val="-6758543"/>
-                <a:satOff val="-17419"/>
-                <a:lumOff val="-11765"/>
+              <a:schemeClr val="accent2">
+                <a:hueOff val="-1455363"/>
+                <a:satOff val="-83928"/>
+                <a:lumOff val="8628"/>
                 <a:alphaOff val="0"/>
                 <a:lumMod val="105000"/>
                 <a:satMod val="103000"/>
@@ -6781,10 +6781,10 @@
               </a:schemeClr>
             </a:gs>
             <a:gs pos="100000">
-              <a:schemeClr val="accent5">
-                <a:hueOff val="-6758543"/>
-                <a:satOff val="-17419"/>
-                <a:lumOff val="-11765"/>
+              <a:schemeClr val="accent2">
+                <a:hueOff val="-1455363"/>
+                <a:satOff val="-83928"/>
+                <a:lumOff val="8628"/>
                 <a:alphaOff val="0"/>
                 <a:lumMod val="105000"/>
                 <a:satMod val="109000"/>
@@ -6884,7 +6884,7 @@
         <a:gradFill rotWithShape="0">
           <a:gsLst>
             <a:gs pos="0">
-              <a:schemeClr val="accent5">
+              <a:schemeClr val="accent2">
                 <a:hueOff val="0"/>
                 <a:satOff val="0"/>
                 <a:lumOff val="0"/>
@@ -6895,7 +6895,7 @@
               </a:schemeClr>
             </a:gs>
             <a:gs pos="50000">
-              <a:schemeClr val="accent5">
+              <a:schemeClr val="accent2">
                 <a:hueOff val="0"/>
                 <a:satOff val="0"/>
                 <a:lumOff val="0"/>
@@ -6906,7 +6906,7 @@
               </a:schemeClr>
             </a:gs>
             <a:gs pos="100000">
-              <a:schemeClr val="accent5">
+              <a:schemeClr val="accent2">
                 <a:hueOff val="0"/>
                 <a:satOff val="0"/>
                 <a:lumOff val="0"/>
@@ -7002,10 +7002,10 @@
         <a:gradFill rotWithShape="0">
           <a:gsLst>
             <a:gs pos="0">
-              <a:schemeClr val="accent5">
-                <a:hueOff val="-1689636"/>
-                <a:satOff val="-4355"/>
-                <a:lumOff val="-2941"/>
+              <a:schemeClr val="accent2">
+                <a:hueOff val="-363841"/>
+                <a:satOff val="-20982"/>
+                <a:lumOff val="2157"/>
                 <a:alphaOff val="0"/>
                 <a:lumMod val="110000"/>
                 <a:satMod val="105000"/>
@@ -7013,10 +7013,10 @@
               </a:schemeClr>
             </a:gs>
             <a:gs pos="50000">
-              <a:schemeClr val="accent5">
-                <a:hueOff val="-1689636"/>
-                <a:satOff val="-4355"/>
-                <a:lumOff val="-2941"/>
+              <a:schemeClr val="accent2">
+                <a:hueOff val="-363841"/>
+                <a:satOff val="-20982"/>
+                <a:lumOff val="2157"/>
                 <a:alphaOff val="0"/>
                 <a:lumMod val="105000"/>
                 <a:satMod val="103000"/>
@@ -7024,10 +7024,10 @@
               </a:schemeClr>
             </a:gs>
             <a:gs pos="100000">
-              <a:schemeClr val="accent5">
-                <a:hueOff val="-1689636"/>
-                <a:satOff val="-4355"/>
-                <a:lumOff val="-2941"/>
+              <a:schemeClr val="accent2">
+                <a:hueOff val="-363841"/>
+                <a:satOff val="-20982"/>
+                <a:lumOff val="2157"/>
                 <a:alphaOff val="0"/>
                 <a:lumMod val="105000"/>
                 <a:satMod val="109000"/>
@@ -7110,10 +7110,10 @@
         <a:gradFill rotWithShape="0">
           <a:gsLst>
             <a:gs pos="0">
-              <a:schemeClr val="accent5">
-                <a:hueOff val="-3379271"/>
-                <a:satOff val="-8710"/>
-                <a:lumOff val="-5883"/>
+              <a:schemeClr val="accent2">
+                <a:hueOff val="-727682"/>
+                <a:satOff val="-41964"/>
+                <a:lumOff val="4314"/>
                 <a:alphaOff val="0"/>
                 <a:lumMod val="110000"/>
                 <a:satMod val="105000"/>
@@ -7121,10 +7121,10 @@
               </a:schemeClr>
             </a:gs>
             <a:gs pos="50000">
-              <a:schemeClr val="accent5">
-                <a:hueOff val="-3379271"/>
-                <a:satOff val="-8710"/>
-                <a:lumOff val="-5883"/>
+              <a:schemeClr val="accent2">
+                <a:hueOff val="-727682"/>
+                <a:satOff val="-41964"/>
+                <a:lumOff val="4314"/>
                 <a:alphaOff val="0"/>
                 <a:lumMod val="105000"/>
                 <a:satMod val="103000"/>
@@ -7132,10 +7132,10 @@
               </a:schemeClr>
             </a:gs>
             <a:gs pos="100000">
-              <a:schemeClr val="accent5">
-                <a:hueOff val="-3379271"/>
-                <a:satOff val="-8710"/>
-                <a:lumOff val="-5883"/>
+              <a:schemeClr val="accent2">
+                <a:hueOff val="-727682"/>
+                <a:satOff val="-41964"/>
+                <a:lumOff val="4314"/>
                 <a:alphaOff val="0"/>
                 <a:lumMod val="105000"/>
                 <a:satMod val="109000"/>
@@ -7218,10 +7218,10 @@
         <a:gradFill rotWithShape="0">
           <a:gsLst>
             <a:gs pos="0">
-              <a:schemeClr val="accent5">
-                <a:hueOff val="-5068907"/>
-                <a:satOff val="-13064"/>
-                <a:lumOff val="-8824"/>
+              <a:schemeClr val="accent2">
+                <a:hueOff val="-1091522"/>
+                <a:satOff val="-62946"/>
+                <a:lumOff val="6471"/>
                 <a:alphaOff val="0"/>
                 <a:lumMod val="110000"/>
                 <a:satMod val="105000"/>
@@ -7229,10 +7229,10 @@
               </a:schemeClr>
             </a:gs>
             <a:gs pos="50000">
-              <a:schemeClr val="accent5">
-                <a:hueOff val="-5068907"/>
-                <a:satOff val="-13064"/>
-                <a:lumOff val="-8824"/>
+              <a:schemeClr val="accent2">
+                <a:hueOff val="-1091522"/>
+                <a:satOff val="-62946"/>
+                <a:lumOff val="6471"/>
                 <a:alphaOff val="0"/>
                 <a:lumMod val="105000"/>
                 <a:satMod val="103000"/>
@@ -7240,10 +7240,10 @@
               </a:schemeClr>
             </a:gs>
             <a:gs pos="100000">
-              <a:schemeClr val="accent5">
-                <a:hueOff val="-5068907"/>
-                <a:satOff val="-13064"/>
-                <a:lumOff val="-8824"/>
+              <a:schemeClr val="accent2">
+                <a:hueOff val="-1091522"/>
+                <a:satOff val="-62946"/>
+                <a:lumOff val="6471"/>
                 <a:alphaOff val="0"/>
                 <a:lumMod val="105000"/>
                 <a:satMod val="109000"/>
@@ -7326,10 +7326,10 @@
         <a:gradFill rotWithShape="0">
           <a:gsLst>
             <a:gs pos="0">
-              <a:schemeClr val="accent5">
-                <a:hueOff val="-6758543"/>
-                <a:satOff val="-17419"/>
-                <a:lumOff val="-11765"/>
+              <a:schemeClr val="accent2">
+                <a:hueOff val="-1455363"/>
+                <a:satOff val="-83928"/>
+                <a:lumOff val="8628"/>
                 <a:alphaOff val="0"/>
                 <a:lumMod val="110000"/>
                 <a:satMod val="105000"/>
@@ -7337,10 +7337,10 @@
               </a:schemeClr>
             </a:gs>
             <a:gs pos="50000">
-              <a:schemeClr val="accent5">
-                <a:hueOff val="-6758543"/>
-                <a:satOff val="-17419"/>
-                <a:lumOff val="-11765"/>
+              <a:schemeClr val="accent2">
+                <a:hueOff val="-1455363"/>
+                <a:satOff val="-83928"/>
+                <a:lumOff val="8628"/>
                 <a:alphaOff val="0"/>
                 <a:lumMod val="105000"/>
                 <a:satMod val="103000"/>
@@ -7348,10 +7348,10 @@
               </a:schemeClr>
             </a:gs>
             <a:gs pos="100000">
-              <a:schemeClr val="accent5">
-                <a:hueOff val="-6758543"/>
-                <a:satOff val="-17419"/>
-                <a:lumOff val="-11765"/>
+              <a:schemeClr val="accent2">
+                <a:hueOff val="-1455363"/>
+                <a:satOff val="-83928"/>
+                <a:lumOff val="8628"/>
                 <a:alphaOff val="0"/>
                 <a:lumMod val="105000"/>
                 <a:satMod val="109000"/>
@@ -7433,7 +7433,7 @@
           </a:avLst>
         </a:prstGeom>
         <a:solidFill>
-          <a:schemeClr val="accent5">
+          <a:schemeClr val="accent2">
             <a:tint val="40000"/>
             <a:alpha val="90000"/>
             <a:hueOff val="0"/>
@@ -7444,7 +7444,7 @@
         </a:solidFill>
         <a:ln w="6350" cap="flat" cmpd="sng" algn="ctr">
           <a:solidFill>
-            <a:schemeClr val="accent5">
+            <a:schemeClr val="accent2">
               <a:tint val="40000"/>
               <a:alpha val="90000"/>
               <a:hueOff val="0"/>
@@ -7513,23 +7513,23 @@
           </a:avLst>
         </a:prstGeom>
         <a:solidFill>
-          <a:schemeClr val="accent5">
+          <a:schemeClr val="accent2">
             <a:tint val="40000"/>
             <a:alpha val="90000"/>
-            <a:hueOff val="-2246587"/>
-            <a:satOff val="-7611"/>
-            <a:lumOff val="-976"/>
+            <a:hueOff val="-283075"/>
+            <a:satOff val="-25115"/>
+            <a:lumOff val="-256"/>
             <a:alphaOff val="0"/>
           </a:schemeClr>
         </a:solidFill>
         <a:ln w="6350" cap="flat" cmpd="sng" algn="ctr">
           <a:solidFill>
-            <a:schemeClr val="accent5">
+            <a:schemeClr val="accent2">
               <a:tint val="40000"/>
               <a:alpha val="90000"/>
-              <a:hueOff val="0"/>
-              <a:satOff val="0"/>
-              <a:lumOff val="0"/>
+              <a:hueOff val="-283075"/>
+              <a:satOff val="-25115"/>
+              <a:lumOff val="-256"/>
               <a:alphaOff val="0"/>
             </a:schemeClr>
           </a:solidFill>
@@ -7593,23 +7593,23 @@
           </a:avLst>
         </a:prstGeom>
         <a:solidFill>
-          <a:schemeClr val="accent5">
+          <a:schemeClr val="accent2">
             <a:tint val="40000"/>
             <a:alpha val="90000"/>
-            <a:hueOff val="-4493175"/>
-            <a:satOff val="-15221"/>
-            <a:lumOff val="-1952"/>
+            <a:hueOff val="-566151"/>
+            <a:satOff val="-50231"/>
+            <a:lumOff val="-513"/>
             <a:alphaOff val="0"/>
           </a:schemeClr>
         </a:solidFill>
         <a:ln w="6350" cap="flat" cmpd="sng" algn="ctr">
           <a:solidFill>
-            <a:schemeClr val="accent5">
+            <a:schemeClr val="accent2">
               <a:tint val="40000"/>
               <a:alpha val="90000"/>
-              <a:hueOff val="0"/>
-              <a:satOff val="0"/>
-              <a:lumOff val="0"/>
+              <a:hueOff val="-566151"/>
+              <a:satOff val="-50231"/>
+              <a:lumOff val="-513"/>
               <a:alphaOff val="0"/>
             </a:schemeClr>
           </a:solidFill>
@@ -7673,23 +7673,23 @@
           </a:avLst>
         </a:prstGeom>
         <a:solidFill>
-          <a:schemeClr val="accent5">
+          <a:schemeClr val="accent2">
             <a:tint val="40000"/>
             <a:alpha val="90000"/>
-            <a:hueOff val="-6739762"/>
-            <a:satOff val="-22832"/>
-            <a:lumOff val="-2928"/>
+            <a:hueOff val="-849226"/>
+            <a:satOff val="-75346"/>
+            <a:lumOff val="-769"/>
             <a:alphaOff val="0"/>
           </a:schemeClr>
         </a:solidFill>
         <a:ln w="6350" cap="flat" cmpd="sng" algn="ctr">
           <a:solidFill>
-            <a:schemeClr val="accent5">
+            <a:schemeClr val="accent2">
               <a:tint val="40000"/>
               <a:alpha val="90000"/>
-              <a:hueOff val="0"/>
-              <a:satOff val="0"/>
-              <a:lumOff val="0"/>
+              <a:hueOff val="-849226"/>
+              <a:satOff val="-75346"/>
+              <a:lumOff val="-769"/>
               <a:alphaOff val="0"/>
             </a:schemeClr>
           </a:solidFill>
@@ -7764,7 +7764,7 @@
         <a:gradFill rotWithShape="0">
           <a:gsLst>
             <a:gs pos="0">
-              <a:schemeClr val="accent5">
+              <a:schemeClr val="accent2">
                 <a:hueOff val="0"/>
                 <a:satOff val="0"/>
                 <a:lumOff val="0"/>
@@ -7775,7 +7775,7 @@
               </a:schemeClr>
             </a:gs>
             <a:gs pos="50000">
-              <a:schemeClr val="accent5">
+              <a:schemeClr val="accent2">
                 <a:hueOff val="0"/>
                 <a:satOff val="0"/>
                 <a:lumOff val="0"/>
@@ -7786,7 +7786,7 @@
               </a:schemeClr>
             </a:gs>
             <a:gs pos="100000">
-              <a:schemeClr val="accent5">
+              <a:schemeClr val="accent2">
                 <a:hueOff val="0"/>
                 <a:satOff val="0"/>
                 <a:lumOff val="0"/>
@@ -7826,12 +7826,12 @@
         </a:fontRef>
       </dsp:style>
       <dsp:txBody>
-        <a:bodyPr spcFirstLastPara="0" vert="horz" wrap="square" lIns="29210" tIns="14605" rIns="0" bIns="14605" numCol="1" spcCol="1270" anchor="ctr" anchorCtr="0">
+        <a:bodyPr spcFirstLastPara="0" vert="horz" wrap="square" lIns="38100" tIns="19050" rIns="0" bIns="19050" numCol="1" spcCol="1270" anchor="ctr" anchorCtr="0">
           <a:noAutofit/>
         </a:bodyPr>
         <a:lstStyle/>
         <a:p>
-          <a:pPr marL="0" lvl="0" indent="0" algn="ctr" defTabSz="1022350">
+          <a:pPr marL="0" lvl="0" indent="0" algn="ctr" defTabSz="1333500">
             <a:lnSpc>
               <a:spcPct val="90000"/>
             </a:lnSpc>
@@ -7844,7 +7844,7 @@
             <a:buNone/>
           </a:pPr>
           <a:r>
-            <a:rPr lang="en-US" sz="2300" kern="1200"/>
+            <a:rPr lang="en-US" sz="3000" kern="1200"/>
             <a:t>Ran several different models</a:t>
           </a:r>
         </a:p>
@@ -7868,7 +7868,7 @@
           <a:avLst/>
         </a:prstGeom>
         <a:solidFill>
-          <a:schemeClr val="accent5">
+          <a:schemeClr val="accent2">
             <a:tint val="40000"/>
             <a:alpha val="90000"/>
             <a:hueOff val="0"/>
@@ -7879,7 +7879,7 @@
         </a:solidFill>
         <a:ln w="6350" cap="flat" cmpd="sng" algn="ctr">
           <a:solidFill>
-            <a:schemeClr val="accent5">
+            <a:schemeClr val="accent2">
               <a:tint val="40000"/>
               <a:alpha val="90000"/>
               <a:hueOff val="0"/>
@@ -7948,23 +7948,23 @@
           <a:avLst/>
         </a:prstGeom>
         <a:solidFill>
-          <a:schemeClr val="accent5">
+          <a:schemeClr val="accent2">
             <a:tint val="40000"/>
             <a:alpha val="90000"/>
-            <a:hueOff val="-1347952"/>
-            <a:satOff val="-4566"/>
-            <a:lumOff val="-586"/>
+            <a:hueOff val="-169845"/>
+            <a:satOff val="-15069"/>
+            <a:lumOff val="-154"/>
             <a:alphaOff val="0"/>
           </a:schemeClr>
         </a:solidFill>
         <a:ln w="6350" cap="flat" cmpd="sng" algn="ctr">
           <a:solidFill>
-            <a:schemeClr val="accent5">
+            <a:schemeClr val="accent2">
               <a:tint val="40000"/>
               <a:alpha val="90000"/>
-              <a:hueOff val="-1347952"/>
-              <a:satOff val="-4566"/>
-              <a:lumOff val="-586"/>
+              <a:hueOff val="-169845"/>
+              <a:satOff val="-15069"/>
+              <a:lumOff val="-154"/>
               <a:alphaOff val="0"/>
             </a:schemeClr>
           </a:solidFill>
@@ -8030,10 +8030,10 @@
         <a:gradFill rotWithShape="0">
           <a:gsLst>
             <a:gs pos="0">
-              <a:schemeClr val="accent5">
-                <a:hueOff val="-3379271"/>
-                <a:satOff val="-8710"/>
-                <a:lumOff val="-5883"/>
+              <a:schemeClr val="accent2">
+                <a:hueOff val="-727682"/>
+                <a:satOff val="-41964"/>
+                <a:lumOff val="4314"/>
                 <a:alphaOff val="0"/>
                 <a:lumMod val="110000"/>
                 <a:satMod val="105000"/>
@@ -8041,10 +8041,10 @@
               </a:schemeClr>
             </a:gs>
             <a:gs pos="50000">
-              <a:schemeClr val="accent5">
-                <a:hueOff val="-3379271"/>
-                <a:satOff val="-8710"/>
-                <a:lumOff val="-5883"/>
+              <a:schemeClr val="accent2">
+                <a:hueOff val="-727682"/>
+                <a:satOff val="-41964"/>
+                <a:lumOff val="4314"/>
                 <a:alphaOff val="0"/>
                 <a:lumMod val="105000"/>
                 <a:satMod val="103000"/>
@@ -8052,10 +8052,10 @@
               </a:schemeClr>
             </a:gs>
             <a:gs pos="100000">
-              <a:schemeClr val="accent5">
-                <a:hueOff val="-3379271"/>
-                <a:satOff val="-8710"/>
-                <a:lumOff val="-5883"/>
+              <a:schemeClr val="accent2">
+                <a:hueOff val="-727682"/>
+                <a:satOff val="-41964"/>
+                <a:lumOff val="4314"/>
                 <a:alphaOff val="0"/>
                 <a:lumMod val="105000"/>
                 <a:satMod val="109000"/>
@@ -8092,12 +8092,12 @@
         </a:fontRef>
       </dsp:style>
       <dsp:txBody>
-        <a:bodyPr spcFirstLastPara="0" vert="horz" wrap="square" lIns="29210" tIns="14605" rIns="0" bIns="14605" numCol="1" spcCol="1270" anchor="ctr" anchorCtr="0">
+        <a:bodyPr spcFirstLastPara="0" vert="horz" wrap="square" lIns="38100" tIns="19050" rIns="0" bIns="19050" numCol="1" spcCol="1270" anchor="ctr" anchorCtr="0">
           <a:noAutofit/>
         </a:bodyPr>
         <a:lstStyle/>
         <a:p>
-          <a:pPr marL="0" lvl="0" indent="0" algn="ctr" defTabSz="1022350">
+          <a:pPr marL="0" lvl="0" indent="0" algn="ctr" defTabSz="1333500">
             <a:lnSpc>
               <a:spcPct val="90000"/>
             </a:lnSpc>
@@ -8110,8 +8110,8 @@
             <a:buNone/>
           </a:pPr>
           <a:r>
-            <a:rPr lang="en-US" sz="2300" kern="1200"/>
-            <a:t>Ultimately went with random forest as best model</a:t>
+            <a:rPr lang="en-US" sz="3000" kern="1200" dirty="0"/>
+            <a:t>Random Forest</a:t>
           </a:r>
         </a:p>
       </dsp:txBody>
@@ -8134,23 +8134,23 @@
           <a:avLst/>
         </a:prstGeom>
         <a:solidFill>
-          <a:schemeClr val="accent5">
+          <a:schemeClr val="accent2">
             <a:tint val="40000"/>
             <a:alpha val="90000"/>
-            <a:hueOff val="-2695905"/>
-            <a:satOff val="-9133"/>
-            <a:lumOff val="-1171"/>
+            <a:hueOff val="-339690"/>
+            <a:satOff val="-30138"/>
+            <a:lumOff val="-308"/>
             <a:alphaOff val="0"/>
           </a:schemeClr>
         </a:solidFill>
         <a:ln w="6350" cap="flat" cmpd="sng" algn="ctr">
           <a:solidFill>
-            <a:schemeClr val="accent5">
+            <a:schemeClr val="accent2">
               <a:tint val="40000"/>
               <a:alpha val="90000"/>
-              <a:hueOff val="-2695905"/>
-              <a:satOff val="-9133"/>
-              <a:lumOff val="-1171"/>
+              <a:hueOff val="-339690"/>
+              <a:satOff val="-30138"/>
+              <a:lumOff val="-308"/>
               <a:alphaOff val="0"/>
             </a:schemeClr>
           </a:solidFill>
@@ -8190,8 +8190,8 @@
             <a:buNone/>
           </a:pPr>
           <a:r>
-            <a:rPr lang="en-US" sz="1900" kern="1200"/>
-            <a:t>Difference of 14 misclassified false negatives</a:t>
+            <a:rPr lang="en-US" sz="1900" kern="1200" dirty="0"/>
+            <a:t>Difference of 14 misclassified food secure</a:t>
           </a:r>
         </a:p>
       </dsp:txBody>
@@ -8216,10 +8216,10 @@
         <a:gradFill rotWithShape="0">
           <a:gsLst>
             <a:gs pos="0">
-              <a:schemeClr val="accent5">
-                <a:hueOff val="-6758543"/>
-                <a:satOff val="-17419"/>
-                <a:lumOff val="-11765"/>
+              <a:schemeClr val="accent2">
+                <a:hueOff val="-1455363"/>
+                <a:satOff val="-83928"/>
+                <a:lumOff val="8628"/>
                 <a:alphaOff val="0"/>
                 <a:lumMod val="110000"/>
                 <a:satMod val="105000"/>
@@ -8227,10 +8227,10 @@
               </a:schemeClr>
             </a:gs>
             <a:gs pos="50000">
-              <a:schemeClr val="accent5">
-                <a:hueOff val="-6758543"/>
-                <a:satOff val="-17419"/>
-                <a:lumOff val="-11765"/>
+              <a:schemeClr val="accent2">
+                <a:hueOff val="-1455363"/>
+                <a:satOff val="-83928"/>
+                <a:lumOff val="8628"/>
                 <a:alphaOff val="0"/>
                 <a:lumMod val="105000"/>
                 <a:satMod val="103000"/>
@@ -8238,10 +8238,10 @@
               </a:schemeClr>
             </a:gs>
             <a:gs pos="100000">
-              <a:schemeClr val="accent5">
-                <a:hueOff val="-6758543"/>
-                <a:satOff val="-17419"/>
-                <a:lumOff val="-11765"/>
+              <a:schemeClr val="accent2">
+                <a:hueOff val="-1455363"/>
+                <a:satOff val="-83928"/>
+                <a:lumOff val="8628"/>
                 <a:alphaOff val="0"/>
                 <a:lumMod val="105000"/>
                 <a:satMod val="109000"/>
@@ -8278,12 +8278,12 @@
         </a:fontRef>
       </dsp:style>
       <dsp:txBody>
-        <a:bodyPr spcFirstLastPara="0" vert="horz" wrap="square" lIns="29210" tIns="14605" rIns="0" bIns="14605" numCol="1" spcCol="1270" anchor="ctr" anchorCtr="0">
+        <a:bodyPr spcFirstLastPara="0" vert="horz" wrap="square" lIns="38100" tIns="19050" rIns="0" bIns="19050" numCol="1" spcCol="1270" anchor="ctr" anchorCtr="0">
           <a:noAutofit/>
         </a:bodyPr>
         <a:lstStyle/>
         <a:p>
-          <a:pPr marL="0" lvl="0" indent="0" algn="ctr" defTabSz="1022350">
+          <a:pPr marL="0" lvl="0" indent="0" algn="ctr" defTabSz="1333500">
             <a:lnSpc>
               <a:spcPct val="90000"/>
             </a:lnSpc>
@@ -8296,7 +8296,7 @@
             <a:buNone/>
           </a:pPr>
           <a:r>
-            <a:rPr lang="en-US" sz="2300" kern="1200"/>
+            <a:rPr lang="en-US" sz="3000" kern="1200"/>
             <a:t>Metrics checked for each model</a:t>
           </a:r>
         </a:p>
@@ -8320,23 +8320,23 @@
           <a:avLst/>
         </a:prstGeom>
         <a:solidFill>
-          <a:schemeClr val="accent5">
+          <a:schemeClr val="accent2">
             <a:tint val="40000"/>
             <a:alpha val="90000"/>
-            <a:hueOff val="-4043857"/>
-            <a:satOff val="-13699"/>
-            <a:lumOff val="-1757"/>
+            <a:hueOff val="-509536"/>
+            <a:satOff val="-45208"/>
+            <a:lumOff val="-461"/>
             <a:alphaOff val="0"/>
           </a:schemeClr>
         </a:solidFill>
         <a:ln w="6350" cap="flat" cmpd="sng" algn="ctr">
           <a:solidFill>
-            <a:schemeClr val="accent5">
+            <a:schemeClr val="accent2">
               <a:tint val="40000"/>
               <a:alpha val="90000"/>
-              <a:hueOff val="-4043857"/>
-              <a:satOff val="-13699"/>
-              <a:lumOff val="-1757"/>
+              <a:hueOff val="-509536"/>
+              <a:satOff val="-45208"/>
+              <a:lumOff val="-461"/>
               <a:alphaOff val="0"/>
             </a:schemeClr>
           </a:solidFill>
@@ -8400,23 +8400,23 @@
           <a:avLst/>
         </a:prstGeom>
         <a:solidFill>
-          <a:schemeClr val="accent5">
+          <a:schemeClr val="accent2">
             <a:tint val="40000"/>
             <a:alpha val="90000"/>
-            <a:hueOff val="-5391810"/>
-            <a:satOff val="-18266"/>
-            <a:lumOff val="-2342"/>
+            <a:hueOff val="-679381"/>
+            <a:satOff val="-60277"/>
+            <a:lumOff val="-615"/>
             <a:alphaOff val="0"/>
           </a:schemeClr>
         </a:solidFill>
         <a:ln w="6350" cap="flat" cmpd="sng" algn="ctr">
           <a:solidFill>
-            <a:schemeClr val="accent5">
+            <a:schemeClr val="accent2">
               <a:tint val="40000"/>
               <a:alpha val="90000"/>
-              <a:hueOff val="-5391810"/>
-              <a:satOff val="-18266"/>
-              <a:lumOff val="-2342"/>
+              <a:hueOff val="-679381"/>
+              <a:satOff val="-60277"/>
+              <a:lumOff val="-615"/>
               <a:alphaOff val="0"/>
             </a:schemeClr>
           </a:solidFill>
@@ -8480,23 +8480,23 @@
           <a:avLst/>
         </a:prstGeom>
         <a:solidFill>
-          <a:schemeClr val="accent5">
+          <a:schemeClr val="accent2">
             <a:tint val="40000"/>
             <a:alpha val="90000"/>
-            <a:hueOff val="-6739762"/>
-            <a:satOff val="-22832"/>
-            <a:lumOff val="-2928"/>
+            <a:hueOff val="-849226"/>
+            <a:satOff val="-75346"/>
+            <a:lumOff val="-769"/>
             <a:alphaOff val="0"/>
           </a:schemeClr>
         </a:solidFill>
         <a:ln w="6350" cap="flat" cmpd="sng" algn="ctr">
           <a:solidFill>
-            <a:schemeClr val="accent5">
+            <a:schemeClr val="accent2">
               <a:tint val="40000"/>
               <a:alpha val="90000"/>
-              <a:hueOff val="-6739762"/>
-              <a:satOff val="-22832"/>
-              <a:lumOff val="-2928"/>
+              <a:hueOff val="-849226"/>
+              <a:satOff val="-75346"/>
+              <a:lumOff val="-769"/>
               <a:alphaOff val="0"/>
             </a:schemeClr>
           </a:solidFill>
@@ -8572,7 +8572,7 @@
           <a:avLst/>
         </a:prstGeom>
         <a:solidFill>
-          <a:schemeClr val="accent5">
+          <a:schemeClr val="accent2">
             <a:tint val="40000"/>
             <a:alpha val="90000"/>
             <a:hueOff val="0"/>
@@ -8583,7 +8583,7 @@
         </a:solidFill>
         <a:ln w="12700" cap="flat" cmpd="sng" algn="ctr">
           <a:solidFill>
-            <a:schemeClr val="accent5">
+            <a:schemeClr val="accent2">
               <a:tint val="40000"/>
               <a:alpha val="90000"/>
               <a:hueOff val="0"/>
@@ -8626,23 +8626,23 @@
           </a:avLst>
         </a:prstGeom>
         <a:solidFill>
-          <a:schemeClr val="accent5">
+          <a:schemeClr val="accent2">
             <a:tint val="40000"/>
             <a:alpha val="90000"/>
-            <a:hueOff val="-612706"/>
-            <a:satOff val="-2076"/>
-            <a:lumOff val="-266"/>
+            <a:hueOff val="-77202"/>
+            <a:satOff val="-6850"/>
+            <a:lumOff val="-70"/>
             <a:alphaOff val="0"/>
           </a:schemeClr>
         </a:solidFill>
         <a:ln w="12700" cap="flat" cmpd="sng" algn="ctr">
           <a:solidFill>
-            <a:schemeClr val="accent5">
+            <a:schemeClr val="accent2">
               <a:tint val="40000"/>
               <a:alpha val="90000"/>
-              <a:hueOff val="-612706"/>
-              <a:satOff val="-2076"/>
-              <a:lumOff val="-266"/>
+              <a:hueOff val="-77202"/>
+              <a:satOff val="-6850"/>
+              <a:lumOff val="-70"/>
               <a:alphaOff val="0"/>
             </a:schemeClr>
           </a:solidFill>
@@ -8678,7 +8678,7 @@
           <a:avLst/>
         </a:prstGeom>
         <a:solidFill>
-          <a:schemeClr val="accent5">
+          <a:schemeClr val="accent2">
             <a:hueOff val="0"/>
             <a:satOff val="0"/>
             <a:lumOff val="0"/>
@@ -8687,7 +8687,7 @@
         </a:solidFill>
         <a:ln w="12700" cap="flat" cmpd="sng" algn="ctr">
           <a:solidFill>
-            <a:schemeClr val="accent5">
+            <a:schemeClr val="accent2">
               <a:hueOff val="0"/>
               <a:satOff val="0"/>
               <a:lumOff val="0"/>
@@ -8761,23 +8761,23 @@
           </a:avLst>
         </a:prstGeom>
         <a:solidFill>
-          <a:schemeClr val="accent5">
+          <a:schemeClr val="accent2">
             <a:tint val="40000"/>
             <a:alpha val="90000"/>
-            <a:hueOff val="-1225411"/>
-            <a:satOff val="-4151"/>
-            <a:lumOff val="-532"/>
+            <a:hueOff val="-154405"/>
+            <a:satOff val="-13699"/>
+            <a:lumOff val="-140"/>
             <a:alphaOff val="0"/>
           </a:schemeClr>
         </a:solidFill>
         <a:ln w="12700" cap="flat" cmpd="sng" algn="ctr">
           <a:solidFill>
-            <a:schemeClr val="accent5">
+            <a:schemeClr val="accent2">
               <a:tint val="40000"/>
               <a:alpha val="90000"/>
-              <a:hueOff val="-1225411"/>
-              <a:satOff val="-4151"/>
-              <a:lumOff val="-532"/>
+              <a:hueOff val="-154405"/>
+              <a:satOff val="-13699"/>
+              <a:lumOff val="-140"/>
               <a:alphaOff val="0"/>
             </a:schemeClr>
           </a:solidFill>
@@ -8804,7 +8804,7 @@
         </a:bodyPr>
         <a:lstStyle/>
         <a:p>
-          <a:pPr marL="0" lvl="0" indent="0" algn="l" defTabSz="711200">
+          <a:pPr marL="0" lvl="0" indent="0" algn="l" defTabSz="1066800">
             <a:lnSpc>
               <a:spcPct val="90000"/>
             </a:lnSpc>
@@ -8817,8 +8817,8 @@
             <a:buNone/>
           </a:pPr>
           <a:r>
-            <a:rPr lang="en-US" sz="1600" kern="1200" dirty="0"/>
-            <a:t>Gather the 2020 Current Population Survey Food Security data once it is published in December</a:t>
+            <a:rPr lang="en-US" sz="2400" kern="1200" dirty="0"/>
+            <a:t>2020 CPS Food Security data</a:t>
           </a:r>
         </a:p>
       </dsp:txBody>
@@ -8841,23 +8841,23 @@
           <a:avLst/>
         </a:prstGeom>
         <a:solidFill>
-          <a:schemeClr val="accent5">
+          <a:schemeClr val="accent2">
             <a:tint val="40000"/>
             <a:alpha val="90000"/>
-            <a:hueOff val="-1838117"/>
-            <a:satOff val="-6227"/>
-            <a:lumOff val="-799"/>
+            <a:hueOff val="-231607"/>
+            <a:satOff val="-20549"/>
+            <a:lumOff val="-210"/>
             <a:alphaOff val="0"/>
           </a:schemeClr>
         </a:solidFill>
         <a:ln w="12700" cap="flat" cmpd="sng" algn="ctr">
           <a:solidFill>
-            <a:schemeClr val="accent5">
+            <a:schemeClr val="accent2">
               <a:tint val="40000"/>
               <a:alpha val="90000"/>
-              <a:hueOff val="-1838117"/>
-              <a:satOff val="-6227"/>
-              <a:lumOff val="-799"/>
+              <a:hueOff val="-231607"/>
+              <a:satOff val="-20549"/>
+              <a:lumOff val="-210"/>
               <a:alphaOff val="0"/>
             </a:schemeClr>
           </a:solidFill>
@@ -8895,23 +8895,23 @@
           </a:avLst>
         </a:prstGeom>
         <a:solidFill>
-          <a:schemeClr val="accent5">
+          <a:schemeClr val="accent2">
             <a:tint val="40000"/>
             <a:alpha val="90000"/>
-            <a:hueOff val="-2450823"/>
-            <a:satOff val="-8303"/>
-            <a:lumOff val="-1065"/>
+            <a:hueOff val="-308809"/>
+            <a:satOff val="-27399"/>
+            <a:lumOff val="-280"/>
             <a:alphaOff val="0"/>
           </a:schemeClr>
         </a:solidFill>
         <a:ln w="12700" cap="flat" cmpd="sng" algn="ctr">
           <a:solidFill>
-            <a:schemeClr val="accent5">
+            <a:schemeClr val="accent2">
               <a:tint val="40000"/>
               <a:alpha val="90000"/>
-              <a:hueOff val="-2450823"/>
-              <a:satOff val="-8303"/>
-              <a:lumOff val="-1065"/>
+              <a:hueOff val="-308809"/>
+              <a:satOff val="-27399"/>
+              <a:lumOff val="-280"/>
               <a:alphaOff val="0"/>
             </a:schemeClr>
           </a:solidFill>
@@ -8947,19 +8947,19 @@
           <a:avLst/>
         </a:prstGeom>
         <a:solidFill>
-          <a:schemeClr val="accent5">
-            <a:hueOff val="-2252848"/>
-            <a:satOff val="-5806"/>
-            <a:lumOff val="-3922"/>
+          <a:schemeClr val="accent2">
+            <a:hueOff val="-485121"/>
+            <a:satOff val="-27976"/>
+            <a:lumOff val="2876"/>
             <a:alphaOff val="0"/>
           </a:schemeClr>
         </a:solidFill>
         <a:ln w="12700" cap="flat" cmpd="sng" algn="ctr">
           <a:solidFill>
-            <a:schemeClr val="accent5">
-              <a:hueOff val="-2252848"/>
-              <a:satOff val="-5806"/>
-              <a:lumOff val="-3922"/>
+            <a:schemeClr val="accent2">
+              <a:hueOff val="-485121"/>
+              <a:satOff val="-27976"/>
+              <a:lumOff val="2876"/>
               <a:alphaOff val="0"/>
             </a:schemeClr>
           </a:solidFill>
@@ -9030,23 +9030,23 @@
           </a:avLst>
         </a:prstGeom>
         <a:solidFill>
-          <a:schemeClr val="accent5">
+          <a:schemeClr val="accent2">
             <a:tint val="40000"/>
             <a:alpha val="90000"/>
-            <a:hueOff val="-3063528"/>
-            <a:satOff val="-10378"/>
-            <a:lumOff val="-1331"/>
+            <a:hueOff val="-386012"/>
+            <a:satOff val="-34248"/>
+            <a:lumOff val="-350"/>
             <a:alphaOff val="0"/>
           </a:schemeClr>
         </a:solidFill>
         <a:ln w="12700" cap="flat" cmpd="sng" algn="ctr">
           <a:solidFill>
-            <a:schemeClr val="accent5">
+            <a:schemeClr val="accent2">
               <a:tint val="40000"/>
               <a:alpha val="90000"/>
-              <a:hueOff val="-3063528"/>
-              <a:satOff val="-10378"/>
-              <a:lumOff val="-1331"/>
+              <a:hueOff val="-386012"/>
+              <a:satOff val="-34248"/>
+              <a:lumOff val="-350"/>
               <a:alphaOff val="0"/>
             </a:schemeClr>
           </a:solidFill>
@@ -9073,7 +9073,7 @@
         </a:bodyPr>
         <a:lstStyle/>
         <a:p>
-          <a:pPr marL="0" lvl="0" indent="0" algn="l" defTabSz="711200">
+          <a:pPr marL="0" lvl="0" indent="0" algn="l" defTabSz="1066800">
             <a:lnSpc>
               <a:spcPct val="90000"/>
             </a:lnSpc>
@@ -9086,7 +9086,7 @@
             <a:buNone/>
           </a:pPr>
           <a:r>
-            <a:rPr lang="en-US" sz="1600" kern="1200" dirty="0"/>
+            <a:rPr lang="en-US" sz="2400" kern="1200" dirty="0"/>
             <a:t>Gather non-census data for more diverse data</a:t>
           </a:r>
         </a:p>
@@ -9110,23 +9110,23 @@
           <a:avLst/>
         </a:prstGeom>
         <a:solidFill>
-          <a:schemeClr val="accent5">
+          <a:schemeClr val="accent2">
             <a:tint val="40000"/>
             <a:alpha val="90000"/>
-            <a:hueOff val="-3676234"/>
-            <a:satOff val="-12454"/>
-            <a:lumOff val="-1597"/>
+            <a:hueOff val="-463214"/>
+            <a:satOff val="-41098"/>
+            <a:lumOff val="-419"/>
             <a:alphaOff val="0"/>
           </a:schemeClr>
         </a:solidFill>
         <a:ln w="12700" cap="flat" cmpd="sng" algn="ctr">
           <a:solidFill>
-            <a:schemeClr val="accent5">
+            <a:schemeClr val="accent2">
               <a:tint val="40000"/>
               <a:alpha val="90000"/>
-              <a:hueOff val="-3676234"/>
-              <a:satOff val="-12454"/>
-              <a:lumOff val="-1597"/>
+              <a:hueOff val="-463214"/>
+              <a:satOff val="-41098"/>
+              <a:lumOff val="-419"/>
               <a:alphaOff val="0"/>
             </a:schemeClr>
           </a:solidFill>
@@ -9164,23 +9164,23 @@
           </a:avLst>
         </a:prstGeom>
         <a:solidFill>
-          <a:schemeClr val="accent5">
+          <a:schemeClr val="accent2">
             <a:tint val="40000"/>
             <a:alpha val="90000"/>
-            <a:hueOff val="-4288939"/>
-            <a:satOff val="-14529"/>
-            <a:lumOff val="-1863"/>
+            <a:hueOff val="-540417"/>
+            <a:satOff val="-47947"/>
+            <a:lumOff val="-489"/>
             <a:alphaOff val="0"/>
           </a:schemeClr>
         </a:solidFill>
         <a:ln w="12700" cap="flat" cmpd="sng" algn="ctr">
           <a:solidFill>
-            <a:schemeClr val="accent5">
+            <a:schemeClr val="accent2">
               <a:tint val="40000"/>
               <a:alpha val="90000"/>
-              <a:hueOff val="-4288939"/>
-              <a:satOff val="-14529"/>
-              <a:lumOff val="-1863"/>
+              <a:hueOff val="-540417"/>
+              <a:satOff val="-47947"/>
+              <a:lumOff val="-489"/>
               <a:alphaOff val="0"/>
             </a:schemeClr>
           </a:solidFill>
@@ -9216,19 +9216,19 @@
           <a:avLst/>
         </a:prstGeom>
         <a:solidFill>
-          <a:schemeClr val="accent5">
-            <a:hueOff val="-4505695"/>
-            <a:satOff val="-11613"/>
-            <a:lumOff val="-7843"/>
+          <a:schemeClr val="accent2">
+            <a:hueOff val="-970242"/>
+            <a:satOff val="-55952"/>
+            <a:lumOff val="5752"/>
             <a:alphaOff val="0"/>
           </a:schemeClr>
         </a:solidFill>
         <a:ln w="12700" cap="flat" cmpd="sng" algn="ctr">
           <a:solidFill>
-            <a:schemeClr val="accent5">
-              <a:hueOff val="-4505695"/>
-              <a:satOff val="-11613"/>
-              <a:lumOff val="-7843"/>
+            <a:schemeClr val="accent2">
+              <a:hueOff val="-970242"/>
+              <a:satOff val="-55952"/>
+              <a:lumOff val="5752"/>
               <a:alphaOff val="0"/>
             </a:schemeClr>
           </a:solidFill>
@@ -9299,23 +9299,23 @@
           </a:avLst>
         </a:prstGeom>
         <a:solidFill>
-          <a:schemeClr val="accent5">
+          <a:schemeClr val="accent2">
             <a:tint val="40000"/>
             <a:alpha val="90000"/>
-            <a:hueOff val="-4901646"/>
-            <a:satOff val="-16605"/>
-            <a:lumOff val="-2129"/>
+            <a:hueOff val="-617619"/>
+            <a:satOff val="-54797"/>
+            <a:lumOff val="-559"/>
             <a:alphaOff val="0"/>
           </a:schemeClr>
         </a:solidFill>
         <a:ln w="12700" cap="flat" cmpd="sng" algn="ctr">
           <a:solidFill>
-            <a:schemeClr val="accent5">
+            <a:schemeClr val="accent2">
               <a:tint val="40000"/>
               <a:alpha val="90000"/>
-              <a:hueOff val="-4901646"/>
-              <a:satOff val="-16605"/>
-              <a:lumOff val="-2129"/>
+              <a:hueOff val="-617619"/>
+              <a:satOff val="-54797"/>
+              <a:lumOff val="-559"/>
               <a:alphaOff val="0"/>
             </a:schemeClr>
           </a:solidFill>
@@ -9342,7 +9342,7 @@
         </a:bodyPr>
         <a:lstStyle/>
         <a:p>
-          <a:pPr marL="0" lvl="0" indent="0" algn="l" defTabSz="711200">
+          <a:pPr marL="0" lvl="0" indent="0" algn="l" defTabSz="1066800">
             <a:lnSpc>
               <a:spcPct val="90000"/>
             </a:lnSpc>
@@ -9355,8 +9355,8 @@
             <a:buNone/>
           </a:pPr>
           <a:r>
-            <a:rPr lang="en-US" sz="1600" kern="1200" dirty="0"/>
-            <a:t>Tune the newly larger, combined data frame so the data can be used to deploy the model</a:t>
+            <a:rPr lang="en-US" sz="2400" kern="1200" dirty="0"/>
+            <a:t>Ready new data and model for deployment</a:t>
           </a:r>
         </a:p>
       </dsp:txBody>
@@ -9379,23 +9379,23 @@
           <a:avLst/>
         </a:prstGeom>
         <a:solidFill>
-          <a:schemeClr val="accent5">
+          <a:schemeClr val="accent2">
             <a:tint val="40000"/>
             <a:alpha val="90000"/>
-            <a:hueOff val="-5514351"/>
-            <a:satOff val="-18681"/>
-            <a:lumOff val="-2396"/>
+            <a:hueOff val="-694821"/>
+            <a:satOff val="-61647"/>
+            <a:lumOff val="-629"/>
             <a:alphaOff val="0"/>
           </a:schemeClr>
         </a:solidFill>
         <a:ln w="12700" cap="flat" cmpd="sng" algn="ctr">
           <a:solidFill>
-            <a:schemeClr val="accent5">
+            <a:schemeClr val="accent2">
               <a:tint val="40000"/>
               <a:alpha val="90000"/>
-              <a:hueOff val="-5514351"/>
-              <a:satOff val="-18681"/>
-              <a:lumOff val="-2396"/>
+              <a:hueOff val="-694821"/>
+              <a:satOff val="-61647"/>
+              <a:lumOff val="-629"/>
               <a:alphaOff val="0"/>
             </a:schemeClr>
           </a:solidFill>
@@ -9431,19 +9431,19 @@
           <a:avLst/>
         </a:prstGeom>
         <a:solidFill>
-          <a:schemeClr val="accent5">
-            <a:hueOff val="-6758543"/>
-            <a:satOff val="-17419"/>
-            <a:lumOff val="-11765"/>
+          <a:schemeClr val="accent2">
+            <a:hueOff val="-1455363"/>
+            <a:satOff val="-83928"/>
+            <a:lumOff val="8628"/>
             <a:alphaOff val="0"/>
           </a:schemeClr>
         </a:solidFill>
         <a:ln w="12700" cap="flat" cmpd="sng" algn="ctr">
           <a:solidFill>
-            <a:schemeClr val="accent5">
-              <a:hueOff val="-6758543"/>
-              <a:satOff val="-17419"/>
-              <a:lumOff val="-11765"/>
+            <a:schemeClr val="accent2">
+              <a:hueOff val="-1455363"/>
+              <a:satOff val="-83928"/>
+              <a:lumOff val="8628"/>
               <a:alphaOff val="0"/>
             </a:schemeClr>
           </a:solidFill>
@@ -9514,23 +9514,23 @@
           </a:avLst>
         </a:prstGeom>
         <a:solidFill>
-          <a:schemeClr val="accent5">
+          <a:schemeClr val="accent2">
             <a:tint val="40000"/>
             <a:alpha val="90000"/>
-            <a:hueOff val="-6739762"/>
-            <a:satOff val="-22832"/>
-            <a:lumOff val="-2928"/>
+            <a:hueOff val="-849226"/>
+            <a:satOff val="-75346"/>
+            <a:lumOff val="-769"/>
             <a:alphaOff val="0"/>
           </a:schemeClr>
         </a:solidFill>
         <a:ln w="12700" cap="flat" cmpd="sng" algn="ctr">
           <a:solidFill>
-            <a:schemeClr val="accent5">
+            <a:schemeClr val="accent2">
               <a:tint val="40000"/>
               <a:alpha val="90000"/>
-              <a:hueOff val="-6739762"/>
-              <a:satOff val="-22832"/>
-              <a:lumOff val="-2928"/>
+              <a:hueOff val="-849226"/>
+              <a:satOff val="-75346"/>
+              <a:lumOff val="-769"/>
               <a:alphaOff val="0"/>
             </a:schemeClr>
           </a:solidFill>
@@ -9557,7 +9557,7 @@
         </a:bodyPr>
         <a:lstStyle/>
         <a:p>
-          <a:pPr marL="0" lvl="0" indent="0" algn="l" defTabSz="622300">
+          <a:pPr marL="0" lvl="0" indent="0" algn="l" defTabSz="1066800">
             <a:lnSpc>
               <a:spcPct val="90000"/>
             </a:lnSpc>
@@ -9570,8 +9570,8 @@
             <a:buNone/>
           </a:pPr>
           <a:r>
-            <a:rPr lang="en-US" sz="1400" kern="1200" dirty="0"/>
-            <a:t>Send the model out in place of the census questionnaire to encourage everyone to answer so that the data is more accurately representative of food insecurity in America</a:t>
+            <a:rPr lang="en-US" sz="2400" kern="1200" dirty="0"/>
+            <a:t>Send out alternative questionnaire </a:t>
           </a:r>
         </a:p>
       </dsp:txBody>
@@ -17362,7 +17362,7 @@
           <a:p>
             <a:fld id="{67D5CC2D-2AC0-5442-9C32-F2D7CBA497BF}" type="datetimeFigureOut">
               <a:rPr lang="en-US" smtClean="0"/>
-              <a:t>10/18/20</a:t>
+              <a:t>10/19/20</a:t>
             </a:fld>
             <a:endParaRPr lang="en-US"/>
           </a:p>
@@ -17716,6 +17716,388 @@
 </p:notes>
 </file>
 
+<file path=ppt/notesSlides/notesSlide10.xml><?xml version="1.0" encoding="utf-8"?>
+<p:notes xmlns:a="http://schemas.openxmlformats.org/drawingml/2006/main" xmlns:r="http://schemas.openxmlformats.org/officeDocument/2006/relationships" xmlns:p="http://schemas.openxmlformats.org/presentationml/2006/main">
+  <p:cSld>
+    <p:spTree>
+      <p:nvGrpSpPr>
+        <p:cNvPr id="1" name=""/>
+        <p:cNvGrpSpPr/>
+        <p:nvPr/>
+      </p:nvGrpSpPr>
+      <p:grpSpPr>
+        <a:xfrm>
+          <a:off x="0" y="0"/>
+          <a:ext cx="0" cy="0"/>
+          <a:chOff x="0" y="0"/>
+          <a:chExt cx="0" cy="0"/>
+        </a:xfrm>
+      </p:grpSpPr>
+      <p:sp>
+        <p:nvSpPr>
+          <p:cNvPr id="2" name="Slide Image Placeholder 1"/>
+          <p:cNvSpPr>
+            <a:spLocks noGrp="1" noRot="1" noChangeAspect="1"/>
+          </p:cNvSpPr>
+          <p:nvPr>
+            <p:ph type="sldImg"/>
+          </p:nvPr>
+        </p:nvSpPr>
+        <p:spPr/>
+      </p:sp>
+      <p:sp>
+        <p:nvSpPr>
+          <p:cNvPr id="3" name="Notes Placeholder 2"/>
+          <p:cNvSpPr>
+            <a:spLocks noGrp="1"/>
+          </p:cNvSpPr>
+          <p:nvPr>
+            <p:ph type="body" idx="1"/>
+          </p:nvPr>
+        </p:nvSpPr>
+        <p:spPr/>
+        <p:txBody>
+          <a:bodyPr/>
+          <a:lstStyle/>
+          <a:p>
+            <a:r>
+              <a:rPr lang="en-US" dirty="0"/>
+              <a:t>Overall I ended up running 9 different models including some experimental models and found that my best ones were the Random Forest and the Histogram Gradient Boosting Classifier. In the end I ended up choosing the random forest as the best model to answer this question. The scores for the two were almost identical but the random forest model had performed better with minimizing false negatives. The metrics checked for the models included the misclassified percentages of the positive class (food insecurity) and negative class (food security), accuracy, f1-scores, and the ROC-AUC score which I will touch on all of these a bit more in just a second.</a:t>
+            </a:r>
+          </a:p>
+        </p:txBody>
+      </p:sp>
+      <p:sp>
+        <p:nvSpPr>
+          <p:cNvPr id="4" name="Slide Number Placeholder 3"/>
+          <p:cNvSpPr>
+            <a:spLocks noGrp="1"/>
+          </p:cNvSpPr>
+          <p:nvPr>
+            <p:ph type="sldNum" sz="quarter" idx="5"/>
+          </p:nvPr>
+        </p:nvSpPr>
+        <p:spPr/>
+        <p:txBody>
+          <a:bodyPr/>
+          <a:lstStyle/>
+          <a:p>
+            <a:fld id="{BAC34434-8F6C-B545-B069-57D628678FFA}" type="slidenum">
+              <a:rPr lang="en-US" smtClean="0"/>
+              <a:t>10</a:t>
+            </a:fld>
+            <a:endParaRPr lang="en-US"/>
+          </a:p>
+        </p:txBody>
+      </p:sp>
+    </p:spTree>
+    <p:extLst>
+      <p:ext uri="{BB962C8B-B14F-4D97-AF65-F5344CB8AC3E}">
+        <p14:creationId xmlns:p14="http://schemas.microsoft.com/office/powerpoint/2010/main" val="2739357886"/>
+      </p:ext>
+    </p:extLst>
+  </p:cSld>
+  <p:clrMapOvr>
+    <a:masterClrMapping/>
+  </p:clrMapOvr>
+</p:notes>
+</file>
+
+<file path=ppt/notesSlides/notesSlide11.xml><?xml version="1.0" encoding="utf-8"?>
+<p:notes xmlns:a="http://schemas.openxmlformats.org/drawingml/2006/main" xmlns:r="http://schemas.openxmlformats.org/officeDocument/2006/relationships" xmlns:p="http://schemas.openxmlformats.org/presentationml/2006/main">
+  <p:cSld>
+    <p:spTree>
+      <p:nvGrpSpPr>
+        <p:cNvPr id="1" name=""/>
+        <p:cNvGrpSpPr/>
+        <p:nvPr/>
+      </p:nvGrpSpPr>
+      <p:grpSpPr>
+        <a:xfrm>
+          <a:off x="0" y="0"/>
+          <a:ext cx="0" cy="0"/>
+          <a:chOff x="0" y="0"/>
+          <a:chExt cx="0" cy="0"/>
+        </a:xfrm>
+      </p:grpSpPr>
+      <p:sp>
+        <p:nvSpPr>
+          <p:cNvPr id="2" name="Slide Image Placeholder 1"/>
+          <p:cNvSpPr>
+            <a:spLocks noGrp="1" noRot="1" noChangeAspect="1"/>
+          </p:cNvSpPr>
+          <p:nvPr>
+            <p:ph type="sldImg"/>
+          </p:nvPr>
+        </p:nvSpPr>
+        <p:spPr/>
+      </p:sp>
+      <p:sp>
+        <p:nvSpPr>
+          <p:cNvPr id="3" name="Notes Placeholder 2"/>
+          <p:cNvSpPr>
+            <a:spLocks noGrp="1"/>
+          </p:cNvSpPr>
+          <p:nvPr>
+            <p:ph type="body" idx="1"/>
+          </p:nvPr>
+        </p:nvSpPr>
+        <p:spPr/>
+        <p:txBody>
+          <a:bodyPr/>
+          <a:lstStyle/>
+          <a:p>
+            <a:r>
+              <a:rPr lang="en-US" dirty="0"/>
+              <a:t>Now to talk about the random forest model and why I chose it as the best model. The score for the training set was roughly 0.96 and for the testing set was roughly 0.95 which indicated that this model does well with new data being introduced in order to classify which category the new data will fall under. After this, I looked at the misclassification of food secure and food insecure rates to determine the best model. </a:t>
+            </a:r>
+          </a:p>
+          <a:p>
+            <a:endParaRPr lang="en-US" dirty="0"/>
+          </a:p>
+          <a:p>
+            <a:r>
+              <a:rPr lang="en-US" dirty="0"/>
+              <a:t>Random forest performed the best in this area with 613 misclassified as being food secure but were food insecure and 155 misclassified as being food insecure but were food secure. All the other models had a higher rate of misclassifying more as food secure but were food insecure. Since I was dealing with heavily imbalanced classes, I also wanted to look at the f1-score and ROC-AUC score. The f1-score looks at both the misclassified food secure and misclassified food insecure and produce a weighted average for each. The closer to 1 the score is, the better. For food secure, the f1 score was 0.97 and for food insecure, the score was 0.86. </a:t>
+            </a:r>
+          </a:p>
+          <a:p>
+            <a:endParaRPr lang="en-US" dirty="0"/>
+          </a:p>
+          <a:p>
+            <a:r>
+              <a:rPr lang="en-US" dirty="0"/>
+              <a:t>The ROC-AUC is used to visualize the capability of the model to distinguish between the different classes, or in this case to distinguish between food secure and food insecure. Like the f1-score, we want the ROC score to be as close to 1 as possible. For this model, the score was 0.96 which means that the model has a 96% chance of being able to distinguish between the food secure and food insecure classes.</a:t>
+            </a:r>
+          </a:p>
+        </p:txBody>
+      </p:sp>
+      <p:sp>
+        <p:nvSpPr>
+          <p:cNvPr id="4" name="Slide Number Placeholder 3"/>
+          <p:cNvSpPr>
+            <a:spLocks noGrp="1"/>
+          </p:cNvSpPr>
+          <p:nvPr>
+            <p:ph type="sldNum" sz="quarter" idx="5"/>
+          </p:nvPr>
+        </p:nvSpPr>
+        <p:spPr/>
+        <p:txBody>
+          <a:bodyPr/>
+          <a:lstStyle/>
+          <a:p>
+            <a:fld id="{BAC34434-8F6C-B545-B069-57D628678FFA}" type="slidenum">
+              <a:rPr lang="en-US" smtClean="0"/>
+              <a:t>11</a:t>
+            </a:fld>
+            <a:endParaRPr lang="en-US"/>
+          </a:p>
+        </p:txBody>
+      </p:sp>
+    </p:spTree>
+    <p:extLst>
+      <p:ext uri="{BB962C8B-B14F-4D97-AF65-F5344CB8AC3E}">
+        <p14:creationId xmlns:p14="http://schemas.microsoft.com/office/powerpoint/2010/main" val="135188414"/>
+      </p:ext>
+    </p:extLst>
+  </p:cSld>
+  <p:clrMapOvr>
+    <a:masterClrMapping/>
+  </p:clrMapOvr>
+</p:notes>
+</file>
+
+<file path=ppt/notesSlides/notesSlide12.xml><?xml version="1.0" encoding="utf-8"?>
+<p:notes xmlns:a="http://schemas.openxmlformats.org/drawingml/2006/main" xmlns:r="http://schemas.openxmlformats.org/officeDocument/2006/relationships" xmlns:p="http://schemas.openxmlformats.org/presentationml/2006/main">
+  <p:cSld>
+    <p:spTree>
+      <p:nvGrpSpPr>
+        <p:cNvPr id="1" name=""/>
+        <p:cNvGrpSpPr/>
+        <p:nvPr/>
+      </p:nvGrpSpPr>
+      <p:grpSpPr>
+        <a:xfrm>
+          <a:off x="0" y="0"/>
+          <a:ext cx="0" cy="0"/>
+          <a:chOff x="0" y="0"/>
+          <a:chExt cx="0" cy="0"/>
+        </a:xfrm>
+      </p:grpSpPr>
+      <p:sp>
+        <p:nvSpPr>
+          <p:cNvPr id="2" name="Slide Image Placeholder 1"/>
+          <p:cNvSpPr>
+            <a:spLocks noGrp="1" noRot="1" noChangeAspect="1"/>
+          </p:cNvSpPr>
+          <p:nvPr>
+            <p:ph type="sldImg"/>
+          </p:nvPr>
+        </p:nvSpPr>
+        <p:spPr/>
+      </p:sp>
+      <p:sp>
+        <p:nvSpPr>
+          <p:cNvPr id="3" name="Notes Placeholder 2"/>
+          <p:cNvSpPr>
+            <a:spLocks noGrp="1"/>
+          </p:cNvSpPr>
+          <p:nvPr>
+            <p:ph type="body" idx="1"/>
+          </p:nvPr>
+        </p:nvSpPr>
+        <p:spPr/>
+        <p:txBody>
+          <a:bodyPr/>
+          <a:lstStyle/>
+          <a:p>
+            <a:r>
+              <a:rPr lang="en-US" dirty="0"/>
+              <a:t>The next steps I have for continuing this project includes gathering the 2020 food security data when the </a:t>
+            </a:r>
+            <a:r>
+              <a:rPr lang="en-US" dirty="0" err="1"/>
+              <a:t>census.gov</a:t>
+            </a:r>
+            <a:r>
+              <a:rPr lang="en-US" dirty="0"/>
+              <a:t> makes it available in December. I also plan to gather data outside of the census that way I can create a master data set that is more diverse and representative of the actual population. I would then want to tune the new data set to place into my model so that I can have variables that play nice with deployment and </a:t>
+            </a:r>
+            <a:r>
+              <a:rPr lang="en-US" dirty="0" err="1"/>
+              <a:t>streamlit</a:t>
+            </a:r>
+            <a:r>
+              <a:rPr lang="en-US" dirty="0"/>
+              <a:t>. Once deployed I would love to send the model out in place of the census since there are a lot of people who do not want to answer or feel comfortable answering census surveys. By doing this, we could get a more accurate representation of food insecurity for future years so that actions can be taken now so that every person has accessible and affordable healthy food options. </a:t>
+            </a:r>
+          </a:p>
+        </p:txBody>
+      </p:sp>
+      <p:sp>
+        <p:nvSpPr>
+          <p:cNvPr id="4" name="Slide Number Placeholder 3"/>
+          <p:cNvSpPr>
+            <a:spLocks noGrp="1"/>
+          </p:cNvSpPr>
+          <p:nvPr>
+            <p:ph type="sldNum" sz="quarter" idx="5"/>
+          </p:nvPr>
+        </p:nvSpPr>
+        <p:spPr/>
+        <p:txBody>
+          <a:bodyPr/>
+          <a:lstStyle/>
+          <a:p>
+            <a:fld id="{BAC34434-8F6C-B545-B069-57D628678FFA}" type="slidenum">
+              <a:rPr lang="en-US" smtClean="0"/>
+              <a:t>12</a:t>
+            </a:fld>
+            <a:endParaRPr lang="en-US"/>
+          </a:p>
+        </p:txBody>
+      </p:sp>
+    </p:spTree>
+    <p:extLst>
+      <p:ext uri="{BB962C8B-B14F-4D97-AF65-F5344CB8AC3E}">
+        <p14:creationId xmlns:p14="http://schemas.microsoft.com/office/powerpoint/2010/main" val="1800817913"/>
+      </p:ext>
+    </p:extLst>
+  </p:cSld>
+  <p:clrMapOvr>
+    <a:masterClrMapping/>
+  </p:clrMapOvr>
+</p:notes>
+</file>
+
+<file path=ppt/notesSlides/notesSlide13.xml><?xml version="1.0" encoding="utf-8"?>
+<p:notes xmlns:a="http://schemas.openxmlformats.org/drawingml/2006/main" xmlns:r="http://schemas.openxmlformats.org/officeDocument/2006/relationships" xmlns:p="http://schemas.openxmlformats.org/presentationml/2006/main">
+  <p:cSld>
+    <p:spTree>
+      <p:nvGrpSpPr>
+        <p:cNvPr id="1" name=""/>
+        <p:cNvGrpSpPr/>
+        <p:nvPr/>
+      </p:nvGrpSpPr>
+      <p:grpSpPr>
+        <a:xfrm>
+          <a:off x="0" y="0"/>
+          <a:ext cx="0" cy="0"/>
+          <a:chOff x="0" y="0"/>
+          <a:chExt cx="0" cy="0"/>
+        </a:xfrm>
+      </p:grpSpPr>
+      <p:sp>
+        <p:nvSpPr>
+          <p:cNvPr id="2" name="Slide Image Placeholder 1"/>
+          <p:cNvSpPr>
+            <a:spLocks noGrp="1" noRot="1" noChangeAspect="1"/>
+          </p:cNvSpPr>
+          <p:nvPr>
+            <p:ph type="sldImg"/>
+          </p:nvPr>
+        </p:nvSpPr>
+        <p:spPr/>
+      </p:sp>
+      <p:sp>
+        <p:nvSpPr>
+          <p:cNvPr id="3" name="Notes Placeholder 2"/>
+          <p:cNvSpPr>
+            <a:spLocks noGrp="1"/>
+          </p:cNvSpPr>
+          <p:nvPr>
+            <p:ph type="body" idx="1"/>
+          </p:nvPr>
+        </p:nvSpPr>
+        <p:spPr/>
+        <p:txBody>
+          <a:bodyPr/>
+          <a:lstStyle/>
+          <a:p>
+            <a:r>
+              <a:rPr lang="en-US" dirty="0"/>
+              <a:t>Thank you all so much for your time and I am open for questions now. Thank you!</a:t>
+            </a:r>
+          </a:p>
+        </p:txBody>
+      </p:sp>
+      <p:sp>
+        <p:nvSpPr>
+          <p:cNvPr id="4" name="Slide Number Placeholder 3"/>
+          <p:cNvSpPr>
+            <a:spLocks noGrp="1"/>
+          </p:cNvSpPr>
+          <p:nvPr>
+            <p:ph type="sldNum" sz="quarter" idx="5"/>
+          </p:nvPr>
+        </p:nvSpPr>
+        <p:spPr/>
+        <p:txBody>
+          <a:bodyPr/>
+          <a:lstStyle/>
+          <a:p>
+            <a:fld id="{BAC34434-8F6C-B545-B069-57D628678FFA}" type="slidenum">
+              <a:rPr lang="en-US" smtClean="0"/>
+              <a:t>13</a:t>
+            </a:fld>
+            <a:endParaRPr lang="en-US"/>
+          </a:p>
+        </p:txBody>
+      </p:sp>
+    </p:spTree>
+    <p:extLst>
+      <p:ext uri="{BB962C8B-B14F-4D97-AF65-F5344CB8AC3E}">
+        <p14:creationId xmlns:p14="http://schemas.microsoft.com/office/powerpoint/2010/main" val="2411652850"/>
+      </p:ext>
+    </p:extLst>
+  </p:cSld>
+  <p:clrMapOvr>
+    <a:masterClrMapping/>
+  </p:clrMapOvr>
+</p:notes>
+</file>
+
 <file path=ppt/notesSlides/notesSlide2.xml><?xml version="1.0" encoding="utf-8"?>
 <p:notes xmlns:a="http://schemas.openxmlformats.org/drawingml/2006/main" xmlns:r="http://schemas.openxmlformats.org/officeDocument/2006/relationships" xmlns:p="http://schemas.openxmlformats.org/presentationml/2006/main">
   <p:cSld>
@@ -17901,7 +18283,16 @@
           <a:p>
             <a:r>
               <a:rPr lang="en-US" dirty="0"/>
-              <a:t>After going through the data set and data dictionary, I noticed that all of the categorical variables were already converted to different types of numerical values. Again, for easier understanding of my data set, I decided to change all of these values back to their original values until modeling.</a:t>
+              <a:t>After going through the data set and data dictionary, I noticed that all the categorical variables were already converted to different types of numerical values. Again, for easier understanding of my data set, I decided to change all these values back to their original values until modeling.</a:t>
+            </a:r>
+          </a:p>
+          <a:p>
+            <a:endParaRPr lang="en-US" dirty="0"/>
+          </a:p>
+          <a:p>
+            <a:r>
+              <a:rPr lang="en-US" dirty="0"/>
+              <a:t>Lastly, a master column that would indicate food secure (0) and food insecure (1) was created based on responses to the various questions asked about feeling as though they had enough to feed their families, never had to worry about where food came from, received any assistance at any point in the year or not, and so on. After creating this, any questions used to calculate the master column were then dropped.</a:t>
             </a:r>
           </a:p>
           <a:p>
@@ -18202,7 +18593,7 @@
           <a:p>
             <a:r>
               <a:rPr lang="en-US" dirty="0"/>
-              <a:t>Some outliers were discovered when I explored gender analysis as well as food recipient analysis. For gender, the outliers, though very few, were women who had a family income of $150,000 and said they were food insecure. When looking at these rows, these individuals had jobs, small households, no disability, nothing that stood out to indicate what might be the cause of these outliers. I decided to drop them since I couldn’t find any indication of food insecurity and figured that they may have just either answered some questions wrong or their responses were recorded incorrectly.</a:t>
+              <a:t>Another thing I found from this data set is that it is not a diverse data set. 82% of individuals were white, over 50% of households had 1 or 2 people, and the average household income was $150,000. This will be addressed later in the presentation as well.</a:t>
             </a:r>
           </a:p>
         </p:txBody>
@@ -18289,15 +18680,7 @@
           <a:p>
             <a:r>
               <a:rPr lang="en-US" dirty="0"/>
-              <a:t>Of the roughly 50,000 rows left after dropping all but one person from each household, I discovered that about 47,000 said they have never or do not receive food stamps and/or assistance and only about 3,000 do. I did a quick plot of these answers and household income to see if all who were food insecure were receiving adequate assistance. Long story short, they were not. Many folks who were food insecure had answered no to receiving assistance and a few who were food secure did receive assistance. Whenever I took a deeper look into the outliers of those who said they were food insecure and the household income was over $75,000, I found that most these folks had 6+ persons households. To put this in perspective, say we have a household with 6 people and the income is $150,000. Assuming it is a two-parent household with 4 kids with both parents working, this would mean that each parent makes about $75,000 a year. Now let’s say this family lives in California. According to </a:t>
-            </a:r>
-            <a:r>
-              <a:rPr lang="en-US" dirty="0" err="1"/>
-              <a:t>livingwage.mit.edu</a:t>
-            </a:r>
-            <a:r>
-              <a:rPr lang="en-US" dirty="0"/>
-              <a:t>, the required family income for a 2-parent household with 3 kids is about $104,251 to make ends meet. This scenario explains the outliers well in my opinion given the fact that many individuals experiencing food insecure do not just have children living with them but also their parents and are not a two-parent household.</a:t>
+              <a:t>Here I just wanted to show the graphs for food security based on number of people in a household and food security based on age. The blue bars represent food security, and the orange bars represent food insecurity. We can see here that with larger families, food insecurity occurs more frequently even as income increases. </a:t>
             </a:r>
           </a:p>
         </p:txBody>
@@ -18328,7 +18711,7 @@
     </p:spTree>
     <p:extLst>
       <p:ext uri="{BB962C8B-B14F-4D97-AF65-F5344CB8AC3E}">
-        <p14:creationId xmlns:p14="http://schemas.microsoft.com/office/powerpoint/2010/main" val="3887264955"/>
+        <p14:creationId xmlns:p14="http://schemas.microsoft.com/office/powerpoint/2010/main" val="3277923894"/>
       </p:ext>
     </p:extLst>
   </p:cSld>
@@ -18382,6 +18765,115 @@
           <a:bodyPr/>
           <a:lstStyle/>
           <a:p>
+            <a:pPr marL="0" marR="0" lvl="0" indent="0" algn="l" defTabSz="914400" rtl="0" eaLnBrk="1" fontAlgn="auto" latinLnBrk="0" hangingPunct="1">
+              <a:lnSpc>
+                <a:spcPct val="100000"/>
+              </a:lnSpc>
+              <a:spcBef>
+                <a:spcPts val="0"/>
+              </a:spcBef>
+              <a:spcAft>
+                <a:spcPts val="0"/>
+              </a:spcAft>
+              <a:buClrTx/>
+              <a:buSzTx/>
+              <a:buFontTx/>
+              <a:buNone/>
+              <a:tabLst/>
+              <a:defRPr/>
+            </a:pPr>
+            <a:r>
+              <a:rPr lang="en-US" dirty="0"/>
+              <a:t>Some outliers were discovered when I explored gender analysis as well as food recipient analysis. For gender, the outliers, though very few, were women who had a family income of $150,000 and said they were food insecure. When looking at these rows, these individuals had jobs, small households, no disability, nothing that stood out to indicate what might be the cause of these outliers. I decided to drop them since I couldn’t find any indication of food insecurity and figured that they may have just either answered some questions wrong or their responses were recorded incorrectly.</a:t>
+            </a:r>
+          </a:p>
+          <a:p>
+            <a:pPr marL="0" marR="0" lvl="0" indent="0" algn="l" defTabSz="914400" rtl="0" eaLnBrk="1" fontAlgn="auto" latinLnBrk="0" hangingPunct="1">
+              <a:lnSpc>
+                <a:spcPct val="100000"/>
+              </a:lnSpc>
+              <a:spcBef>
+                <a:spcPts val="0"/>
+              </a:spcBef>
+              <a:spcAft>
+                <a:spcPts val="0"/>
+              </a:spcAft>
+              <a:buClrTx/>
+              <a:buSzTx/>
+              <a:buFontTx/>
+              <a:buNone/>
+              <a:tabLst/>
+              <a:defRPr/>
+            </a:pPr>
+            <a:endParaRPr lang="en-US" dirty="0"/>
+          </a:p>
+          <a:p>
+            <a:pPr marL="0" marR="0" lvl="0" indent="0" algn="l" defTabSz="914400" rtl="0" eaLnBrk="1" fontAlgn="auto" latinLnBrk="0" hangingPunct="1">
+              <a:lnSpc>
+                <a:spcPct val="100000"/>
+              </a:lnSpc>
+              <a:spcBef>
+                <a:spcPts val="0"/>
+              </a:spcBef>
+              <a:spcAft>
+                <a:spcPts val="0"/>
+              </a:spcAft>
+              <a:buClrTx/>
+              <a:buSzTx/>
+              <a:buFontTx/>
+              <a:buNone/>
+              <a:tabLst/>
+              <a:defRPr/>
+            </a:pPr>
+            <a:r>
+              <a:rPr lang="en-US" dirty="0"/>
+              <a:t>Everyone in the questionnaire was asked if they knew or had a food pantry or something similar near by. Of those who were food insecure, about half of them either had no idea where one was or said there was not one close to them.</a:t>
+            </a:r>
+          </a:p>
+          <a:p>
+            <a:pPr marL="0" marR="0" lvl="0" indent="0" algn="l" defTabSz="914400" rtl="0" eaLnBrk="1" fontAlgn="auto" latinLnBrk="0" hangingPunct="1">
+              <a:lnSpc>
+                <a:spcPct val="100000"/>
+              </a:lnSpc>
+              <a:spcBef>
+                <a:spcPts val="0"/>
+              </a:spcBef>
+              <a:spcAft>
+                <a:spcPts val="0"/>
+              </a:spcAft>
+              <a:buClrTx/>
+              <a:buSzTx/>
+              <a:buFontTx/>
+              <a:buNone/>
+              <a:tabLst/>
+              <a:defRPr/>
+            </a:pPr>
+            <a:endParaRPr lang="en-US" dirty="0"/>
+          </a:p>
+          <a:p>
+            <a:pPr marL="0" marR="0" lvl="0" indent="0" algn="l" defTabSz="914400" rtl="0" eaLnBrk="1" fontAlgn="auto" latinLnBrk="0" hangingPunct="1">
+              <a:lnSpc>
+                <a:spcPct val="100000"/>
+              </a:lnSpc>
+              <a:spcBef>
+                <a:spcPts val="0"/>
+              </a:spcBef>
+              <a:spcAft>
+                <a:spcPts val="0"/>
+              </a:spcAft>
+              <a:buClrTx/>
+              <a:buSzTx/>
+              <a:buFontTx/>
+              <a:buNone/>
+              <a:tabLst/>
+              <a:defRPr/>
+            </a:pPr>
+            <a:r>
+              <a:rPr lang="en-US" dirty="0"/>
+              <a:t>I also explored relationships between family size and marital status regarding food security and job type as well. Nothing too special came from these as most people were still married and most people either worked at a for profit job or did not indicate the type of job they had. </a:t>
+            </a:r>
+          </a:p>
+          <a:p>
             <a:endParaRPr lang="en-US" dirty="0"/>
           </a:p>
         </p:txBody>
@@ -18403,7 +18895,7 @@
           <a:p>
             <a:fld id="{BAC34434-8F6C-B545-B069-57D628678FFA}" type="slidenum">
               <a:rPr lang="en-US" smtClean="0"/>
-              <a:t>8</a:t>
+              <a:t>7</a:t>
             </a:fld>
             <a:endParaRPr lang="en-US"/>
           </a:p>
@@ -18466,7 +18958,27 @@
           <a:bodyPr/>
           <a:lstStyle/>
           <a:p>
+            <a:r>
+              <a:rPr lang="en-US" dirty="0"/>
+              <a:t>Of the roughly 50,000 rows left after dropping all but one person from each household, I discovered that about 47,000 said they have never or do not receive food stamps and/or assistance and only about 3,000 do. I did a quick plot of these answers and household income to see if all who were food insecure were receiving adequate assistance. Long story short, they were not. Many folks who were food insecure had answered no to receiving assistance and a few who were food secure did receive assistance. </a:t>
+            </a:r>
+          </a:p>
+          <a:p>
             <a:endParaRPr lang="en-US" dirty="0"/>
+          </a:p>
+          <a:p>
+            <a:r>
+              <a:rPr lang="en-US" dirty="0"/>
+              <a:t>Whenever I took a deeper look into the outliers of those who said they were food insecure and the household income was over $75,000, I found that most these folks had 6+ persons households. To put this in perspective, say we have a household with 6 people and the income is $150,000. Assuming it is a two-parent household with 4 kids with both parents working, this would mean that each parent makes about $75,000 a year. Now let’s say this family lives in California. According to </a:t>
+            </a:r>
+            <a:r>
+              <a:rPr lang="en-US" dirty="0" err="1"/>
+              <a:t>livingwage.mit.edu</a:t>
+            </a:r>
+            <a:r>
+              <a:rPr lang="en-US" dirty="0"/>
+              <a:t>, the required family income for a 2-parent household with 3 kids is about $104,251 to make ends meet. This scenario explains the outliers well in my opinion given the fact that many individuals experiencing food insecure do not just have children living with them but also their parents and are not a two-parent household.</a:t>
+            </a:r>
           </a:p>
         </p:txBody>
       </p:sp>
@@ -18487,7 +18999,7 @@
           <a:p>
             <a:fld id="{BAC34434-8F6C-B545-B069-57D628678FFA}" type="slidenum">
               <a:rPr lang="en-US" smtClean="0"/>
-              <a:t>13</a:t>
+              <a:t>8</a:t>
             </a:fld>
             <a:endParaRPr lang="en-US"/>
           </a:p>
@@ -18496,7 +19008,112 @@
     </p:spTree>
     <p:extLst>
       <p:ext uri="{BB962C8B-B14F-4D97-AF65-F5344CB8AC3E}">
-        <p14:creationId xmlns:p14="http://schemas.microsoft.com/office/powerpoint/2010/main" val="2411652850"/>
+        <p14:creationId xmlns:p14="http://schemas.microsoft.com/office/powerpoint/2010/main" val="3887264955"/>
+      </p:ext>
+    </p:extLst>
+  </p:cSld>
+  <p:clrMapOvr>
+    <a:masterClrMapping/>
+  </p:clrMapOvr>
+</p:notes>
+</file>
+
+<file path=ppt/notesSlides/notesSlide9.xml><?xml version="1.0" encoding="utf-8"?>
+<p:notes xmlns:a="http://schemas.openxmlformats.org/drawingml/2006/main" xmlns:r="http://schemas.openxmlformats.org/officeDocument/2006/relationships" xmlns:p="http://schemas.openxmlformats.org/presentationml/2006/main">
+  <p:cSld>
+    <p:spTree>
+      <p:nvGrpSpPr>
+        <p:cNvPr id="1" name=""/>
+        <p:cNvGrpSpPr/>
+        <p:nvPr/>
+      </p:nvGrpSpPr>
+      <p:grpSpPr>
+        <a:xfrm>
+          <a:off x="0" y="0"/>
+          <a:ext cx="0" cy="0"/>
+          <a:chOff x="0" y="0"/>
+          <a:chExt cx="0" cy="0"/>
+        </a:xfrm>
+      </p:grpSpPr>
+      <p:sp>
+        <p:nvSpPr>
+          <p:cNvPr id="2" name="Slide Image Placeholder 1"/>
+          <p:cNvSpPr>
+            <a:spLocks noGrp="1" noRot="1" noChangeAspect="1"/>
+          </p:cNvSpPr>
+          <p:nvPr>
+            <p:ph type="sldImg"/>
+          </p:nvPr>
+        </p:nvSpPr>
+        <p:spPr/>
+      </p:sp>
+      <p:sp>
+        <p:nvSpPr>
+          <p:cNvPr id="3" name="Notes Placeholder 2"/>
+          <p:cNvSpPr>
+            <a:spLocks noGrp="1"/>
+          </p:cNvSpPr>
+          <p:nvPr>
+            <p:ph type="body" idx="1"/>
+          </p:nvPr>
+        </p:nvSpPr>
+        <p:spPr/>
+        <p:txBody>
+          <a:bodyPr/>
+          <a:lstStyle/>
+          <a:p>
+            <a:r>
+              <a:rPr lang="en-US" dirty="0"/>
+              <a:t>The question that I was asking was if I could build a model to use to predict food insecurity so that local and federal government officials and policy makers  as well as community members could be proactive in the fight to bridge the meal gap. To answer this, classification models would need to be used to classify individuals as being food secure or insecure. Before I could officially begin modeling, I needed to convert some of my categorical values back to numerical values. Any place where someone had answered yes was changed to a value of 1 and no was changed to a value of 0. </a:t>
+            </a:r>
+          </a:p>
+          <a:p>
+            <a:endParaRPr lang="en-US" dirty="0"/>
+          </a:p>
+          <a:p>
+            <a:r>
+              <a:rPr lang="en-US" dirty="0"/>
+              <a:t>For the columns like State and Region that didn’t have simple yes or no responses, I did a pre-processing step of target encoding which replaces each value in the column with the mean target value of the category. A baseline score of 82% classified as foods secure and 18% classified as food insecure was calculated followed by setting up the X and y variables which were then scaled for the models that required using scaled data, or in other words, the models that would need the values of income and number of people in a household to be scaled to more relatable values.</a:t>
+            </a:r>
+          </a:p>
+          <a:p>
+            <a:endParaRPr lang="en-US" dirty="0"/>
+          </a:p>
+          <a:p>
+            <a:r>
+              <a:rPr lang="en-US" dirty="0"/>
+              <a:t>For this question, I wanted to find the model that not only scored the best but also minimized false negatives the most. I wanted to eliminate the amount of individuals being misclassified as food secure but actually are food insecure.</a:t>
+            </a:r>
+          </a:p>
+        </p:txBody>
+      </p:sp>
+      <p:sp>
+        <p:nvSpPr>
+          <p:cNvPr id="4" name="Slide Number Placeholder 3"/>
+          <p:cNvSpPr>
+            <a:spLocks noGrp="1"/>
+          </p:cNvSpPr>
+          <p:nvPr>
+            <p:ph type="sldNum" sz="quarter" idx="5"/>
+          </p:nvPr>
+        </p:nvSpPr>
+        <p:spPr/>
+        <p:txBody>
+          <a:bodyPr/>
+          <a:lstStyle/>
+          <a:p>
+            <a:fld id="{BAC34434-8F6C-B545-B069-57D628678FFA}" type="slidenum">
+              <a:rPr lang="en-US" smtClean="0"/>
+              <a:t>9</a:t>
+            </a:fld>
+            <a:endParaRPr lang="en-US"/>
+          </a:p>
+        </p:txBody>
+      </p:sp>
+    </p:spTree>
+    <p:extLst>
+      <p:ext uri="{BB962C8B-B14F-4D97-AF65-F5344CB8AC3E}">
+        <p14:creationId xmlns:p14="http://schemas.microsoft.com/office/powerpoint/2010/main" val="1135312994"/>
       </p:ext>
     </p:extLst>
   </p:cSld>
@@ -18653,7 +19270,7 @@
           <a:p>
             <a:fld id="{BCF632A6-EC22-7249-ADBC-8605D40965D5}" type="datetimeFigureOut">
               <a:rPr lang="en-US" smtClean="0"/>
-              <a:t>10/18/20</a:t>
+              <a:t>10/19/20</a:t>
             </a:fld>
             <a:endParaRPr lang="en-US"/>
           </a:p>
@@ -18851,7 +19468,7 @@
           <a:p>
             <a:fld id="{BCF632A6-EC22-7249-ADBC-8605D40965D5}" type="datetimeFigureOut">
               <a:rPr lang="en-US" smtClean="0"/>
-              <a:t>10/18/20</a:t>
+              <a:t>10/19/20</a:t>
             </a:fld>
             <a:endParaRPr lang="en-US"/>
           </a:p>
@@ -19059,7 +19676,7 @@
           <a:p>
             <a:fld id="{BCF632A6-EC22-7249-ADBC-8605D40965D5}" type="datetimeFigureOut">
               <a:rPr lang="en-US" smtClean="0"/>
-              <a:t>10/18/20</a:t>
+              <a:t>10/19/20</a:t>
             </a:fld>
             <a:endParaRPr lang="en-US"/>
           </a:p>
@@ -19257,7 +19874,7 @@
           <a:p>
             <a:fld id="{BCF632A6-EC22-7249-ADBC-8605D40965D5}" type="datetimeFigureOut">
               <a:rPr lang="en-US" smtClean="0"/>
-              <a:t>10/18/20</a:t>
+              <a:t>10/19/20</a:t>
             </a:fld>
             <a:endParaRPr lang="en-US"/>
           </a:p>
@@ -19532,7 +20149,7 @@
           <a:p>
             <a:fld id="{BCF632A6-EC22-7249-ADBC-8605D40965D5}" type="datetimeFigureOut">
               <a:rPr lang="en-US" smtClean="0"/>
-              <a:t>10/18/20</a:t>
+              <a:t>10/19/20</a:t>
             </a:fld>
             <a:endParaRPr lang="en-US"/>
           </a:p>
@@ -19797,7 +20414,7 @@
           <a:p>
             <a:fld id="{BCF632A6-EC22-7249-ADBC-8605D40965D5}" type="datetimeFigureOut">
               <a:rPr lang="en-US" smtClean="0"/>
-              <a:t>10/18/20</a:t>
+              <a:t>10/19/20</a:t>
             </a:fld>
             <a:endParaRPr lang="en-US"/>
           </a:p>
@@ -20209,7 +20826,7 @@
           <a:p>
             <a:fld id="{BCF632A6-EC22-7249-ADBC-8605D40965D5}" type="datetimeFigureOut">
               <a:rPr lang="en-US" smtClean="0"/>
-              <a:t>10/18/20</a:t>
+              <a:t>10/19/20</a:t>
             </a:fld>
             <a:endParaRPr lang="en-US"/>
           </a:p>
@@ -20350,7 +20967,7 @@
           <a:p>
             <a:fld id="{BCF632A6-EC22-7249-ADBC-8605D40965D5}" type="datetimeFigureOut">
               <a:rPr lang="en-US" smtClean="0"/>
-              <a:t>10/18/20</a:t>
+              <a:t>10/19/20</a:t>
             </a:fld>
             <a:endParaRPr lang="en-US"/>
           </a:p>
@@ -20463,7 +21080,7 @@
           <a:p>
             <a:fld id="{BCF632A6-EC22-7249-ADBC-8605D40965D5}" type="datetimeFigureOut">
               <a:rPr lang="en-US" smtClean="0"/>
-              <a:t>10/18/20</a:t>
+              <a:t>10/19/20</a:t>
             </a:fld>
             <a:endParaRPr lang="en-US"/>
           </a:p>
@@ -20774,7 +21391,7 @@
           <a:p>
             <a:fld id="{BCF632A6-EC22-7249-ADBC-8605D40965D5}" type="datetimeFigureOut">
               <a:rPr lang="en-US" smtClean="0"/>
-              <a:t>10/18/20</a:t>
+              <a:t>10/19/20</a:t>
             </a:fld>
             <a:endParaRPr lang="en-US"/>
           </a:p>
@@ -21062,7 +21679,7 @@
           <a:p>
             <a:fld id="{BCF632A6-EC22-7249-ADBC-8605D40965D5}" type="datetimeFigureOut">
               <a:rPr lang="en-US" smtClean="0"/>
-              <a:t>10/18/20</a:t>
+              <a:t>10/19/20</a:t>
             </a:fld>
             <a:endParaRPr lang="en-US"/>
           </a:p>
@@ -21303,7 +21920,7 @@
           <a:p>
             <a:fld id="{BCF632A6-EC22-7249-ADBC-8605D40965D5}" type="datetimeFigureOut">
               <a:rPr lang="en-US" smtClean="0"/>
-              <a:t>10/18/20</a:t>
+              <a:t>10/19/20</a:t>
             </a:fld>
             <a:endParaRPr lang="en-US"/>
           </a:p>
@@ -22140,7 +22757,7 @@
             <p:ph idx="1"/>
             <p:extLst>
               <p:ext uri="{D42A27DB-BD31-4B8C-83A1-F6EECF244321}">
-                <p14:modId xmlns:p14="http://schemas.microsoft.com/office/powerpoint/2010/main" val="4193568088"/>
+                <p14:modId xmlns:p14="http://schemas.microsoft.com/office/powerpoint/2010/main" val="89828447"/>
               </p:ext>
             </p:extLst>
           </p:nvPr>
@@ -22151,7 +22768,7 @@
         </p:xfrm>
         <a:graphic>
           <a:graphicData uri="http://schemas.openxmlformats.org/drawingml/2006/diagram">
-            <dgm:relIds xmlns:dgm="http://schemas.openxmlformats.org/drawingml/2006/diagram" xmlns:r="http://schemas.openxmlformats.org/officeDocument/2006/relationships" r:dm="rId2" r:lo="rId3" r:qs="rId4" r:cs="rId5"/>
+            <dgm:relIds xmlns:dgm="http://schemas.openxmlformats.org/drawingml/2006/diagram" xmlns:r="http://schemas.openxmlformats.org/officeDocument/2006/relationships" r:dm="rId3" r:lo="rId4" r:qs="rId5" r:cs="rId6"/>
           </a:graphicData>
         </a:graphic>
       </p:graphicFrame>
@@ -23085,7 +23702,7 @@
             <p:ph idx="1"/>
             <p:extLst>
               <p:ext uri="{D42A27DB-BD31-4B8C-83A1-F6EECF244321}">
-                <p14:modId xmlns:p14="http://schemas.microsoft.com/office/powerpoint/2010/main" val="118258807"/>
+                <p14:modId xmlns:p14="http://schemas.microsoft.com/office/powerpoint/2010/main" val="4070148900"/>
               </p:ext>
             </p:extLst>
           </p:nvPr>
@@ -23096,7 +23713,7 @@
         </p:xfrm>
         <a:graphic>
           <a:graphicData uri="http://schemas.openxmlformats.org/drawingml/2006/diagram">
-            <dgm:relIds xmlns:dgm="http://schemas.openxmlformats.org/drawingml/2006/diagram" xmlns:r="http://schemas.openxmlformats.org/officeDocument/2006/relationships" r:dm="rId2" r:lo="rId3" r:qs="rId4" r:cs="rId5"/>
+            <dgm:relIds xmlns:dgm="http://schemas.openxmlformats.org/drawingml/2006/diagram" xmlns:r="http://schemas.openxmlformats.org/officeDocument/2006/relationships" r:dm="rId3" r:lo="rId4" r:qs="rId5" r:cs="rId6"/>
           </a:graphicData>
         </a:graphic>
       </p:graphicFrame>
@@ -23727,7 +24344,7 @@
             <p:ph idx="1"/>
             <p:extLst>
               <p:ext uri="{D42A27DB-BD31-4B8C-83A1-F6EECF244321}">
-                <p14:modId xmlns:p14="http://schemas.microsoft.com/office/powerpoint/2010/main" val="2729048956"/>
+                <p14:modId xmlns:p14="http://schemas.microsoft.com/office/powerpoint/2010/main" val="2028475176"/>
               </p:ext>
             </p:extLst>
           </p:nvPr>
@@ -24373,7 +24990,7 @@
             <p:ph idx="1"/>
             <p:extLst>
               <p:ext uri="{D42A27DB-BD31-4B8C-83A1-F6EECF244321}">
-                <p14:modId xmlns:p14="http://schemas.microsoft.com/office/powerpoint/2010/main" val="4185177219"/>
+                <p14:modId xmlns:p14="http://schemas.microsoft.com/office/powerpoint/2010/main" val="4140212046"/>
               </p:ext>
             </p:extLst>
           </p:nvPr>
@@ -24714,7 +25331,7 @@
                   <a:schemeClr val="bg1"/>
                 </a:solidFill>
               </a:rPr>
-              <a:t>More specifically, the data was made up of 82% white folks, over 50% households had 1 or 2 folks, and average household income being $150,000</a:t>
+              <a:t>Turned out to be not a diverse data set</a:t>
             </a:r>
           </a:p>
         </p:txBody>
@@ -24733,272 +25350,6 @@
 </file>
 
 <file path=ppt/slides/slide6.xml><?xml version="1.0" encoding="utf-8"?>
-<p:sld xmlns:a="http://schemas.openxmlformats.org/drawingml/2006/main" xmlns:r="http://schemas.openxmlformats.org/officeDocument/2006/relationships" xmlns:p="http://schemas.openxmlformats.org/presentationml/2006/main">
-  <p:cSld>
-    <p:bg>
-      <p:bgPr>
-        <a:solidFill>
-          <a:schemeClr val="bg1"/>
-        </a:solidFill>
-        <a:effectLst/>
-      </p:bgPr>
-    </p:bg>
-    <p:spTree>
-      <p:nvGrpSpPr>
-        <p:cNvPr id="1" name=""/>
-        <p:cNvGrpSpPr/>
-        <p:nvPr/>
-      </p:nvGrpSpPr>
-      <p:grpSpPr>
-        <a:xfrm>
-          <a:off x="0" y="0"/>
-          <a:ext cx="0" cy="0"/>
-          <a:chOff x="0" y="0"/>
-          <a:chExt cx="0" cy="0"/>
-        </a:xfrm>
-      </p:grpSpPr>
-      <p:pic>
-        <p:nvPicPr>
-          <p:cNvPr id="1026" name="Picture 2" descr="Chart, box and whisker chart&#10;&#10;Description automatically generated">
-            <a:extLst>
-              <a:ext uri="{FF2B5EF4-FFF2-40B4-BE49-F238E27FC236}">
-                <a16:creationId xmlns:a16="http://schemas.microsoft.com/office/drawing/2014/main" id="{7C7FAB99-CCE8-424A-83C4-976354863844}"/>
-              </a:ext>
-            </a:extLst>
-          </p:cNvPr>
-          <p:cNvPicPr>
-            <a:picLocks noGrp="1" noChangeAspect="1" noChangeArrowheads="1"/>
-          </p:cNvPicPr>
-          <p:nvPr>
-            <p:ph idx="1"/>
-          </p:nvPr>
-        </p:nvPicPr>
-        <p:blipFill>
-          <a:blip r:embed="rId3">
-            <a:extLst>
-              <a:ext uri="{28A0092B-C50C-407E-A947-70E740481C1C}">
-                <a14:useLocalDpi xmlns:a14="http://schemas.microsoft.com/office/drawing/2010/main" val="0"/>
-              </a:ext>
-            </a:extLst>
-          </a:blip>
-          <a:stretch>
-            <a:fillRect/>
-          </a:stretch>
-        </p:blipFill>
-        <p:spPr bwMode="auto">
-          <a:xfrm>
-            <a:off x="718250" y="1286934"/>
-            <a:ext cx="6741621" cy="4259480"/>
-          </a:xfrm>
-          <a:prstGeom prst="rect">
-            <a:avLst/>
-          </a:prstGeom>
-          <a:noFill/>
-          <a:extLst>
-            <a:ext uri="{909E8E84-426E-40DD-AFC4-6F175D3DCCD1}">
-              <a14:hiddenFill xmlns:a14="http://schemas.microsoft.com/office/drawing/2010/main">
-                <a:solidFill>
-                  <a:srgbClr val="FFFFFF"/>
-                </a:solidFill>
-              </a14:hiddenFill>
-            </a:ext>
-          </a:extLst>
-        </p:spPr>
-      </p:pic>
-      <p:sp>
-        <p:nvSpPr>
-          <p:cNvPr id="135" name="Rectangle 134">
-            <a:extLst>
-              <a:ext uri="{FF2B5EF4-FFF2-40B4-BE49-F238E27FC236}">
-                <a16:creationId xmlns:a16="http://schemas.microsoft.com/office/drawing/2014/main" id="{F5493CFF-E43B-4B10-ACE1-C8A1246629EA}"/>
-              </a:ext>
-              <a:ext uri="{C183D7F6-B498-43B3-948B-1728B52AA6E4}">
-                <adec:decorative xmlns:adec="http://schemas.microsoft.com/office/drawing/2017/decorative" val="1"/>
-              </a:ext>
-            </a:extLst>
-          </p:cNvPr>
-          <p:cNvSpPr>
-            <a:spLocks noGrp="1" noRot="1" noChangeAspect="1" noMove="1" noResize="1" noEditPoints="1" noAdjustHandles="1" noChangeArrowheads="1" noChangeShapeType="1" noTextEdit="1"/>
-          </p:cNvSpPr>
-          <p:nvPr>
-            <p:extLst>
-              <p:ext uri="{386F3935-93C4-4BCD-93E2-E3B085C9AB24}">
-                <p16:designElem xmlns:p16="http://schemas.microsoft.com/office/powerpoint/2015/main" val="1"/>
-              </p:ext>
-            </p:extLst>
-          </p:nvPr>
-        </p:nvSpPr>
-        <p:spPr>
-          <a:xfrm>
-            <a:off x="8129873" y="0"/>
-            <a:ext cx="4062127" cy="6858000"/>
-          </a:xfrm>
-          <a:prstGeom prst="rect">
-            <a:avLst/>
-          </a:prstGeom>
-          <a:solidFill>
-            <a:schemeClr val="tx1">
-              <a:lumMod val="75000"/>
-              <a:lumOff val="25000"/>
-            </a:schemeClr>
-          </a:solidFill>
-          <a:ln>
-            <a:noFill/>
-          </a:ln>
-        </p:spPr>
-        <p:style>
-          <a:lnRef idx="2">
-            <a:schemeClr val="accent1">
-              <a:shade val="50000"/>
-            </a:schemeClr>
-          </a:lnRef>
-          <a:fillRef idx="1">
-            <a:schemeClr val="accent1"/>
-          </a:fillRef>
-          <a:effectRef idx="0">
-            <a:schemeClr val="accent1"/>
-          </a:effectRef>
-          <a:fontRef idx="minor">
-            <a:schemeClr val="lt1"/>
-          </a:fontRef>
-        </p:style>
-        <p:txBody>
-          <a:bodyPr rtlCol="0" anchor="ctr"/>
-          <a:lstStyle/>
-          <a:p>
-            <a:pPr marL="0" marR="0" lvl="0" indent="0" algn="ctr" defTabSz="914400" rtl="0" eaLnBrk="1" fontAlgn="auto" latinLnBrk="0" hangingPunct="1">
-              <a:lnSpc>
-                <a:spcPct val="100000"/>
-              </a:lnSpc>
-              <a:spcBef>
-                <a:spcPts val="0"/>
-              </a:spcBef>
-              <a:spcAft>
-                <a:spcPts val="0"/>
-              </a:spcAft>
-              <a:buClrTx/>
-              <a:buSzTx/>
-              <a:buFontTx/>
-              <a:buNone/>
-              <a:tabLst/>
-              <a:defRPr/>
-            </a:pPr>
-            <a:endParaRPr kumimoji="0" lang="en-US" sz="1800" b="0" i="0" u="none" strike="noStrike" kern="1200" cap="none" spc="0" normalizeH="0" baseline="0" noProof="0">
-              <a:ln>
-                <a:noFill/>
-              </a:ln>
-              <a:solidFill>
-                <a:prstClr val="white"/>
-              </a:solidFill>
-              <a:effectLst/>
-              <a:uLnTx/>
-              <a:uFillTx/>
-              <a:latin typeface="Calibri" panose="020F0502020204030204"/>
-              <a:ea typeface="+mn-ea"/>
-              <a:cs typeface="+mn-cs"/>
-            </a:endParaRPr>
-          </a:p>
-        </p:txBody>
-      </p:sp>
-      <p:sp>
-        <p:nvSpPr>
-          <p:cNvPr id="4" name="Title 3">
-            <a:extLst>
-              <a:ext uri="{FF2B5EF4-FFF2-40B4-BE49-F238E27FC236}">
-                <a16:creationId xmlns:a16="http://schemas.microsoft.com/office/drawing/2014/main" id="{D632FC37-2AF5-4A4A-88D4-09954B059851}"/>
-              </a:ext>
-            </a:extLst>
-          </p:cNvPr>
-          <p:cNvSpPr>
-            <a:spLocks noGrp="1"/>
-          </p:cNvSpPr>
-          <p:nvPr>
-            <p:ph type="title"/>
-          </p:nvPr>
-        </p:nvSpPr>
-        <p:spPr>
-          <a:xfrm>
-            <a:off x="8502650" y="643467"/>
-            <a:ext cx="3117850" cy="2556385"/>
-          </a:xfrm>
-        </p:spPr>
-        <p:txBody>
-          <a:bodyPr vert="horz" lIns="91440" tIns="45720" rIns="91440" bIns="45720" rtlCol="0" anchor="b">
-            <a:normAutofit/>
-          </a:bodyPr>
-          <a:lstStyle/>
-          <a:p>
-            <a:r>
-              <a:rPr lang="en-US" sz="4800" kern="1200" dirty="0">
-                <a:solidFill>
-                  <a:schemeClr val="bg1"/>
-                </a:solidFill>
-                <a:latin typeface="+mj-lt"/>
-                <a:ea typeface="+mj-ea"/>
-                <a:cs typeface="+mj-cs"/>
-              </a:rPr>
-              <a:t>Food Recipient Analysis</a:t>
-            </a:r>
-          </a:p>
-        </p:txBody>
-      </p:sp>
-      <p:sp>
-        <p:nvSpPr>
-          <p:cNvPr id="6" name="Text Placeholder 5">
-            <a:extLst>
-              <a:ext uri="{FF2B5EF4-FFF2-40B4-BE49-F238E27FC236}">
-                <a16:creationId xmlns:a16="http://schemas.microsoft.com/office/drawing/2014/main" id="{D896C66D-C07B-A049-A660-33EEA49638D0}"/>
-              </a:ext>
-            </a:extLst>
-          </p:cNvPr>
-          <p:cNvSpPr>
-            <a:spLocks noGrp="1"/>
-          </p:cNvSpPr>
-          <p:nvPr>
-            <p:ph type="body" sz="half" idx="2"/>
-          </p:nvPr>
-        </p:nvSpPr>
-        <p:spPr>
-          <a:xfrm>
-            <a:off x="8502649" y="3358608"/>
-            <a:ext cx="3045883" cy="2831273"/>
-          </a:xfrm>
-        </p:spPr>
-        <p:txBody>
-          <a:bodyPr vert="horz" lIns="91440" tIns="45720" rIns="91440" bIns="45720" rtlCol="0">
-            <a:normAutofit/>
-          </a:bodyPr>
-          <a:lstStyle/>
-          <a:p>
-            <a:pPr marL="342900" indent="-228600">
-              <a:buFont typeface="Arial" panose="020B0604020202020204" pitchFamily="34" charset="0"/>
-              <a:buChar char="•"/>
-            </a:pPr>
-            <a:r>
-              <a:rPr lang="en-US" sz="1800" dirty="0">
-                <a:solidFill>
-                  <a:schemeClr val="bg1"/>
-                </a:solidFill>
-              </a:rPr>
-              <a:t>Majority of folks interviewed and no idea where the closest food pantry was or if there even was one</a:t>
-            </a:r>
-          </a:p>
-        </p:txBody>
-      </p:sp>
-    </p:spTree>
-    <p:extLst>
-      <p:ext uri="{BB962C8B-B14F-4D97-AF65-F5344CB8AC3E}">
-        <p14:creationId xmlns:p14="http://schemas.microsoft.com/office/powerpoint/2010/main" val="3708717592"/>
-      </p:ext>
-    </p:extLst>
-  </p:cSld>
-  <p:clrMapOvr>
-    <a:masterClrMapping/>
-  </p:clrMapOvr>
-</p:sld>
-</file>
-
-<file path=ppt/slides/slide7.xml><?xml version="1.0" encoding="utf-8"?>
 <p:sld xmlns:a="http://schemas.openxmlformats.org/drawingml/2006/main" xmlns:r="http://schemas.openxmlformats.org/officeDocument/2006/relationships" xmlns:p="http://schemas.openxmlformats.org/presentationml/2006/main">
   <p:cSld>
     <p:bg>
@@ -25171,7 +25522,7 @@
           <p:nvPr/>
         </p:nvPicPr>
         <p:blipFill>
-          <a:blip r:embed="rId2">
+          <a:blip r:embed="rId3">
             <a:extLst>
               <a:ext uri="{28A0092B-C50C-407E-A947-70E740481C1C}">
                 <a14:useLocalDpi xmlns:a14="http://schemas.microsoft.com/office/drawing/2010/main" val="0"/>
@@ -25217,7 +25568,7 @@
           <p:nvPr/>
         </p:nvPicPr>
         <p:blipFill rotWithShape="1">
-          <a:blip r:embed="rId3">
+          <a:blip r:embed="rId4">
             <a:extLst>
               <a:ext uri="{28A0092B-C50C-407E-A947-70E740481C1C}">
                 <a14:useLocalDpi xmlns:a14="http://schemas.microsoft.com/office/drawing/2010/main" val="0"/>
@@ -25259,7 +25610,7 @@
 </p:sld>
 </file>
 
-<file path=ppt/slides/slide8.xml><?xml version="1.0" encoding="utf-8"?>
+<file path=ppt/slides/slide7.xml><?xml version="1.0" encoding="utf-8"?>
 <p:sld xmlns:a="http://schemas.openxmlformats.org/drawingml/2006/main" xmlns:r="http://schemas.openxmlformats.org/officeDocument/2006/relationships" xmlns:p="http://schemas.openxmlformats.org/presentationml/2006/main">
   <p:cSld>
     <p:bg>
@@ -25639,18 +25990,7 @@
                   <a:schemeClr val="bg1"/>
                 </a:solidFill>
               </a:rPr>
-              <a:t>Amount of people who received food stamps who experienced food insecurity</a:t>
-            </a:r>
-          </a:p>
-          <a:p>
-            <a:pPr lvl="1"/>
-            <a:r>
-              <a:rPr lang="en-US" sz="1800" dirty="0">
-                <a:solidFill>
-                  <a:schemeClr val="bg1"/>
-                </a:solidFill>
-              </a:rPr>
-              <a:t>Some outliers here</a:t>
+              <a:t>Food pantry location unknown</a:t>
             </a:r>
           </a:p>
           <a:p>
@@ -25691,6 +26031,268 @@
   </p:cSld>
   <p:clrMapOvr>
     <a:overrideClrMapping bg1="dk1" tx1="lt1" bg2="dk2" tx2="lt2" accent1="accent1" accent2="accent2" accent3="accent3" accent4="accent4" accent5="accent5" accent6="accent6" hlink="hlink" folHlink="folHlink"/>
+  </p:clrMapOvr>
+</p:sld>
+</file>
+
+<file path=ppt/slides/slide8.xml><?xml version="1.0" encoding="utf-8"?>
+<p:sld xmlns:a="http://schemas.openxmlformats.org/drawingml/2006/main" xmlns:r="http://schemas.openxmlformats.org/officeDocument/2006/relationships" xmlns:p="http://schemas.openxmlformats.org/presentationml/2006/main">
+  <p:cSld>
+    <p:bg>
+      <p:bgPr>
+        <a:solidFill>
+          <a:schemeClr val="bg2"/>
+        </a:solidFill>
+        <a:effectLst/>
+      </p:bgPr>
+    </p:bg>
+    <p:spTree>
+      <p:nvGrpSpPr>
+        <p:cNvPr id="1" name=""/>
+        <p:cNvGrpSpPr/>
+        <p:nvPr/>
+      </p:nvGrpSpPr>
+      <p:grpSpPr>
+        <a:xfrm>
+          <a:off x="0" y="0"/>
+          <a:ext cx="0" cy="0"/>
+          <a:chOff x="0" y="0"/>
+          <a:chExt cx="0" cy="0"/>
+        </a:xfrm>
+      </p:grpSpPr>
+      <p:sp>
+        <p:nvSpPr>
+          <p:cNvPr id="72" name="Rectangle 71">
+            <a:extLst>
+              <a:ext uri="{FF2B5EF4-FFF2-40B4-BE49-F238E27FC236}">
+                <a16:creationId xmlns:a16="http://schemas.microsoft.com/office/drawing/2014/main" id="{16C5FA50-8D52-4617-AF91-5C7B1C8352F1}"/>
+              </a:ext>
+              <a:ext uri="{C183D7F6-B498-43B3-948B-1728B52AA6E4}">
+                <adec:decorative xmlns:adec="http://schemas.microsoft.com/office/drawing/2017/decorative" val="1"/>
+              </a:ext>
+            </a:extLst>
+          </p:cNvPr>
+          <p:cNvSpPr>
+            <a:spLocks noGrp="1" noRot="1" noChangeAspect="1" noMove="1" noResize="1" noEditPoints="1" noAdjustHandles="1" noChangeArrowheads="1" noChangeShapeType="1" noTextEdit="1"/>
+          </p:cNvSpPr>
+          <p:nvPr>
+            <p:extLst>
+              <p:ext uri="{386F3935-93C4-4BCD-93E2-E3B085C9AB24}">
+                <p16:designElem xmlns:p16="http://schemas.microsoft.com/office/powerpoint/2015/main" val="1"/>
+              </p:ext>
+            </p:extLst>
+          </p:nvPr>
+        </p:nvSpPr>
+        <p:spPr>
+          <a:xfrm>
+            <a:off x="0" y="0"/>
+            <a:ext cx="12192000" cy="6858000"/>
+          </a:xfrm>
+          <a:prstGeom prst="rect">
+            <a:avLst/>
+          </a:prstGeom>
+          <a:solidFill>
+            <a:srgbClr val="767171"/>
+          </a:solidFill>
+          <a:ln>
+            <a:noFill/>
+          </a:ln>
+        </p:spPr>
+        <p:style>
+          <a:lnRef idx="2">
+            <a:schemeClr val="accent1">
+              <a:shade val="50000"/>
+            </a:schemeClr>
+          </a:lnRef>
+          <a:fillRef idx="1">
+            <a:schemeClr val="accent1"/>
+          </a:fillRef>
+          <a:effectRef idx="0">
+            <a:schemeClr val="accent1"/>
+          </a:effectRef>
+          <a:fontRef idx="minor">
+            <a:schemeClr val="lt1"/>
+          </a:fontRef>
+        </p:style>
+        <p:txBody>
+          <a:bodyPr rtlCol="0" anchor="ctr"/>
+          <a:lstStyle/>
+          <a:p>
+            <a:pPr algn="ctr"/>
+            <a:endParaRPr lang="en-US"/>
+          </a:p>
+        </p:txBody>
+      </p:sp>
+      <p:sp>
+        <p:nvSpPr>
+          <p:cNvPr id="4" name="Title 3">
+            <a:extLst>
+              <a:ext uri="{FF2B5EF4-FFF2-40B4-BE49-F238E27FC236}">
+                <a16:creationId xmlns:a16="http://schemas.microsoft.com/office/drawing/2014/main" id="{D632FC37-2AF5-4A4A-88D4-09954B059851}"/>
+              </a:ext>
+            </a:extLst>
+          </p:cNvPr>
+          <p:cNvSpPr>
+            <a:spLocks noGrp="1"/>
+          </p:cNvSpPr>
+          <p:nvPr>
+            <p:ph type="title"/>
+          </p:nvPr>
+        </p:nvSpPr>
+        <p:spPr>
+          <a:xfrm>
+            <a:off x="9093496" y="618681"/>
+            <a:ext cx="2613872" cy="4794567"/>
+          </a:xfrm>
+        </p:spPr>
+        <p:txBody>
+          <a:bodyPr vert="horz" lIns="91440" tIns="45720" rIns="91440" bIns="45720" rtlCol="0" anchor="ctr">
+            <a:normAutofit/>
+          </a:bodyPr>
+          <a:lstStyle/>
+          <a:p>
+            <a:r>
+              <a:rPr lang="en-US" sz="3600" dirty="0">
+                <a:solidFill>
+                  <a:srgbClr val="FFFFFF"/>
+                </a:solidFill>
+              </a:rPr>
+              <a:t>Food Recipient Analysis</a:t>
+            </a:r>
+          </a:p>
+        </p:txBody>
+      </p:sp>
+      <p:sp>
+        <p:nvSpPr>
+          <p:cNvPr id="74" name="Rounded Rectangle 9">
+            <a:extLst>
+              <a:ext uri="{FF2B5EF4-FFF2-40B4-BE49-F238E27FC236}">
+                <a16:creationId xmlns:a16="http://schemas.microsoft.com/office/drawing/2014/main" id="{E223798C-12AD-4B0C-A50C-D676347D67CF}"/>
+              </a:ext>
+              <a:ext uri="{C183D7F6-B498-43B3-948B-1728B52AA6E4}">
+                <adec:decorative xmlns:adec="http://schemas.microsoft.com/office/drawing/2017/decorative" val="1"/>
+              </a:ext>
+            </a:extLst>
+          </p:cNvPr>
+          <p:cNvSpPr>
+            <a:spLocks noGrp="1" noRot="1" noChangeAspect="1" noMove="1" noResize="1" noEditPoints="1" noAdjustHandles="1" noChangeArrowheads="1" noChangeShapeType="1" noTextEdit="1"/>
+          </p:cNvSpPr>
+          <p:nvPr>
+            <p:extLst>
+              <p:ext uri="{386F3935-93C4-4BCD-93E2-E3B085C9AB24}">
+                <p16:designElem xmlns:p16="http://schemas.microsoft.com/office/powerpoint/2015/main" val="1"/>
+              </p:ext>
+            </p:extLst>
+          </p:nvPr>
+        </p:nvSpPr>
+        <p:spPr>
+          <a:xfrm>
+            <a:off x="493354" y="484632"/>
+            <a:ext cx="8129016" cy="5724144"/>
+          </a:xfrm>
+          <a:prstGeom prst="roundRect">
+            <a:avLst>
+              <a:gd name="adj" fmla="val 0"/>
+            </a:avLst>
+          </a:prstGeom>
+          <a:solidFill>
+            <a:srgbClr val="FFFFFF"/>
+          </a:solidFill>
+          <a:ln w="9525">
+            <a:solidFill>
+              <a:srgbClr val="C8CACA"/>
+            </a:solidFill>
+          </a:ln>
+          <a:effectLst>
+            <a:outerShdw blurRad="57150" dist="19050" dir="5400000" algn="t" rotWithShape="0">
+              <a:prstClr val="black">
+                <a:alpha val="63000"/>
+              </a:prstClr>
+            </a:outerShdw>
+          </a:effectLst>
+        </p:spPr>
+        <p:style>
+          <a:lnRef idx="2">
+            <a:schemeClr val="accent1">
+              <a:shade val="50000"/>
+            </a:schemeClr>
+          </a:lnRef>
+          <a:fillRef idx="1">
+            <a:schemeClr val="accent1"/>
+          </a:fillRef>
+          <a:effectRef idx="0">
+            <a:schemeClr val="accent1"/>
+          </a:effectRef>
+          <a:fontRef idx="minor">
+            <a:schemeClr val="lt1"/>
+          </a:fontRef>
+        </p:style>
+        <p:txBody>
+          <a:bodyPr rtlCol="0" anchor="ctr"/>
+          <a:lstStyle/>
+          <a:p>
+            <a:pPr algn="ctr"/>
+            <a:endParaRPr lang="en-US"/>
+          </a:p>
+        </p:txBody>
+      </p:sp>
+      <p:pic>
+        <p:nvPicPr>
+          <p:cNvPr id="1026" name="Picture 2" descr="Chart, box and whisker chart&#10;&#10;Description automatically generated">
+            <a:extLst>
+              <a:ext uri="{FF2B5EF4-FFF2-40B4-BE49-F238E27FC236}">
+                <a16:creationId xmlns:a16="http://schemas.microsoft.com/office/drawing/2014/main" id="{7C7FAB99-CCE8-424A-83C4-976354863844}"/>
+              </a:ext>
+            </a:extLst>
+          </p:cNvPr>
+          <p:cNvPicPr>
+            <a:picLocks noGrp="1" noChangeAspect="1" noChangeArrowheads="1"/>
+          </p:cNvPicPr>
+          <p:nvPr>
+            <p:ph idx="1"/>
+          </p:nvPr>
+        </p:nvPicPr>
+        <p:blipFill rotWithShape="1">
+          <a:blip r:embed="rId3">
+            <a:extLst>
+              <a:ext uri="{28A0092B-C50C-407E-A947-70E740481C1C}">
+                <a14:useLocalDpi xmlns:a14="http://schemas.microsoft.com/office/drawing/2010/main" val="0"/>
+              </a:ext>
+            </a:extLst>
+          </a:blip>
+          <a:srcRect r="5874" b="-1"/>
+          <a:stretch/>
+        </p:blipFill>
+        <p:spPr bwMode="auto">
+          <a:xfrm>
+            <a:off x="976251" y="942538"/>
+            <a:ext cx="7163222" cy="4808332"/>
+          </a:xfrm>
+          <a:prstGeom prst="rect">
+            <a:avLst/>
+          </a:prstGeom>
+          <a:noFill/>
+          <a:effectLst/>
+          <a:extLst>
+            <a:ext uri="{909E8E84-426E-40DD-AFC4-6F175D3DCCD1}">
+              <a14:hiddenFill xmlns:a14="http://schemas.microsoft.com/office/drawing/2010/main">
+                <a:solidFill>
+                  <a:srgbClr val="FFFFFF"/>
+                </a:solidFill>
+              </a14:hiddenFill>
+            </a:ext>
+          </a:extLst>
+        </p:spPr>
+      </p:pic>
+    </p:spTree>
+    <p:extLst>
+      <p:ext uri="{BB962C8B-B14F-4D97-AF65-F5344CB8AC3E}">
+        <p14:creationId xmlns:p14="http://schemas.microsoft.com/office/powerpoint/2010/main" val="3708717592"/>
+      </p:ext>
+    </p:extLst>
+  </p:cSld>
+  <p:clrMapOvr>
+    <a:masterClrMapping/>
   </p:clrMapOvr>
 </p:sld>
 </file>
@@ -26104,7 +26706,7 @@
             <p:ph idx="1"/>
             <p:extLst>
               <p:ext uri="{D42A27DB-BD31-4B8C-83A1-F6EECF244321}">
-                <p14:modId xmlns:p14="http://schemas.microsoft.com/office/powerpoint/2010/main" val="1427834494"/>
+                <p14:modId xmlns:p14="http://schemas.microsoft.com/office/powerpoint/2010/main" val="390298966"/>
               </p:ext>
             </p:extLst>
           </p:nvPr>
@@ -26115,7 +26717,7 @@
         </p:xfrm>
         <a:graphic>
           <a:graphicData uri="http://schemas.openxmlformats.org/drawingml/2006/diagram">
-            <dgm:relIds xmlns:dgm="http://schemas.openxmlformats.org/drawingml/2006/diagram" xmlns:r="http://schemas.openxmlformats.org/officeDocument/2006/relationships" r:dm="rId2" r:lo="rId3" r:qs="rId4" r:cs="rId5"/>
+            <dgm:relIds xmlns:dgm="http://schemas.openxmlformats.org/drawingml/2006/diagram" xmlns:r="http://schemas.openxmlformats.org/officeDocument/2006/relationships" r:dm="rId3" r:lo="rId4" r:qs="rId5" r:cs="rId6"/>
           </a:graphicData>
         </a:graphic>
       </p:graphicFrame>

--- a/food-security-slides.pptx
+++ b/food-security-slides.pptx
@@ -4059,7 +4059,7 @@
         <a:lstStyle/>
         <a:p>
           <a:r>
-            <a:rPr lang="en-US"/>
+            <a:rPr lang="en-US" dirty="0"/>
             <a:t>Inspiration for project:</a:t>
           </a:r>
         </a:p>
@@ -4095,7 +4095,7 @@
         <a:lstStyle/>
         <a:p>
           <a:r>
-            <a:rPr lang="en-US"/>
+            <a:rPr lang="en-US" dirty="0"/>
             <a:t>The Bok Choy local project</a:t>
           </a:r>
         </a:p>
@@ -5379,6 +5379,13 @@
     <dgm:pt modelId="{A12BB41D-827C-C342-B2DF-687FD8B9DC1E}" type="sibTrans" cxnId="{E0718F23-0EA7-A043-B29C-A7CBD6DF02F5}">
       <dgm:prSet/>
       <dgm:spPr/>
+      <dgm:t>
+        <a:bodyPr/>
+        <a:lstStyle/>
+        <a:p>
+          <a:endParaRPr lang="en-US"/>
+        </a:p>
+      </dgm:t>
     </dgm:pt>
     <dgm:pt modelId="{8F99F006-4468-DB41-9DC1-D7D166F1C158}" type="pres">
       <dgm:prSet presAssocID="{58323DD6-41F1-3549-B9B4-FD44A28C48AD}" presName="Name0" presStyleCnt="0">
@@ -6072,7 +6079,7 @@
             <a:buNone/>
           </a:pPr>
           <a:r>
-            <a:rPr lang="en-US" sz="1800" kern="1200"/>
+            <a:rPr lang="en-US" sz="1800" kern="1200" dirty="0"/>
             <a:t>Inspiration for project:</a:t>
           </a:r>
         </a:p>
@@ -6152,7 +6159,7 @@
             <a:buChar char="•"/>
           </a:pPr>
           <a:r>
-            <a:rPr lang="en-US" sz="1800" kern="1200"/>
+            <a:rPr lang="en-US" sz="1800" kern="1200" dirty="0"/>
             <a:t>The Bok Choy local project</a:t>
           </a:r>
         </a:p>
@@ -22782,6 +22789,358 @@
   <p:clrMapOvr>
     <a:masterClrMapping/>
   </p:clrMapOvr>
+  <p:timing>
+    <p:tnLst>
+      <p:par>
+        <p:cTn id="1" dur="indefinite" restart="never" nodeType="tmRoot">
+          <p:childTnLst>
+            <p:seq concurrent="1" nextAc="seek">
+              <p:cTn id="2" dur="indefinite" nodeType="mainSeq">
+                <p:childTnLst>
+                  <p:par>
+                    <p:cTn id="3" fill="hold">
+                      <p:stCondLst>
+                        <p:cond delay="indefinite"/>
+                      </p:stCondLst>
+                      <p:childTnLst>
+                        <p:par>
+                          <p:cTn id="4" fill="hold">
+                            <p:stCondLst>
+                              <p:cond delay="0"/>
+                            </p:stCondLst>
+                            <p:childTnLst>
+                              <p:par>
+                                <p:cTn id="5" presetID="1" presetClass="entr" presetSubtype="0" fill="hold" grpId="0" nodeType="clickEffect">
+                                  <p:stCondLst>
+                                    <p:cond delay="0"/>
+                                  </p:stCondLst>
+                                  <p:childTnLst>
+                                    <p:set>
+                                      <p:cBhvr>
+                                        <p:cTn id="6" dur="1" fill="hold">
+                                          <p:stCondLst>
+                                            <p:cond delay="0"/>
+                                          </p:stCondLst>
+                                        </p:cTn>
+                                        <p:tgtEl>
+                                          <p:spTgt spid="4">
+                                            <p:graphicEl>
+                                              <a:dgm id="{573D9C67-5F54-C242-B0E1-56E7BE7C3537}"/>
+                                            </p:graphicEl>
+                                          </p:spTgt>
+                                        </p:tgtEl>
+                                        <p:attrNameLst>
+                                          <p:attrName>style.visibility</p:attrName>
+                                        </p:attrNameLst>
+                                      </p:cBhvr>
+                                      <p:to>
+                                        <p:strVal val="visible"/>
+                                      </p:to>
+                                    </p:set>
+                                  </p:childTnLst>
+                                </p:cTn>
+                              </p:par>
+                              <p:par>
+                                <p:cTn id="7" presetID="1" presetClass="entr" presetSubtype="0" fill="hold" grpId="0" nodeType="withEffect">
+                                  <p:stCondLst>
+                                    <p:cond delay="0"/>
+                                  </p:stCondLst>
+                                  <p:childTnLst>
+                                    <p:set>
+                                      <p:cBhvr>
+                                        <p:cTn id="8" dur="1" fill="hold">
+                                          <p:stCondLst>
+                                            <p:cond delay="0"/>
+                                          </p:stCondLst>
+                                        </p:cTn>
+                                        <p:tgtEl>
+                                          <p:spTgt spid="4">
+                                            <p:graphicEl>
+                                              <a:dgm id="{02749089-1A76-AC48-AA43-4F6A6F70BB80}"/>
+                                            </p:graphicEl>
+                                          </p:spTgt>
+                                        </p:tgtEl>
+                                        <p:attrNameLst>
+                                          <p:attrName>style.visibility</p:attrName>
+                                        </p:attrNameLst>
+                                      </p:cBhvr>
+                                      <p:to>
+                                        <p:strVal val="visible"/>
+                                      </p:to>
+                                    </p:set>
+                                  </p:childTnLst>
+                                </p:cTn>
+                              </p:par>
+                              <p:par>
+                                <p:cTn id="9" presetID="1" presetClass="entr" presetSubtype="0" fill="hold" grpId="0" nodeType="withEffect">
+                                  <p:stCondLst>
+                                    <p:cond delay="0"/>
+                                  </p:stCondLst>
+                                  <p:childTnLst>
+                                    <p:set>
+                                      <p:cBhvr>
+                                        <p:cTn id="10" dur="1" fill="hold">
+                                          <p:stCondLst>
+                                            <p:cond delay="0"/>
+                                          </p:stCondLst>
+                                        </p:cTn>
+                                        <p:tgtEl>
+                                          <p:spTgt spid="4">
+                                            <p:graphicEl>
+                                              <a:dgm id="{6AD60B0C-4594-D64A-B1A6-7DF556AA6864}"/>
+                                            </p:graphicEl>
+                                          </p:spTgt>
+                                        </p:tgtEl>
+                                        <p:attrNameLst>
+                                          <p:attrName>style.visibility</p:attrName>
+                                        </p:attrNameLst>
+                                      </p:cBhvr>
+                                      <p:to>
+                                        <p:strVal val="visible"/>
+                                      </p:to>
+                                    </p:set>
+                                  </p:childTnLst>
+                                </p:cTn>
+                              </p:par>
+                            </p:childTnLst>
+                          </p:cTn>
+                        </p:par>
+                      </p:childTnLst>
+                    </p:cTn>
+                  </p:par>
+                  <p:par>
+                    <p:cTn id="11" fill="hold">
+                      <p:stCondLst>
+                        <p:cond delay="indefinite"/>
+                      </p:stCondLst>
+                      <p:childTnLst>
+                        <p:par>
+                          <p:cTn id="12" fill="hold">
+                            <p:stCondLst>
+                              <p:cond delay="0"/>
+                            </p:stCondLst>
+                            <p:childTnLst>
+                              <p:par>
+                                <p:cTn id="13" presetID="1" presetClass="entr" presetSubtype="0" fill="hold" grpId="0" nodeType="clickEffect">
+                                  <p:stCondLst>
+                                    <p:cond delay="0"/>
+                                  </p:stCondLst>
+                                  <p:childTnLst>
+                                    <p:set>
+                                      <p:cBhvr>
+                                        <p:cTn id="14" dur="1" fill="hold">
+                                          <p:stCondLst>
+                                            <p:cond delay="0"/>
+                                          </p:stCondLst>
+                                        </p:cTn>
+                                        <p:tgtEl>
+                                          <p:spTgt spid="4">
+                                            <p:graphicEl>
+                                              <a:dgm id="{9289B602-CB90-AA4F-9F5D-CC792367BD2F}"/>
+                                            </p:graphicEl>
+                                          </p:spTgt>
+                                        </p:tgtEl>
+                                        <p:attrNameLst>
+                                          <p:attrName>style.visibility</p:attrName>
+                                        </p:attrNameLst>
+                                      </p:cBhvr>
+                                      <p:to>
+                                        <p:strVal val="visible"/>
+                                      </p:to>
+                                    </p:set>
+                                  </p:childTnLst>
+                                </p:cTn>
+                              </p:par>
+                              <p:par>
+                                <p:cTn id="15" presetID="1" presetClass="entr" presetSubtype="0" fill="hold" grpId="0" nodeType="withEffect">
+                                  <p:stCondLst>
+                                    <p:cond delay="0"/>
+                                  </p:stCondLst>
+                                  <p:childTnLst>
+                                    <p:set>
+                                      <p:cBhvr>
+                                        <p:cTn id="16" dur="1" fill="hold">
+                                          <p:stCondLst>
+                                            <p:cond delay="0"/>
+                                          </p:stCondLst>
+                                        </p:cTn>
+                                        <p:tgtEl>
+                                          <p:spTgt spid="4">
+                                            <p:graphicEl>
+                                              <a:dgm id="{BE81C3B1-A431-4049-9783-F8F4B92069E4}"/>
+                                            </p:graphicEl>
+                                          </p:spTgt>
+                                        </p:tgtEl>
+                                        <p:attrNameLst>
+                                          <p:attrName>style.visibility</p:attrName>
+                                        </p:attrNameLst>
+                                      </p:cBhvr>
+                                      <p:to>
+                                        <p:strVal val="visible"/>
+                                      </p:to>
+                                    </p:set>
+                                  </p:childTnLst>
+                                </p:cTn>
+                              </p:par>
+                              <p:par>
+                                <p:cTn id="17" presetID="1" presetClass="entr" presetSubtype="0" fill="hold" grpId="0" nodeType="withEffect">
+                                  <p:stCondLst>
+                                    <p:cond delay="0"/>
+                                  </p:stCondLst>
+                                  <p:childTnLst>
+                                    <p:set>
+                                      <p:cBhvr>
+                                        <p:cTn id="18" dur="1" fill="hold">
+                                          <p:stCondLst>
+                                            <p:cond delay="0"/>
+                                          </p:stCondLst>
+                                        </p:cTn>
+                                        <p:tgtEl>
+                                          <p:spTgt spid="4">
+                                            <p:graphicEl>
+                                              <a:dgm id="{DB5456E4-1516-C749-B533-3308E0F87E95}"/>
+                                            </p:graphicEl>
+                                          </p:spTgt>
+                                        </p:tgtEl>
+                                        <p:attrNameLst>
+                                          <p:attrName>style.visibility</p:attrName>
+                                        </p:attrNameLst>
+                                      </p:cBhvr>
+                                      <p:to>
+                                        <p:strVal val="visible"/>
+                                      </p:to>
+                                    </p:set>
+                                  </p:childTnLst>
+                                </p:cTn>
+                              </p:par>
+                              <p:par>
+                                <p:cTn id="19" presetID="1" presetClass="entr" presetSubtype="0" fill="hold" grpId="0" nodeType="withEffect">
+                                  <p:stCondLst>
+                                    <p:cond delay="0"/>
+                                  </p:stCondLst>
+                                  <p:childTnLst>
+                                    <p:set>
+                                      <p:cBhvr>
+                                        <p:cTn id="20" dur="1" fill="hold">
+                                          <p:stCondLst>
+                                            <p:cond delay="0"/>
+                                          </p:stCondLst>
+                                        </p:cTn>
+                                        <p:tgtEl>
+                                          <p:spTgt spid="4">
+                                            <p:graphicEl>
+                                              <a:dgm id="{60028F46-8DCD-5C43-9984-CED3C1A119CE}"/>
+                                            </p:graphicEl>
+                                          </p:spTgt>
+                                        </p:tgtEl>
+                                        <p:attrNameLst>
+                                          <p:attrName>style.visibility</p:attrName>
+                                        </p:attrNameLst>
+                                      </p:cBhvr>
+                                      <p:to>
+                                        <p:strVal val="visible"/>
+                                      </p:to>
+                                    </p:set>
+                                  </p:childTnLst>
+                                </p:cTn>
+                              </p:par>
+                              <p:par>
+                                <p:cTn id="21" presetID="1" presetClass="entr" presetSubtype="0" fill="hold" grpId="0" nodeType="withEffect">
+                                  <p:stCondLst>
+                                    <p:cond delay="0"/>
+                                  </p:stCondLst>
+                                  <p:childTnLst>
+                                    <p:set>
+                                      <p:cBhvr>
+                                        <p:cTn id="22" dur="1" fill="hold">
+                                          <p:stCondLst>
+                                            <p:cond delay="0"/>
+                                          </p:stCondLst>
+                                        </p:cTn>
+                                        <p:tgtEl>
+                                          <p:spTgt spid="4">
+                                            <p:graphicEl>
+                                              <a:dgm id="{57EAED6E-4745-7F47-B980-345200957447}"/>
+                                            </p:graphicEl>
+                                          </p:spTgt>
+                                        </p:tgtEl>
+                                        <p:attrNameLst>
+                                          <p:attrName>style.visibility</p:attrName>
+                                        </p:attrNameLst>
+                                      </p:cBhvr>
+                                      <p:to>
+                                        <p:strVal val="visible"/>
+                                      </p:to>
+                                    </p:set>
+                                  </p:childTnLst>
+                                </p:cTn>
+                              </p:par>
+                              <p:par>
+                                <p:cTn id="23" presetID="1" presetClass="entr" presetSubtype="0" fill="hold" grpId="0" nodeType="withEffect">
+                                  <p:stCondLst>
+                                    <p:cond delay="0"/>
+                                  </p:stCondLst>
+                                  <p:childTnLst>
+                                    <p:set>
+                                      <p:cBhvr>
+                                        <p:cTn id="24" dur="1" fill="hold">
+                                          <p:stCondLst>
+                                            <p:cond delay="0"/>
+                                          </p:stCondLst>
+                                        </p:cTn>
+                                        <p:tgtEl>
+                                          <p:spTgt spid="4">
+                                            <p:graphicEl>
+                                              <a:dgm id="{DB3C811A-F6DE-B94A-9DE4-FF274551BC4F}"/>
+                                            </p:graphicEl>
+                                          </p:spTgt>
+                                        </p:tgtEl>
+                                        <p:attrNameLst>
+                                          <p:attrName>style.visibility</p:attrName>
+                                        </p:attrNameLst>
+                                      </p:cBhvr>
+                                      <p:to>
+                                        <p:strVal val="visible"/>
+                                      </p:to>
+                                    </p:set>
+                                  </p:childTnLst>
+                                </p:cTn>
+                              </p:par>
+                            </p:childTnLst>
+                          </p:cTn>
+                        </p:par>
+                      </p:childTnLst>
+                    </p:cTn>
+                  </p:par>
+                </p:childTnLst>
+              </p:cTn>
+              <p:prevCondLst>
+                <p:cond evt="onPrev" delay="0">
+                  <p:tgtEl>
+                    <p:sldTgt/>
+                  </p:tgtEl>
+                </p:cond>
+              </p:prevCondLst>
+              <p:nextCondLst>
+                <p:cond evt="onNext" delay="0">
+                  <p:tgtEl>
+                    <p:sldTgt/>
+                  </p:tgtEl>
+                </p:cond>
+              </p:nextCondLst>
+            </p:seq>
+          </p:childTnLst>
+        </p:cTn>
+      </p:par>
+    </p:tnLst>
+    <p:bldLst>
+      <p:bldGraphic spid="4" grpId="0">
+        <p:bldSub>
+          <a:bldDgm bld="lvlAtOnce"/>
+        </p:bldSub>
+      </p:bldGraphic>
+    </p:bldLst>
+  </p:timing>
 </p:sld>
 </file>
 
@@ -23727,6 +24086,1475 @@
   <p:clrMapOvr>
     <a:masterClrMapping/>
   </p:clrMapOvr>
+  <p:timing>
+    <p:tnLst>
+      <p:par>
+        <p:cTn id="1" dur="indefinite" restart="never" nodeType="tmRoot">
+          <p:childTnLst>
+            <p:seq concurrent="1" nextAc="seek">
+              <p:cTn id="2" dur="indefinite" nodeType="mainSeq">
+                <p:childTnLst>
+                  <p:par>
+                    <p:cTn id="3" fill="hold">
+                      <p:stCondLst>
+                        <p:cond delay="indefinite"/>
+                      </p:stCondLst>
+                      <p:childTnLst>
+                        <p:par>
+                          <p:cTn id="4" fill="hold">
+                            <p:stCondLst>
+                              <p:cond delay="0"/>
+                            </p:stCondLst>
+                            <p:childTnLst>
+                              <p:par>
+                                <p:cTn id="5" presetID="2" presetClass="entr" presetSubtype="2" fill="hold" grpId="0" nodeType="clickEffect">
+                                  <p:stCondLst>
+                                    <p:cond delay="0"/>
+                                  </p:stCondLst>
+                                  <p:childTnLst>
+                                    <p:set>
+                                      <p:cBhvr>
+                                        <p:cTn id="6" dur="1" fill="hold">
+                                          <p:stCondLst>
+                                            <p:cond delay="0"/>
+                                          </p:stCondLst>
+                                        </p:cTn>
+                                        <p:tgtEl>
+                                          <p:spTgt spid="5">
+                                            <p:graphicEl>
+                                              <a:dgm id="{CDC25D01-C1B7-0142-95CC-42EDC942C3DA}"/>
+                                            </p:graphicEl>
+                                          </p:spTgt>
+                                        </p:tgtEl>
+                                        <p:attrNameLst>
+                                          <p:attrName>style.visibility</p:attrName>
+                                        </p:attrNameLst>
+                                      </p:cBhvr>
+                                      <p:to>
+                                        <p:strVal val="visible"/>
+                                      </p:to>
+                                    </p:set>
+                                    <p:anim calcmode="lin" valueType="num">
+                                      <p:cBhvr additive="base">
+                                        <p:cTn id="7" dur="500" fill="hold"/>
+                                        <p:tgtEl>
+                                          <p:spTgt spid="5">
+                                            <p:graphicEl>
+                                              <a:dgm id="{CDC25D01-C1B7-0142-95CC-42EDC942C3DA}"/>
+                                            </p:graphicEl>
+                                          </p:spTgt>
+                                        </p:tgtEl>
+                                        <p:attrNameLst>
+                                          <p:attrName>ppt_x</p:attrName>
+                                        </p:attrNameLst>
+                                      </p:cBhvr>
+                                      <p:tavLst>
+                                        <p:tav tm="0">
+                                          <p:val>
+                                            <p:strVal val="1+#ppt_w/2"/>
+                                          </p:val>
+                                        </p:tav>
+                                        <p:tav tm="100000">
+                                          <p:val>
+                                            <p:strVal val="#ppt_x"/>
+                                          </p:val>
+                                        </p:tav>
+                                      </p:tavLst>
+                                    </p:anim>
+                                    <p:anim calcmode="lin" valueType="num">
+                                      <p:cBhvr additive="base">
+                                        <p:cTn id="8" dur="500" fill="hold"/>
+                                        <p:tgtEl>
+                                          <p:spTgt spid="5">
+                                            <p:graphicEl>
+                                              <a:dgm id="{CDC25D01-C1B7-0142-95CC-42EDC942C3DA}"/>
+                                            </p:graphicEl>
+                                          </p:spTgt>
+                                        </p:tgtEl>
+                                        <p:attrNameLst>
+                                          <p:attrName>ppt_y</p:attrName>
+                                        </p:attrNameLst>
+                                      </p:cBhvr>
+                                      <p:tavLst>
+                                        <p:tav tm="0">
+                                          <p:val>
+                                            <p:strVal val="#ppt_y"/>
+                                          </p:val>
+                                        </p:tav>
+                                        <p:tav tm="100000">
+                                          <p:val>
+                                            <p:strVal val="#ppt_y"/>
+                                          </p:val>
+                                        </p:tav>
+                                      </p:tavLst>
+                                    </p:anim>
+                                  </p:childTnLst>
+                                </p:cTn>
+                              </p:par>
+                              <p:par>
+                                <p:cTn id="9" presetID="2" presetClass="entr" presetSubtype="2" fill="hold" grpId="0" nodeType="withEffect">
+                                  <p:stCondLst>
+                                    <p:cond delay="0"/>
+                                  </p:stCondLst>
+                                  <p:childTnLst>
+                                    <p:set>
+                                      <p:cBhvr>
+                                        <p:cTn id="10" dur="1" fill="hold">
+                                          <p:stCondLst>
+                                            <p:cond delay="0"/>
+                                          </p:stCondLst>
+                                        </p:cTn>
+                                        <p:tgtEl>
+                                          <p:spTgt spid="5">
+                                            <p:graphicEl>
+                                              <a:dgm id="{89FFC871-6736-464E-B72B-BDCDBAD3D43B}"/>
+                                            </p:graphicEl>
+                                          </p:spTgt>
+                                        </p:tgtEl>
+                                        <p:attrNameLst>
+                                          <p:attrName>style.visibility</p:attrName>
+                                        </p:attrNameLst>
+                                      </p:cBhvr>
+                                      <p:to>
+                                        <p:strVal val="visible"/>
+                                      </p:to>
+                                    </p:set>
+                                    <p:anim calcmode="lin" valueType="num">
+                                      <p:cBhvr additive="base">
+                                        <p:cTn id="11" dur="500" fill="hold"/>
+                                        <p:tgtEl>
+                                          <p:spTgt spid="5">
+                                            <p:graphicEl>
+                                              <a:dgm id="{89FFC871-6736-464E-B72B-BDCDBAD3D43B}"/>
+                                            </p:graphicEl>
+                                          </p:spTgt>
+                                        </p:tgtEl>
+                                        <p:attrNameLst>
+                                          <p:attrName>ppt_x</p:attrName>
+                                        </p:attrNameLst>
+                                      </p:cBhvr>
+                                      <p:tavLst>
+                                        <p:tav tm="0">
+                                          <p:val>
+                                            <p:strVal val="1+#ppt_w/2"/>
+                                          </p:val>
+                                        </p:tav>
+                                        <p:tav tm="100000">
+                                          <p:val>
+                                            <p:strVal val="#ppt_x"/>
+                                          </p:val>
+                                        </p:tav>
+                                      </p:tavLst>
+                                    </p:anim>
+                                    <p:anim calcmode="lin" valueType="num">
+                                      <p:cBhvr additive="base">
+                                        <p:cTn id="12" dur="500" fill="hold"/>
+                                        <p:tgtEl>
+                                          <p:spTgt spid="5">
+                                            <p:graphicEl>
+                                              <a:dgm id="{89FFC871-6736-464E-B72B-BDCDBAD3D43B}"/>
+                                            </p:graphicEl>
+                                          </p:spTgt>
+                                        </p:tgtEl>
+                                        <p:attrNameLst>
+                                          <p:attrName>ppt_y</p:attrName>
+                                        </p:attrNameLst>
+                                      </p:cBhvr>
+                                      <p:tavLst>
+                                        <p:tav tm="0">
+                                          <p:val>
+                                            <p:strVal val="#ppt_y"/>
+                                          </p:val>
+                                        </p:tav>
+                                        <p:tav tm="100000">
+                                          <p:val>
+                                            <p:strVal val="#ppt_y"/>
+                                          </p:val>
+                                        </p:tav>
+                                      </p:tavLst>
+                                    </p:anim>
+                                  </p:childTnLst>
+                                </p:cTn>
+                              </p:par>
+                              <p:par>
+                                <p:cTn id="13" presetID="2" presetClass="entr" presetSubtype="2" fill="hold" grpId="0" nodeType="withEffect">
+                                  <p:stCondLst>
+                                    <p:cond delay="0"/>
+                                  </p:stCondLst>
+                                  <p:childTnLst>
+                                    <p:set>
+                                      <p:cBhvr>
+                                        <p:cTn id="14" dur="1" fill="hold">
+                                          <p:stCondLst>
+                                            <p:cond delay="0"/>
+                                          </p:stCondLst>
+                                        </p:cTn>
+                                        <p:tgtEl>
+                                          <p:spTgt spid="5">
+                                            <p:graphicEl>
+                                              <a:dgm id="{36B50754-5631-0747-8220-329A3DB52F1C}"/>
+                                            </p:graphicEl>
+                                          </p:spTgt>
+                                        </p:tgtEl>
+                                        <p:attrNameLst>
+                                          <p:attrName>style.visibility</p:attrName>
+                                        </p:attrNameLst>
+                                      </p:cBhvr>
+                                      <p:to>
+                                        <p:strVal val="visible"/>
+                                      </p:to>
+                                    </p:set>
+                                    <p:anim calcmode="lin" valueType="num">
+                                      <p:cBhvr additive="base">
+                                        <p:cTn id="15" dur="500" fill="hold"/>
+                                        <p:tgtEl>
+                                          <p:spTgt spid="5">
+                                            <p:graphicEl>
+                                              <a:dgm id="{36B50754-5631-0747-8220-329A3DB52F1C}"/>
+                                            </p:graphicEl>
+                                          </p:spTgt>
+                                        </p:tgtEl>
+                                        <p:attrNameLst>
+                                          <p:attrName>ppt_x</p:attrName>
+                                        </p:attrNameLst>
+                                      </p:cBhvr>
+                                      <p:tavLst>
+                                        <p:tav tm="0">
+                                          <p:val>
+                                            <p:strVal val="1+#ppt_w/2"/>
+                                          </p:val>
+                                        </p:tav>
+                                        <p:tav tm="100000">
+                                          <p:val>
+                                            <p:strVal val="#ppt_x"/>
+                                          </p:val>
+                                        </p:tav>
+                                      </p:tavLst>
+                                    </p:anim>
+                                    <p:anim calcmode="lin" valueType="num">
+                                      <p:cBhvr additive="base">
+                                        <p:cTn id="16" dur="500" fill="hold"/>
+                                        <p:tgtEl>
+                                          <p:spTgt spid="5">
+                                            <p:graphicEl>
+                                              <a:dgm id="{36B50754-5631-0747-8220-329A3DB52F1C}"/>
+                                            </p:graphicEl>
+                                          </p:spTgt>
+                                        </p:tgtEl>
+                                        <p:attrNameLst>
+                                          <p:attrName>ppt_y</p:attrName>
+                                        </p:attrNameLst>
+                                      </p:cBhvr>
+                                      <p:tavLst>
+                                        <p:tav tm="0">
+                                          <p:val>
+                                            <p:strVal val="#ppt_y"/>
+                                          </p:val>
+                                        </p:tav>
+                                        <p:tav tm="100000">
+                                          <p:val>
+                                            <p:strVal val="#ppt_y"/>
+                                          </p:val>
+                                        </p:tav>
+                                      </p:tavLst>
+                                    </p:anim>
+                                  </p:childTnLst>
+                                </p:cTn>
+                              </p:par>
+                            </p:childTnLst>
+                          </p:cTn>
+                        </p:par>
+                      </p:childTnLst>
+                    </p:cTn>
+                  </p:par>
+                  <p:par>
+                    <p:cTn id="17" fill="hold">
+                      <p:stCondLst>
+                        <p:cond delay="indefinite"/>
+                      </p:stCondLst>
+                      <p:childTnLst>
+                        <p:par>
+                          <p:cTn id="18" fill="hold">
+                            <p:stCondLst>
+                              <p:cond delay="0"/>
+                            </p:stCondLst>
+                            <p:childTnLst>
+                              <p:par>
+                                <p:cTn id="19" presetID="2" presetClass="entr" presetSubtype="2" fill="hold" grpId="0" nodeType="clickEffect">
+                                  <p:stCondLst>
+                                    <p:cond delay="0"/>
+                                  </p:stCondLst>
+                                  <p:childTnLst>
+                                    <p:set>
+                                      <p:cBhvr>
+                                        <p:cTn id="20" dur="1" fill="hold">
+                                          <p:stCondLst>
+                                            <p:cond delay="0"/>
+                                          </p:stCondLst>
+                                        </p:cTn>
+                                        <p:tgtEl>
+                                          <p:spTgt spid="5">
+                                            <p:graphicEl>
+                                              <a:dgm id="{02D5ACDE-601A-9348-BD82-D7B475F2269C}"/>
+                                            </p:graphicEl>
+                                          </p:spTgt>
+                                        </p:tgtEl>
+                                        <p:attrNameLst>
+                                          <p:attrName>style.visibility</p:attrName>
+                                        </p:attrNameLst>
+                                      </p:cBhvr>
+                                      <p:to>
+                                        <p:strVal val="visible"/>
+                                      </p:to>
+                                    </p:set>
+                                    <p:anim calcmode="lin" valueType="num">
+                                      <p:cBhvr additive="base">
+                                        <p:cTn id="21" dur="500" fill="hold"/>
+                                        <p:tgtEl>
+                                          <p:spTgt spid="5">
+                                            <p:graphicEl>
+                                              <a:dgm id="{02D5ACDE-601A-9348-BD82-D7B475F2269C}"/>
+                                            </p:graphicEl>
+                                          </p:spTgt>
+                                        </p:tgtEl>
+                                        <p:attrNameLst>
+                                          <p:attrName>ppt_x</p:attrName>
+                                        </p:attrNameLst>
+                                      </p:cBhvr>
+                                      <p:tavLst>
+                                        <p:tav tm="0">
+                                          <p:val>
+                                            <p:strVal val="1+#ppt_w/2"/>
+                                          </p:val>
+                                        </p:tav>
+                                        <p:tav tm="100000">
+                                          <p:val>
+                                            <p:strVal val="#ppt_x"/>
+                                          </p:val>
+                                        </p:tav>
+                                      </p:tavLst>
+                                    </p:anim>
+                                    <p:anim calcmode="lin" valueType="num">
+                                      <p:cBhvr additive="base">
+                                        <p:cTn id="22" dur="500" fill="hold"/>
+                                        <p:tgtEl>
+                                          <p:spTgt spid="5">
+                                            <p:graphicEl>
+                                              <a:dgm id="{02D5ACDE-601A-9348-BD82-D7B475F2269C}"/>
+                                            </p:graphicEl>
+                                          </p:spTgt>
+                                        </p:tgtEl>
+                                        <p:attrNameLst>
+                                          <p:attrName>ppt_y</p:attrName>
+                                        </p:attrNameLst>
+                                      </p:cBhvr>
+                                      <p:tavLst>
+                                        <p:tav tm="0">
+                                          <p:val>
+                                            <p:strVal val="#ppt_y"/>
+                                          </p:val>
+                                        </p:tav>
+                                        <p:tav tm="100000">
+                                          <p:val>
+                                            <p:strVal val="#ppt_y"/>
+                                          </p:val>
+                                        </p:tav>
+                                      </p:tavLst>
+                                    </p:anim>
+                                  </p:childTnLst>
+                                </p:cTn>
+                              </p:par>
+                              <p:par>
+                                <p:cTn id="23" presetID="2" presetClass="entr" presetSubtype="2" fill="hold" grpId="0" nodeType="withEffect">
+                                  <p:stCondLst>
+                                    <p:cond delay="0"/>
+                                  </p:stCondLst>
+                                  <p:childTnLst>
+                                    <p:set>
+                                      <p:cBhvr>
+                                        <p:cTn id="24" dur="1" fill="hold">
+                                          <p:stCondLst>
+                                            <p:cond delay="0"/>
+                                          </p:stCondLst>
+                                        </p:cTn>
+                                        <p:tgtEl>
+                                          <p:spTgt spid="5">
+                                            <p:graphicEl>
+                                              <a:dgm id="{7934BE3F-729A-F941-9C02-195B641EF0CD}"/>
+                                            </p:graphicEl>
+                                          </p:spTgt>
+                                        </p:tgtEl>
+                                        <p:attrNameLst>
+                                          <p:attrName>style.visibility</p:attrName>
+                                        </p:attrNameLst>
+                                      </p:cBhvr>
+                                      <p:to>
+                                        <p:strVal val="visible"/>
+                                      </p:to>
+                                    </p:set>
+                                    <p:anim calcmode="lin" valueType="num">
+                                      <p:cBhvr additive="base">
+                                        <p:cTn id="25" dur="500" fill="hold"/>
+                                        <p:tgtEl>
+                                          <p:spTgt spid="5">
+                                            <p:graphicEl>
+                                              <a:dgm id="{7934BE3F-729A-F941-9C02-195B641EF0CD}"/>
+                                            </p:graphicEl>
+                                          </p:spTgt>
+                                        </p:tgtEl>
+                                        <p:attrNameLst>
+                                          <p:attrName>ppt_x</p:attrName>
+                                        </p:attrNameLst>
+                                      </p:cBhvr>
+                                      <p:tavLst>
+                                        <p:tav tm="0">
+                                          <p:val>
+                                            <p:strVal val="1+#ppt_w/2"/>
+                                          </p:val>
+                                        </p:tav>
+                                        <p:tav tm="100000">
+                                          <p:val>
+                                            <p:strVal val="#ppt_x"/>
+                                          </p:val>
+                                        </p:tav>
+                                      </p:tavLst>
+                                    </p:anim>
+                                    <p:anim calcmode="lin" valueType="num">
+                                      <p:cBhvr additive="base">
+                                        <p:cTn id="26" dur="500" fill="hold"/>
+                                        <p:tgtEl>
+                                          <p:spTgt spid="5">
+                                            <p:graphicEl>
+                                              <a:dgm id="{7934BE3F-729A-F941-9C02-195B641EF0CD}"/>
+                                            </p:graphicEl>
+                                          </p:spTgt>
+                                        </p:tgtEl>
+                                        <p:attrNameLst>
+                                          <p:attrName>ppt_y</p:attrName>
+                                        </p:attrNameLst>
+                                      </p:cBhvr>
+                                      <p:tavLst>
+                                        <p:tav tm="0">
+                                          <p:val>
+                                            <p:strVal val="#ppt_y"/>
+                                          </p:val>
+                                        </p:tav>
+                                        <p:tav tm="100000">
+                                          <p:val>
+                                            <p:strVal val="#ppt_y"/>
+                                          </p:val>
+                                        </p:tav>
+                                      </p:tavLst>
+                                    </p:anim>
+                                  </p:childTnLst>
+                                </p:cTn>
+                              </p:par>
+                              <p:par>
+                                <p:cTn id="27" presetID="2" presetClass="entr" presetSubtype="2" fill="hold" grpId="0" nodeType="withEffect">
+                                  <p:stCondLst>
+                                    <p:cond delay="0"/>
+                                  </p:stCondLst>
+                                  <p:childTnLst>
+                                    <p:set>
+                                      <p:cBhvr>
+                                        <p:cTn id="28" dur="1" fill="hold">
+                                          <p:stCondLst>
+                                            <p:cond delay="0"/>
+                                          </p:stCondLst>
+                                        </p:cTn>
+                                        <p:tgtEl>
+                                          <p:spTgt spid="5">
+                                            <p:graphicEl>
+                                              <a:dgm id="{5E2632E8-B390-2C46-B158-180BD4768729}"/>
+                                            </p:graphicEl>
+                                          </p:spTgt>
+                                        </p:tgtEl>
+                                        <p:attrNameLst>
+                                          <p:attrName>style.visibility</p:attrName>
+                                        </p:attrNameLst>
+                                      </p:cBhvr>
+                                      <p:to>
+                                        <p:strVal val="visible"/>
+                                      </p:to>
+                                    </p:set>
+                                    <p:anim calcmode="lin" valueType="num">
+                                      <p:cBhvr additive="base">
+                                        <p:cTn id="29" dur="500" fill="hold"/>
+                                        <p:tgtEl>
+                                          <p:spTgt spid="5">
+                                            <p:graphicEl>
+                                              <a:dgm id="{5E2632E8-B390-2C46-B158-180BD4768729}"/>
+                                            </p:graphicEl>
+                                          </p:spTgt>
+                                        </p:tgtEl>
+                                        <p:attrNameLst>
+                                          <p:attrName>ppt_x</p:attrName>
+                                        </p:attrNameLst>
+                                      </p:cBhvr>
+                                      <p:tavLst>
+                                        <p:tav tm="0">
+                                          <p:val>
+                                            <p:strVal val="1+#ppt_w/2"/>
+                                          </p:val>
+                                        </p:tav>
+                                        <p:tav tm="100000">
+                                          <p:val>
+                                            <p:strVal val="#ppt_x"/>
+                                          </p:val>
+                                        </p:tav>
+                                      </p:tavLst>
+                                    </p:anim>
+                                    <p:anim calcmode="lin" valueType="num">
+                                      <p:cBhvr additive="base">
+                                        <p:cTn id="30" dur="500" fill="hold"/>
+                                        <p:tgtEl>
+                                          <p:spTgt spid="5">
+                                            <p:graphicEl>
+                                              <a:dgm id="{5E2632E8-B390-2C46-B158-180BD4768729}"/>
+                                            </p:graphicEl>
+                                          </p:spTgt>
+                                        </p:tgtEl>
+                                        <p:attrNameLst>
+                                          <p:attrName>ppt_y</p:attrName>
+                                        </p:attrNameLst>
+                                      </p:cBhvr>
+                                      <p:tavLst>
+                                        <p:tav tm="0">
+                                          <p:val>
+                                            <p:strVal val="#ppt_y"/>
+                                          </p:val>
+                                        </p:tav>
+                                        <p:tav tm="100000">
+                                          <p:val>
+                                            <p:strVal val="#ppt_y"/>
+                                          </p:val>
+                                        </p:tav>
+                                      </p:tavLst>
+                                    </p:anim>
+                                  </p:childTnLst>
+                                </p:cTn>
+                              </p:par>
+                              <p:par>
+                                <p:cTn id="31" presetID="2" presetClass="entr" presetSubtype="2" fill="hold" grpId="0" nodeType="withEffect">
+                                  <p:stCondLst>
+                                    <p:cond delay="0"/>
+                                  </p:stCondLst>
+                                  <p:childTnLst>
+                                    <p:set>
+                                      <p:cBhvr>
+                                        <p:cTn id="32" dur="1" fill="hold">
+                                          <p:stCondLst>
+                                            <p:cond delay="0"/>
+                                          </p:stCondLst>
+                                        </p:cTn>
+                                        <p:tgtEl>
+                                          <p:spTgt spid="5">
+                                            <p:graphicEl>
+                                              <a:dgm id="{481B5ED5-4A88-C843-9042-D8075217CC4B}"/>
+                                            </p:graphicEl>
+                                          </p:spTgt>
+                                        </p:tgtEl>
+                                        <p:attrNameLst>
+                                          <p:attrName>style.visibility</p:attrName>
+                                        </p:attrNameLst>
+                                      </p:cBhvr>
+                                      <p:to>
+                                        <p:strVal val="visible"/>
+                                      </p:to>
+                                    </p:set>
+                                    <p:anim calcmode="lin" valueType="num">
+                                      <p:cBhvr additive="base">
+                                        <p:cTn id="33" dur="500" fill="hold"/>
+                                        <p:tgtEl>
+                                          <p:spTgt spid="5">
+                                            <p:graphicEl>
+                                              <a:dgm id="{481B5ED5-4A88-C843-9042-D8075217CC4B}"/>
+                                            </p:graphicEl>
+                                          </p:spTgt>
+                                        </p:tgtEl>
+                                        <p:attrNameLst>
+                                          <p:attrName>ppt_x</p:attrName>
+                                        </p:attrNameLst>
+                                      </p:cBhvr>
+                                      <p:tavLst>
+                                        <p:tav tm="0">
+                                          <p:val>
+                                            <p:strVal val="1+#ppt_w/2"/>
+                                          </p:val>
+                                        </p:tav>
+                                        <p:tav tm="100000">
+                                          <p:val>
+                                            <p:strVal val="#ppt_x"/>
+                                          </p:val>
+                                        </p:tav>
+                                      </p:tavLst>
+                                    </p:anim>
+                                    <p:anim calcmode="lin" valueType="num">
+                                      <p:cBhvr additive="base">
+                                        <p:cTn id="34" dur="500" fill="hold"/>
+                                        <p:tgtEl>
+                                          <p:spTgt spid="5">
+                                            <p:graphicEl>
+                                              <a:dgm id="{481B5ED5-4A88-C843-9042-D8075217CC4B}"/>
+                                            </p:graphicEl>
+                                          </p:spTgt>
+                                        </p:tgtEl>
+                                        <p:attrNameLst>
+                                          <p:attrName>ppt_y</p:attrName>
+                                        </p:attrNameLst>
+                                      </p:cBhvr>
+                                      <p:tavLst>
+                                        <p:tav tm="0">
+                                          <p:val>
+                                            <p:strVal val="#ppt_y"/>
+                                          </p:val>
+                                        </p:tav>
+                                        <p:tav tm="100000">
+                                          <p:val>
+                                            <p:strVal val="#ppt_y"/>
+                                          </p:val>
+                                        </p:tav>
+                                      </p:tavLst>
+                                    </p:anim>
+                                  </p:childTnLst>
+                                </p:cTn>
+                              </p:par>
+                            </p:childTnLst>
+                          </p:cTn>
+                        </p:par>
+                      </p:childTnLst>
+                    </p:cTn>
+                  </p:par>
+                  <p:par>
+                    <p:cTn id="35" fill="hold">
+                      <p:stCondLst>
+                        <p:cond delay="indefinite"/>
+                      </p:stCondLst>
+                      <p:childTnLst>
+                        <p:par>
+                          <p:cTn id="36" fill="hold">
+                            <p:stCondLst>
+                              <p:cond delay="0"/>
+                            </p:stCondLst>
+                            <p:childTnLst>
+                              <p:par>
+                                <p:cTn id="37" presetID="2" presetClass="entr" presetSubtype="2" fill="hold" grpId="0" nodeType="clickEffect">
+                                  <p:stCondLst>
+                                    <p:cond delay="0"/>
+                                  </p:stCondLst>
+                                  <p:childTnLst>
+                                    <p:set>
+                                      <p:cBhvr>
+                                        <p:cTn id="38" dur="1" fill="hold">
+                                          <p:stCondLst>
+                                            <p:cond delay="0"/>
+                                          </p:stCondLst>
+                                        </p:cTn>
+                                        <p:tgtEl>
+                                          <p:spTgt spid="5">
+                                            <p:graphicEl>
+                                              <a:dgm id="{0ED9E15C-908D-B847-A5EF-0070F0CC0FF7}"/>
+                                            </p:graphicEl>
+                                          </p:spTgt>
+                                        </p:tgtEl>
+                                        <p:attrNameLst>
+                                          <p:attrName>style.visibility</p:attrName>
+                                        </p:attrNameLst>
+                                      </p:cBhvr>
+                                      <p:to>
+                                        <p:strVal val="visible"/>
+                                      </p:to>
+                                    </p:set>
+                                    <p:anim calcmode="lin" valueType="num">
+                                      <p:cBhvr additive="base">
+                                        <p:cTn id="39" dur="500" fill="hold"/>
+                                        <p:tgtEl>
+                                          <p:spTgt spid="5">
+                                            <p:graphicEl>
+                                              <a:dgm id="{0ED9E15C-908D-B847-A5EF-0070F0CC0FF7}"/>
+                                            </p:graphicEl>
+                                          </p:spTgt>
+                                        </p:tgtEl>
+                                        <p:attrNameLst>
+                                          <p:attrName>ppt_x</p:attrName>
+                                        </p:attrNameLst>
+                                      </p:cBhvr>
+                                      <p:tavLst>
+                                        <p:tav tm="0">
+                                          <p:val>
+                                            <p:strVal val="1+#ppt_w/2"/>
+                                          </p:val>
+                                        </p:tav>
+                                        <p:tav tm="100000">
+                                          <p:val>
+                                            <p:strVal val="#ppt_x"/>
+                                          </p:val>
+                                        </p:tav>
+                                      </p:tavLst>
+                                    </p:anim>
+                                    <p:anim calcmode="lin" valueType="num">
+                                      <p:cBhvr additive="base">
+                                        <p:cTn id="40" dur="500" fill="hold"/>
+                                        <p:tgtEl>
+                                          <p:spTgt spid="5">
+                                            <p:graphicEl>
+                                              <a:dgm id="{0ED9E15C-908D-B847-A5EF-0070F0CC0FF7}"/>
+                                            </p:graphicEl>
+                                          </p:spTgt>
+                                        </p:tgtEl>
+                                        <p:attrNameLst>
+                                          <p:attrName>ppt_y</p:attrName>
+                                        </p:attrNameLst>
+                                      </p:cBhvr>
+                                      <p:tavLst>
+                                        <p:tav tm="0">
+                                          <p:val>
+                                            <p:strVal val="#ppt_y"/>
+                                          </p:val>
+                                        </p:tav>
+                                        <p:tav tm="100000">
+                                          <p:val>
+                                            <p:strVal val="#ppt_y"/>
+                                          </p:val>
+                                        </p:tav>
+                                      </p:tavLst>
+                                    </p:anim>
+                                  </p:childTnLst>
+                                </p:cTn>
+                              </p:par>
+                              <p:par>
+                                <p:cTn id="41" presetID="2" presetClass="entr" presetSubtype="2" fill="hold" grpId="0" nodeType="withEffect">
+                                  <p:stCondLst>
+                                    <p:cond delay="0"/>
+                                  </p:stCondLst>
+                                  <p:childTnLst>
+                                    <p:set>
+                                      <p:cBhvr>
+                                        <p:cTn id="42" dur="1" fill="hold">
+                                          <p:stCondLst>
+                                            <p:cond delay="0"/>
+                                          </p:stCondLst>
+                                        </p:cTn>
+                                        <p:tgtEl>
+                                          <p:spTgt spid="5">
+                                            <p:graphicEl>
+                                              <a:dgm id="{74EED9FA-221E-3443-95A3-8F31E33459A6}"/>
+                                            </p:graphicEl>
+                                          </p:spTgt>
+                                        </p:tgtEl>
+                                        <p:attrNameLst>
+                                          <p:attrName>style.visibility</p:attrName>
+                                        </p:attrNameLst>
+                                      </p:cBhvr>
+                                      <p:to>
+                                        <p:strVal val="visible"/>
+                                      </p:to>
+                                    </p:set>
+                                    <p:anim calcmode="lin" valueType="num">
+                                      <p:cBhvr additive="base">
+                                        <p:cTn id="43" dur="500" fill="hold"/>
+                                        <p:tgtEl>
+                                          <p:spTgt spid="5">
+                                            <p:graphicEl>
+                                              <a:dgm id="{74EED9FA-221E-3443-95A3-8F31E33459A6}"/>
+                                            </p:graphicEl>
+                                          </p:spTgt>
+                                        </p:tgtEl>
+                                        <p:attrNameLst>
+                                          <p:attrName>ppt_x</p:attrName>
+                                        </p:attrNameLst>
+                                      </p:cBhvr>
+                                      <p:tavLst>
+                                        <p:tav tm="0">
+                                          <p:val>
+                                            <p:strVal val="1+#ppt_w/2"/>
+                                          </p:val>
+                                        </p:tav>
+                                        <p:tav tm="100000">
+                                          <p:val>
+                                            <p:strVal val="#ppt_x"/>
+                                          </p:val>
+                                        </p:tav>
+                                      </p:tavLst>
+                                    </p:anim>
+                                    <p:anim calcmode="lin" valueType="num">
+                                      <p:cBhvr additive="base">
+                                        <p:cTn id="44" dur="500" fill="hold"/>
+                                        <p:tgtEl>
+                                          <p:spTgt spid="5">
+                                            <p:graphicEl>
+                                              <a:dgm id="{74EED9FA-221E-3443-95A3-8F31E33459A6}"/>
+                                            </p:graphicEl>
+                                          </p:spTgt>
+                                        </p:tgtEl>
+                                        <p:attrNameLst>
+                                          <p:attrName>ppt_y</p:attrName>
+                                        </p:attrNameLst>
+                                      </p:cBhvr>
+                                      <p:tavLst>
+                                        <p:tav tm="0">
+                                          <p:val>
+                                            <p:strVal val="#ppt_y"/>
+                                          </p:val>
+                                        </p:tav>
+                                        <p:tav tm="100000">
+                                          <p:val>
+                                            <p:strVal val="#ppt_y"/>
+                                          </p:val>
+                                        </p:tav>
+                                      </p:tavLst>
+                                    </p:anim>
+                                  </p:childTnLst>
+                                </p:cTn>
+                              </p:par>
+                              <p:par>
+                                <p:cTn id="45" presetID="2" presetClass="entr" presetSubtype="2" fill="hold" grpId="0" nodeType="withEffect">
+                                  <p:stCondLst>
+                                    <p:cond delay="0"/>
+                                  </p:stCondLst>
+                                  <p:childTnLst>
+                                    <p:set>
+                                      <p:cBhvr>
+                                        <p:cTn id="46" dur="1" fill="hold">
+                                          <p:stCondLst>
+                                            <p:cond delay="0"/>
+                                          </p:stCondLst>
+                                        </p:cTn>
+                                        <p:tgtEl>
+                                          <p:spTgt spid="5">
+                                            <p:graphicEl>
+                                              <a:dgm id="{AA2CC277-3B6F-2C4A-8655-E14FBBDBEF54}"/>
+                                            </p:graphicEl>
+                                          </p:spTgt>
+                                        </p:tgtEl>
+                                        <p:attrNameLst>
+                                          <p:attrName>style.visibility</p:attrName>
+                                        </p:attrNameLst>
+                                      </p:cBhvr>
+                                      <p:to>
+                                        <p:strVal val="visible"/>
+                                      </p:to>
+                                    </p:set>
+                                    <p:anim calcmode="lin" valueType="num">
+                                      <p:cBhvr additive="base">
+                                        <p:cTn id="47" dur="500" fill="hold"/>
+                                        <p:tgtEl>
+                                          <p:spTgt spid="5">
+                                            <p:graphicEl>
+                                              <a:dgm id="{AA2CC277-3B6F-2C4A-8655-E14FBBDBEF54}"/>
+                                            </p:graphicEl>
+                                          </p:spTgt>
+                                        </p:tgtEl>
+                                        <p:attrNameLst>
+                                          <p:attrName>ppt_x</p:attrName>
+                                        </p:attrNameLst>
+                                      </p:cBhvr>
+                                      <p:tavLst>
+                                        <p:tav tm="0">
+                                          <p:val>
+                                            <p:strVal val="1+#ppt_w/2"/>
+                                          </p:val>
+                                        </p:tav>
+                                        <p:tav tm="100000">
+                                          <p:val>
+                                            <p:strVal val="#ppt_x"/>
+                                          </p:val>
+                                        </p:tav>
+                                      </p:tavLst>
+                                    </p:anim>
+                                    <p:anim calcmode="lin" valueType="num">
+                                      <p:cBhvr additive="base">
+                                        <p:cTn id="48" dur="500" fill="hold"/>
+                                        <p:tgtEl>
+                                          <p:spTgt spid="5">
+                                            <p:graphicEl>
+                                              <a:dgm id="{AA2CC277-3B6F-2C4A-8655-E14FBBDBEF54}"/>
+                                            </p:graphicEl>
+                                          </p:spTgt>
+                                        </p:tgtEl>
+                                        <p:attrNameLst>
+                                          <p:attrName>ppt_y</p:attrName>
+                                        </p:attrNameLst>
+                                      </p:cBhvr>
+                                      <p:tavLst>
+                                        <p:tav tm="0">
+                                          <p:val>
+                                            <p:strVal val="#ppt_y"/>
+                                          </p:val>
+                                        </p:tav>
+                                        <p:tav tm="100000">
+                                          <p:val>
+                                            <p:strVal val="#ppt_y"/>
+                                          </p:val>
+                                        </p:tav>
+                                      </p:tavLst>
+                                    </p:anim>
+                                  </p:childTnLst>
+                                </p:cTn>
+                              </p:par>
+                              <p:par>
+                                <p:cTn id="49" presetID="2" presetClass="entr" presetSubtype="2" fill="hold" grpId="0" nodeType="withEffect">
+                                  <p:stCondLst>
+                                    <p:cond delay="0"/>
+                                  </p:stCondLst>
+                                  <p:childTnLst>
+                                    <p:set>
+                                      <p:cBhvr>
+                                        <p:cTn id="50" dur="1" fill="hold">
+                                          <p:stCondLst>
+                                            <p:cond delay="0"/>
+                                          </p:stCondLst>
+                                        </p:cTn>
+                                        <p:tgtEl>
+                                          <p:spTgt spid="5">
+                                            <p:graphicEl>
+                                              <a:dgm id="{B5A8DD99-B65E-3B4C-AACE-9860600178C7}"/>
+                                            </p:graphicEl>
+                                          </p:spTgt>
+                                        </p:tgtEl>
+                                        <p:attrNameLst>
+                                          <p:attrName>style.visibility</p:attrName>
+                                        </p:attrNameLst>
+                                      </p:cBhvr>
+                                      <p:to>
+                                        <p:strVal val="visible"/>
+                                      </p:to>
+                                    </p:set>
+                                    <p:anim calcmode="lin" valueType="num">
+                                      <p:cBhvr additive="base">
+                                        <p:cTn id="51" dur="500" fill="hold"/>
+                                        <p:tgtEl>
+                                          <p:spTgt spid="5">
+                                            <p:graphicEl>
+                                              <a:dgm id="{B5A8DD99-B65E-3B4C-AACE-9860600178C7}"/>
+                                            </p:graphicEl>
+                                          </p:spTgt>
+                                        </p:tgtEl>
+                                        <p:attrNameLst>
+                                          <p:attrName>ppt_x</p:attrName>
+                                        </p:attrNameLst>
+                                      </p:cBhvr>
+                                      <p:tavLst>
+                                        <p:tav tm="0">
+                                          <p:val>
+                                            <p:strVal val="1+#ppt_w/2"/>
+                                          </p:val>
+                                        </p:tav>
+                                        <p:tav tm="100000">
+                                          <p:val>
+                                            <p:strVal val="#ppt_x"/>
+                                          </p:val>
+                                        </p:tav>
+                                      </p:tavLst>
+                                    </p:anim>
+                                    <p:anim calcmode="lin" valueType="num">
+                                      <p:cBhvr additive="base">
+                                        <p:cTn id="52" dur="500" fill="hold"/>
+                                        <p:tgtEl>
+                                          <p:spTgt spid="5">
+                                            <p:graphicEl>
+                                              <a:dgm id="{B5A8DD99-B65E-3B4C-AACE-9860600178C7}"/>
+                                            </p:graphicEl>
+                                          </p:spTgt>
+                                        </p:tgtEl>
+                                        <p:attrNameLst>
+                                          <p:attrName>ppt_y</p:attrName>
+                                        </p:attrNameLst>
+                                      </p:cBhvr>
+                                      <p:tavLst>
+                                        <p:tav tm="0">
+                                          <p:val>
+                                            <p:strVal val="#ppt_y"/>
+                                          </p:val>
+                                        </p:tav>
+                                        <p:tav tm="100000">
+                                          <p:val>
+                                            <p:strVal val="#ppt_y"/>
+                                          </p:val>
+                                        </p:tav>
+                                      </p:tavLst>
+                                    </p:anim>
+                                  </p:childTnLst>
+                                </p:cTn>
+                              </p:par>
+                            </p:childTnLst>
+                          </p:cTn>
+                        </p:par>
+                      </p:childTnLst>
+                    </p:cTn>
+                  </p:par>
+                  <p:par>
+                    <p:cTn id="53" fill="hold">
+                      <p:stCondLst>
+                        <p:cond delay="indefinite"/>
+                      </p:stCondLst>
+                      <p:childTnLst>
+                        <p:par>
+                          <p:cTn id="54" fill="hold">
+                            <p:stCondLst>
+                              <p:cond delay="0"/>
+                            </p:stCondLst>
+                            <p:childTnLst>
+                              <p:par>
+                                <p:cTn id="55" presetID="2" presetClass="entr" presetSubtype="2" fill="hold" grpId="0" nodeType="clickEffect">
+                                  <p:stCondLst>
+                                    <p:cond delay="0"/>
+                                  </p:stCondLst>
+                                  <p:childTnLst>
+                                    <p:set>
+                                      <p:cBhvr>
+                                        <p:cTn id="56" dur="1" fill="hold">
+                                          <p:stCondLst>
+                                            <p:cond delay="0"/>
+                                          </p:stCondLst>
+                                        </p:cTn>
+                                        <p:tgtEl>
+                                          <p:spTgt spid="5">
+                                            <p:graphicEl>
+                                              <a:dgm id="{DC196944-EA6B-1F4B-85E2-33293E469FFC}"/>
+                                            </p:graphicEl>
+                                          </p:spTgt>
+                                        </p:tgtEl>
+                                        <p:attrNameLst>
+                                          <p:attrName>style.visibility</p:attrName>
+                                        </p:attrNameLst>
+                                      </p:cBhvr>
+                                      <p:to>
+                                        <p:strVal val="visible"/>
+                                      </p:to>
+                                    </p:set>
+                                    <p:anim calcmode="lin" valueType="num">
+                                      <p:cBhvr additive="base">
+                                        <p:cTn id="57" dur="500" fill="hold"/>
+                                        <p:tgtEl>
+                                          <p:spTgt spid="5">
+                                            <p:graphicEl>
+                                              <a:dgm id="{DC196944-EA6B-1F4B-85E2-33293E469FFC}"/>
+                                            </p:graphicEl>
+                                          </p:spTgt>
+                                        </p:tgtEl>
+                                        <p:attrNameLst>
+                                          <p:attrName>ppt_x</p:attrName>
+                                        </p:attrNameLst>
+                                      </p:cBhvr>
+                                      <p:tavLst>
+                                        <p:tav tm="0">
+                                          <p:val>
+                                            <p:strVal val="1+#ppt_w/2"/>
+                                          </p:val>
+                                        </p:tav>
+                                        <p:tav tm="100000">
+                                          <p:val>
+                                            <p:strVal val="#ppt_x"/>
+                                          </p:val>
+                                        </p:tav>
+                                      </p:tavLst>
+                                    </p:anim>
+                                    <p:anim calcmode="lin" valueType="num">
+                                      <p:cBhvr additive="base">
+                                        <p:cTn id="58" dur="500" fill="hold"/>
+                                        <p:tgtEl>
+                                          <p:spTgt spid="5">
+                                            <p:graphicEl>
+                                              <a:dgm id="{DC196944-EA6B-1F4B-85E2-33293E469FFC}"/>
+                                            </p:graphicEl>
+                                          </p:spTgt>
+                                        </p:tgtEl>
+                                        <p:attrNameLst>
+                                          <p:attrName>ppt_y</p:attrName>
+                                        </p:attrNameLst>
+                                      </p:cBhvr>
+                                      <p:tavLst>
+                                        <p:tav tm="0">
+                                          <p:val>
+                                            <p:strVal val="#ppt_y"/>
+                                          </p:val>
+                                        </p:tav>
+                                        <p:tav tm="100000">
+                                          <p:val>
+                                            <p:strVal val="#ppt_y"/>
+                                          </p:val>
+                                        </p:tav>
+                                      </p:tavLst>
+                                    </p:anim>
+                                  </p:childTnLst>
+                                </p:cTn>
+                              </p:par>
+                              <p:par>
+                                <p:cTn id="59" presetID="2" presetClass="entr" presetSubtype="2" fill="hold" grpId="0" nodeType="withEffect">
+                                  <p:stCondLst>
+                                    <p:cond delay="0"/>
+                                  </p:stCondLst>
+                                  <p:childTnLst>
+                                    <p:set>
+                                      <p:cBhvr>
+                                        <p:cTn id="60" dur="1" fill="hold">
+                                          <p:stCondLst>
+                                            <p:cond delay="0"/>
+                                          </p:stCondLst>
+                                        </p:cTn>
+                                        <p:tgtEl>
+                                          <p:spTgt spid="5">
+                                            <p:graphicEl>
+                                              <a:dgm id="{E1AAE502-1EA1-0849-9E43-C67DA5A99717}"/>
+                                            </p:graphicEl>
+                                          </p:spTgt>
+                                        </p:tgtEl>
+                                        <p:attrNameLst>
+                                          <p:attrName>style.visibility</p:attrName>
+                                        </p:attrNameLst>
+                                      </p:cBhvr>
+                                      <p:to>
+                                        <p:strVal val="visible"/>
+                                      </p:to>
+                                    </p:set>
+                                    <p:anim calcmode="lin" valueType="num">
+                                      <p:cBhvr additive="base">
+                                        <p:cTn id="61" dur="500" fill="hold"/>
+                                        <p:tgtEl>
+                                          <p:spTgt spid="5">
+                                            <p:graphicEl>
+                                              <a:dgm id="{E1AAE502-1EA1-0849-9E43-C67DA5A99717}"/>
+                                            </p:graphicEl>
+                                          </p:spTgt>
+                                        </p:tgtEl>
+                                        <p:attrNameLst>
+                                          <p:attrName>ppt_x</p:attrName>
+                                        </p:attrNameLst>
+                                      </p:cBhvr>
+                                      <p:tavLst>
+                                        <p:tav tm="0">
+                                          <p:val>
+                                            <p:strVal val="1+#ppt_w/2"/>
+                                          </p:val>
+                                        </p:tav>
+                                        <p:tav tm="100000">
+                                          <p:val>
+                                            <p:strVal val="#ppt_x"/>
+                                          </p:val>
+                                        </p:tav>
+                                      </p:tavLst>
+                                    </p:anim>
+                                    <p:anim calcmode="lin" valueType="num">
+                                      <p:cBhvr additive="base">
+                                        <p:cTn id="62" dur="500" fill="hold"/>
+                                        <p:tgtEl>
+                                          <p:spTgt spid="5">
+                                            <p:graphicEl>
+                                              <a:dgm id="{E1AAE502-1EA1-0849-9E43-C67DA5A99717}"/>
+                                            </p:graphicEl>
+                                          </p:spTgt>
+                                        </p:tgtEl>
+                                        <p:attrNameLst>
+                                          <p:attrName>ppt_y</p:attrName>
+                                        </p:attrNameLst>
+                                      </p:cBhvr>
+                                      <p:tavLst>
+                                        <p:tav tm="0">
+                                          <p:val>
+                                            <p:strVal val="#ppt_y"/>
+                                          </p:val>
+                                        </p:tav>
+                                        <p:tav tm="100000">
+                                          <p:val>
+                                            <p:strVal val="#ppt_y"/>
+                                          </p:val>
+                                        </p:tav>
+                                      </p:tavLst>
+                                    </p:anim>
+                                  </p:childTnLst>
+                                </p:cTn>
+                              </p:par>
+                              <p:par>
+                                <p:cTn id="63" presetID="2" presetClass="entr" presetSubtype="2" fill="hold" grpId="0" nodeType="withEffect">
+                                  <p:stCondLst>
+                                    <p:cond delay="0"/>
+                                  </p:stCondLst>
+                                  <p:childTnLst>
+                                    <p:set>
+                                      <p:cBhvr>
+                                        <p:cTn id="64" dur="1" fill="hold">
+                                          <p:stCondLst>
+                                            <p:cond delay="0"/>
+                                          </p:stCondLst>
+                                        </p:cTn>
+                                        <p:tgtEl>
+                                          <p:spTgt spid="5">
+                                            <p:graphicEl>
+                                              <a:dgm id="{3E1631BD-630D-704E-A72C-329EB9DC8F98}"/>
+                                            </p:graphicEl>
+                                          </p:spTgt>
+                                        </p:tgtEl>
+                                        <p:attrNameLst>
+                                          <p:attrName>style.visibility</p:attrName>
+                                        </p:attrNameLst>
+                                      </p:cBhvr>
+                                      <p:to>
+                                        <p:strVal val="visible"/>
+                                      </p:to>
+                                    </p:set>
+                                    <p:anim calcmode="lin" valueType="num">
+                                      <p:cBhvr additive="base">
+                                        <p:cTn id="65" dur="500" fill="hold"/>
+                                        <p:tgtEl>
+                                          <p:spTgt spid="5">
+                                            <p:graphicEl>
+                                              <a:dgm id="{3E1631BD-630D-704E-A72C-329EB9DC8F98}"/>
+                                            </p:graphicEl>
+                                          </p:spTgt>
+                                        </p:tgtEl>
+                                        <p:attrNameLst>
+                                          <p:attrName>ppt_x</p:attrName>
+                                        </p:attrNameLst>
+                                      </p:cBhvr>
+                                      <p:tavLst>
+                                        <p:tav tm="0">
+                                          <p:val>
+                                            <p:strVal val="1+#ppt_w/2"/>
+                                          </p:val>
+                                        </p:tav>
+                                        <p:tav tm="100000">
+                                          <p:val>
+                                            <p:strVal val="#ppt_x"/>
+                                          </p:val>
+                                        </p:tav>
+                                      </p:tavLst>
+                                    </p:anim>
+                                    <p:anim calcmode="lin" valueType="num">
+                                      <p:cBhvr additive="base">
+                                        <p:cTn id="66" dur="500" fill="hold"/>
+                                        <p:tgtEl>
+                                          <p:spTgt spid="5">
+                                            <p:graphicEl>
+                                              <a:dgm id="{3E1631BD-630D-704E-A72C-329EB9DC8F98}"/>
+                                            </p:graphicEl>
+                                          </p:spTgt>
+                                        </p:tgtEl>
+                                        <p:attrNameLst>
+                                          <p:attrName>ppt_y</p:attrName>
+                                        </p:attrNameLst>
+                                      </p:cBhvr>
+                                      <p:tavLst>
+                                        <p:tav tm="0">
+                                          <p:val>
+                                            <p:strVal val="#ppt_y"/>
+                                          </p:val>
+                                        </p:tav>
+                                        <p:tav tm="100000">
+                                          <p:val>
+                                            <p:strVal val="#ppt_y"/>
+                                          </p:val>
+                                        </p:tav>
+                                      </p:tavLst>
+                                    </p:anim>
+                                  </p:childTnLst>
+                                </p:cTn>
+                              </p:par>
+                              <p:par>
+                                <p:cTn id="67" presetID="2" presetClass="entr" presetSubtype="2" fill="hold" grpId="0" nodeType="withEffect">
+                                  <p:stCondLst>
+                                    <p:cond delay="0"/>
+                                  </p:stCondLst>
+                                  <p:childTnLst>
+                                    <p:set>
+                                      <p:cBhvr>
+                                        <p:cTn id="68" dur="1" fill="hold">
+                                          <p:stCondLst>
+                                            <p:cond delay="0"/>
+                                          </p:stCondLst>
+                                        </p:cTn>
+                                        <p:tgtEl>
+                                          <p:spTgt spid="5">
+                                            <p:graphicEl>
+                                              <a:dgm id="{82F9F4E2-8FA0-C648-94E2-3D041F8DD46E}"/>
+                                            </p:graphicEl>
+                                          </p:spTgt>
+                                        </p:tgtEl>
+                                        <p:attrNameLst>
+                                          <p:attrName>style.visibility</p:attrName>
+                                        </p:attrNameLst>
+                                      </p:cBhvr>
+                                      <p:to>
+                                        <p:strVal val="visible"/>
+                                      </p:to>
+                                    </p:set>
+                                    <p:anim calcmode="lin" valueType="num">
+                                      <p:cBhvr additive="base">
+                                        <p:cTn id="69" dur="500" fill="hold"/>
+                                        <p:tgtEl>
+                                          <p:spTgt spid="5">
+                                            <p:graphicEl>
+                                              <a:dgm id="{82F9F4E2-8FA0-C648-94E2-3D041F8DD46E}"/>
+                                            </p:graphicEl>
+                                          </p:spTgt>
+                                        </p:tgtEl>
+                                        <p:attrNameLst>
+                                          <p:attrName>ppt_x</p:attrName>
+                                        </p:attrNameLst>
+                                      </p:cBhvr>
+                                      <p:tavLst>
+                                        <p:tav tm="0">
+                                          <p:val>
+                                            <p:strVal val="1+#ppt_w/2"/>
+                                          </p:val>
+                                        </p:tav>
+                                        <p:tav tm="100000">
+                                          <p:val>
+                                            <p:strVal val="#ppt_x"/>
+                                          </p:val>
+                                        </p:tav>
+                                      </p:tavLst>
+                                    </p:anim>
+                                    <p:anim calcmode="lin" valueType="num">
+                                      <p:cBhvr additive="base">
+                                        <p:cTn id="70" dur="500" fill="hold"/>
+                                        <p:tgtEl>
+                                          <p:spTgt spid="5">
+                                            <p:graphicEl>
+                                              <a:dgm id="{82F9F4E2-8FA0-C648-94E2-3D041F8DD46E}"/>
+                                            </p:graphicEl>
+                                          </p:spTgt>
+                                        </p:tgtEl>
+                                        <p:attrNameLst>
+                                          <p:attrName>ppt_y</p:attrName>
+                                        </p:attrNameLst>
+                                      </p:cBhvr>
+                                      <p:tavLst>
+                                        <p:tav tm="0">
+                                          <p:val>
+                                            <p:strVal val="#ppt_y"/>
+                                          </p:val>
+                                        </p:tav>
+                                        <p:tav tm="100000">
+                                          <p:val>
+                                            <p:strVal val="#ppt_y"/>
+                                          </p:val>
+                                        </p:tav>
+                                      </p:tavLst>
+                                    </p:anim>
+                                  </p:childTnLst>
+                                </p:cTn>
+                              </p:par>
+                              <p:par>
+                                <p:cTn id="71" presetID="2" presetClass="entr" presetSubtype="2" fill="hold" grpId="0" nodeType="withEffect">
+                                  <p:stCondLst>
+                                    <p:cond delay="0"/>
+                                  </p:stCondLst>
+                                  <p:childTnLst>
+                                    <p:set>
+                                      <p:cBhvr>
+                                        <p:cTn id="72" dur="1" fill="hold">
+                                          <p:stCondLst>
+                                            <p:cond delay="0"/>
+                                          </p:stCondLst>
+                                        </p:cTn>
+                                        <p:tgtEl>
+                                          <p:spTgt spid="5">
+                                            <p:graphicEl>
+                                              <a:dgm id="{9270CF9F-D76F-1145-B313-6D01A10430F4}"/>
+                                            </p:graphicEl>
+                                          </p:spTgt>
+                                        </p:tgtEl>
+                                        <p:attrNameLst>
+                                          <p:attrName>style.visibility</p:attrName>
+                                        </p:attrNameLst>
+                                      </p:cBhvr>
+                                      <p:to>
+                                        <p:strVal val="visible"/>
+                                      </p:to>
+                                    </p:set>
+                                    <p:anim calcmode="lin" valueType="num">
+                                      <p:cBhvr additive="base">
+                                        <p:cTn id="73" dur="500" fill="hold"/>
+                                        <p:tgtEl>
+                                          <p:spTgt spid="5">
+                                            <p:graphicEl>
+                                              <a:dgm id="{9270CF9F-D76F-1145-B313-6D01A10430F4}"/>
+                                            </p:graphicEl>
+                                          </p:spTgt>
+                                        </p:tgtEl>
+                                        <p:attrNameLst>
+                                          <p:attrName>ppt_x</p:attrName>
+                                        </p:attrNameLst>
+                                      </p:cBhvr>
+                                      <p:tavLst>
+                                        <p:tav tm="0">
+                                          <p:val>
+                                            <p:strVal val="1+#ppt_w/2"/>
+                                          </p:val>
+                                        </p:tav>
+                                        <p:tav tm="100000">
+                                          <p:val>
+                                            <p:strVal val="#ppt_x"/>
+                                          </p:val>
+                                        </p:tav>
+                                      </p:tavLst>
+                                    </p:anim>
+                                    <p:anim calcmode="lin" valueType="num">
+                                      <p:cBhvr additive="base">
+                                        <p:cTn id="74" dur="500" fill="hold"/>
+                                        <p:tgtEl>
+                                          <p:spTgt spid="5">
+                                            <p:graphicEl>
+                                              <a:dgm id="{9270CF9F-D76F-1145-B313-6D01A10430F4}"/>
+                                            </p:graphicEl>
+                                          </p:spTgt>
+                                        </p:tgtEl>
+                                        <p:attrNameLst>
+                                          <p:attrName>ppt_y</p:attrName>
+                                        </p:attrNameLst>
+                                      </p:cBhvr>
+                                      <p:tavLst>
+                                        <p:tav tm="0">
+                                          <p:val>
+                                            <p:strVal val="#ppt_y"/>
+                                          </p:val>
+                                        </p:tav>
+                                        <p:tav tm="100000">
+                                          <p:val>
+                                            <p:strVal val="#ppt_y"/>
+                                          </p:val>
+                                        </p:tav>
+                                      </p:tavLst>
+                                    </p:anim>
+                                  </p:childTnLst>
+                                </p:cTn>
+                              </p:par>
+                            </p:childTnLst>
+                          </p:cTn>
+                        </p:par>
+                      </p:childTnLst>
+                    </p:cTn>
+                  </p:par>
+                </p:childTnLst>
+              </p:cTn>
+              <p:prevCondLst>
+                <p:cond evt="onPrev" delay="0">
+                  <p:tgtEl>
+                    <p:sldTgt/>
+                  </p:tgtEl>
+                </p:cond>
+              </p:prevCondLst>
+              <p:nextCondLst>
+                <p:cond evt="onNext" delay="0">
+                  <p:tgtEl>
+                    <p:sldTgt/>
+                  </p:tgtEl>
+                </p:cond>
+              </p:nextCondLst>
+            </p:seq>
+          </p:childTnLst>
+        </p:cTn>
+      </p:par>
+    </p:tnLst>
+    <p:bldLst>
+      <p:bldGraphic spid="5" grpId="0" uiExpand="1">
+        <p:bldSub>
+          <a:bldDgm bld="lvlOne"/>
+        </p:bldSub>
+      </p:bldGraphic>
+    </p:bldLst>
+  </p:timing>
 </p:sld>
 </file>
 
@@ -25015,6 +26843,877 @@
   <p:clrMapOvr>
     <a:masterClrMapping/>
   </p:clrMapOvr>
+  <p:timing>
+    <p:tnLst>
+      <p:par>
+        <p:cTn id="1" dur="indefinite" restart="never" nodeType="tmRoot">
+          <p:childTnLst>
+            <p:seq concurrent="1" nextAc="seek">
+              <p:cTn id="2" dur="indefinite" nodeType="mainSeq">
+                <p:childTnLst>
+                  <p:par>
+                    <p:cTn id="3" fill="hold">
+                      <p:stCondLst>
+                        <p:cond delay="indefinite"/>
+                      </p:stCondLst>
+                      <p:childTnLst>
+                        <p:par>
+                          <p:cTn id="4" fill="hold">
+                            <p:stCondLst>
+                              <p:cond delay="0"/>
+                            </p:stCondLst>
+                            <p:childTnLst>
+                              <p:par>
+                                <p:cTn id="5" presetID="25" presetClass="entr" presetSubtype="0" fill="hold" grpId="0" nodeType="clickEffect">
+                                  <p:stCondLst>
+                                    <p:cond delay="0"/>
+                                  </p:stCondLst>
+                                  <p:childTnLst>
+                                    <p:set>
+                                      <p:cBhvr>
+                                        <p:cTn id="6" dur="1" fill="hold">
+                                          <p:stCondLst>
+                                            <p:cond delay="0"/>
+                                          </p:stCondLst>
+                                        </p:cTn>
+                                        <p:tgtEl>
+                                          <p:spTgt spid="9">
+                                            <p:graphicEl>
+                                              <a:dgm id="{DC98850A-1C65-6A4F-9BC5-ECC8589ACB50}"/>
+                                            </p:graphicEl>
+                                          </p:spTgt>
+                                        </p:tgtEl>
+                                        <p:attrNameLst>
+                                          <p:attrName>style.visibility</p:attrName>
+                                        </p:attrNameLst>
+                                      </p:cBhvr>
+                                      <p:to>
+                                        <p:strVal val="visible"/>
+                                      </p:to>
+                                    </p:set>
+                                    <p:anim calcmode="lin" valueType="num">
+                                      <p:cBhvr>
+                                        <p:cTn id="7" dur="500" decel="50000" fill="hold">
+                                          <p:stCondLst>
+                                            <p:cond delay="0"/>
+                                          </p:stCondLst>
+                                        </p:cTn>
+                                        <p:tgtEl>
+                                          <p:spTgt spid="9">
+                                            <p:graphicEl>
+                                              <a:dgm id="{DC98850A-1C65-6A4F-9BC5-ECC8589ACB50}"/>
+                                            </p:graphicEl>
+                                          </p:spTgt>
+                                        </p:tgtEl>
+                                        <p:attrNameLst>
+                                          <p:attrName>style.rotation</p:attrName>
+                                        </p:attrNameLst>
+                                      </p:cBhvr>
+                                      <p:tavLst>
+                                        <p:tav tm="0">
+                                          <p:val>
+                                            <p:fltVal val="-90"/>
+                                          </p:val>
+                                        </p:tav>
+                                        <p:tav tm="100000">
+                                          <p:val>
+                                            <p:fltVal val="0"/>
+                                          </p:val>
+                                        </p:tav>
+                                      </p:tavLst>
+                                    </p:anim>
+                                    <p:anim calcmode="lin" valueType="num">
+                                      <p:cBhvr>
+                                        <p:cTn id="8" dur="500" decel="50000" fill="hold">
+                                          <p:stCondLst>
+                                            <p:cond delay="0"/>
+                                          </p:stCondLst>
+                                        </p:cTn>
+                                        <p:tgtEl>
+                                          <p:spTgt spid="9">
+                                            <p:graphicEl>
+                                              <a:dgm id="{DC98850A-1C65-6A4F-9BC5-ECC8589ACB50}"/>
+                                            </p:graphicEl>
+                                          </p:spTgt>
+                                        </p:tgtEl>
+                                        <p:attrNameLst>
+                                          <p:attrName>ppt_w</p:attrName>
+                                        </p:attrNameLst>
+                                      </p:cBhvr>
+                                      <p:tavLst>
+                                        <p:tav tm="0">
+                                          <p:val>
+                                            <p:strVal val="#ppt_w"/>
+                                          </p:val>
+                                        </p:tav>
+                                        <p:tav tm="100000">
+                                          <p:val>
+                                            <p:strVal val="#ppt_w*.05"/>
+                                          </p:val>
+                                        </p:tav>
+                                      </p:tavLst>
+                                    </p:anim>
+                                    <p:anim calcmode="lin" valueType="num">
+                                      <p:cBhvr>
+                                        <p:cTn id="9" dur="500" accel="50000" fill="hold">
+                                          <p:stCondLst>
+                                            <p:cond delay="500"/>
+                                          </p:stCondLst>
+                                        </p:cTn>
+                                        <p:tgtEl>
+                                          <p:spTgt spid="9">
+                                            <p:graphicEl>
+                                              <a:dgm id="{DC98850A-1C65-6A4F-9BC5-ECC8589ACB50}"/>
+                                            </p:graphicEl>
+                                          </p:spTgt>
+                                        </p:tgtEl>
+                                        <p:attrNameLst>
+                                          <p:attrName>ppt_w</p:attrName>
+                                        </p:attrNameLst>
+                                      </p:cBhvr>
+                                      <p:tavLst>
+                                        <p:tav tm="0">
+                                          <p:val>
+                                            <p:strVal val="#ppt_w*.05"/>
+                                          </p:val>
+                                        </p:tav>
+                                        <p:tav tm="100000">
+                                          <p:val>
+                                            <p:strVal val="#ppt_w"/>
+                                          </p:val>
+                                        </p:tav>
+                                      </p:tavLst>
+                                    </p:anim>
+                                    <p:anim calcmode="lin" valueType="num">
+                                      <p:cBhvr>
+                                        <p:cTn id="10" dur="1000" fill="hold"/>
+                                        <p:tgtEl>
+                                          <p:spTgt spid="9">
+                                            <p:graphicEl>
+                                              <a:dgm id="{DC98850A-1C65-6A4F-9BC5-ECC8589ACB50}"/>
+                                            </p:graphicEl>
+                                          </p:spTgt>
+                                        </p:tgtEl>
+                                        <p:attrNameLst>
+                                          <p:attrName>ppt_h</p:attrName>
+                                        </p:attrNameLst>
+                                      </p:cBhvr>
+                                      <p:tavLst>
+                                        <p:tav tm="0">
+                                          <p:val>
+                                            <p:strVal val="#ppt_h"/>
+                                          </p:val>
+                                        </p:tav>
+                                        <p:tav tm="100000">
+                                          <p:val>
+                                            <p:strVal val="#ppt_h"/>
+                                          </p:val>
+                                        </p:tav>
+                                      </p:tavLst>
+                                    </p:anim>
+                                    <p:anim calcmode="lin" valueType="num">
+                                      <p:cBhvr>
+                                        <p:cTn id="11" dur="500" decel="50000" fill="hold">
+                                          <p:stCondLst>
+                                            <p:cond delay="0"/>
+                                          </p:stCondLst>
+                                        </p:cTn>
+                                        <p:tgtEl>
+                                          <p:spTgt spid="9">
+                                            <p:graphicEl>
+                                              <a:dgm id="{DC98850A-1C65-6A4F-9BC5-ECC8589ACB50}"/>
+                                            </p:graphicEl>
+                                          </p:spTgt>
+                                        </p:tgtEl>
+                                        <p:attrNameLst>
+                                          <p:attrName>ppt_x</p:attrName>
+                                        </p:attrNameLst>
+                                      </p:cBhvr>
+                                      <p:tavLst>
+                                        <p:tav tm="0">
+                                          <p:val>
+                                            <p:strVal val="#ppt_x+.4"/>
+                                          </p:val>
+                                        </p:tav>
+                                        <p:tav tm="100000">
+                                          <p:val>
+                                            <p:strVal val="#ppt_x"/>
+                                          </p:val>
+                                        </p:tav>
+                                      </p:tavLst>
+                                    </p:anim>
+                                    <p:anim calcmode="lin" valueType="num">
+                                      <p:cBhvr>
+                                        <p:cTn id="12" dur="500" decel="50000" fill="hold">
+                                          <p:stCondLst>
+                                            <p:cond delay="0"/>
+                                          </p:stCondLst>
+                                        </p:cTn>
+                                        <p:tgtEl>
+                                          <p:spTgt spid="9">
+                                            <p:graphicEl>
+                                              <a:dgm id="{DC98850A-1C65-6A4F-9BC5-ECC8589ACB50}"/>
+                                            </p:graphicEl>
+                                          </p:spTgt>
+                                        </p:tgtEl>
+                                        <p:attrNameLst>
+                                          <p:attrName>ppt_y</p:attrName>
+                                        </p:attrNameLst>
+                                      </p:cBhvr>
+                                      <p:tavLst>
+                                        <p:tav tm="0">
+                                          <p:val>
+                                            <p:strVal val="#ppt_y-.2"/>
+                                          </p:val>
+                                        </p:tav>
+                                        <p:tav tm="100000">
+                                          <p:val>
+                                            <p:strVal val="#ppt_y+.1"/>
+                                          </p:val>
+                                        </p:tav>
+                                      </p:tavLst>
+                                    </p:anim>
+                                    <p:anim calcmode="lin" valueType="num">
+                                      <p:cBhvr>
+                                        <p:cTn id="13" dur="500" accel="50000" fill="hold">
+                                          <p:stCondLst>
+                                            <p:cond delay="500"/>
+                                          </p:stCondLst>
+                                        </p:cTn>
+                                        <p:tgtEl>
+                                          <p:spTgt spid="9">
+                                            <p:graphicEl>
+                                              <a:dgm id="{DC98850A-1C65-6A4F-9BC5-ECC8589ACB50}"/>
+                                            </p:graphicEl>
+                                          </p:spTgt>
+                                        </p:tgtEl>
+                                        <p:attrNameLst>
+                                          <p:attrName>ppt_y</p:attrName>
+                                        </p:attrNameLst>
+                                      </p:cBhvr>
+                                      <p:tavLst>
+                                        <p:tav tm="0">
+                                          <p:val>
+                                            <p:strVal val="#ppt_y+.1"/>
+                                          </p:val>
+                                        </p:tav>
+                                        <p:tav tm="100000">
+                                          <p:val>
+                                            <p:strVal val="#ppt_y"/>
+                                          </p:val>
+                                        </p:tav>
+                                      </p:tavLst>
+                                    </p:anim>
+                                    <p:animEffect transition="in" filter="fade">
+                                      <p:cBhvr>
+                                        <p:cTn id="14" dur="1000" decel="50000">
+                                          <p:stCondLst>
+                                            <p:cond delay="0"/>
+                                          </p:stCondLst>
+                                        </p:cTn>
+                                        <p:tgtEl>
+                                          <p:spTgt spid="9">
+                                            <p:graphicEl>
+                                              <a:dgm id="{DC98850A-1C65-6A4F-9BC5-ECC8589ACB50}"/>
+                                            </p:graphicEl>
+                                          </p:spTgt>
+                                        </p:tgtEl>
+                                      </p:cBhvr>
+                                    </p:animEffect>
+                                  </p:childTnLst>
+                                </p:cTn>
+                              </p:par>
+                            </p:childTnLst>
+                          </p:cTn>
+                        </p:par>
+                      </p:childTnLst>
+                    </p:cTn>
+                  </p:par>
+                  <p:par>
+                    <p:cTn id="15" fill="hold">
+                      <p:stCondLst>
+                        <p:cond delay="indefinite"/>
+                      </p:stCondLst>
+                      <p:childTnLst>
+                        <p:par>
+                          <p:cTn id="16" fill="hold">
+                            <p:stCondLst>
+                              <p:cond delay="0"/>
+                            </p:stCondLst>
+                            <p:childTnLst>
+                              <p:par>
+                                <p:cTn id="17" presetID="25" presetClass="entr" presetSubtype="0" fill="hold" grpId="0" nodeType="clickEffect">
+                                  <p:stCondLst>
+                                    <p:cond delay="0"/>
+                                  </p:stCondLst>
+                                  <p:childTnLst>
+                                    <p:set>
+                                      <p:cBhvr>
+                                        <p:cTn id="18" dur="1" fill="hold">
+                                          <p:stCondLst>
+                                            <p:cond delay="0"/>
+                                          </p:stCondLst>
+                                        </p:cTn>
+                                        <p:tgtEl>
+                                          <p:spTgt spid="9">
+                                            <p:graphicEl>
+                                              <a:dgm id="{EFC5C392-6017-8443-86D8-0600AD462692}"/>
+                                            </p:graphicEl>
+                                          </p:spTgt>
+                                        </p:tgtEl>
+                                        <p:attrNameLst>
+                                          <p:attrName>style.visibility</p:attrName>
+                                        </p:attrNameLst>
+                                      </p:cBhvr>
+                                      <p:to>
+                                        <p:strVal val="visible"/>
+                                      </p:to>
+                                    </p:set>
+                                    <p:anim calcmode="lin" valueType="num">
+                                      <p:cBhvr>
+                                        <p:cTn id="19" dur="500" decel="50000" fill="hold">
+                                          <p:stCondLst>
+                                            <p:cond delay="0"/>
+                                          </p:stCondLst>
+                                        </p:cTn>
+                                        <p:tgtEl>
+                                          <p:spTgt spid="9">
+                                            <p:graphicEl>
+                                              <a:dgm id="{EFC5C392-6017-8443-86D8-0600AD462692}"/>
+                                            </p:graphicEl>
+                                          </p:spTgt>
+                                        </p:tgtEl>
+                                        <p:attrNameLst>
+                                          <p:attrName>style.rotation</p:attrName>
+                                        </p:attrNameLst>
+                                      </p:cBhvr>
+                                      <p:tavLst>
+                                        <p:tav tm="0">
+                                          <p:val>
+                                            <p:fltVal val="-90"/>
+                                          </p:val>
+                                        </p:tav>
+                                        <p:tav tm="100000">
+                                          <p:val>
+                                            <p:fltVal val="0"/>
+                                          </p:val>
+                                        </p:tav>
+                                      </p:tavLst>
+                                    </p:anim>
+                                    <p:anim calcmode="lin" valueType="num">
+                                      <p:cBhvr>
+                                        <p:cTn id="20" dur="500" decel="50000" fill="hold">
+                                          <p:stCondLst>
+                                            <p:cond delay="0"/>
+                                          </p:stCondLst>
+                                        </p:cTn>
+                                        <p:tgtEl>
+                                          <p:spTgt spid="9">
+                                            <p:graphicEl>
+                                              <a:dgm id="{EFC5C392-6017-8443-86D8-0600AD462692}"/>
+                                            </p:graphicEl>
+                                          </p:spTgt>
+                                        </p:tgtEl>
+                                        <p:attrNameLst>
+                                          <p:attrName>ppt_w</p:attrName>
+                                        </p:attrNameLst>
+                                      </p:cBhvr>
+                                      <p:tavLst>
+                                        <p:tav tm="0">
+                                          <p:val>
+                                            <p:strVal val="#ppt_w"/>
+                                          </p:val>
+                                        </p:tav>
+                                        <p:tav tm="100000">
+                                          <p:val>
+                                            <p:strVal val="#ppt_w*.05"/>
+                                          </p:val>
+                                        </p:tav>
+                                      </p:tavLst>
+                                    </p:anim>
+                                    <p:anim calcmode="lin" valueType="num">
+                                      <p:cBhvr>
+                                        <p:cTn id="21" dur="500" accel="50000" fill="hold">
+                                          <p:stCondLst>
+                                            <p:cond delay="500"/>
+                                          </p:stCondLst>
+                                        </p:cTn>
+                                        <p:tgtEl>
+                                          <p:spTgt spid="9">
+                                            <p:graphicEl>
+                                              <a:dgm id="{EFC5C392-6017-8443-86D8-0600AD462692}"/>
+                                            </p:graphicEl>
+                                          </p:spTgt>
+                                        </p:tgtEl>
+                                        <p:attrNameLst>
+                                          <p:attrName>ppt_w</p:attrName>
+                                        </p:attrNameLst>
+                                      </p:cBhvr>
+                                      <p:tavLst>
+                                        <p:tav tm="0">
+                                          <p:val>
+                                            <p:strVal val="#ppt_w*.05"/>
+                                          </p:val>
+                                        </p:tav>
+                                        <p:tav tm="100000">
+                                          <p:val>
+                                            <p:strVal val="#ppt_w"/>
+                                          </p:val>
+                                        </p:tav>
+                                      </p:tavLst>
+                                    </p:anim>
+                                    <p:anim calcmode="lin" valueType="num">
+                                      <p:cBhvr>
+                                        <p:cTn id="22" dur="1000" fill="hold"/>
+                                        <p:tgtEl>
+                                          <p:spTgt spid="9">
+                                            <p:graphicEl>
+                                              <a:dgm id="{EFC5C392-6017-8443-86D8-0600AD462692}"/>
+                                            </p:graphicEl>
+                                          </p:spTgt>
+                                        </p:tgtEl>
+                                        <p:attrNameLst>
+                                          <p:attrName>ppt_h</p:attrName>
+                                        </p:attrNameLst>
+                                      </p:cBhvr>
+                                      <p:tavLst>
+                                        <p:tav tm="0">
+                                          <p:val>
+                                            <p:strVal val="#ppt_h"/>
+                                          </p:val>
+                                        </p:tav>
+                                        <p:tav tm="100000">
+                                          <p:val>
+                                            <p:strVal val="#ppt_h"/>
+                                          </p:val>
+                                        </p:tav>
+                                      </p:tavLst>
+                                    </p:anim>
+                                    <p:anim calcmode="lin" valueType="num">
+                                      <p:cBhvr>
+                                        <p:cTn id="23" dur="500" decel="50000" fill="hold">
+                                          <p:stCondLst>
+                                            <p:cond delay="0"/>
+                                          </p:stCondLst>
+                                        </p:cTn>
+                                        <p:tgtEl>
+                                          <p:spTgt spid="9">
+                                            <p:graphicEl>
+                                              <a:dgm id="{EFC5C392-6017-8443-86D8-0600AD462692}"/>
+                                            </p:graphicEl>
+                                          </p:spTgt>
+                                        </p:tgtEl>
+                                        <p:attrNameLst>
+                                          <p:attrName>ppt_x</p:attrName>
+                                        </p:attrNameLst>
+                                      </p:cBhvr>
+                                      <p:tavLst>
+                                        <p:tav tm="0">
+                                          <p:val>
+                                            <p:strVal val="#ppt_x+.4"/>
+                                          </p:val>
+                                        </p:tav>
+                                        <p:tav tm="100000">
+                                          <p:val>
+                                            <p:strVal val="#ppt_x"/>
+                                          </p:val>
+                                        </p:tav>
+                                      </p:tavLst>
+                                    </p:anim>
+                                    <p:anim calcmode="lin" valueType="num">
+                                      <p:cBhvr>
+                                        <p:cTn id="24" dur="500" decel="50000" fill="hold">
+                                          <p:stCondLst>
+                                            <p:cond delay="0"/>
+                                          </p:stCondLst>
+                                        </p:cTn>
+                                        <p:tgtEl>
+                                          <p:spTgt spid="9">
+                                            <p:graphicEl>
+                                              <a:dgm id="{EFC5C392-6017-8443-86D8-0600AD462692}"/>
+                                            </p:graphicEl>
+                                          </p:spTgt>
+                                        </p:tgtEl>
+                                        <p:attrNameLst>
+                                          <p:attrName>ppt_y</p:attrName>
+                                        </p:attrNameLst>
+                                      </p:cBhvr>
+                                      <p:tavLst>
+                                        <p:tav tm="0">
+                                          <p:val>
+                                            <p:strVal val="#ppt_y-.2"/>
+                                          </p:val>
+                                        </p:tav>
+                                        <p:tav tm="100000">
+                                          <p:val>
+                                            <p:strVal val="#ppt_y+.1"/>
+                                          </p:val>
+                                        </p:tav>
+                                      </p:tavLst>
+                                    </p:anim>
+                                    <p:anim calcmode="lin" valueType="num">
+                                      <p:cBhvr>
+                                        <p:cTn id="25" dur="500" accel="50000" fill="hold">
+                                          <p:stCondLst>
+                                            <p:cond delay="500"/>
+                                          </p:stCondLst>
+                                        </p:cTn>
+                                        <p:tgtEl>
+                                          <p:spTgt spid="9">
+                                            <p:graphicEl>
+                                              <a:dgm id="{EFC5C392-6017-8443-86D8-0600AD462692}"/>
+                                            </p:graphicEl>
+                                          </p:spTgt>
+                                        </p:tgtEl>
+                                        <p:attrNameLst>
+                                          <p:attrName>ppt_y</p:attrName>
+                                        </p:attrNameLst>
+                                      </p:cBhvr>
+                                      <p:tavLst>
+                                        <p:tav tm="0">
+                                          <p:val>
+                                            <p:strVal val="#ppt_y+.1"/>
+                                          </p:val>
+                                        </p:tav>
+                                        <p:tav tm="100000">
+                                          <p:val>
+                                            <p:strVal val="#ppt_y"/>
+                                          </p:val>
+                                        </p:tav>
+                                      </p:tavLst>
+                                    </p:anim>
+                                    <p:animEffect transition="in" filter="fade">
+                                      <p:cBhvr>
+                                        <p:cTn id="26" dur="1000" decel="50000">
+                                          <p:stCondLst>
+                                            <p:cond delay="0"/>
+                                          </p:stCondLst>
+                                        </p:cTn>
+                                        <p:tgtEl>
+                                          <p:spTgt spid="9">
+                                            <p:graphicEl>
+                                              <a:dgm id="{EFC5C392-6017-8443-86D8-0600AD462692}"/>
+                                            </p:graphicEl>
+                                          </p:spTgt>
+                                        </p:tgtEl>
+                                      </p:cBhvr>
+                                    </p:animEffect>
+                                  </p:childTnLst>
+                                </p:cTn>
+                              </p:par>
+                            </p:childTnLst>
+                          </p:cTn>
+                        </p:par>
+                      </p:childTnLst>
+                    </p:cTn>
+                  </p:par>
+                  <p:par>
+                    <p:cTn id="27" fill="hold">
+                      <p:stCondLst>
+                        <p:cond delay="indefinite"/>
+                      </p:stCondLst>
+                      <p:childTnLst>
+                        <p:par>
+                          <p:cTn id="28" fill="hold">
+                            <p:stCondLst>
+                              <p:cond delay="0"/>
+                            </p:stCondLst>
+                            <p:childTnLst>
+                              <p:par>
+                                <p:cTn id="29" presetID="25" presetClass="entr" presetSubtype="0" fill="hold" grpId="0" nodeType="clickEffect">
+                                  <p:stCondLst>
+                                    <p:cond delay="0"/>
+                                  </p:stCondLst>
+                                  <p:childTnLst>
+                                    <p:set>
+                                      <p:cBhvr>
+                                        <p:cTn id="30" dur="1" fill="hold">
+                                          <p:stCondLst>
+                                            <p:cond delay="0"/>
+                                          </p:stCondLst>
+                                        </p:cTn>
+                                        <p:tgtEl>
+                                          <p:spTgt spid="9">
+                                            <p:graphicEl>
+                                              <a:dgm id="{F27B9F0E-1D6A-1A46-B319-8D9C4ACDC8E7}"/>
+                                            </p:graphicEl>
+                                          </p:spTgt>
+                                        </p:tgtEl>
+                                        <p:attrNameLst>
+                                          <p:attrName>style.visibility</p:attrName>
+                                        </p:attrNameLst>
+                                      </p:cBhvr>
+                                      <p:to>
+                                        <p:strVal val="visible"/>
+                                      </p:to>
+                                    </p:set>
+                                    <p:anim calcmode="lin" valueType="num">
+                                      <p:cBhvr>
+                                        <p:cTn id="31" dur="500" decel="50000" fill="hold">
+                                          <p:stCondLst>
+                                            <p:cond delay="0"/>
+                                          </p:stCondLst>
+                                        </p:cTn>
+                                        <p:tgtEl>
+                                          <p:spTgt spid="9">
+                                            <p:graphicEl>
+                                              <a:dgm id="{F27B9F0E-1D6A-1A46-B319-8D9C4ACDC8E7}"/>
+                                            </p:graphicEl>
+                                          </p:spTgt>
+                                        </p:tgtEl>
+                                        <p:attrNameLst>
+                                          <p:attrName>style.rotation</p:attrName>
+                                        </p:attrNameLst>
+                                      </p:cBhvr>
+                                      <p:tavLst>
+                                        <p:tav tm="0">
+                                          <p:val>
+                                            <p:fltVal val="-90"/>
+                                          </p:val>
+                                        </p:tav>
+                                        <p:tav tm="100000">
+                                          <p:val>
+                                            <p:fltVal val="0"/>
+                                          </p:val>
+                                        </p:tav>
+                                      </p:tavLst>
+                                    </p:anim>
+                                    <p:anim calcmode="lin" valueType="num">
+                                      <p:cBhvr>
+                                        <p:cTn id="32" dur="500" decel="50000" fill="hold">
+                                          <p:stCondLst>
+                                            <p:cond delay="0"/>
+                                          </p:stCondLst>
+                                        </p:cTn>
+                                        <p:tgtEl>
+                                          <p:spTgt spid="9">
+                                            <p:graphicEl>
+                                              <a:dgm id="{F27B9F0E-1D6A-1A46-B319-8D9C4ACDC8E7}"/>
+                                            </p:graphicEl>
+                                          </p:spTgt>
+                                        </p:tgtEl>
+                                        <p:attrNameLst>
+                                          <p:attrName>ppt_w</p:attrName>
+                                        </p:attrNameLst>
+                                      </p:cBhvr>
+                                      <p:tavLst>
+                                        <p:tav tm="0">
+                                          <p:val>
+                                            <p:strVal val="#ppt_w"/>
+                                          </p:val>
+                                        </p:tav>
+                                        <p:tav tm="100000">
+                                          <p:val>
+                                            <p:strVal val="#ppt_w*.05"/>
+                                          </p:val>
+                                        </p:tav>
+                                      </p:tavLst>
+                                    </p:anim>
+                                    <p:anim calcmode="lin" valueType="num">
+                                      <p:cBhvr>
+                                        <p:cTn id="33" dur="500" accel="50000" fill="hold">
+                                          <p:stCondLst>
+                                            <p:cond delay="500"/>
+                                          </p:stCondLst>
+                                        </p:cTn>
+                                        <p:tgtEl>
+                                          <p:spTgt spid="9">
+                                            <p:graphicEl>
+                                              <a:dgm id="{F27B9F0E-1D6A-1A46-B319-8D9C4ACDC8E7}"/>
+                                            </p:graphicEl>
+                                          </p:spTgt>
+                                        </p:tgtEl>
+                                        <p:attrNameLst>
+                                          <p:attrName>ppt_w</p:attrName>
+                                        </p:attrNameLst>
+                                      </p:cBhvr>
+                                      <p:tavLst>
+                                        <p:tav tm="0">
+                                          <p:val>
+                                            <p:strVal val="#ppt_w*.05"/>
+                                          </p:val>
+                                        </p:tav>
+                                        <p:tav tm="100000">
+                                          <p:val>
+                                            <p:strVal val="#ppt_w"/>
+                                          </p:val>
+                                        </p:tav>
+                                      </p:tavLst>
+                                    </p:anim>
+                                    <p:anim calcmode="lin" valueType="num">
+                                      <p:cBhvr>
+                                        <p:cTn id="34" dur="1000" fill="hold"/>
+                                        <p:tgtEl>
+                                          <p:spTgt spid="9">
+                                            <p:graphicEl>
+                                              <a:dgm id="{F27B9F0E-1D6A-1A46-B319-8D9C4ACDC8E7}"/>
+                                            </p:graphicEl>
+                                          </p:spTgt>
+                                        </p:tgtEl>
+                                        <p:attrNameLst>
+                                          <p:attrName>ppt_h</p:attrName>
+                                        </p:attrNameLst>
+                                      </p:cBhvr>
+                                      <p:tavLst>
+                                        <p:tav tm="0">
+                                          <p:val>
+                                            <p:strVal val="#ppt_h"/>
+                                          </p:val>
+                                        </p:tav>
+                                        <p:tav tm="100000">
+                                          <p:val>
+                                            <p:strVal val="#ppt_h"/>
+                                          </p:val>
+                                        </p:tav>
+                                      </p:tavLst>
+                                    </p:anim>
+                                    <p:anim calcmode="lin" valueType="num">
+                                      <p:cBhvr>
+                                        <p:cTn id="35" dur="500" decel="50000" fill="hold">
+                                          <p:stCondLst>
+                                            <p:cond delay="0"/>
+                                          </p:stCondLst>
+                                        </p:cTn>
+                                        <p:tgtEl>
+                                          <p:spTgt spid="9">
+                                            <p:graphicEl>
+                                              <a:dgm id="{F27B9F0E-1D6A-1A46-B319-8D9C4ACDC8E7}"/>
+                                            </p:graphicEl>
+                                          </p:spTgt>
+                                        </p:tgtEl>
+                                        <p:attrNameLst>
+                                          <p:attrName>ppt_x</p:attrName>
+                                        </p:attrNameLst>
+                                      </p:cBhvr>
+                                      <p:tavLst>
+                                        <p:tav tm="0">
+                                          <p:val>
+                                            <p:strVal val="#ppt_x+.4"/>
+                                          </p:val>
+                                        </p:tav>
+                                        <p:tav tm="100000">
+                                          <p:val>
+                                            <p:strVal val="#ppt_x"/>
+                                          </p:val>
+                                        </p:tav>
+                                      </p:tavLst>
+                                    </p:anim>
+                                    <p:anim calcmode="lin" valueType="num">
+                                      <p:cBhvr>
+                                        <p:cTn id="36" dur="500" decel="50000" fill="hold">
+                                          <p:stCondLst>
+                                            <p:cond delay="0"/>
+                                          </p:stCondLst>
+                                        </p:cTn>
+                                        <p:tgtEl>
+                                          <p:spTgt spid="9">
+                                            <p:graphicEl>
+                                              <a:dgm id="{F27B9F0E-1D6A-1A46-B319-8D9C4ACDC8E7}"/>
+                                            </p:graphicEl>
+                                          </p:spTgt>
+                                        </p:tgtEl>
+                                        <p:attrNameLst>
+                                          <p:attrName>ppt_y</p:attrName>
+                                        </p:attrNameLst>
+                                      </p:cBhvr>
+                                      <p:tavLst>
+                                        <p:tav tm="0">
+                                          <p:val>
+                                            <p:strVal val="#ppt_y-.2"/>
+                                          </p:val>
+                                        </p:tav>
+                                        <p:tav tm="100000">
+                                          <p:val>
+                                            <p:strVal val="#ppt_y+.1"/>
+                                          </p:val>
+                                        </p:tav>
+                                      </p:tavLst>
+                                    </p:anim>
+                                    <p:anim calcmode="lin" valueType="num">
+                                      <p:cBhvr>
+                                        <p:cTn id="37" dur="500" accel="50000" fill="hold">
+                                          <p:stCondLst>
+                                            <p:cond delay="500"/>
+                                          </p:stCondLst>
+                                        </p:cTn>
+                                        <p:tgtEl>
+                                          <p:spTgt spid="9">
+                                            <p:graphicEl>
+                                              <a:dgm id="{F27B9F0E-1D6A-1A46-B319-8D9C4ACDC8E7}"/>
+                                            </p:graphicEl>
+                                          </p:spTgt>
+                                        </p:tgtEl>
+                                        <p:attrNameLst>
+                                          <p:attrName>ppt_y</p:attrName>
+                                        </p:attrNameLst>
+                                      </p:cBhvr>
+                                      <p:tavLst>
+                                        <p:tav tm="0">
+                                          <p:val>
+                                            <p:strVal val="#ppt_y+.1"/>
+                                          </p:val>
+                                        </p:tav>
+                                        <p:tav tm="100000">
+                                          <p:val>
+                                            <p:strVal val="#ppt_y"/>
+                                          </p:val>
+                                        </p:tav>
+                                      </p:tavLst>
+                                    </p:anim>
+                                    <p:animEffect transition="in" filter="fade">
+                                      <p:cBhvr>
+                                        <p:cTn id="38" dur="1000" decel="50000">
+                                          <p:stCondLst>
+                                            <p:cond delay="0"/>
+                                          </p:stCondLst>
+                                        </p:cTn>
+                                        <p:tgtEl>
+                                          <p:spTgt spid="9">
+                                            <p:graphicEl>
+                                              <a:dgm id="{F27B9F0E-1D6A-1A46-B319-8D9C4ACDC8E7}"/>
+                                            </p:graphicEl>
+                                          </p:spTgt>
+                                        </p:tgtEl>
+                                      </p:cBhvr>
+                                    </p:animEffect>
+                                  </p:childTnLst>
+                                </p:cTn>
+                              </p:par>
+                            </p:childTnLst>
+                          </p:cTn>
+                        </p:par>
+                      </p:childTnLst>
+                    </p:cTn>
+                  </p:par>
+                </p:childTnLst>
+              </p:cTn>
+              <p:prevCondLst>
+                <p:cond evt="onPrev" delay="0">
+                  <p:tgtEl>
+                    <p:sldTgt/>
+                  </p:tgtEl>
+                </p:cond>
+              </p:prevCondLst>
+              <p:nextCondLst>
+                <p:cond evt="onNext" delay="0">
+                  <p:tgtEl>
+                    <p:sldTgt/>
+                  </p:tgtEl>
+                </p:cond>
+              </p:nextCondLst>
+            </p:seq>
+          </p:childTnLst>
+        </p:cTn>
+      </p:par>
+    </p:tnLst>
+    <p:bldLst>
+      <p:bldGraphic spid="9" grpId="0">
+        <p:bldSub>
+          <a:bldDgm bld="one"/>
+        </p:bldSub>
+      </p:bldGraphic>
+    </p:bldLst>
+  </p:timing>
 </p:sld>
 </file>
 
@@ -26731,6 +29430,520 @@
   <p:clrMapOvr>
     <a:overrideClrMapping bg1="dk1" tx1="lt1" bg2="dk2" tx2="lt2" accent1="accent1" accent2="accent2" accent3="accent3" accent4="accent4" accent5="accent5" accent6="accent6" hlink="hlink" folHlink="folHlink"/>
   </p:clrMapOvr>
+  <p:timing>
+    <p:tnLst>
+      <p:par>
+        <p:cTn id="1" dur="indefinite" restart="never" nodeType="tmRoot">
+          <p:childTnLst>
+            <p:seq concurrent="1" nextAc="seek">
+              <p:cTn id="2" dur="indefinite" nodeType="mainSeq">
+                <p:childTnLst>
+                  <p:par>
+                    <p:cTn id="3" fill="hold">
+                      <p:stCondLst>
+                        <p:cond delay="indefinite"/>
+                      </p:stCondLst>
+                      <p:childTnLst>
+                        <p:par>
+                          <p:cTn id="4" fill="hold">
+                            <p:stCondLst>
+                              <p:cond delay="0"/>
+                            </p:stCondLst>
+                            <p:childTnLst>
+                              <p:par>
+                                <p:cTn id="5" presetID="9" presetClass="entr" presetSubtype="0" fill="hold" grpId="0" nodeType="clickEffect">
+                                  <p:stCondLst>
+                                    <p:cond delay="0"/>
+                                  </p:stCondLst>
+                                  <p:childTnLst>
+                                    <p:set>
+                                      <p:cBhvr>
+                                        <p:cTn id="6" dur="1" fill="hold">
+                                          <p:stCondLst>
+                                            <p:cond delay="0"/>
+                                          </p:stCondLst>
+                                        </p:cTn>
+                                        <p:tgtEl>
+                                          <p:spTgt spid="4">
+                                            <p:graphicEl>
+                                              <a:dgm id="{574038CE-CAD5-3844-A4F9-CE284C66F23C}"/>
+                                            </p:graphicEl>
+                                          </p:spTgt>
+                                        </p:tgtEl>
+                                        <p:attrNameLst>
+                                          <p:attrName>style.visibility</p:attrName>
+                                        </p:attrNameLst>
+                                      </p:cBhvr>
+                                      <p:to>
+                                        <p:strVal val="visible"/>
+                                      </p:to>
+                                    </p:set>
+                                    <p:animEffect transition="in" filter="dissolve">
+                                      <p:cBhvr>
+                                        <p:cTn id="7" dur="500"/>
+                                        <p:tgtEl>
+                                          <p:spTgt spid="4">
+                                            <p:graphicEl>
+                                              <a:dgm id="{574038CE-CAD5-3844-A4F9-CE284C66F23C}"/>
+                                            </p:graphicEl>
+                                          </p:spTgt>
+                                        </p:tgtEl>
+                                      </p:cBhvr>
+                                    </p:animEffect>
+                                  </p:childTnLst>
+                                </p:cTn>
+                              </p:par>
+                            </p:childTnLst>
+                          </p:cTn>
+                        </p:par>
+                      </p:childTnLst>
+                    </p:cTn>
+                  </p:par>
+                  <p:par>
+                    <p:cTn id="8" fill="hold">
+                      <p:stCondLst>
+                        <p:cond delay="indefinite"/>
+                      </p:stCondLst>
+                      <p:childTnLst>
+                        <p:par>
+                          <p:cTn id="9" fill="hold">
+                            <p:stCondLst>
+                              <p:cond delay="0"/>
+                            </p:stCondLst>
+                            <p:childTnLst>
+                              <p:par>
+                                <p:cTn id="10" presetID="9" presetClass="entr" presetSubtype="0" fill="hold" grpId="0" nodeType="clickEffect">
+                                  <p:stCondLst>
+                                    <p:cond delay="0"/>
+                                  </p:stCondLst>
+                                  <p:childTnLst>
+                                    <p:set>
+                                      <p:cBhvr>
+                                        <p:cTn id="11" dur="1" fill="hold">
+                                          <p:stCondLst>
+                                            <p:cond delay="0"/>
+                                          </p:stCondLst>
+                                        </p:cTn>
+                                        <p:tgtEl>
+                                          <p:spTgt spid="4">
+                                            <p:graphicEl>
+                                              <a:dgm id="{8ACE6E46-40FD-3144-A0A1-575AC3ECCB17}"/>
+                                            </p:graphicEl>
+                                          </p:spTgt>
+                                        </p:tgtEl>
+                                        <p:attrNameLst>
+                                          <p:attrName>style.visibility</p:attrName>
+                                        </p:attrNameLst>
+                                      </p:cBhvr>
+                                      <p:to>
+                                        <p:strVal val="visible"/>
+                                      </p:to>
+                                    </p:set>
+                                    <p:animEffect transition="in" filter="dissolve">
+                                      <p:cBhvr>
+                                        <p:cTn id="12" dur="500"/>
+                                        <p:tgtEl>
+                                          <p:spTgt spid="4">
+                                            <p:graphicEl>
+                                              <a:dgm id="{8ACE6E46-40FD-3144-A0A1-575AC3ECCB17}"/>
+                                            </p:graphicEl>
+                                          </p:spTgt>
+                                        </p:tgtEl>
+                                      </p:cBhvr>
+                                    </p:animEffect>
+                                  </p:childTnLst>
+                                </p:cTn>
+                              </p:par>
+                              <p:par>
+                                <p:cTn id="13" presetID="9" presetClass="entr" presetSubtype="0" fill="hold" grpId="0" nodeType="withEffect">
+                                  <p:stCondLst>
+                                    <p:cond delay="0"/>
+                                  </p:stCondLst>
+                                  <p:childTnLst>
+                                    <p:set>
+                                      <p:cBhvr>
+                                        <p:cTn id="14" dur="1" fill="hold">
+                                          <p:stCondLst>
+                                            <p:cond delay="0"/>
+                                          </p:stCondLst>
+                                        </p:cTn>
+                                        <p:tgtEl>
+                                          <p:spTgt spid="4">
+                                            <p:graphicEl>
+                                              <a:dgm id="{896F4095-DD72-9941-A47F-21A235F88150}"/>
+                                            </p:graphicEl>
+                                          </p:spTgt>
+                                        </p:tgtEl>
+                                        <p:attrNameLst>
+                                          <p:attrName>style.visibility</p:attrName>
+                                        </p:attrNameLst>
+                                      </p:cBhvr>
+                                      <p:to>
+                                        <p:strVal val="visible"/>
+                                      </p:to>
+                                    </p:set>
+                                    <p:animEffect transition="in" filter="dissolve">
+                                      <p:cBhvr>
+                                        <p:cTn id="15" dur="500"/>
+                                        <p:tgtEl>
+                                          <p:spTgt spid="4">
+                                            <p:graphicEl>
+                                              <a:dgm id="{896F4095-DD72-9941-A47F-21A235F88150}"/>
+                                            </p:graphicEl>
+                                          </p:spTgt>
+                                        </p:tgtEl>
+                                      </p:cBhvr>
+                                    </p:animEffect>
+                                  </p:childTnLst>
+                                </p:cTn>
+                              </p:par>
+                            </p:childTnLst>
+                          </p:cTn>
+                        </p:par>
+                      </p:childTnLst>
+                    </p:cTn>
+                  </p:par>
+                  <p:par>
+                    <p:cTn id="16" fill="hold">
+                      <p:stCondLst>
+                        <p:cond delay="indefinite"/>
+                      </p:stCondLst>
+                      <p:childTnLst>
+                        <p:par>
+                          <p:cTn id="17" fill="hold">
+                            <p:stCondLst>
+                              <p:cond delay="0"/>
+                            </p:stCondLst>
+                            <p:childTnLst>
+                              <p:par>
+                                <p:cTn id="18" presetID="9" presetClass="entr" presetSubtype="0" fill="hold" grpId="0" nodeType="clickEffect">
+                                  <p:stCondLst>
+                                    <p:cond delay="0"/>
+                                  </p:stCondLst>
+                                  <p:childTnLst>
+                                    <p:set>
+                                      <p:cBhvr>
+                                        <p:cTn id="19" dur="1" fill="hold">
+                                          <p:stCondLst>
+                                            <p:cond delay="0"/>
+                                          </p:stCondLst>
+                                        </p:cTn>
+                                        <p:tgtEl>
+                                          <p:spTgt spid="4">
+                                            <p:graphicEl>
+                                              <a:dgm id="{A56EBBF8-0CBC-FC4A-AE62-EE7D5A6186A6}"/>
+                                            </p:graphicEl>
+                                          </p:spTgt>
+                                        </p:tgtEl>
+                                        <p:attrNameLst>
+                                          <p:attrName>style.visibility</p:attrName>
+                                        </p:attrNameLst>
+                                      </p:cBhvr>
+                                      <p:to>
+                                        <p:strVal val="visible"/>
+                                      </p:to>
+                                    </p:set>
+                                    <p:animEffect transition="in" filter="dissolve">
+                                      <p:cBhvr>
+                                        <p:cTn id="20" dur="500"/>
+                                        <p:tgtEl>
+                                          <p:spTgt spid="4">
+                                            <p:graphicEl>
+                                              <a:dgm id="{A56EBBF8-0CBC-FC4A-AE62-EE7D5A6186A6}"/>
+                                            </p:graphicEl>
+                                          </p:spTgt>
+                                        </p:tgtEl>
+                                      </p:cBhvr>
+                                    </p:animEffect>
+                                  </p:childTnLst>
+                                </p:cTn>
+                              </p:par>
+                              <p:par>
+                                <p:cTn id="21" presetID="9" presetClass="entr" presetSubtype="0" fill="hold" grpId="0" nodeType="withEffect">
+                                  <p:stCondLst>
+                                    <p:cond delay="0"/>
+                                  </p:stCondLst>
+                                  <p:childTnLst>
+                                    <p:set>
+                                      <p:cBhvr>
+                                        <p:cTn id="22" dur="1" fill="hold">
+                                          <p:stCondLst>
+                                            <p:cond delay="0"/>
+                                          </p:stCondLst>
+                                        </p:cTn>
+                                        <p:tgtEl>
+                                          <p:spTgt spid="4">
+                                            <p:graphicEl>
+                                              <a:dgm id="{08422ABB-995F-F541-891A-BB8680B2CCF7}"/>
+                                            </p:graphicEl>
+                                          </p:spTgt>
+                                        </p:tgtEl>
+                                        <p:attrNameLst>
+                                          <p:attrName>style.visibility</p:attrName>
+                                        </p:attrNameLst>
+                                      </p:cBhvr>
+                                      <p:to>
+                                        <p:strVal val="visible"/>
+                                      </p:to>
+                                    </p:set>
+                                    <p:animEffect transition="in" filter="dissolve">
+                                      <p:cBhvr>
+                                        <p:cTn id="23" dur="500"/>
+                                        <p:tgtEl>
+                                          <p:spTgt spid="4">
+                                            <p:graphicEl>
+                                              <a:dgm id="{08422ABB-995F-F541-891A-BB8680B2CCF7}"/>
+                                            </p:graphicEl>
+                                          </p:spTgt>
+                                        </p:tgtEl>
+                                      </p:cBhvr>
+                                    </p:animEffect>
+                                  </p:childTnLst>
+                                </p:cTn>
+                              </p:par>
+                            </p:childTnLst>
+                          </p:cTn>
+                        </p:par>
+                      </p:childTnLst>
+                    </p:cTn>
+                  </p:par>
+                  <p:par>
+                    <p:cTn id="24" fill="hold">
+                      <p:stCondLst>
+                        <p:cond delay="indefinite"/>
+                      </p:stCondLst>
+                      <p:childTnLst>
+                        <p:par>
+                          <p:cTn id="25" fill="hold">
+                            <p:stCondLst>
+                              <p:cond delay="0"/>
+                            </p:stCondLst>
+                            <p:childTnLst>
+                              <p:par>
+                                <p:cTn id="26" presetID="9" presetClass="entr" presetSubtype="0" fill="hold" grpId="0" nodeType="clickEffect">
+                                  <p:stCondLst>
+                                    <p:cond delay="0"/>
+                                  </p:stCondLst>
+                                  <p:childTnLst>
+                                    <p:set>
+                                      <p:cBhvr>
+                                        <p:cTn id="27" dur="1" fill="hold">
+                                          <p:stCondLst>
+                                            <p:cond delay="0"/>
+                                          </p:stCondLst>
+                                        </p:cTn>
+                                        <p:tgtEl>
+                                          <p:spTgt spid="4">
+                                            <p:graphicEl>
+                                              <a:dgm id="{E0A6F878-CA93-8E4D-AB9B-2AA8F1024B59}"/>
+                                            </p:graphicEl>
+                                          </p:spTgt>
+                                        </p:tgtEl>
+                                        <p:attrNameLst>
+                                          <p:attrName>style.visibility</p:attrName>
+                                        </p:attrNameLst>
+                                      </p:cBhvr>
+                                      <p:to>
+                                        <p:strVal val="visible"/>
+                                      </p:to>
+                                    </p:set>
+                                    <p:animEffect transition="in" filter="dissolve">
+                                      <p:cBhvr>
+                                        <p:cTn id="28" dur="500"/>
+                                        <p:tgtEl>
+                                          <p:spTgt spid="4">
+                                            <p:graphicEl>
+                                              <a:dgm id="{E0A6F878-CA93-8E4D-AB9B-2AA8F1024B59}"/>
+                                            </p:graphicEl>
+                                          </p:spTgt>
+                                        </p:tgtEl>
+                                      </p:cBhvr>
+                                    </p:animEffect>
+                                  </p:childTnLst>
+                                </p:cTn>
+                              </p:par>
+                              <p:par>
+                                <p:cTn id="29" presetID="9" presetClass="entr" presetSubtype="0" fill="hold" grpId="0" nodeType="withEffect">
+                                  <p:stCondLst>
+                                    <p:cond delay="0"/>
+                                  </p:stCondLst>
+                                  <p:childTnLst>
+                                    <p:set>
+                                      <p:cBhvr>
+                                        <p:cTn id="30" dur="1" fill="hold">
+                                          <p:stCondLst>
+                                            <p:cond delay="0"/>
+                                          </p:stCondLst>
+                                        </p:cTn>
+                                        <p:tgtEl>
+                                          <p:spTgt spid="4">
+                                            <p:graphicEl>
+                                              <a:dgm id="{BB89E722-366A-6E47-BD07-A8C48F9CA21E}"/>
+                                            </p:graphicEl>
+                                          </p:spTgt>
+                                        </p:tgtEl>
+                                        <p:attrNameLst>
+                                          <p:attrName>style.visibility</p:attrName>
+                                        </p:attrNameLst>
+                                      </p:cBhvr>
+                                      <p:to>
+                                        <p:strVal val="visible"/>
+                                      </p:to>
+                                    </p:set>
+                                    <p:animEffect transition="in" filter="dissolve">
+                                      <p:cBhvr>
+                                        <p:cTn id="31" dur="500"/>
+                                        <p:tgtEl>
+                                          <p:spTgt spid="4">
+                                            <p:graphicEl>
+                                              <a:dgm id="{BB89E722-366A-6E47-BD07-A8C48F9CA21E}"/>
+                                            </p:graphicEl>
+                                          </p:spTgt>
+                                        </p:tgtEl>
+                                      </p:cBhvr>
+                                    </p:animEffect>
+                                  </p:childTnLst>
+                                </p:cTn>
+                              </p:par>
+                            </p:childTnLst>
+                          </p:cTn>
+                        </p:par>
+                      </p:childTnLst>
+                    </p:cTn>
+                  </p:par>
+                  <p:par>
+                    <p:cTn id="32" fill="hold">
+                      <p:stCondLst>
+                        <p:cond delay="indefinite"/>
+                      </p:stCondLst>
+                      <p:childTnLst>
+                        <p:par>
+                          <p:cTn id="33" fill="hold">
+                            <p:stCondLst>
+                              <p:cond delay="0"/>
+                            </p:stCondLst>
+                            <p:childTnLst>
+                              <p:par>
+                                <p:cTn id="34" presetID="9" presetClass="entr" presetSubtype="0" fill="hold" grpId="0" nodeType="clickEffect">
+                                  <p:stCondLst>
+                                    <p:cond delay="0"/>
+                                  </p:stCondLst>
+                                  <p:childTnLst>
+                                    <p:set>
+                                      <p:cBhvr>
+                                        <p:cTn id="35" dur="1" fill="hold">
+                                          <p:stCondLst>
+                                            <p:cond delay="0"/>
+                                          </p:stCondLst>
+                                        </p:cTn>
+                                        <p:tgtEl>
+                                          <p:spTgt spid="4">
+                                            <p:graphicEl>
+                                              <a:dgm id="{28209E1E-3339-2645-959A-6486FC1F1E9D}"/>
+                                            </p:graphicEl>
+                                          </p:spTgt>
+                                        </p:tgtEl>
+                                        <p:attrNameLst>
+                                          <p:attrName>style.visibility</p:attrName>
+                                        </p:attrNameLst>
+                                      </p:cBhvr>
+                                      <p:to>
+                                        <p:strVal val="visible"/>
+                                      </p:to>
+                                    </p:set>
+                                    <p:animEffect transition="in" filter="dissolve">
+                                      <p:cBhvr>
+                                        <p:cTn id="36" dur="500"/>
+                                        <p:tgtEl>
+                                          <p:spTgt spid="4">
+                                            <p:graphicEl>
+                                              <a:dgm id="{28209E1E-3339-2645-959A-6486FC1F1E9D}"/>
+                                            </p:graphicEl>
+                                          </p:spTgt>
+                                        </p:tgtEl>
+                                      </p:cBhvr>
+                                    </p:animEffect>
+                                  </p:childTnLst>
+                                </p:cTn>
+                              </p:par>
+                              <p:par>
+                                <p:cTn id="37" presetID="9" presetClass="entr" presetSubtype="0" fill="hold" grpId="0" nodeType="withEffect">
+                                  <p:stCondLst>
+                                    <p:cond delay="0"/>
+                                  </p:stCondLst>
+                                  <p:childTnLst>
+                                    <p:set>
+                                      <p:cBhvr>
+                                        <p:cTn id="38" dur="1" fill="hold">
+                                          <p:stCondLst>
+                                            <p:cond delay="0"/>
+                                          </p:stCondLst>
+                                        </p:cTn>
+                                        <p:tgtEl>
+                                          <p:spTgt spid="4">
+                                            <p:graphicEl>
+                                              <a:dgm id="{94643FE4-9AC0-EB4D-A165-1CDFC3079140}"/>
+                                            </p:graphicEl>
+                                          </p:spTgt>
+                                        </p:tgtEl>
+                                        <p:attrNameLst>
+                                          <p:attrName>style.visibility</p:attrName>
+                                        </p:attrNameLst>
+                                      </p:cBhvr>
+                                      <p:to>
+                                        <p:strVal val="visible"/>
+                                      </p:to>
+                                    </p:set>
+                                    <p:animEffect transition="in" filter="dissolve">
+                                      <p:cBhvr>
+                                        <p:cTn id="39" dur="500"/>
+                                        <p:tgtEl>
+                                          <p:spTgt spid="4">
+                                            <p:graphicEl>
+                                              <a:dgm id="{94643FE4-9AC0-EB4D-A165-1CDFC3079140}"/>
+                                            </p:graphicEl>
+                                          </p:spTgt>
+                                        </p:tgtEl>
+                                      </p:cBhvr>
+                                    </p:animEffect>
+                                  </p:childTnLst>
+                                </p:cTn>
+                              </p:par>
+                            </p:childTnLst>
+                          </p:cTn>
+                        </p:par>
+                      </p:childTnLst>
+                    </p:cTn>
+                  </p:par>
+                </p:childTnLst>
+              </p:cTn>
+              <p:prevCondLst>
+                <p:cond evt="onPrev" delay="0">
+                  <p:tgtEl>
+                    <p:sldTgt/>
+                  </p:tgtEl>
+                </p:cond>
+              </p:prevCondLst>
+              <p:nextCondLst>
+                <p:cond evt="onNext" delay="0">
+                  <p:tgtEl>
+                    <p:sldTgt/>
+                  </p:tgtEl>
+                </p:cond>
+              </p:nextCondLst>
+            </p:seq>
+          </p:childTnLst>
+        </p:cTn>
+      </p:par>
+    </p:tnLst>
+    <p:bldLst>
+      <p:bldGraphic spid="4" grpId="0">
+        <p:bldSub>
+          <a:bldDgm bld="one"/>
+        </p:bldSub>
+      </p:bldGraphic>
+    </p:bldLst>
+  </p:timing>
 </p:sld>
 </file>
 
